--- a/materials/slides/ch03-2.pptx
+++ b/materials/slides/ch03-2.pptx
@@ -1,37 +1,37 @@
 
 <file path=ppt/presentation.xml><?xml version="1.0" encoding="utf-8"?>
-<p:presentation xmlns:a="http://schemas.openxmlformats.org/drawingml/2006/main" xmlns:r="http://schemas.openxmlformats.org/officeDocument/2006/relationships" xmlns:p="http://schemas.openxmlformats.org/presentationml/2006/main" showSpecialPlsOnTitleSld="0" saveSubsetFonts="1" bookmarkIdSeed="2">
+<p:presentation xmlns:a="http://schemas.openxmlformats.org/drawingml/2006/main" xmlns:r="http://schemas.openxmlformats.org/officeDocument/2006/relationships" xmlns:p="http://schemas.openxmlformats.org/presentationml/2006/main" bookmarkIdSeed="2" showSpecialPlsOnTitleSld="0">
   <p:sldMasterIdLst>
-    <p:sldMasterId id="2147483652" r:id="rId1"/>
+    <p:sldMasterId id="2147483648" r:id="rId1"/>
   </p:sldMasterIdLst>
   <p:notesMasterIdLst>
-    <p:notesMasterId r:id="rId21"/>
+    <p:notesMasterId r:id="rId6"/>
   </p:notesMasterIdLst>
   <p:handoutMasterIdLst>
-    <p:handoutMasterId r:id="rId22"/>
+    <p:handoutMasterId r:id="rId23"/>
   </p:handoutMasterIdLst>
   <p:sldIdLst>
-    <p:sldId id="256" r:id="rId2"/>
-    <p:sldId id="401" r:id="rId3"/>
-    <p:sldId id="267" r:id="rId4"/>
-    <p:sldId id="402" r:id="rId5"/>
-    <p:sldId id="403" r:id="rId6"/>
-    <p:sldId id="404" r:id="rId7"/>
-    <p:sldId id="405" r:id="rId8"/>
-    <p:sldId id="406" r:id="rId9"/>
-    <p:sldId id="407" r:id="rId10"/>
-    <p:sldId id="408" r:id="rId11"/>
-    <p:sldId id="409" r:id="rId12"/>
-    <p:sldId id="410" r:id="rId13"/>
-    <p:sldId id="411" r:id="rId14"/>
-    <p:sldId id="412" r:id="rId15"/>
-    <p:sldId id="413" r:id="rId16"/>
-    <p:sldId id="414" r:id="rId17"/>
-    <p:sldId id="415" r:id="rId18"/>
-    <p:sldId id="416" r:id="rId19"/>
-    <p:sldId id="353" r:id="rId20"/>
+    <p:sldId id="256" r:id="rId3"/>
+    <p:sldId id="401" r:id="rId4"/>
+    <p:sldId id="267" r:id="rId5"/>
+    <p:sldId id="402" r:id="rId7"/>
+    <p:sldId id="403" r:id="rId8"/>
+    <p:sldId id="404" r:id="rId9"/>
+    <p:sldId id="405" r:id="rId10"/>
+    <p:sldId id="406" r:id="rId11"/>
+    <p:sldId id="407" r:id="rId12"/>
+    <p:sldId id="408" r:id="rId13"/>
+    <p:sldId id="409" r:id="rId14"/>
+    <p:sldId id="410" r:id="rId15"/>
+    <p:sldId id="411" r:id="rId16"/>
+    <p:sldId id="412" r:id="rId17"/>
+    <p:sldId id="413" r:id="rId18"/>
+    <p:sldId id="414" r:id="rId19"/>
+    <p:sldId id="415" r:id="rId20"/>
+    <p:sldId id="416" r:id="rId21"/>
+    <p:sldId id="353" r:id="rId22"/>
   </p:sldIdLst>
-  <p:sldSz cx="9144000" cy="6858000" type="screen4x3"/>
+  <p:sldSz cx="12192000" cy="6858000"/>
   <p:notesSz cx="6858000" cy="9144000"/>
   <p:defaultTextStyle>
     <a:defPPr>
@@ -48,9 +48,9 @@
         <a:solidFill>
           <a:schemeClr val="tx1"/>
         </a:solidFill>
-        <a:latin typeface="Arial" charset="0"/>
+        <a:latin typeface="Arial" panose="020B0604020202020204" pitchFamily="34" charset="0"/>
         <a:ea typeface="+mn-ea"/>
-        <a:cs typeface="Arial" charset="0"/>
+        <a:cs typeface="Arial" panose="020B0604020202020204" pitchFamily="34" charset="0"/>
       </a:defRPr>
     </a:lvl1pPr>
     <a:lvl2pPr marL="457200" algn="l" rtl="0" fontAlgn="base">
@@ -64,9 +64,9 @@
         <a:solidFill>
           <a:schemeClr val="tx1"/>
         </a:solidFill>
-        <a:latin typeface="Arial" charset="0"/>
+        <a:latin typeface="Arial" panose="020B0604020202020204" pitchFamily="34" charset="0"/>
         <a:ea typeface="+mn-ea"/>
-        <a:cs typeface="Arial" charset="0"/>
+        <a:cs typeface="Arial" panose="020B0604020202020204" pitchFamily="34" charset="0"/>
       </a:defRPr>
     </a:lvl2pPr>
     <a:lvl3pPr marL="914400" algn="l" rtl="0" fontAlgn="base">
@@ -80,9 +80,9 @@
         <a:solidFill>
           <a:schemeClr val="tx1"/>
         </a:solidFill>
-        <a:latin typeface="Arial" charset="0"/>
+        <a:latin typeface="Arial" panose="020B0604020202020204" pitchFamily="34" charset="0"/>
         <a:ea typeface="+mn-ea"/>
-        <a:cs typeface="Arial" charset="0"/>
+        <a:cs typeface="Arial" panose="020B0604020202020204" pitchFamily="34" charset="0"/>
       </a:defRPr>
     </a:lvl3pPr>
     <a:lvl4pPr marL="1371600" algn="l" rtl="0" fontAlgn="base">
@@ -96,9 +96,9 @@
         <a:solidFill>
           <a:schemeClr val="tx1"/>
         </a:solidFill>
-        <a:latin typeface="Arial" charset="0"/>
+        <a:latin typeface="Arial" panose="020B0604020202020204" pitchFamily="34" charset="0"/>
         <a:ea typeface="+mn-ea"/>
-        <a:cs typeface="Arial" charset="0"/>
+        <a:cs typeface="Arial" panose="020B0604020202020204" pitchFamily="34" charset="0"/>
       </a:defRPr>
     </a:lvl4pPr>
     <a:lvl5pPr marL="1828800" algn="l" rtl="0" fontAlgn="base">
@@ -112,9 +112,9 @@
         <a:solidFill>
           <a:schemeClr val="tx1"/>
         </a:solidFill>
-        <a:latin typeface="Arial" charset="0"/>
+        <a:latin typeface="Arial" panose="020B0604020202020204" pitchFamily="34" charset="0"/>
         <a:ea typeface="+mn-ea"/>
-        <a:cs typeface="Arial" charset="0"/>
+        <a:cs typeface="Arial" panose="020B0604020202020204" pitchFamily="34" charset="0"/>
       </a:defRPr>
     </a:lvl5pPr>
     <a:lvl6pPr marL="2286000" algn="l" defTabSz="914400" rtl="0" eaLnBrk="1" latinLnBrk="0" hangingPunct="1">
@@ -122,9 +122,9 @@
         <a:solidFill>
           <a:schemeClr val="tx1"/>
         </a:solidFill>
-        <a:latin typeface="Arial" charset="0"/>
+        <a:latin typeface="Arial" panose="020B0604020202020204" pitchFamily="34" charset="0"/>
         <a:ea typeface="+mn-ea"/>
-        <a:cs typeface="Arial" charset="0"/>
+        <a:cs typeface="Arial" panose="020B0604020202020204" pitchFamily="34" charset="0"/>
       </a:defRPr>
     </a:lvl6pPr>
     <a:lvl7pPr marL="2743200" algn="l" defTabSz="914400" rtl="0" eaLnBrk="1" latinLnBrk="0" hangingPunct="1">
@@ -132,9 +132,9 @@
         <a:solidFill>
           <a:schemeClr val="tx1"/>
         </a:solidFill>
-        <a:latin typeface="Arial" charset="0"/>
+        <a:latin typeface="Arial" panose="020B0604020202020204" pitchFamily="34" charset="0"/>
         <a:ea typeface="+mn-ea"/>
-        <a:cs typeface="Arial" charset="0"/>
+        <a:cs typeface="Arial" panose="020B0604020202020204" pitchFamily="34" charset="0"/>
       </a:defRPr>
     </a:lvl7pPr>
     <a:lvl8pPr marL="3200400" algn="l" defTabSz="914400" rtl="0" eaLnBrk="1" latinLnBrk="0" hangingPunct="1">
@@ -142,9 +142,9 @@
         <a:solidFill>
           <a:schemeClr val="tx1"/>
         </a:solidFill>
-        <a:latin typeface="Arial" charset="0"/>
+        <a:latin typeface="Arial" panose="020B0604020202020204" pitchFamily="34" charset="0"/>
         <a:ea typeface="+mn-ea"/>
-        <a:cs typeface="Arial" charset="0"/>
+        <a:cs typeface="Arial" panose="020B0604020202020204" pitchFamily="34" charset="0"/>
       </a:defRPr>
     </a:lvl8pPr>
     <a:lvl9pPr marL="3657600" algn="l" defTabSz="914400" rtl="0" eaLnBrk="1" latinLnBrk="0" hangingPunct="1">
@@ -152,33 +152,13 @@
         <a:solidFill>
           <a:schemeClr val="tx1"/>
         </a:solidFill>
-        <a:latin typeface="Arial" charset="0"/>
+        <a:latin typeface="Arial" panose="020B0604020202020204" pitchFamily="34" charset="0"/>
         <a:ea typeface="+mn-ea"/>
-        <a:cs typeface="Arial" charset="0"/>
+        <a:cs typeface="Arial" panose="020B0604020202020204" pitchFamily="34" charset="0"/>
       </a:defRPr>
     </a:lvl9pPr>
   </p:defaultTextStyle>
-  <p:extLst>
-    <p:ext uri="{EFAFB233-063F-42B5-8137-9DF3F51BA10A}">
-      <p15:sldGuideLst xmlns:p15="http://schemas.microsoft.com/office/powerpoint/2012/main">
-        <p15:guide id="1" orient="horz" pos="2160">
-          <p15:clr>
-            <a:srgbClr val="A4A3A4"/>
-          </p15:clr>
-        </p15:guide>
-        <p15:guide id="2" pos="2880">
-          <p15:clr>
-            <a:srgbClr val="A4A3A4"/>
-          </p15:clr>
-        </p15:guide>
-      </p15:sldGuideLst>
-    </p:ext>
-  </p:extLst>
 </p:presentation>
-</file>
-
-<file path=ppt/revisionInfo.xml><?xml version="1.0" encoding="utf-8"?>
-<p1510:revInfo xmlns:a="http://schemas.openxmlformats.org/drawingml/2006/main" xmlns:r="http://schemas.openxmlformats.org/officeDocument/2006/relationships" xmlns:p1510="http://schemas.microsoft.com/office/powerpoint/2015/10/main"/>
 </file>
 
 <file path=ppt/diagrams/colors1.xml><?xml version="1.0" encoding="utf-8"?>
@@ -188,117 +168,39 @@
   <dgm:catLst>
     <dgm:cat type="accent1" pri="11200"/>
   </dgm:catLst>
-  <dgm:styleLbl name="node0">
+  <dgm:styleLbl name="alignAcc1">
     <dgm:fillClrLst meth="repeat">
-      <a:schemeClr val="accent1"/>
-    </dgm:fillClrLst>
-    <dgm:linClrLst meth="repeat">
-      <a:schemeClr val="lt1"/>
-    </dgm:linClrLst>
-    <dgm:effectClrLst/>
-    <dgm:txLinClrLst/>
-    <dgm:txFillClrLst/>
-    <dgm:txEffectClrLst/>
-  </dgm:styleLbl>
-  <dgm:styleLbl name="alignNode1">
-    <dgm:fillClrLst meth="repeat">
-      <a:schemeClr val="accent1"/>
+      <a:schemeClr val="lt1">
+        <a:alpha val="90000"/>
+      </a:schemeClr>
     </dgm:fillClrLst>
     <dgm:linClrLst meth="repeat">
       <a:schemeClr val="accent1"/>
     </dgm:linClrLst>
     <dgm:effectClrLst/>
     <dgm:txLinClrLst/>
-    <dgm:txFillClrLst/>
+    <dgm:txFillClrLst meth="repeat">
+      <a:schemeClr val="dk1"/>
+    </dgm:txFillClrLst>
     <dgm:txEffectClrLst/>
   </dgm:styleLbl>
-  <dgm:styleLbl name="node1">
-    <dgm:fillClrLst meth="repeat">
-      <a:schemeClr val="accent1"/>
-    </dgm:fillClrLst>
-    <dgm:linClrLst meth="repeat">
-      <a:schemeClr val="lt1"/>
-    </dgm:linClrLst>
-    <dgm:effectClrLst/>
-    <dgm:txLinClrLst/>
-    <dgm:txFillClrLst/>
-    <dgm:txEffectClrLst/>
-  </dgm:styleLbl>
-  <dgm:styleLbl name="lnNode1">
-    <dgm:fillClrLst meth="repeat">
-      <a:schemeClr val="accent1"/>
-    </dgm:fillClrLst>
-    <dgm:linClrLst meth="repeat">
-      <a:schemeClr val="lt1"/>
-    </dgm:linClrLst>
-    <dgm:effectClrLst/>
-    <dgm:txLinClrLst/>
-    <dgm:txFillClrLst/>
-    <dgm:txEffectClrLst/>
-  </dgm:styleLbl>
-  <dgm:styleLbl name="vennNode1">
+  <dgm:styleLbl name="alignAccFollowNode1">
     <dgm:fillClrLst meth="repeat">
       <a:schemeClr val="accent1">
-        <a:alpha val="50000"/>
+        <a:alpha val="90000"/>
+        <a:tint val="40000"/>
       </a:schemeClr>
     </dgm:fillClrLst>
     <dgm:linClrLst meth="repeat">
-      <a:schemeClr val="lt1"/>
-    </dgm:linClrLst>
-    <dgm:effectClrLst/>
-    <dgm:txLinClrLst/>
-    <dgm:txFillClrLst/>
-    <dgm:txEffectClrLst/>
-  </dgm:styleLbl>
-  <dgm:styleLbl name="node2">
-    <dgm:fillClrLst meth="repeat">
-      <a:schemeClr val="accent1"/>
-    </dgm:fillClrLst>
-    <dgm:linClrLst meth="repeat">
-      <a:schemeClr val="lt1"/>
-    </dgm:linClrLst>
-    <dgm:effectClrLst/>
-    <dgm:txLinClrLst/>
-    <dgm:txFillClrLst/>
-    <dgm:txEffectClrLst/>
-  </dgm:styleLbl>
-  <dgm:styleLbl name="node3">
-    <dgm:fillClrLst meth="repeat">
-      <a:schemeClr val="accent1"/>
-    </dgm:fillClrLst>
-    <dgm:linClrLst meth="repeat">
-      <a:schemeClr val="lt1"/>
-    </dgm:linClrLst>
-    <dgm:effectClrLst/>
-    <dgm:txLinClrLst/>
-    <dgm:txFillClrLst/>
-    <dgm:txEffectClrLst/>
-  </dgm:styleLbl>
-  <dgm:styleLbl name="node4">
-    <dgm:fillClrLst meth="repeat">
-      <a:schemeClr val="accent1"/>
-    </dgm:fillClrLst>
-    <dgm:linClrLst meth="repeat">
-      <a:schemeClr val="lt1"/>
-    </dgm:linClrLst>
-    <dgm:effectClrLst/>
-    <dgm:txLinClrLst/>
-    <dgm:txFillClrLst/>
-    <dgm:txEffectClrLst/>
-  </dgm:styleLbl>
-  <dgm:styleLbl name="fgImgPlace1">
-    <dgm:fillClrLst meth="repeat">
       <a:schemeClr val="accent1">
-        <a:tint val="50000"/>
+        <a:alpha val="90000"/>
+        <a:tint val="40000"/>
       </a:schemeClr>
-    </dgm:fillClrLst>
-    <dgm:linClrLst meth="repeat">
-      <a:schemeClr val="lt1"/>
     </dgm:linClrLst>
     <dgm:effectClrLst/>
     <dgm:txLinClrLst/>
     <dgm:txFillClrLst meth="repeat">
-      <a:schemeClr val="lt1"/>
+      <a:schemeClr val="dk1"/>
     </dgm:txFillClrLst>
     <dgm:txEffectClrLst/>
   </dgm:styleLbl>
@@ -318,71 +220,7 @@
     </dgm:txFillClrLst>
     <dgm:txEffectClrLst/>
   </dgm:styleLbl>
-  <dgm:styleLbl name="bgImgPlace1">
-    <dgm:fillClrLst meth="repeat">
-      <a:schemeClr val="accent1">
-        <a:tint val="50000"/>
-      </a:schemeClr>
-    </dgm:fillClrLst>
-    <dgm:linClrLst meth="repeat">
-      <a:schemeClr val="lt1"/>
-    </dgm:linClrLst>
-    <dgm:effectClrLst/>
-    <dgm:txLinClrLst/>
-    <dgm:txFillClrLst meth="repeat">
-      <a:schemeClr val="lt1"/>
-    </dgm:txFillClrLst>
-    <dgm:txEffectClrLst/>
-  </dgm:styleLbl>
-  <dgm:styleLbl name="sibTrans2D1">
-    <dgm:fillClrLst meth="repeat">
-      <a:schemeClr val="accent1">
-        <a:tint val="60000"/>
-      </a:schemeClr>
-    </dgm:fillClrLst>
-    <dgm:linClrLst meth="repeat">
-      <a:schemeClr val="accent1">
-        <a:tint val="60000"/>
-      </a:schemeClr>
-    </dgm:linClrLst>
-    <dgm:effectClrLst/>
-    <dgm:txLinClrLst/>
-    <dgm:txFillClrLst/>
-    <dgm:txEffectClrLst/>
-  </dgm:styleLbl>
-  <dgm:styleLbl name="fgSibTrans2D1">
-    <dgm:fillClrLst meth="repeat">
-      <a:schemeClr val="accent1">
-        <a:tint val="60000"/>
-      </a:schemeClr>
-    </dgm:fillClrLst>
-    <dgm:linClrLst meth="repeat">
-      <a:schemeClr val="accent1">
-        <a:tint val="60000"/>
-      </a:schemeClr>
-    </dgm:linClrLst>
-    <dgm:effectClrLst/>
-    <dgm:txLinClrLst/>
-    <dgm:txFillClrLst/>
-    <dgm:txEffectClrLst/>
-  </dgm:styleLbl>
-  <dgm:styleLbl name="bgSibTrans2D1">
-    <dgm:fillClrLst meth="repeat">
-      <a:schemeClr val="accent1">
-        <a:tint val="60000"/>
-      </a:schemeClr>
-    </dgm:fillClrLst>
-    <dgm:linClrLst meth="repeat">
-      <a:schemeClr val="accent1">
-        <a:tint val="60000"/>
-      </a:schemeClr>
-    </dgm:linClrLst>
-    <dgm:effectClrLst/>
-    <dgm:txLinClrLst/>
-    <dgm:txFillClrLst/>
-    <dgm:txEffectClrLst/>
-  </dgm:styleLbl>
-  <dgm:styleLbl name="sibTrans1D1">
+  <dgm:styleLbl name="alignNode1">
     <dgm:fillClrLst meth="repeat">
       <a:schemeClr val="accent1"/>
     </dgm:fillClrLst>
@@ -391,25 +229,7 @@
     </dgm:linClrLst>
     <dgm:effectClrLst/>
     <dgm:txLinClrLst/>
-    <dgm:txFillClrLst meth="repeat">
-      <a:schemeClr val="tx1"/>
-    </dgm:txFillClrLst>
-    <dgm:txEffectClrLst/>
-  </dgm:styleLbl>
-  <dgm:styleLbl name="callout">
-    <dgm:fillClrLst meth="repeat">
-      <a:schemeClr val="accent1"/>
-    </dgm:fillClrLst>
-    <dgm:linClrLst meth="repeat">
-      <a:schemeClr val="accent1">
-        <a:tint val="50000"/>
-      </a:schemeClr>
-    </dgm:linClrLst>
-    <dgm:effectClrLst/>
-    <dgm:txLinClrLst/>
-    <dgm:txFillClrLst meth="repeat">
-      <a:schemeClr val="tx1"/>
-    </dgm:txFillClrLst>
+    <dgm:txFillClrLst/>
     <dgm:txEffectClrLst/>
   </dgm:styleLbl>
   <dgm:styleLbl name="asst0">
@@ -472,7 +292,75 @@
     <dgm:txFillClrLst/>
     <dgm:txEffectClrLst/>
   </dgm:styleLbl>
-  <dgm:styleLbl name="parChTrans2D1">
+  <dgm:styleLbl name="bgAcc1">
+    <dgm:fillClrLst meth="repeat">
+      <a:schemeClr val="lt1">
+        <a:alpha val="90000"/>
+      </a:schemeClr>
+    </dgm:fillClrLst>
+    <dgm:linClrLst meth="repeat">
+      <a:schemeClr val="accent1"/>
+    </dgm:linClrLst>
+    <dgm:effectClrLst/>
+    <dgm:txLinClrLst/>
+    <dgm:txFillClrLst meth="repeat">
+      <a:schemeClr val="dk1"/>
+    </dgm:txFillClrLst>
+    <dgm:txEffectClrLst/>
+  </dgm:styleLbl>
+  <dgm:styleLbl name="bgAccFollowNode1">
+    <dgm:fillClrLst meth="repeat">
+      <a:schemeClr val="accent1">
+        <a:alpha val="90000"/>
+        <a:tint val="40000"/>
+      </a:schemeClr>
+    </dgm:fillClrLst>
+    <dgm:linClrLst meth="repeat">
+      <a:schemeClr val="accent1">
+        <a:alpha val="90000"/>
+        <a:tint val="40000"/>
+      </a:schemeClr>
+    </dgm:linClrLst>
+    <dgm:effectClrLst/>
+    <dgm:txLinClrLst/>
+    <dgm:txFillClrLst meth="repeat">
+      <a:schemeClr val="dk1"/>
+    </dgm:txFillClrLst>
+    <dgm:txEffectClrLst/>
+  </dgm:styleLbl>
+  <dgm:styleLbl name="bgImgPlace1">
+    <dgm:fillClrLst meth="repeat">
+      <a:schemeClr val="accent1">
+        <a:tint val="50000"/>
+      </a:schemeClr>
+    </dgm:fillClrLst>
+    <dgm:linClrLst meth="repeat">
+      <a:schemeClr val="lt1"/>
+    </dgm:linClrLst>
+    <dgm:effectClrLst/>
+    <dgm:txLinClrLst/>
+    <dgm:txFillClrLst meth="repeat">
+      <a:schemeClr val="lt1"/>
+    </dgm:txFillClrLst>
+    <dgm:txEffectClrLst/>
+  </dgm:styleLbl>
+  <dgm:styleLbl name="bgShp">
+    <dgm:fillClrLst meth="repeat">
+      <a:schemeClr val="accent1">
+        <a:tint val="40000"/>
+      </a:schemeClr>
+    </dgm:fillClrLst>
+    <dgm:linClrLst meth="repeat">
+      <a:schemeClr val="accent1"/>
+    </dgm:linClrLst>
+    <dgm:effectClrLst/>
+    <dgm:txLinClrLst/>
+    <dgm:txFillClrLst meth="repeat">
+      <a:schemeClr val="dk1"/>
+    </dgm:txFillClrLst>
+    <dgm:txEffectClrLst/>
+  </dgm:styleLbl>
+  <dgm:styleLbl name="bgSibTrans2D1">
     <dgm:fillClrLst meth="repeat">
       <a:schemeClr val="accent1">
         <a:tint val="60000"/>
@@ -485,14 +373,46 @@
     </dgm:linClrLst>
     <dgm:effectClrLst/>
     <dgm:txLinClrLst/>
+    <dgm:txFillClrLst/>
+    <dgm:txEffectClrLst/>
+  </dgm:styleLbl>
+  <dgm:styleLbl name="callout">
+    <dgm:fillClrLst meth="repeat">
+      <a:schemeClr val="accent1"/>
+    </dgm:fillClrLst>
+    <dgm:linClrLst meth="repeat">
+      <a:schemeClr val="accent1">
+        <a:tint val="50000"/>
+      </a:schemeClr>
+    </dgm:linClrLst>
+    <dgm:effectClrLst/>
+    <dgm:txLinClrLst/>
     <dgm:txFillClrLst meth="repeat">
-      <a:schemeClr val="lt1"/>
+      <a:schemeClr val="tx1"/>
     </dgm:txFillClrLst>
     <dgm:txEffectClrLst/>
   </dgm:styleLbl>
-  <dgm:styleLbl name="parChTrans2D2">
+  <dgm:styleLbl name="conFgAcc1">
     <dgm:fillClrLst meth="repeat">
+      <a:schemeClr val="lt1">
+        <a:alpha val="90000"/>
+      </a:schemeClr>
+    </dgm:fillClrLst>
+    <dgm:linClrLst meth="repeat">
       <a:schemeClr val="accent1"/>
+    </dgm:linClrLst>
+    <dgm:effectClrLst/>
+    <dgm:txLinClrLst/>
+    <dgm:txFillClrLst meth="repeat">
+      <a:schemeClr val="dk1"/>
+    </dgm:txFillClrLst>
+    <dgm:txEffectClrLst/>
+  </dgm:styleLbl>
+  <dgm:styleLbl name="dkBgShp">
+    <dgm:fillClrLst meth="repeat">
+      <a:schemeClr val="accent1">
+        <a:shade val="80000"/>
+      </a:schemeClr>
     </dgm:fillClrLst>
     <dgm:linClrLst meth="repeat">
       <a:schemeClr val="accent1"/>
@@ -504,12 +424,114 @@
     </dgm:txFillClrLst>
     <dgm:txEffectClrLst/>
   </dgm:styleLbl>
-  <dgm:styleLbl name="parChTrans2D3">
+  <dgm:styleLbl name="fgAcc0">
     <dgm:fillClrLst meth="repeat">
-      <a:schemeClr val="accent1"/>
+      <a:schemeClr val="lt1">
+        <a:alpha val="90000"/>
+      </a:schemeClr>
     </dgm:fillClrLst>
     <dgm:linClrLst meth="repeat">
       <a:schemeClr val="accent1"/>
+    </dgm:linClrLst>
+    <dgm:effectClrLst/>
+    <dgm:txLinClrLst/>
+    <dgm:txFillClrLst meth="repeat">
+      <a:schemeClr val="dk1"/>
+    </dgm:txFillClrLst>
+    <dgm:txEffectClrLst/>
+  </dgm:styleLbl>
+  <dgm:styleLbl name="fgAcc1">
+    <dgm:fillClrLst meth="repeat">
+      <a:schemeClr val="lt1">
+        <a:alpha val="90000"/>
+      </a:schemeClr>
+    </dgm:fillClrLst>
+    <dgm:linClrLst meth="repeat">
+      <a:schemeClr val="accent1"/>
+    </dgm:linClrLst>
+    <dgm:effectClrLst/>
+    <dgm:txLinClrLst/>
+    <dgm:txFillClrLst meth="repeat">
+      <a:schemeClr val="dk1"/>
+    </dgm:txFillClrLst>
+    <dgm:txEffectClrLst/>
+  </dgm:styleLbl>
+  <dgm:styleLbl name="fgAcc2">
+    <dgm:fillClrLst meth="repeat">
+      <a:schemeClr val="lt1">
+        <a:alpha val="90000"/>
+      </a:schemeClr>
+    </dgm:fillClrLst>
+    <dgm:linClrLst meth="repeat">
+      <a:schemeClr val="accent1"/>
+    </dgm:linClrLst>
+    <dgm:effectClrLst/>
+    <dgm:txLinClrLst/>
+    <dgm:txFillClrLst meth="repeat">
+      <a:schemeClr val="dk1"/>
+    </dgm:txFillClrLst>
+    <dgm:txEffectClrLst/>
+  </dgm:styleLbl>
+  <dgm:styleLbl name="fgAcc3">
+    <dgm:fillClrLst meth="repeat">
+      <a:schemeClr val="lt1">
+        <a:alpha val="90000"/>
+      </a:schemeClr>
+    </dgm:fillClrLst>
+    <dgm:linClrLst meth="repeat">
+      <a:schemeClr val="accent1"/>
+    </dgm:linClrLst>
+    <dgm:effectClrLst/>
+    <dgm:txLinClrLst/>
+    <dgm:txFillClrLst meth="repeat">
+      <a:schemeClr val="dk1"/>
+    </dgm:txFillClrLst>
+    <dgm:txEffectClrLst/>
+  </dgm:styleLbl>
+  <dgm:styleLbl name="fgAcc4">
+    <dgm:fillClrLst meth="repeat">
+      <a:schemeClr val="lt1">
+        <a:alpha val="90000"/>
+      </a:schemeClr>
+    </dgm:fillClrLst>
+    <dgm:linClrLst meth="repeat">
+      <a:schemeClr val="accent1"/>
+    </dgm:linClrLst>
+    <dgm:effectClrLst/>
+    <dgm:txLinClrLst/>
+    <dgm:txFillClrLst meth="repeat">
+      <a:schemeClr val="dk1"/>
+    </dgm:txFillClrLst>
+    <dgm:txEffectClrLst/>
+  </dgm:styleLbl>
+  <dgm:styleLbl name="fgAccFollowNode1">
+    <dgm:fillClrLst meth="repeat">
+      <a:schemeClr val="accent1">
+        <a:alpha val="90000"/>
+        <a:tint val="40000"/>
+      </a:schemeClr>
+    </dgm:fillClrLst>
+    <dgm:linClrLst meth="repeat">
+      <a:schemeClr val="accent1">
+        <a:alpha val="90000"/>
+        <a:tint val="40000"/>
+      </a:schemeClr>
+    </dgm:linClrLst>
+    <dgm:effectClrLst/>
+    <dgm:txLinClrLst/>
+    <dgm:txFillClrLst meth="repeat">
+      <a:schemeClr val="dk1"/>
+    </dgm:txFillClrLst>
+    <dgm:txEffectClrLst/>
+  </dgm:styleLbl>
+  <dgm:styleLbl name="fgImgPlace1">
+    <dgm:fillClrLst meth="repeat">
+      <a:schemeClr val="accent1">
+        <a:tint val="50000"/>
+      </a:schemeClr>
+    </dgm:fillClrLst>
+    <dgm:linClrLst meth="repeat">
+      <a:schemeClr val="lt1"/>
     </dgm:linClrLst>
     <dgm:effectClrLst/>
     <dgm:txLinClrLst/>
@@ -518,18 +540,108 @@
     </dgm:txFillClrLst>
     <dgm:txEffectClrLst/>
   </dgm:styleLbl>
-  <dgm:styleLbl name="parChTrans2D4">
+  <dgm:styleLbl name="fgShp">
+    <dgm:fillClrLst meth="repeat">
+      <a:schemeClr val="accent1">
+        <a:tint val="60000"/>
+      </a:schemeClr>
+    </dgm:fillClrLst>
+    <dgm:linClrLst meth="repeat">
+      <a:schemeClr val="lt1"/>
+    </dgm:linClrLst>
+    <dgm:effectClrLst/>
+    <dgm:txLinClrLst/>
+    <dgm:txFillClrLst meth="repeat">
+      <a:schemeClr val="dk1"/>
+    </dgm:txFillClrLst>
+    <dgm:txEffectClrLst/>
+  </dgm:styleLbl>
+  <dgm:styleLbl name="fgSibTrans2D1">
+    <dgm:fillClrLst meth="repeat">
+      <a:schemeClr val="accent1">
+        <a:tint val="60000"/>
+      </a:schemeClr>
+    </dgm:fillClrLst>
+    <dgm:linClrLst meth="repeat">
+      <a:schemeClr val="accent1">
+        <a:tint val="60000"/>
+      </a:schemeClr>
+    </dgm:linClrLst>
+    <dgm:effectClrLst/>
+    <dgm:txLinClrLst/>
+    <dgm:txFillClrLst/>
+    <dgm:txEffectClrLst/>
+  </dgm:styleLbl>
+  <dgm:styleLbl name="lnNode1">
     <dgm:fillClrLst meth="repeat">
       <a:schemeClr val="accent1"/>
     </dgm:fillClrLst>
     <dgm:linClrLst meth="repeat">
-      <a:schemeClr val="accent1"/>
+      <a:schemeClr val="lt1"/>
     </dgm:linClrLst>
     <dgm:effectClrLst/>
     <dgm:txLinClrLst/>
-    <dgm:txFillClrLst meth="repeat">
+    <dgm:txFillClrLst/>
+    <dgm:txEffectClrLst/>
+  </dgm:styleLbl>
+  <dgm:styleLbl name="node0">
+    <dgm:fillClrLst meth="repeat">
+      <a:schemeClr val="accent1"/>
+    </dgm:fillClrLst>
+    <dgm:linClrLst meth="repeat">
       <a:schemeClr val="lt1"/>
-    </dgm:txFillClrLst>
+    </dgm:linClrLst>
+    <dgm:effectClrLst/>
+    <dgm:txLinClrLst/>
+    <dgm:txFillClrLst/>
+    <dgm:txEffectClrLst/>
+  </dgm:styleLbl>
+  <dgm:styleLbl name="node1">
+    <dgm:fillClrLst meth="repeat">
+      <a:schemeClr val="accent1"/>
+    </dgm:fillClrLst>
+    <dgm:linClrLst meth="repeat">
+      <a:schemeClr val="lt1"/>
+    </dgm:linClrLst>
+    <dgm:effectClrLst/>
+    <dgm:txLinClrLst/>
+    <dgm:txFillClrLst/>
+    <dgm:txEffectClrLst/>
+  </dgm:styleLbl>
+  <dgm:styleLbl name="node2">
+    <dgm:fillClrLst meth="repeat">
+      <a:schemeClr val="accent1"/>
+    </dgm:fillClrLst>
+    <dgm:linClrLst meth="repeat">
+      <a:schemeClr val="lt1"/>
+    </dgm:linClrLst>
+    <dgm:effectClrLst/>
+    <dgm:txLinClrLst/>
+    <dgm:txFillClrLst/>
+    <dgm:txEffectClrLst/>
+  </dgm:styleLbl>
+  <dgm:styleLbl name="node3">
+    <dgm:fillClrLst meth="repeat">
+      <a:schemeClr val="accent1"/>
+    </dgm:fillClrLst>
+    <dgm:linClrLst meth="repeat">
+      <a:schemeClr val="lt1"/>
+    </dgm:linClrLst>
+    <dgm:effectClrLst/>
+    <dgm:txLinClrLst/>
+    <dgm:txFillClrLst/>
+    <dgm:txEffectClrLst/>
+  </dgm:styleLbl>
+  <dgm:styleLbl name="node4">
+    <dgm:fillClrLst meth="repeat">
+      <a:schemeClr val="accent1"/>
+    </dgm:fillClrLst>
+    <dgm:linClrLst meth="repeat">
+      <a:schemeClr val="lt1"/>
+    </dgm:linClrLst>
+    <dgm:effectClrLst/>
+    <dgm:txLinClrLst/>
+    <dgm:txFillClrLst/>
     <dgm:txEffectClrLst/>
   </dgm:styleLbl>
   <dgm:styleLbl name="parChTrans1D1">
@@ -596,11 +708,27 @@
     </dgm:txFillClrLst>
     <dgm:txEffectClrLst/>
   </dgm:styleLbl>
-  <dgm:styleLbl name="fgAcc1">
+  <dgm:styleLbl name="parChTrans2D1">
     <dgm:fillClrLst meth="repeat">
-      <a:schemeClr val="lt1">
-        <a:alpha val="90000"/>
+      <a:schemeClr val="accent1">
+        <a:tint val="60000"/>
       </a:schemeClr>
+    </dgm:fillClrLst>
+    <dgm:linClrLst meth="repeat">
+      <a:schemeClr val="accent1">
+        <a:tint val="60000"/>
+      </a:schemeClr>
+    </dgm:linClrLst>
+    <dgm:effectClrLst/>
+    <dgm:txLinClrLst/>
+    <dgm:txFillClrLst meth="repeat">
+      <a:schemeClr val="lt1"/>
+    </dgm:txFillClrLst>
+    <dgm:txEffectClrLst/>
+  </dgm:styleLbl>
+  <dgm:styleLbl name="parChTrans2D2">
+    <dgm:fillClrLst meth="repeat">
+      <a:schemeClr val="accent1"/>
     </dgm:fillClrLst>
     <dgm:linClrLst meth="repeat">
       <a:schemeClr val="accent1"/>
@@ -608,15 +736,13 @@
     <dgm:effectClrLst/>
     <dgm:txLinClrLst/>
     <dgm:txFillClrLst meth="repeat">
-      <a:schemeClr val="dk1"/>
+      <a:schemeClr val="lt1"/>
     </dgm:txFillClrLst>
     <dgm:txEffectClrLst/>
   </dgm:styleLbl>
-  <dgm:styleLbl name="conFgAcc1">
+  <dgm:styleLbl name="parChTrans2D3">
     <dgm:fillClrLst meth="repeat">
-      <a:schemeClr val="lt1">
-        <a:alpha val="90000"/>
-      </a:schemeClr>
+      <a:schemeClr val="accent1"/>
     </dgm:fillClrLst>
     <dgm:linClrLst meth="repeat">
       <a:schemeClr val="accent1"/>
@@ -624,15 +750,13 @@
     <dgm:effectClrLst/>
     <dgm:txLinClrLst/>
     <dgm:txFillClrLst meth="repeat">
-      <a:schemeClr val="dk1"/>
+      <a:schemeClr val="lt1"/>
     </dgm:txFillClrLst>
     <dgm:txEffectClrLst/>
   </dgm:styleLbl>
-  <dgm:styleLbl name="alignAcc1">
+  <dgm:styleLbl name="parChTrans2D4">
     <dgm:fillClrLst meth="repeat">
-      <a:schemeClr val="lt1">
-        <a:alpha val="90000"/>
-      </a:schemeClr>
+      <a:schemeClr val="accent1"/>
     </dgm:fillClrLst>
     <dgm:linClrLst meth="repeat">
       <a:schemeClr val="accent1"/>
@@ -640,15 +764,31 @@
     <dgm:effectClrLst/>
     <dgm:txLinClrLst/>
     <dgm:txFillClrLst meth="repeat">
-      <a:schemeClr val="dk1"/>
+      <a:schemeClr val="lt1"/>
     </dgm:txFillClrLst>
     <dgm:txEffectClrLst/>
   </dgm:styleLbl>
-  <dgm:styleLbl name="trAlignAcc1">
+  <dgm:styleLbl name="revTx">
     <dgm:fillClrLst meth="repeat">
       <a:schemeClr val="lt1">
-        <a:alpha val="40000"/>
+        <a:alpha val="0"/>
       </a:schemeClr>
+    </dgm:fillClrLst>
+    <dgm:linClrLst meth="repeat">
+      <a:schemeClr val="dk1">
+        <a:alpha val="0"/>
+      </a:schemeClr>
+    </dgm:linClrLst>
+    <dgm:effectClrLst/>
+    <dgm:txLinClrLst/>
+    <dgm:txFillClrLst meth="repeat">
+      <a:schemeClr val="tx1"/>
+    </dgm:txFillClrLst>
+    <dgm:txEffectClrLst/>
+  </dgm:styleLbl>
+  <dgm:styleLbl name="sibTrans1D1">
+    <dgm:fillClrLst meth="repeat">
+      <a:schemeClr val="accent1"/>
     </dgm:fillClrLst>
     <dgm:linClrLst meth="repeat">
       <a:schemeClr val="accent1"/>
@@ -656,38 +796,24 @@
     <dgm:effectClrLst/>
     <dgm:txLinClrLst/>
     <dgm:txFillClrLst meth="repeat">
-      <a:schemeClr val="dk1"/>
+      <a:schemeClr val="tx1"/>
     </dgm:txFillClrLst>
     <dgm:txEffectClrLst/>
   </dgm:styleLbl>
-  <dgm:styleLbl name="bgAcc1">
+  <dgm:styleLbl name="sibTrans2D1">
     <dgm:fillClrLst meth="repeat">
-      <a:schemeClr val="lt1">
-        <a:alpha val="90000"/>
+      <a:schemeClr val="accent1">
+        <a:tint val="60000"/>
       </a:schemeClr>
     </dgm:fillClrLst>
     <dgm:linClrLst meth="repeat">
-      <a:schemeClr val="accent1"/>
+      <a:schemeClr val="accent1">
+        <a:tint val="60000"/>
+      </a:schemeClr>
     </dgm:linClrLst>
     <dgm:effectClrLst/>
     <dgm:txLinClrLst/>
-    <dgm:txFillClrLst meth="repeat">
-      <a:schemeClr val="dk1"/>
-    </dgm:txFillClrLst>
-    <dgm:txEffectClrLst/>
-  </dgm:styleLbl>
-  <dgm:styleLbl name="solidFgAcc1">
-    <dgm:fillClrLst meth="repeat">
-      <a:schemeClr val="lt1"/>
-    </dgm:fillClrLst>
-    <dgm:linClrLst meth="repeat">
-      <a:schemeClr val="accent1"/>
-    </dgm:linClrLst>
-    <dgm:effectClrLst/>
-    <dgm:txLinClrLst/>
-    <dgm:txFillClrLst meth="repeat">
-      <a:schemeClr val="dk1"/>
-    </dgm:txFillClrLst>
+    <dgm:txFillClrLst/>
     <dgm:txEffectClrLst/>
   </dgm:styleLbl>
   <dgm:styleLbl name="solidAlignAcc1">
@@ -718,71 +844,9 @@
     </dgm:txFillClrLst>
     <dgm:txEffectClrLst/>
   </dgm:styleLbl>
-  <dgm:styleLbl name="fgAccFollowNode1">
+  <dgm:styleLbl name="solidFgAcc1">
     <dgm:fillClrLst meth="repeat">
-      <a:schemeClr val="accent1">
-        <a:alpha val="90000"/>
-        <a:tint val="40000"/>
-      </a:schemeClr>
-    </dgm:fillClrLst>
-    <dgm:linClrLst meth="repeat">
-      <a:schemeClr val="accent1">
-        <a:alpha val="90000"/>
-        <a:tint val="40000"/>
-      </a:schemeClr>
-    </dgm:linClrLst>
-    <dgm:effectClrLst/>
-    <dgm:txLinClrLst/>
-    <dgm:txFillClrLst meth="repeat">
-      <a:schemeClr val="dk1"/>
-    </dgm:txFillClrLst>
-    <dgm:txEffectClrLst/>
-  </dgm:styleLbl>
-  <dgm:styleLbl name="alignAccFollowNode1">
-    <dgm:fillClrLst meth="repeat">
-      <a:schemeClr val="accent1">
-        <a:alpha val="90000"/>
-        <a:tint val="40000"/>
-      </a:schemeClr>
-    </dgm:fillClrLst>
-    <dgm:linClrLst meth="repeat">
-      <a:schemeClr val="accent1">
-        <a:alpha val="90000"/>
-        <a:tint val="40000"/>
-      </a:schemeClr>
-    </dgm:linClrLst>
-    <dgm:effectClrLst/>
-    <dgm:txLinClrLst/>
-    <dgm:txFillClrLst meth="repeat">
-      <a:schemeClr val="dk1"/>
-    </dgm:txFillClrLst>
-    <dgm:txEffectClrLst/>
-  </dgm:styleLbl>
-  <dgm:styleLbl name="bgAccFollowNode1">
-    <dgm:fillClrLst meth="repeat">
-      <a:schemeClr val="accent1">
-        <a:alpha val="90000"/>
-        <a:tint val="40000"/>
-      </a:schemeClr>
-    </dgm:fillClrLst>
-    <dgm:linClrLst meth="repeat">
-      <a:schemeClr val="accent1">
-        <a:alpha val="90000"/>
-        <a:tint val="40000"/>
-      </a:schemeClr>
-    </dgm:linClrLst>
-    <dgm:effectClrLst/>
-    <dgm:txLinClrLst/>
-    <dgm:txFillClrLst meth="repeat">
-      <a:schemeClr val="dk1"/>
-    </dgm:txFillClrLst>
-    <dgm:txEffectClrLst/>
-  </dgm:styleLbl>
-  <dgm:styleLbl name="fgAcc0">
-    <dgm:fillClrLst meth="repeat">
-      <a:schemeClr val="lt1">
-        <a:alpha val="90000"/>
-      </a:schemeClr>
+      <a:schemeClr val="lt1"/>
     </dgm:fillClrLst>
     <dgm:linClrLst meth="repeat">
       <a:schemeClr val="accent1"/>
@@ -794,10 +858,10 @@
     </dgm:txFillClrLst>
     <dgm:txEffectClrLst/>
   </dgm:styleLbl>
-  <dgm:styleLbl name="fgAcc2">
+  <dgm:styleLbl name="trAlignAcc1">
     <dgm:fillClrLst meth="repeat">
       <a:schemeClr val="lt1">
-        <a:alpha val="90000"/>
+        <a:alpha val="40000"/>
       </a:schemeClr>
     </dgm:fillClrLst>
     <dgm:linClrLst meth="repeat">
@@ -807,70 +871,6 @@
     <dgm:txLinClrLst/>
     <dgm:txFillClrLst meth="repeat">
       <a:schemeClr val="dk1"/>
-    </dgm:txFillClrLst>
-    <dgm:txEffectClrLst/>
-  </dgm:styleLbl>
-  <dgm:styleLbl name="fgAcc3">
-    <dgm:fillClrLst meth="repeat">
-      <a:schemeClr val="lt1">
-        <a:alpha val="90000"/>
-      </a:schemeClr>
-    </dgm:fillClrLst>
-    <dgm:linClrLst meth="repeat">
-      <a:schemeClr val="accent1"/>
-    </dgm:linClrLst>
-    <dgm:effectClrLst/>
-    <dgm:txLinClrLst/>
-    <dgm:txFillClrLst meth="repeat">
-      <a:schemeClr val="dk1"/>
-    </dgm:txFillClrLst>
-    <dgm:txEffectClrLst/>
-  </dgm:styleLbl>
-  <dgm:styleLbl name="fgAcc4">
-    <dgm:fillClrLst meth="repeat">
-      <a:schemeClr val="lt1">
-        <a:alpha val="90000"/>
-      </a:schemeClr>
-    </dgm:fillClrLst>
-    <dgm:linClrLst meth="repeat">
-      <a:schemeClr val="accent1"/>
-    </dgm:linClrLst>
-    <dgm:effectClrLst/>
-    <dgm:txLinClrLst/>
-    <dgm:txFillClrLst meth="repeat">
-      <a:schemeClr val="dk1"/>
-    </dgm:txFillClrLst>
-    <dgm:txEffectClrLst/>
-  </dgm:styleLbl>
-  <dgm:styleLbl name="bgShp">
-    <dgm:fillClrLst meth="repeat">
-      <a:schemeClr val="accent1">
-        <a:tint val="40000"/>
-      </a:schemeClr>
-    </dgm:fillClrLst>
-    <dgm:linClrLst meth="repeat">
-      <a:schemeClr val="accent1"/>
-    </dgm:linClrLst>
-    <dgm:effectClrLst/>
-    <dgm:txLinClrLst/>
-    <dgm:txFillClrLst meth="repeat">
-      <a:schemeClr val="dk1"/>
-    </dgm:txFillClrLst>
-    <dgm:txEffectClrLst/>
-  </dgm:styleLbl>
-  <dgm:styleLbl name="dkBgShp">
-    <dgm:fillClrLst meth="repeat">
-      <a:schemeClr val="accent1">
-        <a:shade val="80000"/>
-      </a:schemeClr>
-    </dgm:fillClrLst>
-    <dgm:linClrLst meth="repeat">
-      <a:schemeClr val="accent1"/>
-    </dgm:linClrLst>
-    <dgm:effectClrLst/>
-    <dgm:txLinClrLst/>
-    <dgm:txFillClrLst meth="repeat">
-      <a:schemeClr val="lt1"/>
     </dgm:txFillClrLst>
     <dgm:txEffectClrLst/>
   </dgm:styleLbl>
@@ -891,10 +891,10 @@
     </dgm:txFillClrLst>
     <dgm:txEffectClrLst/>
   </dgm:styleLbl>
-  <dgm:styleLbl name="fgShp">
+  <dgm:styleLbl name="vennNode1">
     <dgm:fillClrLst meth="repeat">
       <a:schemeClr val="accent1">
-        <a:tint val="60000"/>
+        <a:alpha val="50000"/>
       </a:schemeClr>
     </dgm:fillClrLst>
     <dgm:linClrLst meth="repeat">
@@ -902,27 +902,7 @@
     </dgm:linClrLst>
     <dgm:effectClrLst/>
     <dgm:txLinClrLst/>
-    <dgm:txFillClrLst meth="repeat">
-      <a:schemeClr val="dk1"/>
-    </dgm:txFillClrLst>
-    <dgm:txEffectClrLst/>
-  </dgm:styleLbl>
-  <dgm:styleLbl name="revTx">
-    <dgm:fillClrLst meth="repeat">
-      <a:schemeClr val="lt1">
-        <a:alpha val="0"/>
-      </a:schemeClr>
-    </dgm:fillClrLst>
-    <dgm:linClrLst meth="repeat">
-      <a:schemeClr val="dk1">
-        <a:alpha val="0"/>
-      </a:schemeClr>
-    </dgm:linClrLst>
-    <dgm:effectClrLst/>
-    <dgm:txLinClrLst/>
-    <dgm:txFillClrLst meth="repeat">
-      <a:schemeClr val="tx1"/>
-    </dgm:txFillClrLst>
+    <dgm:txFillClrLst/>
     <dgm:txEffectClrLst/>
   </dgm:styleLbl>
 </dgm:colorsDef>
@@ -955,8 +935,8 @@
               <a:solidFill>
                 <a:schemeClr val="tx1"/>
               </a:solidFill>
-              <a:latin typeface="微软雅黑" pitchFamily="34" charset="-122"/>
-              <a:ea typeface="微软雅黑" pitchFamily="34" charset="-122"/>
+              <a:latin typeface="微软雅黑" panose="020B0503020204020204" pitchFamily="34" charset="-122"/>
+              <a:ea typeface="微软雅黑" panose="020B0503020204020204" pitchFamily="34" charset="-122"/>
             </a:rPr>
             <a:t>排列工作包顺序</a:t>
           </a:r>
@@ -968,7 +948,7 @@
         </a:p>
       </dgm:t>
     </dgm:pt>
-    <dgm:pt modelId="{696E4D23-5759-40AF-908C-D2676974DE67}" type="parTrans" cxnId="{5456C53D-C2F8-42EE-99D6-A5BA547FA5F7}">
+    <dgm:pt modelId="{696E4D23-5759-40AF-908C-D2676974DE67}" cxnId="{5456C53D-C2F8-42EE-99D6-A5BA547FA5F7}" type="parTrans">
       <dgm:prSet/>
       <dgm:spPr/>
       <dgm:t>
@@ -983,7 +963,7 @@
         </a:p>
       </dgm:t>
     </dgm:pt>
-    <dgm:pt modelId="{A87BC0F7-163A-407E-99C1-4A5E702B346F}" type="sibTrans" cxnId="{5456C53D-C2F8-42EE-99D6-A5BA547FA5F7}">
+    <dgm:pt modelId="{A87BC0F7-163A-407E-99C1-4A5E702B346F}" cxnId="{5456C53D-C2F8-42EE-99D6-A5BA547FA5F7}" type="sibTrans">
       <dgm:prSet/>
       <dgm:spPr/>
       <dgm:t>
@@ -1018,8 +998,8 @@
               <a:solidFill>
                 <a:schemeClr val="tx1"/>
               </a:solidFill>
-              <a:latin typeface="微软雅黑" pitchFamily="34" charset="-122"/>
-              <a:ea typeface="微软雅黑" pitchFamily="34" charset="-122"/>
+              <a:latin typeface="微软雅黑" panose="020B0503020204020204" pitchFamily="34" charset="-122"/>
+              <a:ea typeface="微软雅黑" panose="020B0503020204020204" pitchFamily="34" charset="-122"/>
             </a:rPr>
             <a:t>估算资源</a:t>
           </a:r>
@@ -1031,7 +1011,7 @@
         </a:p>
       </dgm:t>
     </dgm:pt>
-    <dgm:pt modelId="{CC558CC5-A70A-4D53-8A09-F5DE66CB51E7}" type="parTrans" cxnId="{81751717-5459-4D6C-A794-D7A497E570F6}">
+    <dgm:pt modelId="{CC558CC5-A70A-4D53-8A09-F5DE66CB51E7}" cxnId="{81751717-5459-4D6C-A794-D7A497E570F6}" type="parTrans">
       <dgm:prSet/>
       <dgm:spPr/>
       <dgm:t>
@@ -1046,7 +1026,7 @@
         </a:p>
       </dgm:t>
     </dgm:pt>
-    <dgm:pt modelId="{9CE9F66D-B536-4535-8017-6D4751F09B08}" type="sibTrans" cxnId="{81751717-5459-4D6C-A794-D7A497E570F6}">
+    <dgm:pt modelId="{9CE9F66D-B536-4535-8017-6D4751F09B08}" cxnId="{81751717-5459-4D6C-A794-D7A497E570F6}" type="sibTrans">
       <dgm:prSet/>
       <dgm:spPr/>
       <dgm:t>
@@ -1073,8 +1053,8 @@
               <a:solidFill>
                 <a:schemeClr val="tx1"/>
               </a:solidFill>
-              <a:latin typeface="微软雅黑" pitchFamily="34" charset="-122"/>
-              <a:ea typeface="微软雅黑" pitchFamily="34" charset="-122"/>
+              <a:latin typeface="微软雅黑" panose="020B0503020204020204" pitchFamily="34" charset="-122"/>
+              <a:ea typeface="微软雅黑" panose="020B0503020204020204" pitchFamily="34" charset="-122"/>
             </a:rPr>
             <a:t>3.</a:t>
           </a:r>
@@ -1083,8 +1063,8 @@
               <a:solidFill>
                 <a:schemeClr val="tx1"/>
               </a:solidFill>
-              <a:latin typeface="微软雅黑" pitchFamily="34" charset="-122"/>
-              <a:ea typeface="微软雅黑" pitchFamily="34" charset="-122"/>
+              <a:latin typeface="微软雅黑" panose="020B0503020204020204" pitchFamily="34" charset="-122"/>
+              <a:ea typeface="微软雅黑" panose="020B0503020204020204" pitchFamily="34" charset="-122"/>
             </a:rPr>
             <a:t>估算持续时间</a:t>
           </a:r>
@@ -1096,7 +1076,7 @@
         </a:p>
       </dgm:t>
     </dgm:pt>
-    <dgm:pt modelId="{BFF2953E-BBED-43F7-B206-A931D4BEBD5A}" type="parTrans" cxnId="{F6B1A71C-F41F-4F67-82A9-E7C4E206E73E}">
+    <dgm:pt modelId="{BFF2953E-BBED-43F7-B206-A931D4BEBD5A}" cxnId="{F6B1A71C-F41F-4F67-82A9-E7C4E206E73E}" type="parTrans">
       <dgm:prSet/>
       <dgm:spPr/>
       <dgm:t>
@@ -1111,7 +1091,7 @@
         </a:p>
       </dgm:t>
     </dgm:pt>
-    <dgm:pt modelId="{82ACA8C3-4A71-44A7-9E3D-F704E055DDDD}" type="sibTrans" cxnId="{F6B1A71C-F41F-4F67-82A9-E7C4E206E73E}">
+    <dgm:pt modelId="{82ACA8C3-4A71-44A7-9E3D-F704E055DDDD}" cxnId="{F6B1A71C-F41F-4F67-82A9-E7C4E206E73E}" type="sibTrans">
       <dgm:prSet/>
       <dgm:spPr/>
       <dgm:t>
@@ -1146,8 +1126,8 @@
               <a:solidFill>
                 <a:schemeClr val="tx1"/>
               </a:solidFill>
-              <a:latin typeface="微软雅黑" pitchFamily="34" charset="-122"/>
-              <a:ea typeface="微软雅黑" pitchFamily="34" charset="-122"/>
+              <a:latin typeface="微软雅黑" panose="020B0503020204020204" pitchFamily="34" charset="-122"/>
+              <a:ea typeface="微软雅黑" panose="020B0503020204020204" pitchFamily="34" charset="-122"/>
             </a:rPr>
             <a:t>制定进度计划</a:t>
           </a:r>
@@ -1159,7 +1139,7 @@
         </a:p>
       </dgm:t>
     </dgm:pt>
-    <dgm:pt modelId="{BF3032FB-CEA5-4285-965B-3C45732386CB}" type="parTrans" cxnId="{E75917EF-F912-405F-A0F1-04FD3EB816BE}">
+    <dgm:pt modelId="{BF3032FB-CEA5-4285-965B-3C45732386CB}" cxnId="{E75917EF-F912-405F-A0F1-04FD3EB816BE}" type="parTrans">
       <dgm:prSet/>
       <dgm:spPr/>
       <dgm:t>
@@ -1174,7 +1154,7 @@
         </a:p>
       </dgm:t>
     </dgm:pt>
-    <dgm:pt modelId="{2BDE781A-E204-4729-A72F-0E8ADFB92F4B}" type="sibTrans" cxnId="{E75917EF-F912-405F-A0F1-04FD3EB816BE}">
+    <dgm:pt modelId="{2BDE781A-E204-4729-A72F-0E8ADFB92F4B}" cxnId="{E75917EF-F912-405F-A0F1-04FD3EB816BE}" type="sibTrans">
       <dgm:prSet/>
       <dgm:spPr/>
       <dgm:t>
@@ -1303,7 +1283,7 @@
   <dgm:whole/>
   <dgm:extLst>
     <a:ext uri="http://schemas.microsoft.com/office/drawing/2008/diagram">
-      <dsp:dataModelExt xmlns:dsp="http://schemas.microsoft.com/office/drawing/2008/diagram" relId="rId7" minVer="http://schemas.openxmlformats.org/drawingml/2006/diagram"/>
+      <dsp:dataModelExt xmlns:dsp="http://schemas.microsoft.com/office/drawing/2008/diagram" relId="rId5" minVer="http://schemas.openxmlformats.org/drawingml/2006/diagram"/>
     </a:ext>
   </dgm:extLst>
 </dgm:dataModel>
@@ -1793,8 +1773,8 @@
       <dgm:resizeHandles val="exact"/>
     </dgm:varLst>
     <dgm:alg type="composite">
+      <dgm:param type="vertAlign" val="mid"/>
       <dgm:param type="horzAlign" val="ctr"/>
-      <dgm:param type="vertAlign" val="mid"/>
     </dgm:alg>
     <dgm:shape xmlns:r="http://schemas.openxmlformats.org/officeDocument/2006/relationships" r:blip="">
       <dgm:adjLst/>
@@ -1903,7 +1883,27 @@
     <a:camera prst="isometricOffAxis2Left" zoom="95000"/>
     <a:lightRig rig="flat" dir="t"/>
   </dgm:scene3d>
-  <dgm:styleLbl name="node0">
+  <dgm:styleLbl name="alignAcc1">
+    <dgm:scene3d>
+      <a:camera prst="orthographicFront"/>
+      <a:lightRig rig="threePt" dir="t"/>
+    </dgm:scene3d>
+    <dgm:sp3d z="-60000" extrusionH="63500" prstMaterial="matte"/>
+    <dgm:txPr/>
+    <dgm:style>
+      <a:lnRef idx="1">
+        <a:scrgbClr r="0" g="0" b="0"/>
+      </a:lnRef>
+      <a:fillRef idx="1">
+        <a:scrgbClr r="0" g="0" b="0"/>
+      </a:fillRef>
+      <a:effectRef idx="0">
+        <a:scrgbClr r="0" g="0" b="0"/>
+      </a:effectRef>
+      <a:fontRef idx="minor"/>
+    </dgm:style>
+  </dgm:styleLbl>
+  <dgm:styleLbl name="alignAccFollowNode1">
     <dgm:scene3d>
       <a:camera prst="orthographicFront"/>
       <a:lightRig rig="threePt" dir="t"/>
@@ -1911,6 +1911,550 @@
     <dgm:sp3d extrusionH="381000" contourW="38100" prstMaterial="matte">
       <a:contourClr>
         <a:schemeClr val="lt1"/>
+      </a:contourClr>
+    </dgm:sp3d>
+    <dgm:txPr/>
+    <dgm:style>
+      <a:lnRef idx="0">
+        <a:scrgbClr r="0" g="0" b="0"/>
+      </a:lnRef>
+      <a:fillRef idx="1">
+        <a:scrgbClr r="0" g="0" b="0"/>
+      </a:fillRef>
+      <a:effectRef idx="0">
+        <a:scrgbClr r="0" g="0" b="0"/>
+      </a:effectRef>
+      <a:fontRef idx="minor"/>
+    </dgm:style>
+  </dgm:styleLbl>
+  <dgm:styleLbl name="alignImgPlace1">
+    <dgm:scene3d>
+      <a:camera prst="orthographicFront"/>
+      <a:lightRig rig="threePt" dir="t"/>
+    </dgm:scene3d>
+    <dgm:sp3d extrusionH="63500" contourW="12700" prstMaterial="matte">
+      <a:contourClr>
+        <a:schemeClr val="lt1"/>
+      </a:contourClr>
+    </dgm:sp3d>
+    <dgm:txPr/>
+    <dgm:style>
+      <a:lnRef idx="0">
+        <a:scrgbClr r="0" g="0" b="0"/>
+      </a:lnRef>
+      <a:fillRef idx="1">
+        <a:scrgbClr r="0" g="0" b="0"/>
+      </a:fillRef>
+      <a:effectRef idx="0">
+        <a:scrgbClr r="0" g="0" b="0"/>
+      </a:effectRef>
+      <a:fontRef idx="minor"/>
+    </dgm:style>
+  </dgm:styleLbl>
+  <dgm:styleLbl name="alignNode1">
+    <dgm:scene3d>
+      <a:camera prst="orthographicFront"/>
+      <a:lightRig rig="threePt" dir="t"/>
+    </dgm:scene3d>
+    <dgm:sp3d extrusionH="381000" contourW="38100" prstMaterial="matte">
+      <a:contourClr>
+        <a:schemeClr val="lt1"/>
+      </a:contourClr>
+    </dgm:sp3d>
+    <dgm:txPr/>
+    <dgm:style>
+      <a:lnRef idx="1">
+        <a:scrgbClr r="0" g="0" b="0"/>
+      </a:lnRef>
+      <a:fillRef idx="1">
+        <a:scrgbClr r="0" g="0" b="0"/>
+      </a:fillRef>
+      <a:effectRef idx="0">
+        <a:scrgbClr r="0" g="0" b="0"/>
+      </a:effectRef>
+      <a:fontRef idx="minor">
+        <a:schemeClr val="lt1"/>
+      </a:fontRef>
+    </dgm:style>
+  </dgm:styleLbl>
+  <dgm:styleLbl name="asst0">
+    <dgm:scene3d>
+      <a:camera prst="orthographicFront"/>
+      <a:lightRig rig="threePt" dir="t"/>
+    </dgm:scene3d>
+    <dgm:sp3d extrusionH="381000" contourW="38100" prstMaterial="matte">
+      <a:contourClr>
+        <a:schemeClr val="lt1"/>
+      </a:contourClr>
+    </dgm:sp3d>
+    <dgm:txPr/>
+    <dgm:style>
+      <a:lnRef idx="0">
+        <a:scrgbClr r="0" g="0" b="0"/>
+      </a:lnRef>
+      <a:fillRef idx="1">
+        <a:scrgbClr r="0" g="0" b="0"/>
+      </a:fillRef>
+      <a:effectRef idx="0">
+        <a:scrgbClr r="0" g="0" b="0"/>
+      </a:effectRef>
+      <a:fontRef idx="minor">
+        <a:schemeClr val="lt1"/>
+      </a:fontRef>
+    </dgm:style>
+  </dgm:styleLbl>
+  <dgm:styleLbl name="asst1">
+    <dgm:scene3d>
+      <a:camera prst="orthographicFront"/>
+      <a:lightRig rig="threePt" dir="t"/>
+    </dgm:scene3d>
+    <dgm:sp3d extrusionH="381000" contourW="38100" prstMaterial="matte">
+      <a:contourClr>
+        <a:schemeClr val="lt1"/>
+      </a:contourClr>
+    </dgm:sp3d>
+    <dgm:txPr/>
+    <dgm:style>
+      <a:lnRef idx="0">
+        <a:scrgbClr r="0" g="0" b="0"/>
+      </a:lnRef>
+      <a:fillRef idx="1">
+        <a:scrgbClr r="0" g="0" b="0"/>
+      </a:fillRef>
+      <a:effectRef idx="0">
+        <a:scrgbClr r="0" g="0" b="0"/>
+      </a:effectRef>
+      <a:fontRef idx="minor">
+        <a:schemeClr val="lt1"/>
+      </a:fontRef>
+    </dgm:style>
+  </dgm:styleLbl>
+  <dgm:styleLbl name="asst2">
+    <dgm:scene3d>
+      <a:camera prst="orthographicFront"/>
+      <a:lightRig rig="threePt" dir="t"/>
+    </dgm:scene3d>
+    <dgm:sp3d extrusionH="381000" contourW="38100" prstMaterial="matte">
+      <a:contourClr>
+        <a:schemeClr val="lt1"/>
+      </a:contourClr>
+    </dgm:sp3d>
+    <dgm:txPr/>
+    <dgm:style>
+      <a:lnRef idx="0">
+        <a:scrgbClr r="0" g="0" b="0"/>
+      </a:lnRef>
+      <a:fillRef idx="1">
+        <a:scrgbClr r="0" g="0" b="0"/>
+      </a:fillRef>
+      <a:effectRef idx="0">
+        <a:scrgbClr r="0" g="0" b="0"/>
+      </a:effectRef>
+      <a:fontRef idx="minor">
+        <a:schemeClr val="lt1"/>
+      </a:fontRef>
+    </dgm:style>
+  </dgm:styleLbl>
+  <dgm:styleLbl name="asst3">
+    <dgm:scene3d>
+      <a:camera prst="orthographicFront"/>
+      <a:lightRig rig="threePt" dir="t"/>
+    </dgm:scene3d>
+    <dgm:sp3d extrusionH="381000" contourW="38100" prstMaterial="matte">
+      <a:contourClr>
+        <a:schemeClr val="lt1"/>
+      </a:contourClr>
+    </dgm:sp3d>
+    <dgm:txPr/>
+    <dgm:style>
+      <a:lnRef idx="0">
+        <a:scrgbClr r="0" g="0" b="0"/>
+      </a:lnRef>
+      <a:fillRef idx="1">
+        <a:scrgbClr r="0" g="0" b="0"/>
+      </a:fillRef>
+      <a:effectRef idx="0">
+        <a:scrgbClr r="0" g="0" b="0"/>
+      </a:effectRef>
+      <a:fontRef idx="minor">
+        <a:schemeClr val="lt1"/>
+      </a:fontRef>
+    </dgm:style>
+  </dgm:styleLbl>
+  <dgm:styleLbl name="bgAcc1">
+    <dgm:scene3d>
+      <a:camera prst="orthographicFront"/>
+      <a:lightRig rig="threePt" dir="t"/>
+    </dgm:scene3d>
+    <dgm:sp3d z="-400500" extrusionH="63500" prstMaterial="matte"/>
+    <dgm:txPr/>
+    <dgm:style>
+      <a:lnRef idx="1">
+        <a:scrgbClr r="0" g="0" b="0"/>
+      </a:lnRef>
+      <a:fillRef idx="1">
+        <a:scrgbClr r="0" g="0" b="0"/>
+      </a:fillRef>
+      <a:effectRef idx="0">
+        <a:scrgbClr r="0" g="0" b="0"/>
+      </a:effectRef>
+      <a:fontRef idx="minor"/>
+    </dgm:style>
+  </dgm:styleLbl>
+  <dgm:styleLbl name="bgAccFollowNode1">
+    <dgm:scene3d>
+      <a:camera prst="orthographicFront"/>
+      <a:lightRig rig="threePt" dir="t"/>
+    </dgm:scene3d>
+    <dgm:sp3d z="-400500" extrusionH="63500" contourW="12700" prstMaterial="matte">
+      <a:contourClr>
+        <a:schemeClr val="lt1"/>
+      </a:contourClr>
+    </dgm:sp3d>
+    <dgm:txPr/>
+    <dgm:style>
+      <a:lnRef idx="0">
+        <a:scrgbClr r="0" g="0" b="0"/>
+      </a:lnRef>
+      <a:fillRef idx="1">
+        <a:scrgbClr r="0" g="0" b="0"/>
+      </a:fillRef>
+      <a:effectRef idx="2">
+        <a:scrgbClr r="0" g="0" b="0"/>
+      </a:effectRef>
+      <a:fontRef idx="minor"/>
+    </dgm:style>
+  </dgm:styleLbl>
+  <dgm:styleLbl name="bgImgPlace1">
+    <dgm:scene3d>
+      <a:camera prst="orthographicFront"/>
+      <a:lightRig rig="threePt" dir="t"/>
+    </dgm:scene3d>
+    <dgm:sp3d z="-381000" extrusionH="63500" contourW="12700" prstMaterial="matte">
+      <a:contourClr>
+        <a:schemeClr val="lt1"/>
+      </a:contourClr>
+    </dgm:sp3d>
+    <dgm:txPr/>
+    <dgm:style>
+      <a:lnRef idx="0">
+        <a:scrgbClr r="0" g="0" b="0"/>
+      </a:lnRef>
+      <a:fillRef idx="1">
+        <a:scrgbClr r="0" g="0" b="0"/>
+      </a:fillRef>
+      <a:effectRef idx="0">
+        <a:scrgbClr r="0" g="0" b="0"/>
+      </a:effectRef>
+      <a:fontRef idx="minor"/>
+    </dgm:style>
+  </dgm:styleLbl>
+  <dgm:styleLbl name="bgShp">
+    <dgm:scene3d>
+      <a:camera prst="orthographicFront"/>
+      <a:lightRig rig="threePt" dir="t"/>
+    </dgm:scene3d>
+    <dgm:sp3d z="-400500" extrusionH="63500" contourW="12700" prstMaterial="matte">
+      <a:contourClr>
+        <a:schemeClr val="lt1">
+          <a:tint val="50000"/>
+        </a:schemeClr>
+      </a:contourClr>
+    </dgm:sp3d>
+    <dgm:txPr/>
+    <dgm:style>
+      <a:lnRef idx="0">
+        <a:scrgbClr r="0" g="0" b="0"/>
+      </a:lnRef>
+      <a:fillRef idx="1">
+        <a:scrgbClr r="0" g="0" b="0"/>
+      </a:fillRef>
+      <a:effectRef idx="0">
+        <a:scrgbClr r="0" g="0" b="0"/>
+      </a:effectRef>
+      <a:fontRef idx="minor"/>
+    </dgm:style>
+  </dgm:styleLbl>
+  <dgm:styleLbl name="bgSibTrans2D1">
+    <dgm:scene3d>
+      <a:camera prst="orthographicFront"/>
+      <a:lightRig rig="threePt" dir="t"/>
+    </dgm:scene3d>
+    <dgm:sp3d z="-381000" extrusionH="63500" contourW="12700" prstMaterial="matte">
+      <a:contourClr>
+        <a:schemeClr val="dk1">
+          <a:tint val="20000"/>
+        </a:schemeClr>
+      </a:contourClr>
+    </dgm:sp3d>
+    <dgm:txPr/>
+    <dgm:style>
+      <a:lnRef idx="0">
+        <a:scrgbClr r="0" g="0" b="0"/>
+      </a:lnRef>
+      <a:fillRef idx="1">
+        <a:scrgbClr r="0" g="0" b="0"/>
+      </a:fillRef>
+      <a:effectRef idx="0">
+        <a:scrgbClr r="0" g="0" b="0"/>
+      </a:effectRef>
+      <a:fontRef idx="minor">
+        <a:schemeClr val="lt1"/>
+      </a:fontRef>
+    </dgm:style>
+  </dgm:styleLbl>
+  <dgm:styleLbl name="callout">
+    <dgm:scene3d>
+      <a:camera prst="orthographicFront"/>
+      <a:lightRig rig="threePt" dir="t"/>
+    </dgm:scene3d>
+    <dgm:sp3d z="127000" prstMaterial="matte"/>
+    <dgm:txPr/>
+    <dgm:style>
+      <a:lnRef idx="2">
+        <a:scrgbClr r="0" g="0" b="0"/>
+      </a:lnRef>
+      <a:fillRef idx="1">
+        <a:scrgbClr r="0" g="0" b="0"/>
+      </a:fillRef>
+      <a:effectRef idx="0">
+        <a:scrgbClr r="0" g="0" b="0"/>
+      </a:effectRef>
+      <a:fontRef idx="minor"/>
+    </dgm:style>
+  </dgm:styleLbl>
+  <dgm:styleLbl name="conFgAcc1">
+    <dgm:scene3d>
+      <a:camera prst="orthographicFront"/>
+      <a:lightRig rig="threePt" dir="t"/>
+    </dgm:scene3d>
+    <dgm:sp3d z="-60000" extrusionH="63500" prstMaterial="matte"/>
+    <dgm:txPr/>
+    <dgm:style>
+      <a:lnRef idx="1">
+        <a:scrgbClr r="0" g="0" b="0"/>
+      </a:lnRef>
+      <a:fillRef idx="1">
+        <a:scrgbClr r="0" g="0" b="0"/>
+      </a:fillRef>
+      <a:effectRef idx="0">
+        <a:scrgbClr r="0" g="0" b="0"/>
+      </a:effectRef>
+      <a:fontRef idx="minor"/>
+    </dgm:style>
+  </dgm:styleLbl>
+  <dgm:styleLbl name="dkBgShp">
+    <dgm:scene3d>
+      <a:camera prst="orthographicFront"/>
+      <a:lightRig rig="threePt" dir="t"/>
+    </dgm:scene3d>
+    <dgm:sp3d extrusionH="381000" contourW="38100" prstMaterial="matte">
+      <a:contourClr>
+        <a:schemeClr val="lt1"/>
+      </a:contourClr>
+    </dgm:sp3d>
+    <dgm:txPr/>
+    <dgm:style>
+      <a:lnRef idx="0">
+        <a:scrgbClr r="0" g="0" b="0"/>
+      </a:lnRef>
+      <a:fillRef idx="1">
+        <a:scrgbClr r="0" g="0" b="0"/>
+      </a:fillRef>
+      <a:effectRef idx="0">
+        <a:scrgbClr r="0" g="0" b="0"/>
+      </a:effectRef>
+      <a:fontRef idx="minor">
+        <a:schemeClr val="lt1"/>
+      </a:fontRef>
+    </dgm:style>
+  </dgm:styleLbl>
+  <dgm:styleLbl name="fgAcc0">
+    <dgm:scene3d>
+      <a:camera prst="orthographicFront"/>
+      <a:lightRig rig="threePt" dir="t"/>
+    </dgm:scene3d>
+    <dgm:sp3d z="57150" extrusionH="63500" prstMaterial="matte"/>
+    <dgm:txPr/>
+    <dgm:style>
+      <a:lnRef idx="1">
+        <a:scrgbClr r="0" g="0" b="0"/>
+      </a:lnRef>
+      <a:fillRef idx="1">
+        <a:scrgbClr r="0" g="0" b="0"/>
+      </a:fillRef>
+      <a:effectRef idx="0">
+        <a:scrgbClr r="0" g="0" b="0"/>
+      </a:effectRef>
+      <a:fontRef idx="minor"/>
+    </dgm:style>
+  </dgm:styleLbl>
+  <dgm:styleLbl name="fgAcc1">
+    <dgm:scene3d>
+      <a:camera prst="orthographicFront"/>
+      <a:lightRig rig="threePt" dir="t"/>
+    </dgm:scene3d>
+    <dgm:sp3d z="57150" extrusionH="63500" prstMaterial="matte"/>
+    <dgm:txPr/>
+    <dgm:style>
+      <a:lnRef idx="1">
+        <a:scrgbClr r="0" g="0" b="0"/>
+      </a:lnRef>
+      <a:fillRef idx="1">
+        <a:scrgbClr r="0" g="0" b="0"/>
+      </a:fillRef>
+      <a:effectRef idx="0">
+        <a:scrgbClr r="0" g="0" b="0"/>
+      </a:effectRef>
+      <a:fontRef idx="minor"/>
+    </dgm:style>
+  </dgm:styleLbl>
+  <dgm:styleLbl name="fgAcc2">
+    <dgm:scene3d>
+      <a:camera prst="orthographicFront"/>
+      <a:lightRig rig="threePt" dir="t"/>
+    </dgm:scene3d>
+    <dgm:sp3d z="57150" extrusionH="63500" prstMaterial="matte"/>
+    <dgm:txPr/>
+    <dgm:style>
+      <a:lnRef idx="1">
+        <a:scrgbClr r="0" g="0" b="0"/>
+      </a:lnRef>
+      <a:fillRef idx="1">
+        <a:scrgbClr r="0" g="0" b="0"/>
+      </a:fillRef>
+      <a:effectRef idx="0">
+        <a:scrgbClr r="0" g="0" b="0"/>
+      </a:effectRef>
+      <a:fontRef idx="minor"/>
+    </dgm:style>
+  </dgm:styleLbl>
+  <dgm:styleLbl name="fgAcc3">
+    <dgm:scene3d>
+      <a:camera prst="orthographicFront"/>
+      <a:lightRig rig="threePt" dir="t"/>
+    </dgm:scene3d>
+    <dgm:sp3d z="57150" extrusionH="63500" prstMaterial="matte"/>
+    <dgm:txPr/>
+    <dgm:style>
+      <a:lnRef idx="1">
+        <a:scrgbClr r="0" g="0" b="0"/>
+      </a:lnRef>
+      <a:fillRef idx="1">
+        <a:scrgbClr r="0" g="0" b="0"/>
+      </a:fillRef>
+      <a:effectRef idx="0">
+        <a:scrgbClr r="0" g="0" b="0"/>
+      </a:effectRef>
+      <a:fontRef idx="minor"/>
+    </dgm:style>
+  </dgm:styleLbl>
+  <dgm:styleLbl name="fgAcc4">
+    <dgm:scene3d>
+      <a:camera prst="orthographicFront"/>
+      <a:lightRig rig="threePt" dir="t"/>
+    </dgm:scene3d>
+    <dgm:sp3d z="57150" extrusionH="63500" prstMaterial="matte"/>
+    <dgm:txPr/>
+    <dgm:style>
+      <a:lnRef idx="1">
+        <a:scrgbClr r="0" g="0" b="0"/>
+      </a:lnRef>
+      <a:fillRef idx="1">
+        <a:scrgbClr r="0" g="0" b="0"/>
+      </a:fillRef>
+      <a:effectRef idx="0">
+        <a:scrgbClr r="0" g="0" b="0"/>
+      </a:effectRef>
+      <a:fontRef idx="minor"/>
+    </dgm:style>
+  </dgm:styleLbl>
+  <dgm:styleLbl name="fgAccFollowNode1">
+    <dgm:scene3d>
+      <a:camera prst="orthographicFront"/>
+      <a:lightRig rig="threePt" dir="t"/>
+    </dgm:scene3d>
+    <dgm:sp3d z="57150" extrusionH="63500" contourW="12700" prstMaterial="matte">
+      <a:contourClr>
+        <a:schemeClr val="dk1">
+          <a:tint val="20000"/>
+        </a:schemeClr>
+      </a:contourClr>
+    </dgm:sp3d>
+    <dgm:txPr/>
+    <dgm:style>
+      <a:lnRef idx="0">
+        <a:scrgbClr r="0" g="0" b="0"/>
+      </a:lnRef>
+      <a:fillRef idx="1">
+        <a:scrgbClr r="0" g="0" b="0"/>
+      </a:fillRef>
+      <a:effectRef idx="0">
+        <a:scrgbClr r="0" g="0" b="0"/>
+      </a:effectRef>
+      <a:fontRef idx="minor"/>
+    </dgm:style>
+  </dgm:styleLbl>
+  <dgm:styleLbl name="fgImgPlace1">
+    <dgm:scene3d>
+      <a:camera prst="orthographicFront"/>
+      <a:lightRig rig="threePt" dir="t"/>
+    </dgm:scene3d>
+    <dgm:sp3d z="57150" extrusionH="63500" contourW="12700" prstMaterial="matte">
+      <a:contourClr>
+        <a:schemeClr val="lt1"/>
+      </a:contourClr>
+    </dgm:sp3d>
+    <dgm:txPr/>
+    <dgm:style>
+      <a:lnRef idx="0">
+        <a:scrgbClr r="0" g="0" b="0"/>
+      </a:lnRef>
+      <a:fillRef idx="1">
+        <a:scrgbClr r="0" g="0" b="0"/>
+      </a:fillRef>
+      <a:effectRef idx="0">
+        <a:scrgbClr r="0" g="0" b="0"/>
+      </a:effectRef>
+      <a:fontRef idx="minor"/>
+    </dgm:style>
+  </dgm:styleLbl>
+  <dgm:styleLbl name="fgShp">
+    <dgm:scene3d>
+      <a:camera prst="orthographicFront"/>
+      <a:lightRig rig="threePt" dir="t"/>
+    </dgm:scene3d>
+    <dgm:sp3d z="57150" extrusionH="63500" contourW="12700" prstMaterial="matte">
+      <a:contourClr>
+        <a:schemeClr val="lt1">
+          <a:tint val="50000"/>
+        </a:schemeClr>
+      </a:contourClr>
+    </dgm:sp3d>
+    <dgm:txPr/>
+    <dgm:style>
+      <a:lnRef idx="0">
+        <a:scrgbClr r="0" g="0" b="0"/>
+      </a:lnRef>
+      <a:fillRef idx="1">
+        <a:scrgbClr r="0" g="0" b="0"/>
+      </a:fillRef>
+      <a:effectRef idx="0">
+        <a:scrgbClr r="0" g="0" b="0"/>
+      </a:effectRef>
+      <a:fontRef idx="minor"/>
+    </dgm:style>
+  </dgm:styleLbl>
+  <dgm:styleLbl name="fgSibTrans2D1">
+    <dgm:scene3d>
+      <a:camera prst="orthographicFront"/>
+      <a:lightRig rig="threePt" dir="t"/>
+    </dgm:scene3d>
+    <dgm:sp3d z="57150" extrusionH="63500" contourW="12700" prstMaterial="matte">
+      <a:contourClr>
+        <a:schemeClr val="dk1">
+          <a:tint val="20000"/>
+        </a:schemeClr>
       </a:contourClr>
     </dgm:sp3d>
     <dgm:txPr/>
@@ -1955,7 +2499,7 @@
       </a:fontRef>
     </dgm:style>
   </dgm:styleLbl>
-  <dgm:styleLbl name="vennNode1">
+  <dgm:styleLbl name="node0">
     <dgm:scene3d>
       <a:camera prst="orthographicFront"/>
       <a:lightRig rig="threePt" dir="t"/>
@@ -1968,32 +2512,6 @@
     <dgm:txPr/>
     <dgm:style>
       <a:lnRef idx="0">
-        <a:scrgbClr r="0" g="0" b="0"/>
-      </a:lnRef>
-      <a:fillRef idx="1">
-        <a:scrgbClr r="0" g="0" b="0"/>
-      </a:fillRef>
-      <a:effectRef idx="0">
-        <a:scrgbClr r="0" g="0" b="0"/>
-      </a:effectRef>
-      <a:fontRef idx="minor">
-        <a:schemeClr val="tx1"/>
-      </a:fontRef>
-    </dgm:style>
-  </dgm:styleLbl>
-  <dgm:styleLbl name="alignNode1">
-    <dgm:scene3d>
-      <a:camera prst="orthographicFront"/>
-      <a:lightRig rig="threePt" dir="t"/>
-    </dgm:scene3d>
-    <dgm:sp3d extrusionH="381000" contourW="38100" prstMaterial="matte">
-      <a:contourClr>
-        <a:schemeClr val="lt1"/>
-      </a:contourClr>
-    </dgm:sp3d>
-    <dgm:txPr/>
-    <dgm:style>
-      <a:lnRef idx="1">
         <a:scrgbClr r="0" g="0" b="0"/>
       </a:lnRef>
       <a:fillRef idx="1">
@@ -2111,161 +2629,7 @@
       </a:fontRef>
     </dgm:style>
   </dgm:styleLbl>
-  <dgm:styleLbl name="fgImgPlace1">
-    <dgm:scene3d>
-      <a:camera prst="orthographicFront"/>
-      <a:lightRig rig="threePt" dir="t"/>
-    </dgm:scene3d>
-    <dgm:sp3d z="57150" extrusionH="63500" contourW="12700" prstMaterial="matte">
-      <a:contourClr>
-        <a:schemeClr val="lt1"/>
-      </a:contourClr>
-    </dgm:sp3d>
-    <dgm:txPr/>
-    <dgm:style>
-      <a:lnRef idx="0">
-        <a:scrgbClr r="0" g="0" b="0"/>
-      </a:lnRef>
-      <a:fillRef idx="1">
-        <a:scrgbClr r="0" g="0" b="0"/>
-      </a:fillRef>
-      <a:effectRef idx="0">
-        <a:scrgbClr r="0" g="0" b="0"/>
-      </a:effectRef>
-      <a:fontRef idx="minor"/>
-    </dgm:style>
-  </dgm:styleLbl>
-  <dgm:styleLbl name="alignImgPlace1">
-    <dgm:scene3d>
-      <a:camera prst="orthographicFront"/>
-      <a:lightRig rig="threePt" dir="t"/>
-    </dgm:scene3d>
-    <dgm:sp3d extrusionH="63500" contourW="12700" prstMaterial="matte">
-      <a:contourClr>
-        <a:schemeClr val="lt1"/>
-      </a:contourClr>
-    </dgm:sp3d>
-    <dgm:txPr/>
-    <dgm:style>
-      <a:lnRef idx="0">
-        <a:scrgbClr r="0" g="0" b="0"/>
-      </a:lnRef>
-      <a:fillRef idx="1">
-        <a:scrgbClr r="0" g="0" b="0"/>
-      </a:fillRef>
-      <a:effectRef idx="0">
-        <a:scrgbClr r="0" g="0" b="0"/>
-      </a:effectRef>
-      <a:fontRef idx="minor"/>
-    </dgm:style>
-  </dgm:styleLbl>
-  <dgm:styleLbl name="bgImgPlace1">
-    <dgm:scene3d>
-      <a:camera prst="orthographicFront"/>
-      <a:lightRig rig="threePt" dir="t"/>
-    </dgm:scene3d>
-    <dgm:sp3d z="-381000" extrusionH="63500" contourW="12700" prstMaterial="matte">
-      <a:contourClr>
-        <a:schemeClr val="lt1"/>
-      </a:contourClr>
-    </dgm:sp3d>
-    <dgm:txPr/>
-    <dgm:style>
-      <a:lnRef idx="0">
-        <a:scrgbClr r="0" g="0" b="0"/>
-      </a:lnRef>
-      <a:fillRef idx="1">
-        <a:scrgbClr r="0" g="0" b="0"/>
-      </a:fillRef>
-      <a:effectRef idx="0">
-        <a:scrgbClr r="0" g="0" b="0"/>
-      </a:effectRef>
-      <a:fontRef idx="minor"/>
-    </dgm:style>
-  </dgm:styleLbl>
-  <dgm:styleLbl name="sibTrans2D1">
-    <dgm:scene3d>
-      <a:camera prst="orthographicFront"/>
-      <a:lightRig rig="threePt" dir="t"/>
-    </dgm:scene3d>
-    <dgm:sp3d z="-52400" extrusionH="181000" contourW="38100" prstMaterial="matte">
-      <a:contourClr>
-        <a:schemeClr val="lt1"/>
-      </a:contourClr>
-    </dgm:sp3d>
-    <dgm:txPr/>
-    <dgm:style>
-      <a:lnRef idx="0">
-        <a:scrgbClr r="0" g="0" b="0"/>
-      </a:lnRef>
-      <a:fillRef idx="1">
-        <a:scrgbClr r="0" g="0" b="0"/>
-      </a:fillRef>
-      <a:effectRef idx="0">
-        <a:scrgbClr r="0" g="0" b="0"/>
-      </a:effectRef>
-      <a:fontRef idx="minor">
-        <a:schemeClr val="lt1"/>
-      </a:fontRef>
-    </dgm:style>
-  </dgm:styleLbl>
-  <dgm:styleLbl name="fgSibTrans2D1">
-    <dgm:scene3d>
-      <a:camera prst="orthographicFront"/>
-      <a:lightRig rig="threePt" dir="t"/>
-    </dgm:scene3d>
-    <dgm:sp3d z="57150" extrusionH="63500" contourW="12700" prstMaterial="matte">
-      <a:contourClr>
-        <a:schemeClr val="dk1">
-          <a:tint val="20000"/>
-        </a:schemeClr>
-      </a:contourClr>
-    </dgm:sp3d>
-    <dgm:txPr/>
-    <dgm:style>
-      <a:lnRef idx="0">
-        <a:scrgbClr r="0" g="0" b="0"/>
-      </a:lnRef>
-      <a:fillRef idx="1">
-        <a:scrgbClr r="0" g="0" b="0"/>
-      </a:fillRef>
-      <a:effectRef idx="0">
-        <a:scrgbClr r="0" g="0" b="0"/>
-      </a:effectRef>
-      <a:fontRef idx="minor">
-        <a:schemeClr val="lt1"/>
-      </a:fontRef>
-    </dgm:style>
-  </dgm:styleLbl>
-  <dgm:styleLbl name="bgSibTrans2D1">
-    <dgm:scene3d>
-      <a:camera prst="orthographicFront"/>
-      <a:lightRig rig="threePt" dir="t"/>
-    </dgm:scene3d>
-    <dgm:sp3d z="-381000" extrusionH="63500" contourW="12700" prstMaterial="matte">
-      <a:contourClr>
-        <a:schemeClr val="dk1">
-          <a:tint val="20000"/>
-        </a:schemeClr>
-      </a:contourClr>
-    </dgm:sp3d>
-    <dgm:txPr/>
-    <dgm:style>
-      <a:lnRef idx="0">
-        <a:scrgbClr r="0" g="0" b="0"/>
-      </a:lnRef>
-      <a:fillRef idx="1">
-        <a:scrgbClr r="0" g="0" b="0"/>
-      </a:fillRef>
-      <a:effectRef idx="0">
-        <a:scrgbClr r="0" g="0" b="0"/>
-      </a:effectRef>
-      <a:fontRef idx="minor">
-        <a:schemeClr val="lt1"/>
-      </a:fontRef>
-    </dgm:style>
-  </dgm:styleLbl>
-  <dgm:styleLbl name="sibTrans1D1">
+  <dgm:styleLbl name="parChTrans1D1">
     <dgm:scene3d>
       <a:camera prst="orthographicFront"/>
       <a:lightRig rig="threePt" dir="t"/>
@@ -2273,7 +2637,7 @@
     <dgm:sp3d z="-40000" prstMaterial="matte"/>
     <dgm:txPr/>
     <dgm:style>
-      <a:lnRef idx="1">
+      <a:lnRef idx="2">
         <a:scrgbClr r="0" g="0" b="0"/>
       </a:lnRef>
       <a:fillRef idx="0">
@@ -2285,18 +2649,18 @@
       <a:fontRef idx="minor"/>
     </dgm:style>
   </dgm:styleLbl>
-  <dgm:styleLbl name="callout">
+  <dgm:styleLbl name="parChTrans1D2">
     <dgm:scene3d>
       <a:camera prst="orthographicFront"/>
       <a:lightRig rig="threePt" dir="t"/>
     </dgm:scene3d>
-    <dgm:sp3d z="127000" prstMaterial="matte"/>
+    <dgm:sp3d z="-40000" prstMaterial="matte"/>
     <dgm:txPr/>
     <dgm:style>
       <a:lnRef idx="2">
         <a:scrgbClr r="0" g="0" b="0"/>
       </a:lnRef>
-      <a:fillRef idx="1">
+      <a:fillRef idx="0">
         <a:scrgbClr r="0" g="0" b="0"/>
       </a:fillRef>
       <a:effectRef idx="0">
@@ -2305,108 +2669,44 @@
       <a:fontRef idx="minor"/>
     </dgm:style>
   </dgm:styleLbl>
-  <dgm:styleLbl name="asst0">
+  <dgm:styleLbl name="parChTrans1D3">
     <dgm:scene3d>
       <a:camera prst="orthographicFront"/>
       <a:lightRig rig="threePt" dir="t"/>
     </dgm:scene3d>
-    <dgm:sp3d extrusionH="381000" contourW="38100" prstMaterial="matte">
-      <a:contourClr>
-        <a:schemeClr val="lt1"/>
-      </a:contourClr>
-    </dgm:sp3d>
+    <dgm:sp3d z="-40000" prstMaterial="matte"/>
     <dgm:txPr/>
     <dgm:style>
-      <a:lnRef idx="0">
+      <a:lnRef idx="2">
         <a:scrgbClr r="0" g="0" b="0"/>
       </a:lnRef>
-      <a:fillRef idx="1">
+      <a:fillRef idx="0">
         <a:scrgbClr r="0" g="0" b="0"/>
       </a:fillRef>
       <a:effectRef idx="0">
         <a:scrgbClr r="0" g="0" b="0"/>
       </a:effectRef>
-      <a:fontRef idx="minor">
-        <a:schemeClr val="lt1"/>
-      </a:fontRef>
+      <a:fontRef idx="minor"/>
     </dgm:style>
   </dgm:styleLbl>
-  <dgm:styleLbl name="asst1">
+  <dgm:styleLbl name="parChTrans1D4">
     <dgm:scene3d>
       <a:camera prst="orthographicFront"/>
       <a:lightRig rig="threePt" dir="t"/>
     </dgm:scene3d>
-    <dgm:sp3d extrusionH="381000" contourW="38100" prstMaterial="matte">
-      <a:contourClr>
-        <a:schemeClr val="lt1"/>
-      </a:contourClr>
-    </dgm:sp3d>
+    <dgm:sp3d z="-40000" prstMaterial="matte"/>
     <dgm:txPr/>
     <dgm:style>
-      <a:lnRef idx="0">
+      <a:lnRef idx="2">
         <a:scrgbClr r="0" g="0" b="0"/>
       </a:lnRef>
-      <a:fillRef idx="1">
+      <a:fillRef idx="0">
         <a:scrgbClr r="0" g="0" b="0"/>
       </a:fillRef>
       <a:effectRef idx="0">
         <a:scrgbClr r="0" g="0" b="0"/>
       </a:effectRef>
-      <a:fontRef idx="minor">
-        <a:schemeClr val="lt1"/>
-      </a:fontRef>
-    </dgm:style>
-  </dgm:styleLbl>
-  <dgm:styleLbl name="asst2">
-    <dgm:scene3d>
-      <a:camera prst="orthographicFront"/>
-      <a:lightRig rig="threePt" dir="t"/>
-    </dgm:scene3d>
-    <dgm:sp3d extrusionH="381000" contourW="38100" prstMaterial="matte">
-      <a:contourClr>
-        <a:schemeClr val="lt1"/>
-      </a:contourClr>
-    </dgm:sp3d>
-    <dgm:txPr/>
-    <dgm:style>
-      <a:lnRef idx="0">
-        <a:scrgbClr r="0" g="0" b="0"/>
-      </a:lnRef>
-      <a:fillRef idx="1">
-        <a:scrgbClr r="0" g="0" b="0"/>
-      </a:fillRef>
-      <a:effectRef idx="0">
-        <a:scrgbClr r="0" g="0" b="0"/>
-      </a:effectRef>
-      <a:fontRef idx="minor">
-        <a:schemeClr val="lt1"/>
-      </a:fontRef>
-    </dgm:style>
-  </dgm:styleLbl>
-  <dgm:styleLbl name="asst3">
-    <dgm:scene3d>
-      <a:camera prst="orthographicFront"/>
-      <a:lightRig rig="threePt" dir="t"/>
-    </dgm:scene3d>
-    <dgm:sp3d extrusionH="381000" contourW="38100" prstMaterial="matte">
-      <a:contourClr>
-        <a:schemeClr val="lt1"/>
-      </a:contourClr>
-    </dgm:sp3d>
-    <dgm:txPr/>
-    <dgm:style>
-      <a:lnRef idx="0">
-        <a:scrgbClr r="0" g="0" b="0"/>
-      </a:lnRef>
-      <a:fillRef idx="1">
-        <a:scrgbClr r="0" g="0" b="0"/>
-      </a:fillRef>
-      <a:effectRef idx="0">
-        <a:scrgbClr r="0" g="0" b="0"/>
-      </a:effectRef>
-      <a:fontRef idx="minor">
-        <a:schemeClr val="lt1"/>
-      </a:fontRef>
+      <a:fontRef idx="minor"/>
     </dgm:style>
   </dgm:styleLbl>
   <dgm:styleLbl name="parChTrans2D1">
@@ -2511,15 +2811,14 @@
       </a:fontRef>
     </dgm:style>
   </dgm:styleLbl>
-  <dgm:styleLbl name="parChTrans1D1">
+  <dgm:styleLbl name="revTx">
     <dgm:scene3d>
       <a:camera prst="orthographicFront"/>
       <a:lightRig rig="threePt" dir="t"/>
     </dgm:scene3d>
-    <dgm:sp3d z="-40000" prstMaterial="matte"/>
     <dgm:txPr/>
     <dgm:style>
-      <a:lnRef idx="2">
+      <a:lnRef idx="0">
         <a:scrgbClr r="0" g="0" b="0"/>
       </a:lnRef>
       <a:fillRef idx="0">
@@ -2531,7 +2830,7 @@
       <a:fontRef idx="minor"/>
     </dgm:style>
   </dgm:styleLbl>
-  <dgm:styleLbl name="parChTrans1D2">
+  <dgm:styleLbl name="sibTrans1D1">
     <dgm:scene3d>
       <a:camera prst="orthographicFront"/>
       <a:lightRig rig="threePt" dir="t"/>
@@ -2539,7 +2838,7 @@
     <dgm:sp3d z="-40000" prstMaterial="matte"/>
     <dgm:txPr/>
     <dgm:style>
-      <a:lnRef idx="2">
+      <a:lnRef idx="1">
         <a:scrgbClr r="0" g="0" b="0"/>
       </a:lnRef>
       <a:fillRef idx="0">
@@ -2551,55 +2850,19 @@
       <a:fontRef idx="minor"/>
     </dgm:style>
   </dgm:styleLbl>
-  <dgm:styleLbl name="parChTrans1D3">
+  <dgm:styleLbl name="sibTrans2D1">
     <dgm:scene3d>
       <a:camera prst="orthographicFront"/>
       <a:lightRig rig="threePt" dir="t"/>
     </dgm:scene3d>
-    <dgm:sp3d z="-40000" prstMaterial="matte"/>
+    <dgm:sp3d z="-52400" extrusionH="181000" contourW="38100" prstMaterial="matte">
+      <a:contourClr>
+        <a:schemeClr val="lt1"/>
+      </a:contourClr>
+    </dgm:sp3d>
     <dgm:txPr/>
     <dgm:style>
-      <a:lnRef idx="2">
-        <a:scrgbClr r="0" g="0" b="0"/>
-      </a:lnRef>
-      <a:fillRef idx="0">
-        <a:scrgbClr r="0" g="0" b="0"/>
-      </a:fillRef>
-      <a:effectRef idx="0">
-        <a:scrgbClr r="0" g="0" b="0"/>
-      </a:effectRef>
-      <a:fontRef idx="minor"/>
-    </dgm:style>
-  </dgm:styleLbl>
-  <dgm:styleLbl name="parChTrans1D4">
-    <dgm:scene3d>
-      <a:camera prst="orthographicFront"/>
-      <a:lightRig rig="threePt" dir="t"/>
-    </dgm:scene3d>
-    <dgm:sp3d z="-40000" prstMaterial="matte"/>
-    <dgm:txPr/>
-    <dgm:style>
-      <a:lnRef idx="2">
-        <a:scrgbClr r="0" g="0" b="0"/>
-      </a:lnRef>
-      <a:fillRef idx="0">
-        <a:scrgbClr r="0" g="0" b="0"/>
-      </a:fillRef>
-      <a:effectRef idx="0">
-        <a:scrgbClr r="0" g="0" b="0"/>
-      </a:effectRef>
-      <a:fontRef idx="minor"/>
-    </dgm:style>
-  </dgm:styleLbl>
-  <dgm:styleLbl name="fgAcc1">
-    <dgm:scene3d>
-      <a:camera prst="orthographicFront"/>
-      <a:lightRig rig="threePt" dir="t"/>
-    </dgm:scene3d>
-    <dgm:sp3d z="57150" extrusionH="63500" prstMaterial="matte"/>
-    <dgm:txPr/>
-    <dgm:style>
-      <a:lnRef idx="1">
+      <a:lnRef idx="0">
         <a:scrgbClr r="0" g="0" b="0"/>
       </a:lnRef>
       <a:fillRef idx="1">
@@ -2608,109 +2871,9 @@
       <a:effectRef idx="0">
         <a:scrgbClr r="0" g="0" b="0"/>
       </a:effectRef>
-      <a:fontRef idx="minor"/>
-    </dgm:style>
-  </dgm:styleLbl>
-  <dgm:styleLbl name="conFgAcc1">
-    <dgm:scene3d>
-      <a:camera prst="orthographicFront"/>
-      <a:lightRig rig="threePt" dir="t"/>
-    </dgm:scene3d>
-    <dgm:sp3d z="-60000" extrusionH="63500" prstMaterial="matte"/>
-    <dgm:txPr/>
-    <dgm:style>
-      <a:lnRef idx="1">
-        <a:scrgbClr r="0" g="0" b="0"/>
-      </a:lnRef>
-      <a:fillRef idx="1">
-        <a:scrgbClr r="0" g="0" b="0"/>
-      </a:fillRef>
-      <a:effectRef idx="0">
-        <a:scrgbClr r="0" g="0" b="0"/>
-      </a:effectRef>
-      <a:fontRef idx="minor"/>
-    </dgm:style>
-  </dgm:styleLbl>
-  <dgm:styleLbl name="alignAcc1">
-    <dgm:scene3d>
-      <a:camera prst="orthographicFront"/>
-      <a:lightRig rig="threePt" dir="t"/>
-    </dgm:scene3d>
-    <dgm:sp3d z="-60000" extrusionH="63500" prstMaterial="matte"/>
-    <dgm:txPr/>
-    <dgm:style>
-      <a:lnRef idx="1">
-        <a:scrgbClr r="0" g="0" b="0"/>
-      </a:lnRef>
-      <a:fillRef idx="1">
-        <a:scrgbClr r="0" g="0" b="0"/>
-      </a:fillRef>
-      <a:effectRef idx="0">
-        <a:scrgbClr r="0" g="0" b="0"/>
-      </a:effectRef>
-      <a:fontRef idx="minor"/>
-    </dgm:style>
-  </dgm:styleLbl>
-  <dgm:styleLbl name="trAlignAcc1">
-    <dgm:scene3d>
-      <a:camera prst="orthographicFront"/>
-      <a:lightRig rig="threePt" dir="t"/>
-    </dgm:scene3d>
-    <dgm:sp3d extrusionH="381000" prstMaterial="matte"/>
-    <dgm:txPr/>
-    <dgm:style>
-      <a:lnRef idx="1">
-        <a:scrgbClr r="0" g="0" b="0"/>
-      </a:lnRef>
-      <a:fillRef idx="1">
-        <a:scrgbClr r="0" g="0" b="0"/>
-      </a:fillRef>
-      <a:effectRef idx="0">
-        <a:scrgbClr r="0" g="0" b="0"/>
-      </a:effectRef>
-      <a:fontRef idx="minor"/>
-    </dgm:style>
-  </dgm:styleLbl>
-  <dgm:styleLbl name="bgAcc1">
-    <dgm:scene3d>
-      <a:camera prst="orthographicFront"/>
-      <a:lightRig rig="threePt" dir="t"/>
-    </dgm:scene3d>
-    <dgm:sp3d z="-400500" extrusionH="63500" prstMaterial="matte"/>
-    <dgm:txPr/>
-    <dgm:style>
-      <a:lnRef idx="1">
-        <a:scrgbClr r="0" g="0" b="0"/>
-      </a:lnRef>
-      <a:fillRef idx="1">
-        <a:scrgbClr r="0" g="0" b="0"/>
-      </a:fillRef>
-      <a:effectRef idx="0">
-        <a:scrgbClr r="0" g="0" b="0"/>
-      </a:effectRef>
-      <a:fontRef idx="minor"/>
-    </dgm:style>
-  </dgm:styleLbl>
-  <dgm:styleLbl name="solidFgAcc1">
-    <dgm:scene3d>
-      <a:camera prst="orthographicFront"/>
-      <a:lightRig rig="threePt" dir="t"/>
-    </dgm:scene3d>
-    <dgm:sp3d z="57150" extrusionH="12700" prstMaterial="flat">
-      <a:bevelT w="50800" h="50800"/>
-    </dgm:sp3d>
-    <dgm:txPr/>
-    <dgm:style>
-      <a:lnRef idx="1">
-        <a:scrgbClr r="0" g="0" b="0"/>
-      </a:lnRef>
-      <a:fillRef idx="1">
-        <a:scrgbClr r="0" g="0" b="0"/>
-      </a:fillRef>
-      <a:effectRef idx="2">
-        <a:scrgbClr r="0" g="0" b="0"/>
-      </a:effectRef>
-      <a:fontRef idx="minor"/>
+      <a:fontRef idx="minor">
+        <a:schemeClr val="lt1"/>
+      </a:fontRef>
     </dgm:style>
   </dgm:styleLbl>
   <dgm:styleLbl name="solidAlignAcc1">
@@ -2755,69 +2918,17 @@
       <a:fontRef idx="minor"/>
     </dgm:style>
   </dgm:styleLbl>
-  <dgm:styleLbl name="fgAccFollowNode1">
+  <dgm:styleLbl name="solidFgAcc1">
     <dgm:scene3d>
       <a:camera prst="orthographicFront"/>
       <a:lightRig rig="threePt" dir="t"/>
     </dgm:scene3d>
-    <dgm:sp3d z="57150" extrusionH="63500" contourW="12700" prstMaterial="matte">
-      <a:contourClr>
-        <a:schemeClr val="dk1">
-          <a:tint val="20000"/>
-        </a:schemeClr>
-      </a:contourClr>
+    <dgm:sp3d z="57150" extrusionH="12700" prstMaterial="flat">
+      <a:bevelT w="50800" h="50800"/>
     </dgm:sp3d>
     <dgm:txPr/>
     <dgm:style>
-      <a:lnRef idx="0">
-        <a:scrgbClr r="0" g="0" b="0"/>
-      </a:lnRef>
-      <a:fillRef idx="1">
-        <a:scrgbClr r="0" g="0" b="0"/>
-      </a:fillRef>
-      <a:effectRef idx="0">
-        <a:scrgbClr r="0" g="0" b="0"/>
-      </a:effectRef>
-      <a:fontRef idx="minor"/>
-    </dgm:style>
-  </dgm:styleLbl>
-  <dgm:styleLbl name="alignAccFollowNode1">
-    <dgm:scene3d>
-      <a:camera prst="orthographicFront"/>
-      <a:lightRig rig="threePt" dir="t"/>
-    </dgm:scene3d>
-    <dgm:sp3d extrusionH="381000" contourW="38100" prstMaterial="matte">
-      <a:contourClr>
-        <a:schemeClr val="lt1"/>
-      </a:contourClr>
-    </dgm:sp3d>
-    <dgm:txPr/>
-    <dgm:style>
-      <a:lnRef idx="0">
-        <a:scrgbClr r="0" g="0" b="0"/>
-      </a:lnRef>
-      <a:fillRef idx="1">
-        <a:scrgbClr r="0" g="0" b="0"/>
-      </a:fillRef>
-      <a:effectRef idx="0">
-        <a:scrgbClr r="0" g="0" b="0"/>
-      </a:effectRef>
-      <a:fontRef idx="minor"/>
-    </dgm:style>
-  </dgm:styleLbl>
-  <dgm:styleLbl name="bgAccFollowNode1">
-    <dgm:scene3d>
-      <a:camera prst="orthographicFront"/>
-      <a:lightRig rig="threePt" dir="t"/>
-    </dgm:scene3d>
-    <dgm:sp3d z="-400500" extrusionH="63500" contourW="12700" prstMaterial="matte">
-      <a:contourClr>
-        <a:schemeClr val="lt1"/>
-      </a:contourClr>
-    </dgm:sp3d>
-    <dgm:txPr/>
-    <dgm:style>
-      <a:lnRef idx="0">
+      <a:lnRef idx="1">
         <a:scrgbClr r="0" g="0" b="0"/>
       </a:lnRef>
       <a:fillRef idx="1">
@@ -2829,12 +2940,12 @@
       <a:fontRef idx="minor"/>
     </dgm:style>
   </dgm:styleLbl>
-  <dgm:styleLbl name="fgAcc0">
+  <dgm:styleLbl name="trAlignAcc1">
     <dgm:scene3d>
       <a:camera prst="orthographicFront"/>
       <a:lightRig rig="threePt" dir="t"/>
     </dgm:scene3d>
-    <dgm:sp3d z="57150" extrusionH="63500" prstMaterial="matte"/>
+    <dgm:sp3d extrusionH="381000" prstMaterial="matte"/>
     <dgm:txPr/>
     <dgm:style>
       <a:lnRef idx="1">
@@ -2847,118 +2958,6 @@
         <a:scrgbClr r="0" g="0" b="0"/>
       </a:effectRef>
       <a:fontRef idx="minor"/>
-    </dgm:style>
-  </dgm:styleLbl>
-  <dgm:styleLbl name="fgAcc2">
-    <dgm:scene3d>
-      <a:camera prst="orthographicFront"/>
-      <a:lightRig rig="threePt" dir="t"/>
-    </dgm:scene3d>
-    <dgm:sp3d z="57150" extrusionH="63500" prstMaterial="matte"/>
-    <dgm:txPr/>
-    <dgm:style>
-      <a:lnRef idx="1">
-        <a:scrgbClr r="0" g="0" b="0"/>
-      </a:lnRef>
-      <a:fillRef idx="1">
-        <a:scrgbClr r="0" g="0" b="0"/>
-      </a:fillRef>
-      <a:effectRef idx="0">
-        <a:scrgbClr r="0" g="0" b="0"/>
-      </a:effectRef>
-      <a:fontRef idx="minor"/>
-    </dgm:style>
-  </dgm:styleLbl>
-  <dgm:styleLbl name="fgAcc3">
-    <dgm:scene3d>
-      <a:camera prst="orthographicFront"/>
-      <a:lightRig rig="threePt" dir="t"/>
-    </dgm:scene3d>
-    <dgm:sp3d z="57150" extrusionH="63500" prstMaterial="matte"/>
-    <dgm:txPr/>
-    <dgm:style>
-      <a:lnRef idx="1">
-        <a:scrgbClr r="0" g="0" b="0"/>
-      </a:lnRef>
-      <a:fillRef idx="1">
-        <a:scrgbClr r="0" g="0" b="0"/>
-      </a:fillRef>
-      <a:effectRef idx="0">
-        <a:scrgbClr r="0" g="0" b="0"/>
-      </a:effectRef>
-      <a:fontRef idx="minor"/>
-    </dgm:style>
-  </dgm:styleLbl>
-  <dgm:styleLbl name="fgAcc4">
-    <dgm:scene3d>
-      <a:camera prst="orthographicFront"/>
-      <a:lightRig rig="threePt" dir="t"/>
-    </dgm:scene3d>
-    <dgm:sp3d z="57150" extrusionH="63500" prstMaterial="matte"/>
-    <dgm:txPr/>
-    <dgm:style>
-      <a:lnRef idx="1">
-        <a:scrgbClr r="0" g="0" b="0"/>
-      </a:lnRef>
-      <a:fillRef idx="1">
-        <a:scrgbClr r="0" g="0" b="0"/>
-      </a:fillRef>
-      <a:effectRef idx="0">
-        <a:scrgbClr r="0" g="0" b="0"/>
-      </a:effectRef>
-      <a:fontRef idx="minor"/>
-    </dgm:style>
-  </dgm:styleLbl>
-  <dgm:styleLbl name="bgShp">
-    <dgm:scene3d>
-      <a:camera prst="orthographicFront"/>
-      <a:lightRig rig="threePt" dir="t"/>
-    </dgm:scene3d>
-    <dgm:sp3d z="-400500" extrusionH="63500" contourW="12700" prstMaterial="matte">
-      <a:contourClr>
-        <a:schemeClr val="lt1">
-          <a:tint val="50000"/>
-        </a:schemeClr>
-      </a:contourClr>
-    </dgm:sp3d>
-    <dgm:txPr/>
-    <dgm:style>
-      <a:lnRef idx="0">
-        <a:scrgbClr r="0" g="0" b="0"/>
-      </a:lnRef>
-      <a:fillRef idx="1">
-        <a:scrgbClr r="0" g="0" b="0"/>
-      </a:fillRef>
-      <a:effectRef idx="0">
-        <a:scrgbClr r="0" g="0" b="0"/>
-      </a:effectRef>
-      <a:fontRef idx="minor"/>
-    </dgm:style>
-  </dgm:styleLbl>
-  <dgm:styleLbl name="dkBgShp">
-    <dgm:scene3d>
-      <a:camera prst="orthographicFront"/>
-      <a:lightRig rig="threePt" dir="t"/>
-    </dgm:scene3d>
-    <dgm:sp3d extrusionH="381000" contourW="38100" prstMaterial="matte">
-      <a:contourClr>
-        <a:schemeClr val="lt1"/>
-      </a:contourClr>
-    </dgm:sp3d>
-    <dgm:txPr/>
-    <dgm:style>
-      <a:lnRef idx="0">
-        <a:scrgbClr r="0" g="0" b="0"/>
-      </a:lnRef>
-      <a:fillRef idx="1">
-        <a:scrgbClr r="0" g="0" b="0"/>
-      </a:fillRef>
-      <a:effectRef idx="0">
-        <a:scrgbClr r="0" g="0" b="0"/>
-      </a:effectRef>
-      <a:fontRef idx="minor">
-        <a:schemeClr val="lt1"/>
-      </a:fontRef>
     </dgm:style>
   </dgm:styleLbl>
   <dgm:styleLbl name="trBgShp">
@@ -2981,16 +2980,14 @@
       <a:fontRef idx="minor"/>
     </dgm:style>
   </dgm:styleLbl>
-  <dgm:styleLbl name="fgShp">
+  <dgm:styleLbl name="vennNode1">
     <dgm:scene3d>
       <a:camera prst="orthographicFront"/>
       <a:lightRig rig="threePt" dir="t"/>
     </dgm:scene3d>
-    <dgm:sp3d z="57150" extrusionH="63500" contourW="12700" prstMaterial="matte">
+    <dgm:sp3d extrusionH="381000" contourW="38100" prstMaterial="matte">
       <a:contourClr>
-        <a:schemeClr val="lt1">
-          <a:tint val="50000"/>
-        </a:schemeClr>
+        <a:schemeClr val="lt1"/>
       </a:contourClr>
     </dgm:sp3d>
     <dgm:txPr/>
@@ -3004,27 +3001,9 @@
       <a:effectRef idx="0">
         <a:scrgbClr r="0" g="0" b="0"/>
       </a:effectRef>
-      <a:fontRef idx="minor"/>
-    </dgm:style>
-  </dgm:styleLbl>
-  <dgm:styleLbl name="revTx">
-    <dgm:scene3d>
-      <a:camera prst="orthographicFront"/>
-      <a:lightRig rig="threePt" dir="t"/>
-    </dgm:scene3d>
-    <dgm:sp3d/>
-    <dgm:txPr/>
-    <dgm:style>
-      <a:lnRef idx="0">
-        <a:scrgbClr r="0" g="0" b="0"/>
-      </a:lnRef>
-      <a:fillRef idx="0">
-        <a:scrgbClr r="0" g="0" b="0"/>
-      </a:fillRef>
-      <a:effectRef idx="0">
-        <a:scrgbClr r="0" g="0" b="0"/>
-      </a:effectRef>
-      <a:fontRef idx="minor"/>
+      <a:fontRef idx="minor">
+        <a:schemeClr val="tx1"/>
+      </a:fontRef>
     </dgm:style>
   </dgm:styleLbl>
 </dgm:styleDef>
@@ -3077,21 +3056,15 @@
           <a:ln w="9525">
             <a:noFill/>
             <a:miter lim="800000"/>
-            <a:headEnd/>
-            <a:tailEnd/>
           </a:ln>
           <a:effectLst/>
         </p:spPr>
         <p:txBody>
-          <a:bodyPr vert="horz" wrap="square" lIns="91440" tIns="45720" rIns="91440" bIns="45720" numCol="1" anchor="t" anchorCtr="0" compatLnSpc="1">
-            <a:prstTxWarp prst="textNoShape">
-              <a:avLst/>
-            </a:prstTxWarp>
-          </a:bodyPr>
+          <a:bodyPr vert="horz" wrap="square" lIns="91440" tIns="45720" rIns="91440" bIns="45720" numCol="1" anchor="t" anchorCtr="0" compatLnSpc="1"/>
           <a:lstStyle>
             <a:lvl1pPr>
               <a:defRPr sz="1200">
-                <a:latin typeface="Arial" charset="0"/>
+                <a:latin typeface="Arial" panose="020B0604020202020204" pitchFamily="34" charset="0"/>
                 <a:cs typeface="+mn-cs"/>
               </a:defRPr>
             </a:lvl1pPr>
@@ -3126,21 +3099,15 @@
           <a:ln w="9525">
             <a:noFill/>
             <a:miter lim="800000"/>
-            <a:headEnd/>
-            <a:tailEnd/>
           </a:ln>
           <a:effectLst/>
         </p:spPr>
         <p:txBody>
-          <a:bodyPr vert="horz" wrap="square" lIns="91440" tIns="45720" rIns="91440" bIns="45720" numCol="1" anchor="t" anchorCtr="0" compatLnSpc="1">
-            <a:prstTxWarp prst="textNoShape">
-              <a:avLst/>
-            </a:prstTxWarp>
-          </a:bodyPr>
+          <a:bodyPr vert="horz" wrap="square" lIns="91440" tIns="45720" rIns="91440" bIns="45720" numCol="1" anchor="t" anchorCtr="0" compatLnSpc="1"/>
           <a:lstStyle>
             <a:lvl1pPr algn="r">
               <a:defRPr sz="1200">
-                <a:latin typeface="Arial" charset="0"/>
+                <a:latin typeface="Arial" panose="020B0604020202020204" pitchFamily="34" charset="0"/>
                 <a:cs typeface="+mn-cs"/>
               </a:defRPr>
             </a:lvl1pPr>
@@ -3175,21 +3142,15 @@
           <a:ln w="9525">
             <a:noFill/>
             <a:miter lim="800000"/>
-            <a:headEnd/>
-            <a:tailEnd/>
           </a:ln>
           <a:effectLst/>
         </p:spPr>
         <p:txBody>
-          <a:bodyPr vert="horz" wrap="square" lIns="91440" tIns="45720" rIns="91440" bIns="45720" numCol="1" anchor="b" anchorCtr="0" compatLnSpc="1">
-            <a:prstTxWarp prst="textNoShape">
-              <a:avLst/>
-            </a:prstTxWarp>
-          </a:bodyPr>
+          <a:bodyPr vert="horz" wrap="square" lIns="91440" tIns="45720" rIns="91440" bIns="45720" numCol="1" anchor="b" anchorCtr="0" compatLnSpc="1"/>
           <a:lstStyle>
             <a:lvl1pPr>
               <a:defRPr sz="1200">
-                <a:latin typeface="Arial" charset="0"/>
+                <a:latin typeface="Arial" panose="020B0604020202020204" pitchFamily="34" charset="0"/>
                 <a:cs typeface="+mn-cs"/>
               </a:defRPr>
             </a:lvl1pPr>
@@ -3224,21 +3185,15 @@
           <a:ln w="9525">
             <a:noFill/>
             <a:miter lim="800000"/>
-            <a:headEnd/>
-            <a:tailEnd/>
           </a:ln>
           <a:effectLst/>
         </p:spPr>
         <p:txBody>
-          <a:bodyPr vert="horz" wrap="square" lIns="91440" tIns="45720" rIns="91440" bIns="45720" numCol="1" anchor="b" anchorCtr="0" compatLnSpc="1">
-            <a:prstTxWarp prst="textNoShape">
-              <a:avLst/>
-            </a:prstTxWarp>
-          </a:bodyPr>
+          <a:bodyPr vert="horz" wrap="square" lIns="91440" tIns="45720" rIns="91440" bIns="45720" numCol="1" anchor="b" anchorCtr="0" compatLnSpc="1"/>
           <a:lstStyle>
             <a:lvl1pPr algn="r">
               <a:defRPr sz="1200">
-                <a:latin typeface="Arial" charset="0"/>
+                <a:latin typeface="Arial" panose="020B0604020202020204" pitchFamily="34" charset="0"/>
                 <a:cs typeface="+mn-cs"/>
               </a:defRPr>
             </a:lvl1pPr>
@@ -3249,21 +3204,12 @@
             </a:pPr>
             <a:fld id="{EA86A4B5-776F-49C1-8046-01AC5D0258F9}" type="slidenum">
               <a:rPr lang="en-US" altLang="zh-CN"/>
-              <a:pPr>
-                <a:defRPr/>
-              </a:pPr>
-              <a:t>‹#›</a:t>
             </a:fld>
             <a:endParaRPr lang="en-US" altLang="zh-CN"/>
           </a:p>
         </p:txBody>
       </p:sp>
     </p:spTree>
-    <p:extLst>
-      <p:ext uri="{BB962C8B-B14F-4D97-AF65-F5344CB8AC3E}">
-        <p14:creationId xmlns:p14="http://schemas.microsoft.com/office/powerpoint/2010/main" val="1248590551"/>
-      </p:ext>
-    </p:extLst>
   </p:cSld>
   <p:clrMap bg1="lt1" tx1="dk1" bg2="lt2" tx2="dk2" accent1="accent1" accent2="accent2" accent3="accent3" accent4="accent4" accent5="accent5" accent6="accent6" hlink="hlink" folHlink="folHlink"/>
 </p:handoutMaster>
@@ -3316,22 +3262,16 @@
           <a:ln w="9525">
             <a:noFill/>
             <a:miter lim="800000"/>
-            <a:headEnd/>
-            <a:tailEnd/>
           </a:ln>
           <a:effectLst/>
         </p:spPr>
         <p:txBody>
-          <a:bodyPr vert="horz" wrap="square" lIns="91440" tIns="45720" rIns="91440" bIns="45720" numCol="1" anchor="t" anchorCtr="0" compatLnSpc="1">
-            <a:prstTxWarp prst="textNoShape">
-              <a:avLst/>
-            </a:prstTxWarp>
-          </a:bodyPr>
+          <a:bodyPr vert="horz" wrap="square" lIns="91440" tIns="45720" rIns="91440" bIns="45720" numCol="1" anchor="t" anchorCtr="0" compatLnSpc="1"/>
           <a:lstStyle>
             <a:lvl1pPr>
               <a:defRPr sz="1200" smtClean="0">
-                <a:latin typeface="Arial" pitchFamily="34" charset="0"/>
-                <a:cs typeface="Arial" pitchFamily="34" charset="0"/>
+                <a:latin typeface="Arial" panose="020B0604020202020204" pitchFamily="34" charset="0"/>
+                <a:cs typeface="Arial" panose="020B0604020202020204" pitchFamily="34" charset="0"/>
               </a:defRPr>
             </a:lvl1pPr>
           </a:lstStyle>
@@ -3365,22 +3305,16 @@
           <a:ln w="9525">
             <a:noFill/>
             <a:miter lim="800000"/>
-            <a:headEnd/>
-            <a:tailEnd/>
           </a:ln>
           <a:effectLst/>
         </p:spPr>
         <p:txBody>
-          <a:bodyPr vert="horz" wrap="square" lIns="91440" tIns="45720" rIns="91440" bIns="45720" numCol="1" anchor="t" anchorCtr="0" compatLnSpc="1">
-            <a:prstTxWarp prst="textNoShape">
-              <a:avLst/>
-            </a:prstTxWarp>
-          </a:bodyPr>
+          <a:bodyPr vert="horz" wrap="square" lIns="91440" tIns="45720" rIns="91440" bIns="45720" numCol="1" anchor="t" anchorCtr="0" compatLnSpc="1"/>
           <a:lstStyle>
             <a:lvl1pPr algn="r">
               <a:defRPr sz="1200" smtClean="0">
-                <a:latin typeface="Arial" pitchFamily="34" charset="0"/>
-                <a:cs typeface="Arial" pitchFamily="34" charset="0"/>
+                <a:latin typeface="Arial" panose="020B0604020202020204" pitchFamily="34" charset="0"/>
+                <a:cs typeface="Arial" panose="020B0604020202020204" pitchFamily="34" charset="0"/>
               </a:defRPr>
             </a:lvl1pPr>
           </a:lstStyle>
@@ -3404,8 +3338,8 @@
         </p:nvSpPr>
         <p:spPr bwMode="auto">
           <a:xfrm>
-            <a:off x="1143000" y="685800"/>
-            <a:ext cx="4572000" cy="3429000"/>
+            <a:off x="381000" y="685800"/>
+            <a:ext cx="6096000" cy="3429000"/>
           </a:xfrm>
           <a:prstGeom prst="rect">
             <a:avLst/>
@@ -3416,8 +3350,6 @@
               <a:srgbClr val="000000"/>
             </a:solidFill>
             <a:miter lim="800000"/>
-            <a:headEnd/>
-            <a:tailEnd/>
           </a:ln>
         </p:spPr>
       </p:sp>
@@ -3443,17 +3375,11 @@
           <a:ln w="9525">
             <a:noFill/>
             <a:miter lim="800000"/>
-            <a:headEnd/>
-            <a:tailEnd/>
           </a:ln>
           <a:effectLst/>
         </p:spPr>
         <p:txBody>
-          <a:bodyPr vert="horz" wrap="square" lIns="91440" tIns="45720" rIns="91440" bIns="45720" numCol="1" anchor="t" anchorCtr="0" compatLnSpc="1">
-            <a:prstTxWarp prst="textNoShape">
-              <a:avLst/>
-            </a:prstTxWarp>
-          </a:bodyPr>
+          <a:bodyPr vert="horz" wrap="square" lIns="91440" tIns="45720" rIns="91440" bIns="45720" numCol="1" anchor="t" anchorCtr="0" compatLnSpc="1"/>
           <a:lstStyle/>
           <a:p>
             <a:pPr lvl="0"/>
@@ -3461,6 +3387,7 @@
               <a:rPr lang="de-DE" noProof="0"/>
               <a:t>Textmasterformate durch Klicken bearbeiten</a:t>
             </a:r>
+            <a:endParaRPr lang="de-DE" noProof="0"/>
           </a:p>
           <a:p>
             <a:pPr lvl="1"/>
@@ -3468,6 +3395,7 @@
               <a:rPr lang="de-DE" noProof="0"/>
               <a:t>Zweite Ebene</a:t>
             </a:r>
+            <a:endParaRPr lang="de-DE" noProof="0"/>
           </a:p>
           <a:p>
             <a:pPr lvl="2"/>
@@ -3475,6 +3403,7 @@
               <a:rPr lang="de-DE" noProof="0"/>
               <a:t>Dritte Ebene</a:t>
             </a:r>
+            <a:endParaRPr lang="de-DE" noProof="0"/>
           </a:p>
           <a:p>
             <a:pPr lvl="3"/>
@@ -3482,6 +3411,7 @@
               <a:rPr lang="de-DE" noProof="0"/>
               <a:t>Vierte Ebene</a:t>
             </a:r>
+            <a:endParaRPr lang="de-DE" noProof="0"/>
           </a:p>
           <a:p>
             <a:pPr lvl="4"/>
@@ -3489,6 +3419,7 @@
               <a:rPr lang="de-DE" noProof="0"/>
               <a:t>Fünfte Ebene</a:t>
             </a:r>
+            <a:endParaRPr lang="de-DE" noProof="0"/>
           </a:p>
         </p:txBody>
       </p:sp>
@@ -3514,22 +3445,16 @@
           <a:ln w="9525">
             <a:noFill/>
             <a:miter lim="800000"/>
-            <a:headEnd/>
-            <a:tailEnd/>
           </a:ln>
           <a:effectLst/>
         </p:spPr>
         <p:txBody>
-          <a:bodyPr vert="horz" wrap="square" lIns="91440" tIns="45720" rIns="91440" bIns="45720" numCol="1" anchor="b" anchorCtr="0" compatLnSpc="1">
-            <a:prstTxWarp prst="textNoShape">
-              <a:avLst/>
-            </a:prstTxWarp>
-          </a:bodyPr>
+          <a:bodyPr vert="horz" wrap="square" lIns="91440" tIns="45720" rIns="91440" bIns="45720" numCol="1" anchor="b" anchorCtr="0" compatLnSpc="1"/>
           <a:lstStyle>
             <a:lvl1pPr>
               <a:defRPr sz="1200" smtClean="0">
-                <a:latin typeface="Arial" pitchFamily="34" charset="0"/>
-                <a:cs typeface="Arial" pitchFamily="34" charset="0"/>
+                <a:latin typeface="Arial" panose="020B0604020202020204" pitchFamily="34" charset="0"/>
+                <a:cs typeface="Arial" panose="020B0604020202020204" pitchFamily="34" charset="0"/>
               </a:defRPr>
             </a:lvl1pPr>
           </a:lstStyle>
@@ -3563,22 +3488,16 @@
           <a:ln w="9525">
             <a:noFill/>
             <a:miter lim="800000"/>
-            <a:headEnd/>
-            <a:tailEnd/>
           </a:ln>
           <a:effectLst/>
         </p:spPr>
         <p:txBody>
-          <a:bodyPr vert="horz" wrap="square" lIns="91440" tIns="45720" rIns="91440" bIns="45720" numCol="1" anchor="b" anchorCtr="0" compatLnSpc="1">
-            <a:prstTxWarp prst="textNoShape">
-              <a:avLst/>
-            </a:prstTxWarp>
-          </a:bodyPr>
+          <a:bodyPr vert="horz" wrap="square" lIns="91440" tIns="45720" rIns="91440" bIns="45720" numCol="1" anchor="b" anchorCtr="0" compatLnSpc="1"/>
           <a:lstStyle>
             <a:lvl1pPr algn="r">
               <a:defRPr sz="1200" smtClean="0">
-                <a:latin typeface="Arial" pitchFamily="34" charset="0"/>
-                <a:cs typeface="Arial" pitchFamily="34" charset="0"/>
+                <a:latin typeface="Arial" panose="020B0604020202020204" pitchFamily="34" charset="0"/>
+                <a:cs typeface="Arial" panose="020B0604020202020204" pitchFamily="34" charset="0"/>
               </a:defRPr>
             </a:lvl1pPr>
           </a:lstStyle>
@@ -3588,21 +3507,12 @@
             </a:pPr>
             <a:fld id="{AD744E2D-6CE4-438C-B9A0-AF7F3BF83E59}" type="slidenum">
               <a:rPr lang="de-DE" altLang="zh-CN"/>
-              <a:pPr>
-                <a:defRPr/>
-              </a:pPr>
-              <a:t>‹#›</a:t>
             </a:fld>
             <a:endParaRPr lang="de-DE" altLang="zh-CN"/>
           </a:p>
         </p:txBody>
       </p:sp>
     </p:spTree>
-    <p:extLst>
-      <p:ext uri="{BB962C8B-B14F-4D97-AF65-F5344CB8AC3E}">
-        <p14:creationId xmlns:p14="http://schemas.microsoft.com/office/powerpoint/2010/main" val="2489988134"/>
-      </p:ext>
-    </p:extLst>
   </p:cSld>
   <p:clrMap bg1="lt1" tx1="dk1" bg2="lt2" tx2="dk2" accent1="accent1" accent2="accent2" accent3="accent3" accent4="accent4" accent5="accent5" accent6="accent6" hlink="hlink" folHlink="folHlink"/>
   <p:notesStyle>
@@ -3617,7 +3527,7 @@
         <a:solidFill>
           <a:schemeClr val="tx1"/>
         </a:solidFill>
-        <a:latin typeface="Arial" charset="0"/>
+        <a:latin typeface="Arial" panose="020B0604020202020204" pitchFamily="34" charset="0"/>
         <a:ea typeface="+mn-ea"/>
         <a:cs typeface="+mn-cs"/>
       </a:defRPr>
@@ -3633,7 +3543,7 @@
         <a:solidFill>
           <a:schemeClr val="tx1"/>
         </a:solidFill>
-        <a:latin typeface="Arial" charset="0"/>
+        <a:latin typeface="Arial" panose="020B0604020202020204" pitchFamily="34" charset="0"/>
         <a:ea typeface="+mn-ea"/>
         <a:cs typeface="+mn-cs"/>
       </a:defRPr>
@@ -3649,7 +3559,7 @@
         <a:solidFill>
           <a:schemeClr val="tx1"/>
         </a:solidFill>
-        <a:latin typeface="Arial" charset="0"/>
+        <a:latin typeface="Arial" panose="020B0604020202020204" pitchFamily="34" charset="0"/>
         <a:ea typeface="+mn-ea"/>
         <a:cs typeface="+mn-cs"/>
       </a:defRPr>
@@ -3665,7 +3575,7 @@
         <a:solidFill>
           <a:schemeClr val="tx1"/>
         </a:solidFill>
-        <a:latin typeface="Arial" charset="0"/>
+        <a:latin typeface="Arial" panose="020B0604020202020204" pitchFamily="34" charset="0"/>
         <a:ea typeface="+mn-ea"/>
         <a:cs typeface="+mn-cs"/>
       </a:defRPr>
@@ -3681,7 +3591,7 @@
         <a:solidFill>
           <a:schemeClr val="tx1"/>
         </a:solidFill>
-        <a:latin typeface="Arial" charset="0"/>
+        <a:latin typeface="Arial" panose="020B0604020202020204" pitchFamily="34" charset="0"/>
         <a:ea typeface="+mn-ea"/>
         <a:cs typeface="+mn-cs"/>
       </a:defRPr>
@@ -3780,6 +3690,7 @@
               <a:rPr lang="zh-CN" altLang="en-US" dirty="0"/>
               <a:t>采购管理，比如外包，</a:t>
             </a:r>
+            <a:endParaRPr lang="zh-CN" altLang="en-US" dirty="0"/>
           </a:p>
         </p:txBody>
       </p:sp>
@@ -3803,21 +3714,12 @@
             </a:pPr>
             <a:fld id="{2D70A793-C072-4DB4-AAF5-69ED796BA566}" type="slidenum">
               <a:rPr lang="en-US" altLang="zh-CN" smtClean="0"/>
-              <a:pPr>
-                <a:defRPr/>
-              </a:pPr>
-              <a:t>3</a:t>
             </a:fld>
             <a:endParaRPr lang="en-US" altLang="zh-CN" dirty="0"/>
           </a:p>
         </p:txBody>
       </p:sp>
     </p:spTree>
-    <p:extLst>
-      <p:ext uri="{BB962C8B-B14F-4D97-AF65-F5344CB8AC3E}">
-        <p14:creationId xmlns:p14="http://schemas.microsoft.com/office/powerpoint/2010/main" val="4208371118"/>
-      </p:ext>
-    </p:extLst>
   </p:cSld>
   <p:clrMapOvr>
     <a:masterClrMapping/>
@@ -3879,8 +3781,8 @@
               <a:buAutoNum type="arabicPeriod"/>
             </a:pPr>
             <a:endParaRPr lang="en-US" altLang="zh-CN" dirty="0">
-              <a:latin typeface="微软雅黑" pitchFamily="34" charset="-122"/>
-              <a:ea typeface="微软雅黑" pitchFamily="34" charset="-122"/>
+              <a:latin typeface="微软雅黑" panose="020B0503020204020204" pitchFamily="34" charset="-122"/>
+              <a:ea typeface="微软雅黑" panose="020B0503020204020204" pitchFamily="34" charset="-122"/>
             </a:endParaRPr>
           </a:p>
           <a:p>
@@ -3892,8 +3794,8 @@
               <a:buAutoNum type="arabicPeriod"/>
             </a:pPr>
             <a:endParaRPr lang="en-US" altLang="zh-CN" dirty="0">
-              <a:latin typeface="微软雅黑" pitchFamily="34" charset="-122"/>
-              <a:ea typeface="微软雅黑" pitchFamily="34" charset="-122"/>
+              <a:latin typeface="微软雅黑" panose="020B0503020204020204" pitchFamily="34" charset="-122"/>
+              <a:ea typeface="微软雅黑" panose="020B0503020204020204" pitchFamily="34" charset="-122"/>
             </a:endParaRPr>
           </a:p>
           <a:p>
@@ -3905,8 +3807,8 @@
               <a:buAutoNum type="arabicPeriod"/>
             </a:pPr>
             <a:endParaRPr lang="en-US" altLang="zh-CN" dirty="0">
-              <a:latin typeface="微软雅黑" pitchFamily="34" charset="-122"/>
-              <a:ea typeface="微软雅黑" pitchFamily="34" charset="-122"/>
+              <a:latin typeface="微软雅黑" panose="020B0503020204020204" pitchFamily="34" charset="-122"/>
+              <a:ea typeface="微软雅黑" panose="020B0503020204020204" pitchFamily="34" charset="-122"/>
             </a:endParaRPr>
           </a:p>
           <a:p>
@@ -3941,19 +3843,12 @@
           <a:p>
             <a:fld id="{02A7D30C-7197-4668-B0FC-2219D9FE5964}" type="slidenum">
               <a:rPr lang="zh-CN" altLang="en-US" smtClean="0"/>
-              <a:pPr/>
-              <a:t>4</a:t>
             </a:fld>
             <a:endParaRPr lang="zh-CN" altLang="en-US"/>
           </a:p>
         </p:txBody>
       </p:sp>
     </p:spTree>
-    <p:extLst>
-      <p:ext uri="{BB962C8B-B14F-4D97-AF65-F5344CB8AC3E}">
-        <p14:creationId xmlns:p14="http://schemas.microsoft.com/office/powerpoint/2010/main" val="1622881096"/>
-      </p:ext>
-    </p:extLst>
   </p:cSld>
   <p:clrMapOvr>
     <a:masterClrMapping/>
@@ -4031,21 +3926,12 @@
             </a:pPr>
             <a:fld id="{2D70A793-C072-4DB4-AAF5-69ED796BA566}" type="slidenum">
               <a:rPr lang="en-US" altLang="zh-CN" smtClean="0"/>
-              <a:pPr>
-                <a:defRPr/>
-              </a:pPr>
-              <a:t>7</a:t>
             </a:fld>
             <a:endParaRPr lang="en-US" altLang="zh-CN" dirty="0"/>
           </a:p>
         </p:txBody>
       </p:sp>
     </p:spTree>
-    <p:extLst>
-      <p:ext uri="{BB962C8B-B14F-4D97-AF65-F5344CB8AC3E}">
-        <p14:creationId xmlns:p14="http://schemas.microsoft.com/office/powerpoint/2010/main" val="3943760105"/>
-      </p:ext>
-    </p:extLst>
   </p:cSld>
   <p:clrMapOvr>
     <a:masterClrMapping/>
@@ -4165,6 +4051,7 @@
               <a:rPr lang="zh-CN" altLang="en-US" sz="2400" dirty="0"/>
               <a:t>进度网络模板。可以使用企业标准的网络图模板，来加快项目活动网络图的编制速度</a:t>
             </a:r>
+            <a:endParaRPr lang="zh-CN" altLang="en-US" sz="2400" dirty="0"/>
           </a:p>
           <a:p>
             <a:endParaRPr lang="zh-CN" altLang="en-US" dirty="0"/>
@@ -4191,21 +4078,12 @@
             </a:pPr>
             <a:fld id="{2D70A793-C072-4DB4-AAF5-69ED796BA566}" type="slidenum">
               <a:rPr lang="en-US" altLang="zh-CN" smtClean="0"/>
-              <a:pPr>
-                <a:defRPr/>
-              </a:pPr>
-              <a:t>8</a:t>
             </a:fld>
             <a:endParaRPr lang="en-US" altLang="zh-CN" dirty="0"/>
           </a:p>
         </p:txBody>
       </p:sp>
     </p:spTree>
-    <p:extLst>
-      <p:ext uri="{BB962C8B-B14F-4D97-AF65-F5344CB8AC3E}">
-        <p14:creationId xmlns:p14="http://schemas.microsoft.com/office/powerpoint/2010/main" val="1144506572"/>
-      </p:ext>
-    </p:extLst>
   </p:cSld>
   <p:clrMapOvr>
     <a:masterClrMapping/>
@@ -4287,21 +4165,12 @@
             </a:pPr>
             <a:fld id="{2D70A793-C072-4DB4-AAF5-69ED796BA566}" type="slidenum">
               <a:rPr lang="en-US" altLang="zh-CN" smtClean="0"/>
-              <a:pPr>
-                <a:defRPr/>
-              </a:pPr>
-              <a:t>13</a:t>
             </a:fld>
             <a:endParaRPr lang="en-US" altLang="zh-CN"/>
           </a:p>
         </p:txBody>
       </p:sp>
     </p:spTree>
-    <p:extLst>
-      <p:ext uri="{BB962C8B-B14F-4D97-AF65-F5344CB8AC3E}">
-        <p14:creationId xmlns:p14="http://schemas.microsoft.com/office/powerpoint/2010/main" val="95502034"/>
-      </p:ext>
-    </p:extLst>
   </p:cSld>
   <p:clrMapOvr>
     <a:masterClrMapping/>
@@ -4310,7 +4179,7 @@
 </file>
 
 <file path=ppt/slideLayouts/slideLayout1.xml><?xml version="1.0" encoding="utf-8"?>
-<p:sldLayout xmlns:a="http://schemas.openxmlformats.org/drawingml/2006/main" xmlns:r="http://schemas.openxmlformats.org/officeDocument/2006/relationships" xmlns:p="http://schemas.openxmlformats.org/presentationml/2006/main" showMasterSp="0" type="title" preserve="1">
+<p:sldLayout xmlns:a="http://schemas.openxmlformats.org/drawingml/2006/main" xmlns:r="http://schemas.openxmlformats.org/officeDocument/2006/relationships" xmlns:p="http://schemas.openxmlformats.org/presentationml/2006/main" type="title" preserve="1" showMasterSp="0">
   <p:cSld name="标题幻灯片">
     <p:bg>
       <p:bgPr>
@@ -4356,8 +4225,8 @@
         </p:nvSpPr>
         <p:spPr>
           <a:xfrm>
-            <a:off x="863600" y="4271963"/>
-            <a:ext cx="7485063" cy="1081087"/>
+            <a:off x="1151467" y="4271963"/>
+            <a:ext cx="9980084" cy="1081087"/>
           </a:xfrm>
         </p:spPr>
         <p:txBody>
@@ -4379,6 +4248,7 @@
               <a:rPr lang="de-DE" dirty="0"/>
               <a:t>Titelmasterformat durch Klicken bearbeiten</a:t>
             </a:r>
+            <a:endParaRPr lang="de-DE" dirty="0"/>
           </a:p>
         </p:txBody>
       </p:sp>
@@ -4394,15 +4264,15 @@
         </p:nvSpPr>
         <p:spPr bwMode="gray">
           <a:xfrm>
-            <a:off x="863600" y="5284788"/>
-            <a:ext cx="7510463" cy="800100"/>
+            <a:off x="1151467" y="5284788"/>
+            <a:ext cx="10013951" cy="800100"/>
           </a:xfrm>
         </p:spPr>
         <p:txBody>
           <a:bodyPr tIns="45720" bIns="45720"/>
           <a:lstStyle>
             <a:lvl1pPr marL="0" indent="0">
-              <a:buFont typeface="Wingdings" charset="2"/>
+              <a:buFont typeface="Wingdings" panose="05000000000000000000" pitchFamily="2" charset="2"/>
               <a:buNone/>
               <a:defRPr sz="2400"/>
             </a:lvl1pPr>
@@ -4412,6 +4282,7 @@
               <a:rPr lang="de-DE" dirty="0"/>
               <a:t>Formatvorlage des Untertitelmasters durch Klicken bearbeiten</a:t>
             </a:r>
+            <a:endParaRPr lang="de-DE" dirty="0"/>
           </a:p>
         </p:txBody>
       </p:sp>
@@ -4427,8 +4298,8 @@
         </p:nvSpPr>
         <p:spPr>
           <a:xfrm>
-            <a:off x="3124200" y="6245225"/>
-            <a:ext cx="2895600" cy="476250"/>
+            <a:off x="4165600" y="6245225"/>
+            <a:ext cx="3860800" cy="476250"/>
           </a:xfrm>
         </p:spPr>
         <p:txBody>
@@ -4472,8 +4343,8 @@
         </p:blipFill>
         <p:spPr>
           <a:xfrm>
-            <a:off x="5462081" y="6269850"/>
-            <a:ext cx="3653413" cy="563436"/>
+            <a:off x="7282775" y="6269850"/>
+            <a:ext cx="4871217" cy="563436"/>
           </a:xfrm>
           <a:prstGeom prst="rect">
             <a:avLst/>
@@ -4524,6 +4395,7 @@
               <a:rPr lang="zh-CN" altLang="en-US"/>
               <a:t>单击此处编辑母版标题样式</a:t>
             </a:r>
+            <a:endParaRPr lang="zh-CN" altLang="en-US"/>
           </a:p>
         </p:txBody>
       </p:sp>
@@ -4547,6 +4419,7 @@
               <a:rPr lang="zh-CN" altLang="en-US"/>
               <a:t>单击此处编辑母版文本样式</a:t>
             </a:r>
+            <a:endParaRPr lang="zh-CN" altLang="en-US"/>
           </a:p>
           <a:p>
             <a:pPr lvl="1"/>
@@ -4554,6 +4427,7 @@
               <a:rPr lang="zh-CN" altLang="en-US"/>
               <a:t>第二级</a:t>
             </a:r>
+            <a:endParaRPr lang="zh-CN" altLang="en-US"/>
           </a:p>
           <a:p>
             <a:pPr lvl="2"/>
@@ -4561,6 +4435,7 @@
               <a:rPr lang="zh-CN" altLang="en-US"/>
               <a:t>第三级</a:t>
             </a:r>
+            <a:endParaRPr lang="zh-CN" altLang="en-US"/>
           </a:p>
           <a:p>
             <a:pPr lvl="3"/>
@@ -4568,6 +4443,7 @@
               <a:rPr lang="zh-CN" altLang="en-US"/>
               <a:t>第四级</a:t>
             </a:r>
+            <a:endParaRPr lang="zh-CN" altLang="en-US"/>
           </a:p>
           <a:p>
             <a:pPr lvl="4"/>
@@ -4575,6 +4451,7 @@
               <a:rPr lang="zh-CN" altLang="en-US"/>
               <a:t>第五级</a:t>
             </a:r>
+            <a:endParaRPr lang="zh-CN" altLang="en-US"/>
           </a:p>
         </p:txBody>
       </p:sp>
@@ -4588,9 +4465,7 @@
             <p:ph type="ftr" sz="quarter" idx="10"/>
           </p:nvPr>
         </p:nvSpPr>
-        <p:spPr>
-          <a:ln/>
-        </p:spPr>
+        <p:spPr/>
         <p:txBody>
           <a:bodyPr/>
           <a:lstStyle>
@@ -4643,8 +4518,8 @@
         </p:nvSpPr>
         <p:spPr>
           <a:xfrm>
-            <a:off x="6689725" y="252413"/>
-            <a:ext cx="2130425" cy="5549900"/>
+            <a:off x="8919633" y="252413"/>
+            <a:ext cx="2840567" cy="5549900"/>
           </a:xfrm>
         </p:spPr>
         <p:txBody>
@@ -4655,6 +4530,7 @@
               <a:rPr lang="zh-CN" altLang="en-US"/>
               <a:t>单击此处编辑母版标题样式</a:t>
             </a:r>
+            <a:endParaRPr lang="zh-CN" altLang="en-US"/>
           </a:p>
         </p:txBody>
       </p:sp>
@@ -4670,8 +4546,8 @@
         </p:nvSpPr>
         <p:spPr>
           <a:xfrm>
-            <a:off x="295275" y="252413"/>
-            <a:ext cx="6242050" cy="5549900"/>
+            <a:off x="393700" y="252413"/>
+            <a:ext cx="8322733" cy="5549900"/>
           </a:xfrm>
         </p:spPr>
         <p:txBody>
@@ -4683,6 +4559,7 @@
               <a:rPr lang="zh-CN" altLang="en-US"/>
               <a:t>单击此处编辑母版文本样式</a:t>
             </a:r>
+            <a:endParaRPr lang="zh-CN" altLang="en-US"/>
           </a:p>
           <a:p>
             <a:pPr lvl="1"/>
@@ -4690,6 +4567,7 @@
               <a:rPr lang="zh-CN" altLang="en-US"/>
               <a:t>第二级</a:t>
             </a:r>
+            <a:endParaRPr lang="zh-CN" altLang="en-US"/>
           </a:p>
           <a:p>
             <a:pPr lvl="2"/>
@@ -4697,6 +4575,7 @@
               <a:rPr lang="zh-CN" altLang="en-US"/>
               <a:t>第三级</a:t>
             </a:r>
+            <a:endParaRPr lang="zh-CN" altLang="en-US"/>
           </a:p>
           <a:p>
             <a:pPr lvl="3"/>
@@ -4704,6 +4583,7 @@
               <a:rPr lang="zh-CN" altLang="en-US"/>
               <a:t>第四级</a:t>
             </a:r>
+            <a:endParaRPr lang="zh-CN" altLang="en-US"/>
           </a:p>
           <a:p>
             <a:pPr lvl="4"/>
@@ -4711,6 +4591,7 @@
               <a:rPr lang="zh-CN" altLang="en-US"/>
               <a:t>第五级</a:t>
             </a:r>
+            <a:endParaRPr lang="zh-CN" altLang="en-US"/>
           </a:p>
         </p:txBody>
       </p:sp>
@@ -4724,9 +4605,7 @@
             <p:ph type="ftr" sz="quarter" idx="10"/>
           </p:nvPr>
         </p:nvSpPr>
-        <p:spPr>
-          <a:ln/>
-        </p:spPr>
+        <p:spPr/>
         <p:txBody>
           <a:bodyPr/>
           <a:lstStyle>
@@ -4786,6 +4665,7 @@
               <a:rPr lang="zh-CN" altLang="en-US"/>
               <a:t>单击此处编辑母版标题样式</a:t>
             </a:r>
+            <a:endParaRPr lang="zh-CN" altLang="en-US"/>
           </a:p>
         </p:txBody>
       </p:sp>
@@ -4809,6 +4689,7 @@
               <a:rPr lang="zh-CN" altLang="en-US"/>
               <a:t>单击此处编辑母版文本样式</a:t>
             </a:r>
+            <a:endParaRPr lang="zh-CN" altLang="en-US"/>
           </a:p>
           <a:p>
             <a:pPr lvl="1"/>
@@ -4816,6 +4697,7 @@
               <a:rPr lang="zh-CN" altLang="en-US"/>
               <a:t>第二级</a:t>
             </a:r>
+            <a:endParaRPr lang="zh-CN" altLang="en-US"/>
           </a:p>
           <a:p>
             <a:pPr lvl="2"/>
@@ -4823,6 +4705,7 @@
               <a:rPr lang="zh-CN" altLang="en-US"/>
               <a:t>第三级</a:t>
             </a:r>
+            <a:endParaRPr lang="zh-CN" altLang="en-US"/>
           </a:p>
           <a:p>
             <a:pPr lvl="3"/>
@@ -4830,6 +4713,7 @@
               <a:rPr lang="zh-CN" altLang="en-US"/>
               <a:t>第四级</a:t>
             </a:r>
+            <a:endParaRPr lang="zh-CN" altLang="en-US"/>
           </a:p>
           <a:p>
             <a:pPr lvl="4"/>
@@ -4837,6 +4721,7 @@
               <a:rPr lang="zh-CN" altLang="en-US"/>
               <a:t>第五级</a:t>
             </a:r>
+            <a:endParaRPr lang="zh-CN" altLang="en-US"/>
           </a:p>
         </p:txBody>
       </p:sp>
@@ -4850,9 +4735,7 @@
             <p:ph type="ftr" sz="quarter" idx="10"/>
           </p:nvPr>
         </p:nvSpPr>
-        <p:spPr>
-          <a:ln/>
-        </p:spPr>
+        <p:spPr/>
         <p:txBody>
           <a:bodyPr/>
           <a:lstStyle>
@@ -4905,8 +4788,8 @@
         </p:nvSpPr>
         <p:spPr>
           <a:xfrm>
-            <a:off x="722313" y="4406900"/>
-            <a:ext cx="7772400" cy="1362075"/>
+            <a:off x="963084" y="4406900"/>
+            <a:ext cx="10363200" cy="1362075"/>
           </a:xfrm>
         </p:spPr>
         <p:txBody>
@@ -4921,6 +4804,7 @@
               <a:rPr lang="zh-CN" altLang="en-US"/>
               <a:t>单击此处编辑母版标题样式</a:t>
             </a:r>
+            <a:endParaRPr lang="zh-CN" altLang="en-US"/>
           </a:p>
         </p:txBody>
       </p:sp>
@@ -4936,8 +4820,8 @@
         </p:nvSpPr>
         <p:spPr>
           <a:xfrm>
-            <a:off x="722313" y="2906713"/>
-            <a:ext cx="7772400" cy="1500187"/>
+            <a:off x="963084" y="2906713"/>
+            <a:ext cx="10363200" cy="1500187"/>
           </a:xfrm>
         </p:spPr>
         <p:txBody>
@@ -4986,6 +4870,7 @@
               <a:rPr lang="zh-CN" altLang="en-US"/>
               <a:t>单击此处编辑母版文本样式</a:t>
             </a:r>
+            <a:endParaRPr lang="zh-CN" altLang="en-US"/>
           </a:p>
         </p:txBody>
       </p:sp>
@@ -4999,9 +4884,7 @@
             <p:ph type="ftr" sz="quarter" idx="10"/>
           </p:nvPr>
         </p:nvSpPr>
-        <p:spPr>
-          <a:ln/>
-        </p:spPr>
+        <p:spPr/>
         <p:txBody>
           <a:bodyPr/>
           <a:lstStyle>
@@ -5061,6 +4944,7 @@
               <a:rPr lang="zh-CN" altLang="en-US"/>
               <a:t>单击此处编辑母版标题样式</a:t>
             </a:r>
+            <a:endParaRPr lang="zh-CN" altLang="en-US"/>
           </a:p>
         </p:txBody>
       </p:sp>
@@ -5076,8 +4960,8 @@
         </p:nvSpPr>
         <p:spPr>
           <a:xfrm>
-            <a:off x="295275" y="1489075"/>
-            <a:ext cx="4186238" cy="4313238"/>
+            <a:off x="393700" y="1489075"/>
+            <a:ext cx="5581651" cy="4313238"/>
           </a:xfrm>
         </p:spPr>
         <p:txBody>
@@ -5117,6 +5001,7 @@
               <a:rPr lang="zh-CN" altLang="en-US"/>
               <a:t>单击此处编辑母版文本样式</a:t>
             </a:r>
+            <a:endParaRPr lang="zh-CN" altLang="en-US"/>
           </a:p>
           <a:p>
             <a:pPr lvl="1"/>
@@ -5124,6 +5009,7 @@
               <a:rPr lang="zh-CN" altLang="en-US"/>
               <a:t>第二级</a:t>
             </a:r>
+            <a:endParaRPr lang="zh-CN" altLang="en-US"/>
           </a:p>
           <a:p>
             <a:pPr lvl="2"/>
@@ -5131,6 +5017,7 @@
               <a:rPr lang="zh-CN" altLang="en-US"/>
               <a:t>第三级</a:t>
             </a:r>
+            <a:endParaRPr lang="zh-CN" altLang="en-US"/>
           </a:p>
           <a:p>
             <a:pPr lvl="3"/>
@@ -5138,6 +5025,7 @@
               <a:rPr lang="zh-CN" altLang="en-US"/>
               <a:t>第四级</a:t>
             </a:r>
+            <a:endParaRPr lang="zh-CN" altLang="en-US"/>
           </a:p>
           <a:p>
             <a:pPr lvl="4"/>
@@ -5145,6 +5033,7 @@
               <a:rPr lang="zh-CN" altLang="en-US"/>
               <a:t>第五级</a:t>
             </a:r>
+            <a:endParaRPr lang="zh-CN" altLang="en-US"/>
           </a:p>
         </p:txBody>
       </p:sp>
@@ -5160,8 +5049,8 @@
         </p:nvSpPr>
         <p:spPr>
           <a:xfrm>
-            <a:off x="4633913" y="1489075"/>
-            <a:ext cx="4186237" cy="4313238"/>
+            <a:off x="6178551" y="1489075"/>
+            <a:ext cx="5581649" cy="4313238"/>
           </a:xfrm>
         </p:spPr>
         <p:txBody>
@@ -5201,6 +5090,7 @@
               <a:rPr lang="zh-CN" altLang="en-US"/>
               <a:t>单击此处编辑母版文本样式</a:t>
             </a:r>
+            <a:endParaRPr lang="zh-CN" altLang="en-US"/>
           </a:p>
           <a:p>
             <a:pPr lvl="1"/>
@@ -5208,6 +5098,7 @@
               <a:rPr lang="zh-CN" altLang="en-US"/>
               <a:t>第二级</a:t>
             </a:r>
+            <a:endParaRPr lang="zh-CN" altLang="en-US"/>
           </a:p>
           <a:p>
             <a:pPr lvl="2"/>
@@ -5215,6 +5106,7 @@
               <a:rPr lang="zh-CN" altLang="en-US"/>
               <a:t>第三级</a:t>
             </a:r>
+            <a:endParaRPr lang="zh-CN" altLang="en-US"/>
           </a:p>
           <a:p>
             <a:pPr lvl="3"/>
@@ -5222,6 +5114,7 @@
               <a:rPr lang="zh-CN" altLang="en-US"/>
               <a:t>第四级</a:t>
             </a:r>
+            <a:endParaRPr lang="zh-CN" altLang="en-US"/>
           </a:p>
           <a:p>
             <a:pPr lvl="4"/>
@@ -5229,6 +5122,7 @@
               <a:rPr lang="zh-CN" altLang="en-US"/>
               <a:t>第五级</a:t>
             </a:r>
+            <a:endParaRPr lang="zh-CN" altLang="en-US"/>
           </a:p>
         </p:txBody>
       </p:sp>
@@ -5242,9 +5136,7 @@
             <p:ph type="ftr" sz="quarter" idx="10"/>
           </p:nvPr>
         </p:nvSpPr>
-        <p:spPr>
-          <a:ln/>
-        </p:spPr>
+        <p:spPr/>
         <p:txBody>
           <a:bodyPr/>
           <a:lstStyle>
@@ -5297,8 +5189,8 @@
         </p:nvSpPr>
         <p:spPr>
           <a:xfrm>
-            <a:off x="457200" y="274638"/>
-            <a:ext cx="8229600" cy="1143000"/>
+            <a:off x="609600" y="274638"/>
+            <a:ext cx="10972800" cy="1143000"/>
           </a:xfrm>
         </p:spPr>
         <p:txBody>
@@ -5313,6 +5205,7 @@
               <a:rPr lang="zh-CN" altLang="en-US"/>
               <a:t>单击此处编辑母版标题样式</a:t>
             </a:r>
+            <a:endParaRPr lang="zh-CN" altLang="en-US"/>
           </a:p>
         </p:txBody>
       </p:sp>
@@ -5328,8 +5221,8 @@
         </p:nvSpPr>
         <p:spPr>
           <a:xfrm>
-            <a:off x="457200" y="1535113"/>
-            <a:ext cx="4040188" cy="639762"/>
+            <a:off x="609600" y="1535113"/>
+            <a:ext cx="5386917" cy="639762"/>
           </a:xfrm>
         </p:spPr>
         <p:txBody>
@@ -5378,6 +5271,7 @@
               <a:rPr lang="zh-CN" altLang="en-US"/>
               <a:t>单击此处编辑母版文本样式</a:t>
             </a:r>
+            <a:endParaRPr lang="zh-CN" altLang="en-US"/>
           </a:p>
         </p:txBody>
       </p:sp>
@@ -5393,8 +5287,8 @@
         </p:nvSpPr>
         <p:spPr>
           <a:xfrm>
-            <a:off x="457200" y="2174875"/>
-            <a:ext cx="4040188" cy="3951288"/>
+            <a:off x="609600" y="2174875"/>
+            <a:ext cx="5386917" cy="3951288"/>
           </a:xfrm>
         </p:spPr>
         <p:txBody>
@@ -5434,6 +5328,7 @@
               <a:rPr lang="zh-CN" altLang="en-US"/>
               <a:t>单击此处编辑母版文本样式</a:t>
             </a:r>
+            <a:endParaRPr lang="zh-CN" altLang="en-US"/>
           </a:p>
           <a:p>
             <a:pPr lvl="1"/>
@@ -5441,6 +5336,7 @@
               <a:rPr lang="zh-CN" altLang="en-US"/>
               <a:t>第二级</a:t>
             </a:r>
+            <a:endParaRPr lang="zh-CN" altLang="en-US"/>
           </a:p>
           <a:p>
             <a:pPr lvl="2"/>
@@ -5448,6 +5344,7 @@
               <a:rPr lang="zh-CN" altLang="en-US"/>
               <a:t>第三级</a:t>
             </a:r>
+            <a:endParaRPr lang="zh-CN" altLang="en-US"/>
           </a:p>
           <a:p>
             <a:pPr lvl="3"/>
@@ -5455,6 +5352,7 @@
               <a:rPr lang="zh-CN" altLang="en-US"/>
               <a:t>第四级</a:t>
             </a:r>
+            <a:endParaRPr lang="zh-CN" altLang="en-US"/>
           </a:p>
           <a:p>
             <a:pPr lvl="4"/>
@@ -5462,6 +5360,7 @@
               <a:rPr lang="zh-CN" altLang="en-US"/>
               <a:t>第五级</a:t>
             </a:r>
+            <a:endParaRPr lang="zh-CN" altLang="en-US"/>
           </a:p>
         </p:txBody>
       </p:sp>
@@ -5477,8 +5376,8 @@
         </p:nvSpPr>
         <p:spPr>
           <a:xfrm>
-            <a:off x="4645025" y="1535113"/>
-            <a:ext cx="4041775" cy="639762"/>
+            <a:off x="6193367" y="1535113"/>
+            <a:ext cx="5389033" cy="639762"/>
           </a:xfrm>
         </p:spPr>
         <p:txBody>
@@ -5527,6 +5426,7 @@
               <a:rPr lang="zh-CN" altLang="en-US"/>
               <a:t>单击此处编辑母版文本样式</a:t>
             </a:r>
+            <a:endParaRPr lang="zh-CN" altLang="en-US"/>
           </a:p>
         </p:txBody>
       </p:sp>
@@ -5542,8 +5442,8 @@
         </p:nvSpPr>
         <p:spPr>
           <a:xfrm>
-            <a:off x="4645025" y="2174875"/>
-            <a:ext cx="4041775" cy="3951288"/>
+            <a:off x="6193367" y="2174875"/>
+            <a:ext cx="5389033" cy="3951288"/>
           </a:xfrm>
         </p:spPr>
         <p:txBody>
@@ -5583,6 +5483,7 @@
               <a:rPr lang="zh-CN" altLang="en-US"/>
               <a:t>单击此处编辑母版文本样式</a:t>
             </a:r>
+            <a:endParaRPr lang="zh-CN" altLang="en-US"/>
           </a:p>
           <a:p>
             <a:pPr lvl="1"/>
@@ -5590,6 +5491,7 @@
               <a:rPr lang="zh-CN" altLang="en-US"/>
               <a:t>第二级</a:t>
             </a:r>
+            <a:endParaRPr lang="zh-CN" altLang="en-US"/>
           </a:p>
           <a:p>
             <a:pPr lvl="2"/>
@@ -5597,6 +5499,7 @@
               <a:rPr lang="zh-CN" altLang="en-US"/>
               <a:t>第三级</a:t>
             </a:r>
+            <a:endParaRPr lang="zh-CN" altLang="en-US"/>
           </a:p>
           <a:p>
             <a:pPr lvl="3"/>
@@ -5604,6 +5507,7 @@
               <a:rPr lang="zh-CN" altLang="en-US"/>
               <a:t>第四级</a:t>
             </a:r>
+            <a:endParaRPr lang="zh-CN" altLang="en-US"/>
           </a:p>
           <a:p>
             <a:pPr lvl="4"/>
@@ -5611,6 +5515,7 @@
               <a:rPr lang="zh-CN" altLang="en-US"/>
               <a:t>第五级</a:t>
             </a:r>
+            <a:endParaRPr lang="zh-CN" altLang="en-US"/>
           </a:p>
         </p:txBody>
       </p:sp>
@@ -5624,9 +5529,7 @@
             <p:ph type="ftr" sz="quarter" idx="10"/>
           </p:nvPr>
         </p:nvSpPr>
-        <p:spPr>
-          <a:ln/>
-        </p:spPr>
+        <p:spPr/>
         <p:txBody>
           <a:bodyPr/>
           <a:lstStyle>
@@ -5686,6 +5589,7 @@
               <a:rPr lang="zh-CN" altLang="en-US"/>
               <a:t>单击此处编辑母版标题样式</a:t>
             </a:r>
+            <a:endParaRPr lang="zh-CN" altLang="en-US"/>
           </a:p>
         </p:txBody>
       </p:sp>
@@ -5699,9 +5603,7 @@
             <p:ph type="ftr" sz="quarter" idx="10"/>
           </p:nvPr>
         </p:nvSpPr>
-        <p:spPr>
-          <a:ln/>
-        </p:spPr>
+        <p:spPr/>
         <p:txBody>
           <a:bodyPr/>
           <a:lstStyle>
@@ -5752,9 +5654,7 @@
             <p:ph type="ftr" sz="quarter" idx="10"/>
           </p:nvPr>
         </p:nvSpPr>
-        <p:spPr>
-          <a:ln/>
-        </p:spPr>
+        <p:spPr/>
         <p:txBody>
           <a:bodyPr/>
           <a:lstStyle>
@@ -5807,8 +5707,8 @@
         </p:nvSpPr>
         <p:spPr>
           <a:xfrm>
-            <a:off x="457200" y="273050"/>
-            <a:ext cx="3008313" cy="1162050"/>
+            <a:off x="609600" y="273050"/>
+            <a:ext cx="4011084" cy="1162050"/>
           </a:xfrm>
         </p:spPr>
         <p:txBody>
@@ -5823,6 +5723,7 @@
               <a:rPr lang="zh-CN" altLang="en-US"/>
               <a:t>单击此处编辑母版标题样式</a:t>
             </a:r>
+            <a:endParaRPr lang="zh-CN" altLang="en-US"/>
           </a:p>
         </p:txBody>
       </p:sp>
@@ -5838,8 +5739,8 @@
         </p:nvSpPr>
         <p:spPr>
           <a:xfrm>
-            <a:off x="3575050" y="273050"/>
-            <a:ext cx="5111750" cy="5853113"/>
+            <a:off x="4766733" y="273050"/>
+            <a:ext cx="6815667" cy="5853113"/>
           </a:xfrm>
         </p:spPr>
         <p:txBody>
@@ -5879,6 +5780,7 @@
               <a:rPr lang="zh-CN" altLang="en-US"/>
               <a:t>单击此处编辑母版文本样式</a:t>
             </a:r>
+            <a:endParaRPr lang="zh-CN" altLang="en-US"/>
           </a:p>
           <a:p>
             <a:pPr lvl="1"/>
@@ -5886,6 +5788,7 @@
               <a:rPr lang="zh-CN" altLang="en-US"/>
               <a:t>第二级</a:t>
             </a:r>
+            <a:endParaRPr lang="zh-CN" altLang="en-US"/>
           </a:p>
           <a:p>
             <a:pPr lvl="2"/>
@@ -5893,6 +5796,7 @@
               <a:rPr lang="zh-CN" altLang="en-US"/>
               <a:t>第三级</a:t>
             </a:r>
+            <a:endParaRPr lang="zh-CN" altLang="en-US"/>
           </a:p>
           <a:p>
             <a:pPr lvl="3"/>
@@ -5900,6 +5804,7 @@
               <a:rPr lang="zh-CN" altLang="en-US"/>
               <a:t>第四级</a:t>
             </a:r>
+            <a:endParaRPr lang="zh-CN" altLang="en-US"/>
           </a:p>
           <a:p>
             <a:pPr lvl="4"/>
@@ -5907,6 +5812,7 @@
               <a:rPr lang="zh-CN" altLang="en-US"/>
               <a:t>第五级</a:t>
             </a:r>
+            <a:endParaRPr lang="zh-CN" altLang="en-US"/>
           </a:p>
         </p:txBody>
       </p:sp>
@@ -5922,8 +5828,8 @@
         </p:nvSpPr>
         <p:spPr>
           <a:xfrm>
-            <a:off x="457200" y="1435100"/>
-            <a:ext cx="3008313" cy="4691063"/>
+            <a:off x="609600" y="1435100"/>
+            <a:ext cx="4011084" cy="4691063"/>
           </a:xfrm>
         </p:spPr>
         <p:txBody>
@@ -5972,6 +5878,7 @@
               <a:rPr lang="zh-CN" altLang="en-US"/>
               <a:t>单击此处编辑母版文本样式</a:t>
             </a:r>
+            <a:endParaRPr lang="zh-CN" altLang="en-US"/>
           </a:p>
         </p:txBody>
       </p:sp>
@@ -5985,9 +5892,7 @@
             <p:ph type="ftr" sz="quarter" idx="10"/>
           </p:nvPr>
         </p:nvSpPr>
-        <p:spPr>
-          <a:ln/>
-        </p:spPr>
+        <p:spPr/>
         <p:txBody>
           <a:bodyPr/>
           <a:lstStyle>
@@ -6040,8 +5945,8 @@
         </p:nvSpPr>
         <p:spPr>
           <a:xfrm>
-            <a:off x="1792288" y="4800600"/>
-            <a:ext cx="5486400" cy="566738"/>
+            <a:off x="2389717" y="4800600"/>
+            <a:ext cx="7315200" cy="566738"/>
           </a:xfrm>
         </p:spPr>
         <p:txBody>
@@ -6056,6 +5961,7 @@
               <a:rPr lang="zh-CN" altLang="en-US"/>
               <a:t>单击此处编辑母版标题样式</a:t>
             </a:r>
+            <a:endParaRPr lang="zh-CN" altLang="en-US"/>
           </a:p>
         </p:txBody>
       </p:sp>
@@ -6071,8 +5977,8 @@
         </p:nvSpPr>
         <p:spPr>
           <a:xfrm>
-            <a:off x="1792288" y="612775"/>
-            <a:ext cx="5486400" cy="4114800"/>
+            <a:off x="2389717" y="612775"/>
+            <a:ext cx="7315200" cy="4114800"/>
           </a:xfrm>
         </p:spPr>
         <p:txBody>
@@ -6133,8 +6039,8 @@
         </p:nvSpPr>
         <p:spPr>
           <a:xfrm>
-            <a:off x="1792288" y="5367338"/>
-            <a:ext cx="5486400" cy="804862"/>
+            <a:off x="2389717" y="5367338"/>
+            <a:ext cx="7315200" cy="804862"/>
           </a:xfrm>
         </p:spPr>
         <p:txBody>
@@ -6183,6 +6089,7 @@
               <a:rPr lang="zh-CN" altLang="en-US"/>
               <a:t>单击此处编辑母版文本样式</a:t>
             </a:r>
+            <a:endParaRPr lang="zh-CN" altLang="en-US"/>
           </a:p>
         </p:txBody>
       </p:sp>
@@ -6196,9 +6103,7 @@
             <p:ph type="ftr" sz="quarter" idx="10"/>
           </p:nvPr>
         </p:nvSpPr>
-        <p:spPr>
-          <a:ln/>
-        </p:spPr>
+        <p:spPr/>
         <p:txBody>
           <a:bodyPr/>
           <a:lstStyle>
@@ -6228,7 +6133,7 @@
     <p:bg>
       <p:bgPr>
         <a:blipFill dpi="0" rotWithShape="0">
-          <a:blip r:embed="rId13">
+          <a:blip r:embed="rId12">
             <a:extLst>
               <a:ext uri="{28A0092B-C50C-407E-A947-70E740481C1C}">
                 <a14:useLocalDpi xmlns:a14="http://schemas.microsoft.com/office/drawing/2010/main" val="0"/>
@@ -6269,8 +6174,8 @@
         </p:nvSpPr>
         <p:spPr bwMode="auto">
           <a:xfrm>
-            <a:off x="295275" y="1489075"/>
-            <a:ext cx="8524875" cy="4313238"/>
+            <a:off x="393700" y="1489075"/>
+            <a:ext cx="11366500" cy="4313238"/>
           </a:xfrm>
           <a:prstGeom prst="rect">
             <a:avLst/>
@@ -6279,16 +6184,10 @@
           <a:ln w="9525">
             <a:noFill/>
             <a:miter lim="800000"/>
-            <a:headEnd/>
-            <a:tailEnd/>
           </a:ln>
         </p:spPr>
         <p:txBody>
-          <a:bodyPr vert="horz" wrap="square" lIns="0" tIns="0" rIns="0" bIns="0" numCol="1" anchor="t" anchorCtr="0" compatLnSpc="1">
-            <a:prstTxWarp prst="textNoShape">
-              <a:avLst/>
-            </a:prstTxWarp>
-          </a:bodyPr>
+          <a:bodyPr vert="horz" wrap="square" lIns="0" tIns="0" rIns="0" bIns="0" numCol="1" anchor="t" anchorCtr="0" compatLnSpc="1"/>
           <a:lstStyle/>
           <a:p>
             <a:pPr lvl="0"/>
@@ -6296,6 +6195,7 @@
               <a:rPr lang="de-DE" altLang="zh-CN" dirty="0"/>
               <a:t>Textmasterformate durch Klicken bearbeiten</a:t>
             </a:r>
+            <a:endParaRPr lang="de-DE" altLang="zh-CN" dirty="0"/>
           </a:p>
           <a:p>
             <a:pPr lvl="1"/>
@@ -6303,6 +6203,7 @@
               <a:rPr lang="de-DE" altLang="zh-CN" dirty="0"/>
               <a:t>Zweite Ebene</a:t>
             </a:r>
+            <a:endParaRPr lang="de-DE" altLang="zh-CN" dirty="0"/>
           </a:p>
           <a:p>
             <a:pPr lvl="2"/>
@@ -6310,6 +6211,7 @@
               <a:rPr lang="de-DE" altLang="zh-CN" dirty="0"/>
               <a:t>Dritte Ebene</a:t>
             </a:r>
+            <a:endParaRPr lang="de-DE" altLang="zh-CN" dirty="0"/>
           </a:p>
           <a:p>
             <a:pPr lvl="3"/>
@@ -6317,6 +6219,7 @@
               <a:rPr lang="de-DE" altLang="zh-CN" dirty="0"/>
               <a:t>Vierte Ebene</a:t>
             </a:r>
+            <a:endParaRPr lang="de-DE" altLang="zh-CN" dirty="0"/>
           </a:p>
           <a:p>
             <a:pPr lvl="4"/>
@@ -6324,6 +6227,7 @@
               <a:rPr lang="de-DE" altLang="zh-CN" dirty="0"/>
               <a:t>Fünfte Ebene</a:t>
             </a:r>
+            <a:endParaRPr lang="de-DE" altLang="zh-CN" dirty="0"/>
           </a:p>
         </p:txBody>
       </p:sp>
@@ -6339,8 +6243,8 @@
         </p:nvSpPr>
         <p:spPr bwMode="gray">
           <a:xfrm>
-            <a:off x="3124200" y="6365875"/>
-            <a:ext cx="2895600" cy="247650"/>
+            <a:off x="4165600" y="6365875"/>
+            <a:ext cx="3860800" cy="247650"/>
           </a:xfrm>
           <a:prstGeom prst="rect">
             <a:avLst/>
@@ -6349,23 +6253,17 @@
           <a:ln w="9525">
             <a:noFill/>
             <a:miter lim="800000"/>
-            <a:headEnd/>
-            <a:tailEnd/>
           </a:ln>
         </p:spPr>
         <p:txBody>
-          <a:bodyPr vert="horz" wrap="square" lIns="91440" tIns="45720" rIns="91440" bIns="45720" numCol="1" anchor="t" anchorCtr="0" compatLnSpc="1">
-            <a:prstTxWarp prst="textNoShape">
-              <a:avLst/>
-            </a:prstTxWarp>
-          </a:bodyPr>
+          <a:bodyPr vert="horz" wrap="square" lIns="91440" tIns="45720" rIns="91440" bIns="45720" numCol="1" anchor="t" anchorCtr="0" compatLnSpc="1"/>
           <a:lstStyle>
             <a:lvl1pPr algn="ctr">
               <a:defRPr sz="1000" noProof="1">
                 <a:solidFill>
                   <a:schemeClr val="bg1"/>
                 </a:solidFill>
-                <a:latin typeface="Arial" charset="0"/>
+                <a:latin typeface="Arial" panose="020B0604020202020204" pitchFamily="34" charset="0"/>
                 <a:cs typeface="+mn-cs"/>
               </a:defRPr>
             </a:lvl1pPr>
@@ -6390,8 +6288,8 @@
         </p:nvSpPr>
         <p:spPr bwMode="gray">
           <a:xfrm>
-            <a:off x="300038" y="252413"/>
-            <a:ext cx="8520112" cy="647700"/>
+            <a:off x="400051" y="252413"/>
+            <a:ext cx="11360149" cy="647700"/>
           </a:xfrm>
           <a:prstGeom prst="rect">
             <a:avLst/>
@@ -6400,16 +6298,10 @@
           <a:ln w="9525">
             <a:noFill/>
             <a:miter lim="800000"/>
-            <a:headEnd/>
-            <a:tailEnd/>
           </a:ln>
         </p:spPr>
         <p:txBody>
-          <a:bodyPr vert="horz" wrap="square" lIns="0" tIns="45720" rIns="0" bIns="45720" numCol="1" anchor="t" anchorCtr="0" compatLnSpc="1">
-            <a:prstTxWarp prst="textNoShape">
-              <a:avLst/>
-            </a:prstTxWarp>
-          </a:bodyPr>
+          <a:bodyPr vert="horz" wrap="square" lIns="0" tIns="45720" rIns="0" bIns="45720" numCol="1" anchor="t" anchorCtr="0" compatLnSpc="1"/>
           <a:lstStyle/>
           <a:p>
             <a:pPr lvl="0"/>
@@ -6417,6 +6309,7 @@
               <a:rPr lang="de-DE" altLang="zh-CN"/>
               <a:t>Klicken Sie, um das Titelformat zu bearbeiten</a:t>
             </a:r>
+            <a:endParaRPr lang="de-DE" altLang="zh-CN"/>
           </a:p>
         </p:txBody>
       </p:sp>
@@ -6430,8 +6323,8 @@
         </p:nvSpPr>
         <p:spPr bwMode="gray">
           <a:xfrm>
-            <a:off x="219075" y="6365875"/>
-            <a:ext cx="1343025" cy="247650"/>
+            <a:off x="292100" y="6365875"/>
+            <a:ext cx="1790700" cy="247650"/>
           </a:xfrm>
           <a:prstGeom prst="rect">
             <a:avLst/>
@@ -6440,8 +6333,6 @@
           <a:ln w="9525">
             <a:noFill/>
             <a:miter lim="800000"/>
-            <a:headEnd/>
-            <a:tailEnd/>
           </a:ln>
         </p:spPr>
         <p:txBody>
@@ -6453,44 +6344,40 @@
             </a:pPr>
             <a:r>
               <a:rPr lang="de-DE" altLang="zh-CN" sz="1000">
-                <a:latin typeface="Arial" pitchFamily="34" charset="0"/>
-                <a:ea typeface="宋体" pitchFamily="2" charset="-122"/>
-                <a:cs typeface="Arial" pitchFamily="34" charset="0"/>
+                <a:latin typeface="Arial" panose="020B0604020202020204" pitchFamily="34" charset="0"/>
+                <a:ea typeface="宋体" panose="02010600030101010101" pitchFamily="2" charset="-122"/>
+                <a:cs typeface="Arial" panose="020B0604020202020204" pitchFamily="34" charset="0"/>
               </a:rPr>
               <a:t>Page </a:t>
             </a:r>
             <a:r>
               <a:rPr lang="de-DE" altLang="zh-CN" sz="1000">
-                <a:latin typeface="Arial" pitchFamily="34" charset="0"/>
-                <a:ea typeface="宋体" pitchFamily="2" charset="-122"/>
-                <a:cs typeface="Arial" pitchFamily="34" charset="0"/>
-                <a:sym typeface="Wingdings" pitchFamily="2" charset="2"/>
+                <a:latin typeface="Arial" panose="020B0604020202020204" pitchFamily="34" charset="0"/>
+                <a:ea typeface="宋体" panose="02010600030101010101" pitchFamily="2" charset="-122"/>
+                <a:cs typeface="Arial" panose="020B0604020202020204" pitchFamily="34" charset="0"/>
+                <a:sym typeface="Wingdings" panose="05000000000000000000" pitchFamily="2" charset="2"/>
               </a:rPr>
               <a:t></a:t>
             </a:r>
             <a:r>
               <a:rPr lang="de-DE" altLang="zh-CN" sz="1000">
-                <a:latin typeface="Arial" pitchFamily="34" charset="0"/>
-                <a:ea typeface="宋体" pitchFamily="2" charset="-122"/>
-                <a:cs typeface="Arial" pitchFamily="34" charset="0"/>
+                <a:latin typeface="Arial" panose="020B0604020202020204" pitchFamily="34" charset="0"/>
+                <a:ea typeface="宋体" panose="02010600030101010101" pitchFamily="2" charset="-122"/>
+                <a:cs typeface="Arial" panose="020B0604020202020204" pitchFamily="34" charset="0"/>
               </a:rPr>
               <a:t> </a:t>
             </a:r>
             <a:fld id="{32D91C8F-FAEA-4B44-9189-5505FEED48C3}" type="slidenum">
               <a:rPr lang="de-DE" altLang="zh-CN" sz="1000">
-                <a:latin typeface="Arial" pitchFamily="34" charset="0"/>
-                <a:ea typeface="宋体" pitchFamily="2" charset="-122"/>
-                <a:cs typeface="Arial" pitchFamily="34" charset="0"/>
+                <a:latin typeface="Arial" panose="020B0604020202020204" pitchFamily="34" charset="0"/>
+                <a:ea typeface="宋体" panose="02010600030101010101" pitchFamily="2" charset="-122"/>
+                <a:cs typeface="Arial" panose="020B0604020202020204" pitchFamily="34" charset="0"/>
               </a:rPr>
-              <a:pPr>
-                <a:defRPr/>
-              </a:pPr>
-              <a:t>‹#›</a:t>
             </a:fld>
             <a:endParaRPr lang="de-DE" altLang="zh-CN" sz="1000">
-              <a:latin typeface="Arial" pitchFamily="34" charset="0"/>
-              <a:ea typeface="宋体" pitchFamily="2" charset="-122"/>
-              <a:cs typeface="Arial" pitchFamily="34" charset="0"/>
+              <a:latin typeface="Arial" panose="020B0604020202020204" pitchFamily="34" charset="0"/>
+              <a:ea typeface="宋体" panose="02010600030101010101" pitchFamily="2" charset="-122"/>
+              <a:cs typeface="Arial" panose="020B0604020202020204" pitchFamily="34" charset="0"/>
             </a:endParaRPr>
           </a:p>
         </p:txBody>
@@ -6504,7 +6391,7 @@
           <p:nvPr/>
         </p:nvPicPr>
         <p:blipFill>
-          <a:blip r:embed="rId14" cstate="print">
+          <a:blip r:embed="rId13" cstate="print">
             <a:extLst>
               <a:ext uri="{28A0092B-C50C-407E-A947-70E740481C1C}">
                 <a14:useLocalDpi xmlns:a14="http://schemas.microsoft.com/office/drawing/2010/main" val="0"/>
@@ -6517,8 +6404,8 @@
         </p:blipFill>
         <p:spPr>
           <a:xfrm>
-            <a:off x="6627100" y="6443496"/>
-            <a:ext cx="2224653" cy="343090"/>
+            <a:off x="8836133" y="6443496"/>
+            <a:ext cx="2966204" cy="343090"/>
           </a:xfrm>
           <a:prstGeom prst="rect">
             <a:avLst/>
@@ -6529,17 +6416,17 @@
   </p:cSld>
   <p:clrMap bg1="lt1" tx1="dk1" bg2="lt2" tx2="dk2" accent1="accent1" accent2="accent2" accent3="accent3" accent4="accent4" accent5="accent5" accent6="accent6" hlink="hlink" folHlink="folHlink"/>
   <p:sldLayoutIdLst>
-    <p:sldLayoutId id="2147483687" r:id="rId1"/>
-    <p:sldLayoutId id="2147483677" r:id="rId2"/>
-    <p:sldLayoutId id="2147483678" r:id="rId3"/>
-    <p:sldLayoutId id="2147483679" r:id="rId4"/>
-    <p:sldLayoutId id="2147483680" r:id="rId5"/>
-    <p:sldLayoutId id="2147483681" r:id="rId6"/>
-    <p:sldLayoutId id="2147483682" r:id="rId7"/>
-    <p:sldLayoutId id="2147483683" r:id="rId8"/>
-    <p:sldLayoutId id="2147483684" r:id="rId9"/>
-    <p:sldLayoutId id="2147483685" r:id="rId10"/>
-    <p:sldLayoutId id="2147483686" r:id="rId11"/>
+    <p:sldLayoutId id="2147483649" r:id="rId1"/>
+    <p:sldLayoutId id="2147483650" r:id="rId2"/>
+    <p:sldLayoutId id="2147483651" r:id="rId3"/>
+    <p:sldLayoutId id="2147483652" r:id="rId4"/>
+    <p:sldLayoutId id="2147483653" r:id="rId5"/>
+    <p:sldLayoutId id="2147483654" r:id="rId6"/>
+    <p:sldLayoutId id="2147483655" r:id="rId7"/>
+    <p:sldLayoutId id="2147483656" r:id="rId8"/>
+    <p:sldLayoutId id="2147483657" r:id="rId9"/>
+    <p:sldLayoutId id="2147483658" r:id="rId10"/>
+    <p:sldLayoutId id="2147483659" r:id="rId11"/>
   </p:sldLayoutIdLst>
   <p:txStyles>
     <p:titleStyle>
@@ -6557,8 +6444,8 @@
           <a:solidFill>
             <a:schemeClr val="bg1"/>
           </a:solidFill>
-          <a:latin typeface="微软雅黑" pitchFamily="34" charset="-122"/>
-          <a:ea typeface="微软雅黑" pitchFamily="34" charset="-122"/>
+          <a:latin typeface="微软雅黑" panose="020B0503020204020204" pitchFamily="34" charset="-122"/>
+          <a:ea typeface="微软雅黑" panose="020B0503020204020204" pitchFamily="34" charset="-122"/>
           <a:cs typeface="+mj-cs"/>
         </a:defRPr>
       </a:lvl1pPr>
@@ -6576,8 +6463,8 @@
           <a:solidFill>
             <a:schemeClr val="bg1"/>
           </a:solidFill>
-          <a:latin typeface="Arial" charset="0"/>
-          <a:cs typeface="Arial" charset="0"/>
+          <a:latin typeface="Arial" panose="020B0604020202020204" pitchFamily="34" charset="0"/>
+          <a:cs typeface="Arial" panose="020B0604020202020204" pitchFamily="34" charset="0"/>
         </a:defRPr>
       </a:lvl2pPr>
       <a:lvl3pPr algn="l" rtl="0" eaLnBrk="0" fontAlgn="base" hangingPunct="0">
@@ -6594,8 +6481,8 @@
           <a:solidFill>
             <a:schemeClr val="bg1"/>
           </a:solidFill>
-          <a:latin typeface="Arial" charset="0"/>
-          <a:cs typeface="Arial" charset="0"/>
+          <a:latin typeface="Arial" panose="020B0604020202020204" pitchFamily="34" charset="0"/>
+          <a:cs typeface="Arial" panose="020B0604020202020204" pitchFamily="34" charset="0"/>
         </a:defRPr>
       </a:lvl3pPr>
       <a:lvl4pPr algn="l" rtl="0" eaLnBrk="0" fontAlgn="base" hangingPunct="0">
@@ -6612,8 +6499,8 @@
           <a:solidFill>
             <a:schemeClr val="bg1"/>
           </a:solidFill>
-          <a:latin typeface="Arial" charset="0"/>
-          <a:cs typeface="Arial" charset="0"/>
+          <a:latin typeface="Arial" panose="020B0604020202020204" pitchFamily="34" charset="0"/>
+          <a:cs typeface="Arial" panose="020B0604020202020204" pitchFamily="34" charset="0"/>
         </a:defRPr>
       </a:lvl4pPr>
       <a:lvl5pPr algn="l" rtl="0" eaLnBrk="0" fontAlgn="base" hangingPunct="0">
@@ -6630,8 +6517,8 @@
           <a:solidFill>
             <a:schemeClr val="bg1"/>
           </a:solidFill>
-          <a:latin typeface="Arial" charset="0"/>
-          <a:cs typeface="Arial" charset="0"/>
+          <a:latin typeface="Arial" panose="020B0604020202020204" pitchFamily="34" charset="0"/>
+          <a:cs typeface="Arial" panose="020B0604020202020204" pitchFamily="34" charset="0"/>
         </a:defRPr>
       </a:lvl5pPr>
       <a:lvl6pPr marL="457200" algn="l" rtl="0" fontAlgn="base">
@@ -6648,8 +6535,8 @@
           <a:solidFill>
             <a:schemeClr val="bg1"/>
           </a:solidFill>
-          <a:latin typeface="Arial" charset="0"/>
-          <a:cs typeface="Arial" charset="0"/>
+          <a:latin typeface="Arial" panose="020B0604020202020204" pitchFamily="34" charset="0"/>
+          <a:cs typeface="Arial" panose="020B0604020202020204" pitchFamily="34" charset="0"/>
         </a:defRPr>
       </a:lvl6pPr>
       <a:lvl7pPr marL="914400" algn="l" rtl="0" fontAlgn="base">
@@ -6666,8 +6553,8 @@
           <a:solidFill>
             <a:schemeClr val="bg1"/>
           </a:solidFill>
-          <a:latin typeface="Arial" charset="0"/>
-          <a:cs typeface="Arial" charset="0"/>
+          <a:latin typeface="Arial" panose="020B0604020202020204" pitchFamily="34" charset="0"/>
+          <a:cs typeface="Arial" panose="020B0604020202020204" pitchFamily="34" charset="0"/>
         </a:defRPr>
       </a:lvl7pPr>
       <a:lvl8pPr marL="1371600" algn="l" rtl="0" fontAlgn="base">
@@ -6684,8 +6571,8 @@
           <a:solidFill>
             <a:schemeClr val="bg1"/>
           </a:solidFill>
-          <a:latin typeface="Arial" charset="0"/>
-          <a:cs typeface="Arial" charset="0"/>
+          <a:latin typeface="Arial" panose="020B0604020202020204" pitchFamily="34" charset="0"/>
+          <a:cs typeface="Arial" panose="020B0604020202020204" pitchFamily="34" charset="0"/>
         </a:defRPr>
       </a:lvl8pPr>
       <a:lvl9pPr marL="1828800" algn="l" rtl="0" fontAlgn="base">
@@ -6702,8 +6589,8 @@
           <a:solidFill>
             <a:schemeClr val="bg1"/>
           </a:solidFill>
-          <a:latin typeface="Arial" charset="0"/>
-          <a:cs typeface="Arial" charset="0"/>
+          <a:latin typeface="Arial" panose="020B0604020202020204" pitchFamily="34" charset="0"/>
+          <a:cs typeface="Arial" panose="020B0604020202020204" pitchFamily="34" charset="0"/>
         </a:defRPr>
       </a:lvl9pPr>
     </p:titleStyle>
@@ -6715,18 +6602,18 @@
         <a:spcAft>
           <a:spcPct val="40000"/>
         </a:spcAft>
-        <a:buFont typeface="Wingdings" pitchFamily="2" charset="2"/>
+        <a:buFont typeface="Wingdings" panose="05000000000000000000" pitchFamily="2" charset="2"/>
         <a:buChar char="§"/>
         <a:defRPr sz="2000">
           <a:solidFill>
             <a:schemeClr val="tx1"/>
           </a:solidFill>
-          <a:latin typeface="微软雅黑" pitchFamily="34" charset="-122"/>
-          <a:ea typeface="微软雅黑" pitchFamily="34" charset="-122"/>
+          <a:latin typeface="微软雅黑" panose="020B0503020204020204" pitchFamily="34" charset="-122"/>
+          <a:ea typeface="微软雅黑" panose="020B0503020204020204" pitchFamily="34" charset="-122"/>
           <a:cs typeface="+mn-cs"/>
         </a:defRPr>
       </a:lvl1pPr>
-      <a:lvl2pPr marL="444500" indent="-261938" algn="l" rtl="0" eaLnBrk="0" fontAlgn="base" hangingPunct="0">
+      <a:lvl2pPr marL="444500" indent="-262255" algn="l" rtl="0" eaLnBrk="0" fontAlgn="base" hangingPunct="0">
         <a:spcBef>
           <a:spcPct val="0"/>
         </a:spcBef>
@@ -6738,12 +6625,12 @@
           <a:solidFill>
             <a:schemeClr val="tx1"/>
           </a:solidFill>
-          <a:latin typeface="微软雅黑" pitchFamily="34" charset="-122"/>
-          <a:ea typeface="微软雅黑" pitchFamily="34" charset="-122"/>
+          <a:latin typeface="微软雅黑" panose="020B0503020204020204" pitchFamily="34" charset="-122"/>
+          <a:ea typeface="微软雅黑" panose="020B0503020204020204" pitchFamily="34" charset="-122"/>
           <a:cs typeface="+mn-cs"/>
         </a:defRPr>
       </a:lvl2pPr>
-      <a:lvl3pPr marL="720725" indent="-274638" algn="l" rtl="0" eaLnBrk="0" fontAlgn="base" hangingPunct="0">
+      <a:lvl3pPr marL="720725" indent="-274955" algn="l" rtl="0" eaLnBrk="0" fontAlgn="base" hangingPunct="0">
         <a:spcBef>
           <a:spcPct val="0"/>
         </a:spcBef>
@@ -6755,12 +6642,12 @@
           <a:solidFill>
             <a:schemeClr val="tx1"/>
           </a:solidFill>
-          <a:latin typeface="微软雅黑" pitchFamily="34" charset="-122"/>
-          <a:ea typeface="微软雅黑" pitchFamily="34" charset="-122"/>
+          <a:latin typeface="微软雅黑" panose="020B0503020204020204" pitchFamily="34" charset="-122"/>
+          <a:ea typeface="微软雅黑" panose="020B0503020204020204" pitchFamily="34" charset="-122"/>
           <a:cs typeface="+mn-cs"/>
         </a:defRPr>
       </a:lvl3pPr>
-      <a:lvl4pPr marL="987425" indent="-265113" algn="l" rtl="0" eaLnBrk="0" fontAlgn="base" hangingPunct="0">
+      <a:lvl4pPr marL="987425" indent="-265430" algn="l" rtl="0" eaLnBrk="0" fontAlgn="base" hangingPunct="0">
         <a:spcBef>
           <a:spcPct val="0"/>
         </a:spcBef>
@@ -6772,12 +6659,12 @@
           <a:solidFill>
             <a:schemeClr val="tx1"/>
           </a:solidFill>
-          <a:latin typeface="微软雅黑" pitchFamily="34" charset="-122"/>
-          <a:ea typeface="微软雅黑" pitchFamily="34" charset="-122"/>
+          <a:latin typeface="微软雅黑" panose="020B0503020204020204" pitchFamily="34" charset="-122"/>
+          <a:ea typeface="微软雅黑" panose="020B0503020204020204" pitchFamily="34" charset="-122"/>
           <a:cs typeface="+mn-cs"/>
         </a:defRPr>
       </a:lvl4pPr>
-      <a:lvl5pPr marL="1254125" indent="-265113" algn="l" rtl="0" eaLnBrk="0" fontAlgn="base" hangingPunct="0">
+      <a:lvl5pPr marL="1254125" indent="-265430" algn="l" rtl="0" eaLnBrk="0" fontAlgn="base" hangingPunct="0">
         <a:spcBef>
           <a:spcPct val="0"/>
         </a:spcBef>
@@ -6789,12 +6676,12 @@
           <a:solidFill>
             <a:schemeClr val="tx1"/>
           </a:solidFill>
-          <a:latin typeface="微软雅黑" pitchFamily="34" charset="-122"/>
-          <a:ea typeface="微软雅黑" pitchFamily="34" charset="-122"/>
+          <a:latin typeface="微软雅黑" panose="020B0503020204020204" pitchFamily="34" charset="-122"/>
+          <a:ea typeface="微软雅黑" panose="020B0503020204020204" pitchFamily="34" charset="-122"/>
           <a:cs typeface="+mn-cs"/>
         </a:defRPr>
       </a:lvl5pPr>
-      <a:lvl6pPr marL="1711325" indent="-265113" algn="l" rtl="0" fontAlgn="base">
+      <a:lvl6pPr marL="1711325" indent="-265430" algn="l" rtl="0" fontAlgn="base">
         <a:spcBef>
           <a:spcPct val="0"/>
         </a:spcBef>
@@ -6810,7 +6697,7 @@
           <a:cs typeface="+mn-cs"/>
         </a:defRPr>
       </a:lvl6pPr>
-      <a:lvl7pPr marL="2168525" indent="-265113" algn="l" rtl="0" fontAlgn="base">
+      <a:lvl7pPr marL="2168525" indent="-265430" algn="l" rtl="0" fontAlgn="base">
         <a:spcBef>
           <a:spcPct val="0"/>
         </a:spcBef>
@@ -6826,7 +6713,7 @@
           <a:cs typeface="+mn-cs"/>
         </a:defRPr>
       </a:lvl7pPr>
-      <a:lvl8pPr marL="2625725" indent="-265113" algn="l" rtl="0" fontAlgn="base">
+      <a:lvl8pPr marL="2625725" indent="-265430" algn="l" rtl="0" fontAlgn="base">
         <a:spcBef>
           <a:spcPct val="0"/>
         </a:spcBef>
@@ -6842,7 +6729,7 @@
           <a:cs typeface="+mn-cs"/>
         </a:defRPr>
       </a:lvl8pPr>
-      <a:lvl9pPr marL="3082925" indent="-265113" algn="l" rtl="0" fontAlgn="base">
+      <a:lvl9pPr marL="3082925" indent="-265430" algn="l" rtl="0" fontAlgn="base">
         <a:spcBef>
           <a:spcPct val="0"/>
         </a:spcBef>
@@ -6987,7 +6874,7 @@
         </p:nvSpPr>
         <p:spPr>
           <a:xfrm>
-            <a:off x="2971800" y="3352800"/>
+            <a:off x="4495800" y="3352800"/>
             <a:ext cx="6029356" cy="609600"/>
           </a:xfrm>
         </p:spPr>
@@ -6999,7 +6886,21 @@
               <a:rPr lang="zh-CN" altLang="en-US" sz="2800" dirty="0"/>
               <a:t>第三章 项目规划</a:t>
             </a:r>
-            <a:endParaRPr lang="en-US" altLang="zh-CN" sz="2800" dirty="0"/>
+            <a:r>
+              <a:rPr lang="en-US" altLang="zh-CN" sz="2800" dirty="0" smtClean="0">
+                <a:sym typeface="+mn-ea"/>
+              </a:rPr>
+              <a:t>——</a:t>
+            </a:r>
+            <a:r>
+              <a:rPr lang="zh-CN" altLang="en-US" sz="2800" dirty="0" smtClean="0">
+                <a:sym typeface="+mn-ea"/>
+              </a:rPr>
+              <a:t>时间</a:t>
+            </a:r>
+            <a:endParaRPr lang="zh-CN" altLang="en-US" sz="2800" dirty="0" smtClean="0">
+              <a:sym typeface="+mn-ea"/>
+            </a:endParaRPr>
           </a:p>
         </p:txBody>
       </p:sp>
@@ -7015,8 +6916,8 @@
         </p:nvSpPr>
         <p:spPr>
           <a:xfrm>
-            <a:off x="373743" y="214314"/>
-            <a:ext cx="4648200" cy="533400"/>
+            <a:off x="2540" y="214630"/>
+            <a:ext cx="6543675" cy="533400"/>
           </a:xfrm>
         </p:spPr>
         <p:txBody>
@@ -7048,6 +6949,9 @@
         </p:txBody>
       </p:sp>
     </p:spTree>
+    <p:custDataLst>
+      <p:tags r:id="rId1"/>
+    </p:custDataLst>
   </p:cSld>
   <p:clrMapOvr>
     <a:masterClrMapping/>
@@ -7102,6 +7006,7 @@
               <a:rPr lang="zh-CN" altLang="en-US" dirty="0"/>
               <a:t>估算资源</a:t>
             </a:r>
+            <a:endParaRPr lang="zh-CN" altLang="en-US" dirty="0"/>
           </a:p>
         </p:txBody>
       </p:sp>
@@ -7136,18 +7041,10 @@
           <a:p>
             <a:pPr lvl="1"/>
             <a:r>
-              <a:rPr lang="zh-CN" altLang="en-US" sz="1800" dirty="0"/>
-              <a:t>在</a:t>
-            </a:r>
-            <a:r>
-              <a:rPr lang="en-US" altLang="zh-CN" sz="1800" dirty="0"/>
-              <a:t>IT</a:t>
-            </a:r>
-            <a:r>
-              <a:rPr lang="zh-CN" altLang="en-US" sz="1800" dirty="0"/>
-              <a:t>项目中主要的资源就是人；</a:t>
-            </a:r>
-            <a:endParaRPr lang="en-US" altLang="zh-CN" sz="1800" dirty="0"/>
+              <a:rPr lang="zh-CN" altLang="en-US" sz="2000" dirty="0"/>
+              <a:t>在IT项目中主要的资源就是人；</a:t>
+            </a:r>
+            <a:endParaRPr lang="zh-CN" altLang="en-US" sz="2000" dirty="0"/>
           </a:p>
           <a:p>
             <a:pPr lvl="1"/>
@@ -7155,6 +7052,7 @@
               <a:rPr lang="zh-CN" altLang="en-US" sz="2000" dirty="0"/>
               <a:t>其次是设备、场地等；</a:t>
             </a:r>
+            <a:endParaRPr lang="zh-CN" altLang="en-US" sz="2000" dirty="0"/>
           </a:p>
           <a:p>
             <a:endParaRPr lang="zh-CN" altLang="en-US" sz="2400" dirty="0"/>
@@ -7162,11 +7060,6 @@
         </p:txBody>
       </p:sp>
     </p:spTree>
-    <p:extLst>
-      <p:ext uri="{BB962C8B-B14F-4D97-AF65-F5344CB8AC3E}">
-        <p14:creationId xmlns:p14="http://schemas.microsoft.com/office/powerpoint/2010/main" val="2570905588"/>
-      </p:ext>
-    </p:extLst>
   </p:cSld>
   <p:clrMapOvr>
     <a:masterClrMapping/>
@@ -7200,7 +7093,7 @@
           <p:nvPr/>
         </p:nvPicPr>
         <p:blipFill rotWithShape="1">
-          <a:blip r:embed="rId2" cstate="print">
+          <a:blip r:embed="rId1" cstate="print">
             <a:extLst>
               <a:ext uri="{28A0092B-C50C-407E-A947-70E740481C1C}">
                 <a14:useLocalDpi xmlns:a14="http://schemas.microsoft.com/office/drawing/2010/main" val="0"/>
@@ -7208,11 +7101,13 @@
             </a:extLst>
           </a:blip>
           <a:srcRect/>
-          <a:stretch/>
+          <a:stretch>
+            <a:fillRect/>
+          </a:stretch>
         </p:blipFill>
         <p:spPr bwMode="auto">
           <a:xfrm>
-            <a:off x="3870960" y="420304"/>
+            <a:off x="5394960" y="420304"/>
             <a:ext cx="5273040" cy="6386053"/>
           </a:xfrm>
           <a:prstGeom prst="rect">
@@ -7265,8 +7160,8 @@
         </p:nvSpPr>
         <p:spPr>
           <a:xfrm>
-            <a:off x="300038" y="252412"/>
-            <a:ext cx="3570922" cy="1178181"/>
+            <a:off x="327025" y="252095"/>
+            <a:ext cx="5067935" cy="1177925"/>
           </a:xfrm>
         </p:spPr>
         <p:txBody>
@@ -7289,6 +7184,7 @@
               <a:rPr lang="zh-CN" altLang="en-US" dirty="0"/>
               <a:t>文件中估算资源</a:t>
             </a:r>
+            <a:endParaRPr lang="zh-CN" altLang="en-US" dirty="0"/>
           </a:p>
         </p:txBody>
       </p:sp>
@@ -7300,7 +7196,7 @@
         </p:nvSpPr>
         <p:spPr bwMode="auto">
           <a:xfrm>
-            <a:off x="7742903" y="420304"/>
+            <a:off x="9266903" y="420304"/>
             <a:ext cx="1401098" cy="6452433"/>
           </a:xfrm>
           <a:prstGeom prst="rect">
@@ -7319,11 +7215,7 @@
           <a:effectLst/>
         </p:spPr>
         <p:txBody>
-          <a:bodyPr vert="horz" wrap="none" lIns="90000" tIns="46800" rIns="90000" bIns="46800" numCol="1" rtlCol="0" anchor="ctr" anchorCtr="0" compatLnSpc="1">
-            <a:prstTxWarp prst="textNoShape">
-              <a:avLst/>
-            </a:prstTxWarp>
-          </a:bodyPr>
+          <a:bodyPr vert="horz" wrap="none" lIns="90000" tIns="46800" rIns="90000" bIns="46800" numCol="1" rtlCol="0" anchor="ctr" anchorCtr="0" compatLnSpc="1"/>
           <a:lstStyle/>
           <a:p>
             <a:pPr marL="0" marR="0" indent="0" algn="l" defTabSz="914400" rtl="0" eaLnBrk="1" fontAlgn="base" latinLnBrk="0" hangingPunct="1">
@@ -7340,7 +7232,6 @@
               <a:buSzTx/>
               <a:buFontTx/>
               <a:buNone/>
-              <a:tabLst/>
             </a:pPr>
             <a:endParaRPr kumimoji="0" lang="zh-CN" altLang="en-US" sz="2000" b="0" i="0" u="none" strike="noStrike" cap="none" normalizeH="0" baseline="0">
               <a:ln>
@@ -7350,7 +7241,7 @@
                 <a:schemeClr val="tx1"/>
               </a:solidFill>
               <a:effectLst/>
-              <a:latin typeface="Arial" charset="0"/>
+              <a:latin typeface="Arial" panose="020B0604020202020204" pitchFamily="34" charset="0"/>
             </a:endParaRPr>
           </a:p>
         </p:txBody>
@@ -7367,8 +7258,8 @@
         </p:nvSpPr>
         <p:spPr>
           <a:xfrm>
-            <a:off x="295275" y="1489075"/>
-            <a:ext cx="3436067" cy="4313238"/>
+            <a:off x="326390" y="1489075"/>
+            <a:ext cx="4928870" cy="4313555"/>
           </a:xfrm>
         </p:spPr>
         <p:txBody>
@@ -7377,7 +7268,7 @@
           <a:p>
             <a:r>
               <a:rPr lang="zh-CN" altLang="en-US" sz="2400" dirty="0"/>
-              <a:t>注意：此时只有核心团队成员确定了，可以在进度文件中明确分工。而具体的执行人员（例如程序员、测试员等）还没明确到具体人，在分配人力资源时应该用角色编号代替（例如程序员</a:t>
+              <a:t>注意：此时只有核心团队成员确定了，可以在进度文件中明确分工。而具体执行人员（例如程序员、测试员等）还没明确到具体的人，则在分配人力资源时应该用角色编号代替（如程序员</a:t>
             </a:r>
             <a:r>
               <a:rPr lang="en-US" altLang="zh-CN" sz="2400" dirty="0"/>
@@ -7400,11 +7291,6 @@
         </p:txBody>
       </p:sp>
     </p:spTree>
-    <p:extLst>
-      <p:ext uri="{BB962C8B-B14F-4D97-AF65-F5344CB8AC3E}">
-        <p14:creationId xmlns:p14="http://schemas.microsoft.com/office/powerpoint/2010/main" val="2994754607"/>
-      </p:ext>
-    </p:extLst>
   </p:cSld>
   <p:clrMapOvr>
     <a:masterClrMapping/>
@@ -7452,6 +7338,7 @@
               <a:rPr lang="zh-CN" altLang="en-US" dirty="0"/>
               <a:t>估算持续时间</a:t>
             </a:r>
+            <a:endParaRPr lang="zh-CN" altLang="en-US" dirty="0"/>
           </a:p>
         </p:txBody>
       </p:sp>
@@ -7606,11 +7493,6 @@
         </p:txBody>
       </p:sp>
     </p:spTree>
-    <p:extLst>
-      <p:ext uri="{BB962C8B-B14F-4D97-AF65-F5344CB8AC3E}">
-        <p14:creationId xmlns:p14="http://schemas.microsoft.com/office/powerpoint/2010/main" val="1135689593"/>
-      </p:ext>
-    </p:extLst>
   </p:cSld>
   <p:clrMapOvr>
     <a:masterClrMapping/>
@@ -8212,6 +8094,7 @@
               <a:rPr lang="zh-CN" altLang="en-US" dirty="0"/>
               <a:t>估算持续时间的常用技术</a:t>
             </a:r>
+            <a:endParaRPr lang="zh-CN" altLang="en-US" dirty="0"/>
           </a:p>
         </p:txBody>
       </p:sp>
@@ -8274,6 +8157,7 @@
               <a:rPr lang="en-US" altLang="zh-CN" sz="2000" dirty="0"/>
               <a:t>)</a:t>
             </a:r>
+            <a:endParaRPr lang="en-US" altLang="zh-CN" sz="2000" dirty="0"/>
           </a:p>
           <a:p>
             <a:pPr lvl="1"/>
@@ -8297,6 +8181,7 @@
               <a:rPr lang="en-US" altLang="zh-CN" sz="2000" dirty="0"/>
               <a:t>)</a:t>
             </a:r>
+            <a:endParaRPr lang="en-US" altLang="zh-CN" sz="2000" dirty="0"/>
           </a:p>
           <a:p>
             <a:pPr lvl="1"/>
@@ -8320,6 +8205,7 @@
               <a:rPr lang="en-US" altLang="zh-CN" sz="2000" dirty="0"/>
               <a:t>)</a:t>
             </a:r>
+            <a:endParaRPr lang="en-US" altLang="zh-CN" sz="2000" dirty="0"/>
           </a:p>
           <a:p>
             <a:pPr lvl="1"/>
@@ -8343,6 +8229,7 @@
               <a:rPr lang="en-US" altLang="zh-CN" sz="2000" dirty="0"/>
               <a:t>)</a:t>
             </a:r>
+            <a:endParaRPr lang="en-US" altLang="zh-CN" sz="2000" dirty="0"/>
           </a:p>
           <a:p>
             <a:pPr lvl="1"/>
@@ -8457,7 +8344,7 @@
         </p:nvGrpSpPr>
         <p:grpSpPr>
           <a:xfrm>
-            <a:off x="2057400" y="4184882"/>
+            <a:off x="3581400" y="4184882"/>
             <a:ext cx="3886200" cy="990600"/>
             <a:chOff x="2057400" y="4191000"/>
             <a:chExt cx="3886200" cy="990600"/>
@@ -8565,7 +8452,7 @@
           <p:spPr>
             <a:xfrm>
               <a:off x="3505200" y="4262656"/>
-              <a:ext cx="1830950" cy="830997"/>
+              <a:ext cx="1830950" cy="829945"/>
             </a:xfrm>
             <a:prstGeom prst="rect">
               <a:avLst/>
@@ -8606,10 +8493,6 @@
                 <a:rPr lang="en-US" altLang="zh-CN" sz="2400" b="1" baseline="-25000" dirty="0" err="1"/>
                 <a:t>P</a:t>
               </a:r>
-              <a:r>
-                <a:rPr lang="en-US" altLang="zh-CN" sz="2400" b="1" baseline="-25000" dirty="0"/>
-                <a:t/>
-              </a:r>
               <a:br>
                 <a:rPr lang="en-US" altLang="zh-CN" sz="2400" b="1" baseline="-25000" dirty="0"/>
               </a:br>
@@ -8633,16 +8516,16 @@
           </p:nvCxnSpPr>
           <p:spPr>
             <a:xfrm>
-              <a:off x="3200400" y="4724400"/>
-              <a:ext cx="2209800" cy="1181"/>
+              <a:off x="3620770" y="4695593"/>
+              <a:ext cx="1562100" cy="14605"/>
             </a:xfrm>
             <a:prstGeom prst="line">
               <a:avLst/>
             </a:prstGeom>
             <a:grpFill/>
-            <a:ln w="19050">
+            <a:ln w="25400">
               <a:solidFill>
-                <a:schemeClr val="accent3"/>
+                <a:schemeClr val="tx1"/>
               </a:solidFill>
             </a:ln>
           </p:spPr>
@@ -8663,11 +8546,6 @@
         </p:cxnSp>
       </p:grpSp>
     </p:spTree>
-    <p:extLst>
-      <p:ext uri="{BB962C8B-B14F-4D97-AF65-F5344CB8AC3E}">
-        <p14:creationId xmlns:p14="http://schemas.microsoft.com/office/powerpoint/2010/main" val="2330465049"/>
-      </p:ext>
-    </p:extLst>
   </p:cSld>
   <p:clrMapOvr>
     <a:masterClrMapping/>
@@ -8723,6 +8601,7 @@
               <a:rPr lang="zh-CN" altLang="en-US" dirty="0"/>
               <a:t>中估算持续时间</a:t>
             </a:r>
+            <a:endParaRPr lang="zh-CN" altLang="en-US" dirty="0"/>
           </a:p>
         </p:txBody>
       </p:sp>
@@ -8735,7 +8614,7 @@
           <p:nvPr/>
         </p:nvPicPr>
         <p:blipFill rotWithShape="1">
-          <a:blip r:embed="rId2" cstate="print">
+          <a:blip r:embed="rId1" cstate="print">
             <a:extLst>
               <a:ext uri="{28A0092B-C50C-407E-A947-70E740481C1C}">
                 <a14:useLocalDpi xmlns:a14="http://schemas.microsoft.com/office/drawing/2010/main" val="0"/>
@@ -8743,12 +8622,14 @@
             </a:extLst>
           </a:blip>
           <a:srcRect/>
-          <a:stretch/>
+          <a:stretch>
+            <a:fillRect/>
+          </a:stretch>
         </p:blipFill>
         <p:spPr bwMode="auto">
           <a:xfrm>
-            <a:off x="478830" y="1844532"/>
-            <a:ext cx="8016240" cy="3686126"/>
+            <a:off x="1153795" y="1534160"/>
+            <a:ext cx="9884410" cy="4545330"/>
           </a:xfrm>
           <a:prstGeom prst="rect">
             <a:avLst/>
@@ -8796,8 +8677,8 @@
         </p:nvSpPr>
         <p:spPr bwMode="auto">
           <a:xfrm>
-            <a:off x="3200398" y="1844532"/>
-            <a:ext cx="3126659" cy="3686126"/>
+            <a:off x="4500245" y="1519555"/>
+            <a:ext cx="3863975" cy="4634865"/>
           </a:xfrm>
           <a:prstGeom prst="rect">
             <a:avLst/>
@@ -8815,11 +8696,7 @@
           <a:effectLst/>
         </p:spPr>
         <p:txBody>
-          <a:bodyPr vert="horz" wrap="none" lIns="90000" tIns="46800" rIns="90000" bIns="46800" numCol="1" rtlCol="0" anchor="ctr" anchorCtr="0" compatLnSpc="1">
-            <a:prstTxWarp prst="textNoShape">
-              <a:avLst/>
-            </a:prstTxWarp>
-          </a:bodyPr>
+          <a:bodyPr vert="horz" wrap="none" lIns="90000" tIns="46800" rIns="90000" bIns="46800" numCol="1" rtlCol="0" anchor="ctr" anchorCtr="0" compatLnSpc="1"/>
           <a:lstStyle/>
           <a:p>
             <a:pPr marL="0" marR="0" indent="0" algn="l" defTabSz="914400" rtl="0" eaLnBrk="1" fontAlgn="base" latinLnBrk="0" hangingPunct="1">
@@ -8836,7 +8713,6 @@
               <a:buSzTx/>
               <a:buFontTx/>
               <a:buNone/>
-              <a:tabLst/>
             </a:pPr>
             <a:endParaRPr kumimoji="0" lang="zh-CN" altLang="en-US" sz="2000" b="0" i="0" u="none" strike="noStrike" cap="none" normalizeH="0" baseline="0">
               <a:ln>
@@ -8846,17 +8722,12 @@
                 <a:schemeClr val="tx1"/>
               </a:solidFill>
               <a:effectLst/>
-              <a:latin typeface="Arial" charset="0"/>
+              <a:latin typeface="Arial" panose="020B0604020202020204" pitchFamily="34" charset="0"/>
             </a:endParaRPr>
           </a:p>
         </p:txBody>
       </p:sp>
     </p:spTree>
-    <p:extLst>
-      <p:ext uri="{BB962C8B-B14F-4D97-AF65-F5344CB8AC3E}">
-        <p14:creationId xmlns:p14="http://schemas.microsoft.com/office/powerpoint/2010/main" val="3941893063"/>
-      </p:ext>
-    </p:extLst>
   </p:cSld>
   <p:clrMapOvr>
     <a:masterClrMapping/>
@@ -8904,6 +8775,7 @@
               <a:rPr lang="zh-CN" altLang="en-US" dirty="0"/>
               <a:t>制定进度计划</a:t>
             </a:r>
+            <a:endParaRPr lang="zh-CN" altLang="en-US" dirty="0"/>
           </a:p>
         </p:txBody>
       </p:sp>
@@ -8974,6 +8846,7 @@
               <a:rPr lang="zh-CN" altLang="en-US" sz="2000" dirty="0"/>
               <a:t>并决定了整个项目的最短完成时间；任何关键路径上活动的延迟将直接影响项目的预期完成时间；一个项目可以有多个，并行的关键路径；</a:t>
             </a:r>
+            <a:endParaRPr lang="zh-CN" altLang="en-US" sz="2000" dirty="0"/>
           </a:p>
           <a:p>
             <a:pPr lvl="1"/>
@@ -8993,7 +8866,7 @@
         </p:nvSpPr>
         <p:spPr>
           <a:xfrm>
-            <a:off x="1420480" y="5095948"/>
+            <a:off x="2652380" y="4876873"/>
             <a:ext cx="1295400" cy="762000"/>
           </a:xfrm>
           <a:prstGeom prst="roundRect">
@@ -9030,6 +8903,11 @@
               </a:rPr>
               <a:t>A</a:t>
             </a:r>
+            <a:endParaRPr lang="en-US" altLang="zh-CN" sz="2400" b="1" dirty="0">
+              <a:solidFill>
+                <a:schemeClr val="tx1"/>
+              </a:solidFill>
+            </a:endParaRPr>
           </a:p>
           <a:p>
             <a:pPr algn="ctr"/>
@@ -9057,7 +8935,7 @@
         </p:nvSpPr>
         <p:spPr>
           <a:xfrm>
-            <a:off x="3265610" y="4660519"/>
+            <a:off x="4497510" y="4441444"/>
             <a:ext cx="1211580" cy="712694"/>
           </a:xfrm>
           <a:prstGeom prst="roundRect">
@@ -9094,6 +8972,11 @@
               </a:rPr>
               <a:t>B</a:t>
             </a:r>
+            <a:endParaRPr lang="en-US" altLang="zh-CN" sz="2400" b="1" dirty="0">
+              <a:solidFill>
+                <a:schemeClr val="tx1"/>
+              </a:solidFill>
+            </a:endParaRPr>
           </a:p>
           <a:p>
             <a:pPr algn="ctr"/>
@@ -9124,8 +9007,8 @@
         </p:nvCxnSpPr>
         <p:spPr>
           <a:xfrm flipV="1">
-            <a:off x="2715880" y="5016866"/>
-            <a:ext cx="549730" cy="460082"/>
+            <a:off x="3933175" y="4797498"/>
+            <a:ext cx="549910" cy="460375"/>
           </a:xfrm>
           <a:prstGeom prst="line">
             <a:avLst/>
@@ -9159,7 +9042,7 @@
         </p:nvSpPr>
         <p:spPr>
           <a:xfrm>
-            <a:off x="5263138" y="5095948"/>
+            <a:off x="6495038" y="4876873"/>
             <a:ext cx="1211580" cy="712694"/>
           </a:xfrm>
           <a:prstGeom prst="roundRect">
@@ -9196,6 +9079,11 @@
               </a:rPr>
               <a:t>D</a:t>
             </a:r>
+            <a:endParaRPr lang="en-US" altLang="zh-CN" sz="2400" b="1" dirty="0">
+              <a:solidFill>
+                <a:schemeClr val="tx1"/>
+              </a:solidFill>
+            </a:endParaRPr>
           </a:p>
           <a:p>
             <a:pPr algn="ctr"/>
@@ -9223,7 +9111,7 @@
         </p:nvSpPr>
         <p:spPr>
           <a:xfrm>
-            <a:off x="3309153" y="5585805"/>
+            <a:off x="4541053" y="5366730"/>
             <a:ext cx="1211580" cy="712694"/>
           </a:xfrm>
           <a:prstGeom prst="roundRect">
@@ -9260,6 +9148,11 @@
               </a:rPr>
               <a:t>C</a:t>
             </a:r>
+            <a:endParaRPr lang="en-US" altLang="zh-CN" sz="2400" b="1" dirty="0">
+              <a:solidFill>
+                <a:schemeClr val="tx1"/>
+              </a:solidFill>
+            </a:endParaRPr>
           </a:p>
           <a:p>
             <a:pPr algn="ctr"/>
@@ -9290,8 +9183,8 @@
         </p:nvCxnSpPr>
         <p:spPr>
           <a:xfrm>
-            <a:off x="4477190" y="5016866"/>
-            <a:ext cx="785948" cy="435429"/>
+            <a:off x="5694485" y="4797156"/>
+            <a:ext cx="785495" cy="435610"/>
           </a:xfrm>
           <a:prstGeom prst="line">
             <a:avLst/>
@@ -9328,8 +9221,8 @@
         </p:nvCxnSpPr>
         <p:spPr>
           <a:xfrm>
-            <a:off x="2715880" y="5476948"/>
-            <a:ext cx="593273" cy="465204"/>
+            <a:off x="3933175" y="5257873"/>
+            <a:ext cx="593090" cy="465455"/>
           </a:xfrm>
           <a:prstGeom prst="line">
             <a:avLst/>
@@ -9363,7 +9256,7 @@
         </p:nvSpPr>
         <p:spPr>
           <a:xfrm>
-            <a:off x="7015738" y="5063290"/>
+            <a:off x="8247638" y="4844215"/>
             <a:ext cx="1295400" cy="762000"/>
           </a:xfrm>
           <a:prstGeom prst="roundRect">
@@ -9400,6 +9293,11 @@
               </a:rPr>
               <a:t>E</a:t>
             </a:r>
+            <a:endParaRPr lang="en-US" altLang="zh-CN" sz="2400" b="1" dirty="0">
+              <a:solidFill>
+                <a:schemeClr val="tx1"/>
+              </a:solidFill>
+            </a:endParaRPr>
           </a:p>
           <a:p>
             <a:pPr algn="ctr"/>
@@ -9430,8 +9328,8 @@
         </p:nvCxnSpPr>
         <p:spPr>
           <a:xfrm flipV="1">
-            <a:off x="6474718" y="5444290"/>
-            <a:ext cx="541020" cy="8005"/>
+            <a:off x="7692013" y="5225600"/>
+            <a:ext cx="541020" cy="7620"/>
           </a:xfrm>
           <a:prstGeom prst="line">
             <a:avLst/>
@@ -9468,8 +9366,8 @@
         </p:nvCxnSpPr>
         <p:spPr>
           <a:xfrm flipV="1">
-            <a:off x="4520733" y="5452295"/>
-            <a:ext cx="742405" cy="489857"/>
+            <a:off x="5738028" y="5232857"/>
+            <a:ext cx="742315" cy="490220"/>
           </a:xfrm>
           <a:prstGeom prst="line">
             <a:avLst/>
@@ -9496,11 +9394,6 @@
         </p:style>
       </p:cxnSp>
     </p:spTree>
-    <p:extLst>
-      <p:ext uri="{BB962C8B-B14F-4D97-AF65-F5344CB8AC3E}">
-        <p14:creationId xmlns:p14="http://schemas.microsoft.com/office/powerpoint/2010/main" val="4214820325"/>
-      </p:ext>
-    </p:extLst>
   </p:cSld>
   <p:clrMapOvr>
     <a:masterClrMapping/>
@@ -9556,6 +9449,7 @@
               <a:rPr lang="zh-CN" altLang="en-US" dirty="0"/>
               <a:t>中进行资源平衡</a:t>
             </a:r>
+            <a:endParaRPr lang="zh-CN" altLang="en-US" dirty="0"/>
           </a:p>
         </p:txBody>
       </p:sp>
@@ -9579,11 +9473,6 @@
         </p:txBody>
       </p:sp>
     </p:spTree>
-    <p:extLst>
-      <p:ext uri="{BB962C8B-B14F-4D97-AF65-F5344CB8AC3E}">
-        <p14:creationId xmlns:p14="http://schemas.microsoft.com/office/powerpoint/2010/main" val="1883670926"/>
-      </p:ext>
-    </p:extLst>
   </p:cSld>
   <p:clrMapOvr>
     <a:masterClrMapping/>
@@ -9627,6 +9516,7 @@
               <a:rPr lang="zh-CN" altLang="en-US" dirty="0"/>
               <a:t>制定进度计划的成果</a:t>
             </a:r>
+            <a:endParaRPr lang="zh-CN" altLang="en-US" dirty="0"/>
           </a:p>
         </p:txBody>
       </p:sp>
@@ -9659,7 +9549,7 @@
             </a:r>
             <a:r>
               <a:rPr lang="zh-CN" altLang="en-US" sz="2400" dirty="0"/>
-              <a:t>。包括每项活动的计划开始日期与计划完成日期</a:t>
+              <a:t>，包括每项活动的计划开始日期与计划完成日期</a:t>
             </a:r>
             <a:endParaRPr lang="en-US" altLang="zh-CN" sz="2400" dirty="0"/>
           </a:p>
@@ -9694,22 +9584,25 @@
                   <a:srgbClr val="FF0000"/>
                 </a:solidFill>
               </a:rPr>
-              <a:t>进度基准</a:t>
+              <a:t> 进度基准</a:t>
+            </a:r>
+            <a:r>
+              <a:rPr lang="zh-CN" altLang="en-US" sz="2400" dirty="0">
+                <a:solidFill>
+                  <a:schemeClr val="tx1"/>
+                </a:solidFill>
+              </a:rPr>
+              <a:t>，</a:t>
             </a:r>
             <a:r>
               <a:rPr lang="zh-CN" altLang="en-US" sz="2400" dirty="0"/>
-              <a:t>。经项目管理团队认可与批准的进度计划</a:t>
+              <a:t>经项目管理团队认可与批准的进度计划</a:t>
             </a:r>
             <a:endParaRPr lang="en-US" altLang="zh-CN" sz="2400" dirty="0"/>
           </a:p>
         </p:txBody>
       </p:sp>
     </p:spTree>
-    <p:extLst>
-      <p:ext uri="{BB962C8B-B14F-4D97-AF65-F5344CB8AC3E}">
-        <p14:creationId xmlns:p14="http://schemas.microsoft.com/office/powerpoint/2010/main" val="3371599032"/>
-      </p:ext>
-    </p:extLst>
   </p:cSld>
   <p:clrMapOvr>
     <a:masterClrMapping/>
@@ -9753,6 +9646,7 @@
               <a:rPr lang="zh-CN" altLang="en-US" dirty="0"/>
               <a:t>试练、作业</a:t>
             </a:r>
+            <a:endParaRPr lang="zh-CN" altLang="en-US" dirty="0"/>
           </a:p>
         </p:txBody>
       </p:sp>
@@ -9812,7 +9706,7 @@
           <a:p>
             <a:pPr lvl="2"/>
             <a:r>
-              <a:rPr lang="zh-CN" altLang="en-US" sz="2400" dirty="0">
+              <a:rPr lang="zh-CN" altLang="en-US" sz="2200" dirty="0">
                 <a:solidFill>
                   <a:srgbClr val="FF0000"/>
                 </a:solidFill>
@@ -9820,40 +9714,27 @@
               <a:t>课后小组共同</a:t>
             </a:r>
             <a:r>
-              <a:rPr lang="zh-CN" altLang="en-US" sz="2400" dirty="0">
+              <a:rPr lang="zh-CN" altLang="en-US" sz="2200" dirty="0">
                 <a:solidFill>
                   <a:srgbClr val="FF0000"/>
                 </a:solidFill>
-                <a:sym typeface="Wingdings" pitchFamily="2" charset="2"/>
+                <a:sym typeface="Wingdings" panose="05000000000000000000" pitchFamily="2" charset="2"/>
               </a:rPr>
-              <a:t>参考教材附件中</a:t>
-            </a:r>
-            <a:r>
-              <a:rPr lang="en-US" altLang="zh-CN" sz="2400" dirty="0">
-                <a:solidFill>
-                  <a:srgbClr val="FF0000"/>
-                </a:solidFill>
-                <a:sym typeface="Wingdings" pitchFamily="2" charset="2"/>
-              </a:rPr>
-              <a:t>MS Project</a:t>
-            </a:r>
-            <a:r>
-              <a:rPr lang="zh-CN" altLang="en-US" sz="2400" dirty="0">
-                <a:solidFill>
-                  <a:srgbClr val="FF0000"/>
-                </a:solidFill>
-                <a:sym typeface="Wingdings" pitchFamily="2" charset="2"/>
-              </a:rPr>
-              <a:t>关于时间部分的实验，完成大学生电子商务项目的规划时间工作，形成进度计划</a:t>
-            </a:r>
-            <a:r>
-              <a:rPr lang="zh-CN" altLang="en-US" sz="2400" dirty="0">
+              <a:t>参考教材附件中MS Project关于时间部分的实验，完成大学生电子商务项目的规划时间工作，形成进度计划</a:t>
+            </a:r>
+            <a:r>
+              <a:rPr lang="zh-CN" altLang="en-US" sz="2200" dirty="0">
                 <a:solidFill>
                   <a:srgbClr val="FF0000"/>
                 </a:solidFill>
               </a:rPr>
               <a:t>，成果保留，后续的所有练习依此扩展</a:t>
             </a:r>
+            <a:endParaRPr lang="zh-CN" altLang="en-US" sz="2400" dirty="0">
+              <a:solidFill>
+                <a:srgbClr val="FF0000"/>
+              </a:solidFill>
+            </a:endParaRPr>
           </a:p>
           <a:p>
             <a:endParaRPr lang="zh-CN" altLang="en-US" sz="2200" dirty="0"/>
@@ -9861,11 +9742,6 @@
         </p:txBody>
       </p:sp>
     </p:spTree>
-    <p:extLst>
-      <p:ext uri="{BB962C8B-B14F-4D97-AF65-F5344CB8AC3E}">
-        <p14:creationId xmlns:p14="http://schemas.microsoft.com/office/powerpoint/2010/main" val="1932798483"/>
-      </p:ext>
-    </p:extLst>
   </p:cSld>
   <p:clrMapOvr>
     <a:masterClrMapping/>
@@ -9900,7 +9776,7 @@
         </p:nvSpPr>
         <p:spPr bwMode="gray">
           <a:xfrm>
-            <a:off x="3124200" y="3352800"/>
+            <a:off x="4648200" y="3352800"/>
             <a:ext cx="4419600" cy="609600"/>
           </a:xfrm>
           <a:prstGeom prst="rect">
@@ -9925,8 +9801,6 @@
                     <a:schemeClr val="bg1"/>
                   </a:solidFill>
                   <a:round/>
-                  <a:headEnd/>
-                  <a:tailEnd/>
                 </a:ln>
                 <a:gradFill rotWithShape="1">
                   <a:gsLst>
@@ -9946,8 +9820,8 @@
                     </a:srgbClr>
                   </a:outerShdw>
                 </a:effectLst>
-                <a:latin typeface="Arial"/>
-                <a:cs typeface="Arial"/>
+                <a:latin typeface="Arial" panose="020B0604020202020204"/>
+                <a:cs typeface="Arial" panose="020B0604020202020204"/>
               </a:rPr>
               <a:t>Thank You !</a:t>
             </a:r>
@@ -9957,8 +9831,6 @@
                   <a:schemeClr val="bg1"/>
                 </a:solidFill>
                 <a:round/>
-                <a:headEnd/>
-                <a:tailEnd/>
               </a:ln>
               <a:gradFill rotWithShape="1">
                 <a:gsLst>
@@ -9978,8 +9850,8 @@
                   </a:srgbClr>
                 </a:outerShdw>
               </a:effectLst>
-              <a:latin typeface="Arial"/>
-              <a:cs typeface="Arial"/>
+              <a:latin typeface="Arial" panose="020B0604020202020204"/>
+              <a:cs typeface="Arial" panose="020B0604020202020204"/>
             </a:endParaRPr>
           </a:p>
         </p:txBody>
@@ -10013,7 +9885,7 @@
                             </p:stCondLst>
                             <p:childTnLst>
                               <p:par>
-                                <p:cTn id="5" presetID="53" presetClass="entr" presetSubtype="0" fill="hold" grpId="0" nodeType="afterEffect">
+                                <p:cTn id="5" presetID="53" presetClass="entr" presetSubtype="16" fill="hold" grpId="0" nodeType="afterEffect">
                                   <p:stCondLst>
                                     <p:cond delay="0"/>
                                   </p:stCondLst>
@@ -10163,6 +10035,7 @@
               <a:rPr lang="zh-CN" altLang="en-US" dirty="0"/>
               <a:t>上节回顾</a:t>
             </a:r>
+            <a:endParaRPr lang="zh-CN" altLang="en-US" dirty="0"/>
           </a:p>
         </p:txBody>
       </p:sp>
@@ -10222,11 +10095,6 @@
         </p:txBody>
       </p:sp>
     </p:spTree>
-    <p:extLst>
-      <p:ext uri="{BB962C8B-B14F-4D97-AF65-F5344CB8AC3E}">
-        <p14:creationId xmlns:p14="http://schemas.microsoft.com/office/powerpoint/2010/main" val="2303794848"/>
-      </p:ext>
-    </p:extLst>
   </p:cSld>
   <p:clrMapOvr>
     <a:masterClrMapping/>
@@ -10277,6 +10145,7 @@
               <a:rPr lang="zh-CN" altLang="en-US" dirty="0"/>
               <a:t>十大知识领域在规划阶段的规律和关联性</a:t>
             </a:r>
+            <a:endParaRPr lang="zh-CN" altLang="en-US" dirty="0"/>
           </a:p>
         </p:txBody>
       </p:sp>
@@ -10288,7 +10157,7 @@
         </p:nvSpPr>
         <p:spPr>
           <a:xfrm>
-            <a:off x="152399" y="3581400"/>
+            <a:off x="1676399" y="3581400"/>
             <a:ext cx="1348155" cy="609600"/>
           </a:xfrm>
           <a:prstGeom prst="rect">
@@ -10322,28 +10191,18 @@
                 <a:solidFill>
                   <a:schemeClr val="tx1"/>
                 </a:solidFill>
-                <a:latin typeface="微软雅黑" pitchFamily="34" charset="-122"/>
-                <a:ea typeface="微软雅黑" pitchFamily="34" charset="-122"/>
+                <a:latin typeface="微软雅黑" panose="020B0503020204020204" pitchFamily="34" charset="-122"/>
+                <a:ea typeface="微软雅黑" panose="020B0503020204020204" pitchFamily="34" charset="-122"/>
               </a:rPr>
               <a:t>做什么</a:t>
-            </a:r>
-            <a:r>
-              <a:rPr lang="en-US" altLang="zh-CN" sz="1800" b="1" dirty="0">
-                <a:solidFill>
-                  <a:schemeClr val="tx1"/>
-                </a:solidFill>
-                <a:latin typeface="微软雅黑" pitchFamily="34" charset="-122"/>
-                <a:ea typeface="微软雅黑" pitchFamily="34" charset="-122"/>
-              </a:rPr>
-              <a:t/>
             </a:r>
             <a:br>
               <a:rPr lang="en-US" altLang="zh-CN" sz="1800" b="1" dirty="0">
                 <a:solidFill>
                   <a:schemeClr val="tx1"/>
                 </a:solidFill>
-                <a:latin typeface="微软雅黑" pitchFamily="34" charset="-122"/>
-                <a:ea typeface="微软雅黑" pitchFamily="34" charset="-122"/>
+                <a:latin typeface="微软雅黑" panose="020B0503020204020204" pitchFamily="34" charset="-122"/>
+                <a:ea typeface="微软雅黑" panose="020B0503020204020204" pitchFamily="34" charset="-122"/>
               </a:rPr>
             </a:br>
             <a:r>
@@ -10351,11 +10210,18 @@
                 <a:solidFill>
                   <a:schemeClr val="tx1"/>
                 </a:solidFill>
-                <a:latin typeface="微软雅黑" pitchFamily="34" charset="-122"/>
-                <a:ea typeface="微软雅黑" pitchFamily="34" charset="-122"/>
+                <a:latin typeface="微软雅黑" panose="020B0503020204020204" pitchFamily="34" charset="-122"/>
+                <a:ea typeface="微软雅黑" panose="020B0503020204020204" pitchFamily="34" charset="-122"/>
               </a:rPr>
               <a:t>（范围管理）</a:t>
             </a:r>
+            <a:endParaRPr lang="zh-CN" altLang="en-US" sz="1800" b="1" dirty="0">
+              <a:solidFill>
+                <a:schemeClr val="tx1"/>
+              </a:solidFill>
+              <a:latin typeface="微软雅黑" panose="020B0503020204020204" pitchFamily="34" charset="-122"/>
+              <a:ea typeface="微软雅黑" panose="020B0503020204020204" pitchFamily="34" charset="-122"/>
+            </a:endParaRPr>
           </a:p>
         </p:txBody>
       </p:sp>
@@ -10367,7 +10233,7 @@
         </p:nvSpPr>
         <p:spPr>
           <a:xfrm>
-            <a:off x="1981200" y="2590800"/>
+            <a:off x="3505200" y="2590800"/>
             <a:ext cx="1600201" cy="609600"/>
           </a:xfrm>
           <a:prstGeom prst="rect">
@@ -10401,28 +10267,18 @@
                 <a:solidFill>
                   <a:srgbClr val="FF0000"/>
                 </a:solidFill>
-                <a:latin typeface="微软雅黑" pitchFamily="34" charset="-122"/>
-                <a:ea typeface="微软雅黑" pitchFamily="34" charset="-122"/>
+                <a:latin typeface="微软雅黑" panose="020B0503020204020204" pitchFamily="34" charset="-122"/>
+                <a:ea typeface="微软雅黑" panose="020B0503020204020204" pitchFamily="34" charset="-122"/>
               </a:rPr>
               <a:t>什么时候做？</a:t>
-            </a:r>
-            <a:r>
-              <a:rPr lang="en-US" altLang="zh-CN" sz="1800" b="1" dirty="0">
-                <a:solidFill>
-                  <a:srgbClr val="FF0000"/>
-                </a:solidFill>
-                <a:latin typeface="微软雅黑" pitchFamily="34" charset="-122"/>
-                <a:ea typeface="微软雅黑" pitchFamily="34" charset="-122"/>
-              </a:rPr>
-              <a:t/>
             </a:r>
             <a:br>
               <a:rPr lang="en-US" altLang="zh-CN" sz="1800" b="1" dirty="0">
                 <a:solidFill>
                   <a:srgbClr val="FF0000"/>
                 </a:solidFill>
-                <a:latin typeface="微软雅黑" pitchFamily="34" charset="-122"/>
-                <a:ea typeface="微软雅黑" pitchFamily="34" charset="-122"/>
+                <a:latin typeface="微软雅黑" panose="020B0503020204020204" pitchFamily="34" charset="-122"/>
+                <a:ea typeface="微软雅黑" panose="020B0503020204020204" pitchFamily="34" charset="-122"/>
               </a:rPr>
             </a:br>
             <a:r>
@@ -10430,11 +10286,18 @@
                 <a:solidFill>
                   <a:srgbClr val="FF0000"/>
                 </a:solidFill>
-                <a:latin typeface="微软雅黑" pitchFamily="34" charset="-122"/>
-                <a:ea typeface="微软雅黑" pitchFamily="34" charset="-122"/>
+                <a:latin typeface="微软雅黑" panose="020B0503020204020204" pitchFamily="34" charset="-122"/>
+                <a:ea typeface="微软雅黑" panose="020B0503020204020204" pitchFamily="34" charset="-122"/>
               </a:rPr>
               <a:t>（时间管理）</a:t>
             </a:r>
+            <a:endParaRPr lang="zh-CN" altLang="en-US" sz="1800" b="1" dirty="0">
+              <a:solidFill>
+                <a:srgbClr val="FF0000"/>
+              </a:solidFill>
+              <a:latin typeface="微软雅黑" panose="020B0503020204020204" pitchFamily="34" charset="-122"/>
+              <a:ea typeface="微软雅黑" panose="020B0503020204020204" pitchFamily="34" charset="-122"/>
+            </a:endParaRPr>
           </a:p>
         </p:txBody>
       </p:sp>
@@ -10446,7 +10309,7 @@
         </p:nvSpPr>
         <p:spPr>
           <a:xfrm>
-            <a:off x="1981200" y="3581399"/>
+            <a:off x="3505200" y="3581399"/>
             <a:ext cx="1600201" cy="609600"/>
           </a:xfrm>
           <a:prstGeom prst="rect">
@@ -10480,28 +10343,18 @@
                 <a:solidFill>
                   <a:schemeClr val="tx1"/>
                 </a:solidFill>
-                <a:latin typeface="微软雅黑" pitchFamily="34" charset="-122"/>
-                <a:ea typeface="微软雅黑" pitchFamily="34" charset="-122"/>
+                <a:latin typeface="微软雅黑" panose="020B0503020204020204" pitchFamily="34" charset="-122"/>
+                <a:ea typeface="微软雅黑" panose="020B0503020204020204" pitchFamily="34" charset="-122"/>
               </a:rPr>
               <a:t>以什么代价做？</a:t>
-            </a:r>
-            <a:r>
-              <a:rPr lang="en-US" altLang="zh-CN" sz="1800" b="1" dirty="0">
-                <a:solidFill>
-                  <a:schemeClr val="tx1"/>
-                </a:solidFill>
-                <a:latin typeface="微软雅黑" pitchFamily="34" charset="-122"/>
-                <a:ea typeface="微软雅黑" pitchFamily="34" charset="-122"/>
-              </a:rPr>
-              <a:t/>
             </a:r>
             <a:br>
               <a:rPr lang="en-US" altLang="zh-CN" sz="1800" b="1" dirty="0">
                 <a:solidFill>
                   <a:schemeClr val="tx1"/>
                 </a:solidFill>
-                <a:latin typeface="微软雅黑" pitchFamily="34" charset="-122"/>
-                <a:ea typeface="微软雅黑" pitchFamily="34" charset="-122"/>
+                <a:latin typeface="微软雅黑" panose="020B0503020204020204" pitchFamily="34" charset="-122"/>
+                <a:ea typeface="微软雅黑" panose="020B0503020204020204" pitchFamily="34" charset="-122"/>
               </a:rPr>
             </a:br>
             <a:r>
@@ -10509,11 +10362,18 @@
                 <a:solidFill>
                   <a:schemeClr val="tx1"/>
                 </a:solidFill>
-                <a:latin typeface="微软雅黑" pitchFamily="34" charset="-122"/>
-                <a:ea typeface="微软雅黑" pitchFamily="34" charset="-122"/>
+                <a:latin typeface="微软雅黑" panose="020B0503020204020204" pitchFamily="34" charset="-122"/>
+                <a:ea typeface="微软雅黑" panose="020B0503020204020204" pitchFamily="34" charset="-122"/>
               </a:rPr>
               <a:t>（成本管理）</a:t>
             </a:r>
+            <a:endParaRPr lang="zh-CN" altLang="en-US" sz="1800" b="1" dirty="0">
+              <a:solidFill>
+                <a:schemeClr val="tx1"/>
+              </a:solidFill>
+              <a:latin typeface="微软雅黑" panose="020B0503020204020204" pitchFamily="34" charset="-122"/>
+              <a:ea typeface="微软雅黑" panose="020B0503020204020204" pitchFamily="34" charset="-122"/>
+            </a:endParaRPr>
           </a:p>
         </p:txBody>
       </p:sp>
@@ -10525,7 +10385,7 @@
         </p:nvSpPr>
         <p:spPr>
           <a:xfrm>
-            <a:off x="1981200" y="4495800"/>
+            <a:off x="3505200" y="4495800"/>
             <a:ext cx="1676401" cy="609600"/>
           </a:xfrm>
           <a:prstGeom prst="rect">
@@ -10559,28 +10419,18 @@
                 <a:solidFill>
                   <a:schemeClr val="tx1"/>
                 </a:solidFill>
-                <a:latin typeface="微软雅黑" pitchFamily="34" charset="-122"/>
-                <a:ea typeface="微软雅黑" pitchFamily="34" charset="-122"/>
+                <a:latin typeface="微软雅黑" panose="020B0503020204020204" pitchFamily="34" charset="-122"/>
+                <a:ea typeface="微软雅黑" panose="020B0503020204020204" pitchFamily="34" charset="-122"/>
               </a:rPr>
               <a:t>按什么要求做？</a:t>
-            </a:r>
-            <a:r>
-              <a:rPr lang="en-US" altLang="zh-CN" sz="1800" b="1" dirty="0">
-                <a:solidFill>
-                  <a:schemeClr val="tx1"/>
-                </a:solidFill>
-                <a:latin typeface="微软雅黑" pitchFamily="34" charset="-122"/>
-                <a:ea typeface="微软雅黑" pitchFamily="34" charset="-122"/>
-              </a:rPr>
-              <a:t/>
             </a:r>
             <a:br>
               <a:rPr lang="en-US" altLang="zh-CN" sz="1800" b="1" dirty="0">
                 <a:solidFill>
                   <a:schemeClr val="tx1"/>
                 </a:solidFill>
-                <a:latin typeface="微软雅黑" pitchFamily="34" charset="-122"/>
-                <a:ea typeface="微软雅黑" pitchFamily="34" charset="-122"/>
+                <a:latin typeface="微软雅黑" panose="020B0503020204020204" pitchFamily="34" charset="-122"/>
+                <a:ea typeface="微软雅黑" panose="020B0503020204020204" pitchFamily="34" charset="-122"/>
               </a:rPr>
             </a:br>
             <a:r>
@@ -10588,11 +10438,18 @@
                 <a:solidFill>
                   <a:schemeClr val="tx1"/>
                 </a:solidFill>
-                <a:latin typeface="微软雅黑" pitchFamily="34" charset="-122"/>
-                <a:ea typeface="微软雅黑" pitchFamily="34" charset="-122"/>
+                <a:latin typeface="微软雅黑" panose="020B0503020204020204" pitchFamily="34" charset="-122"/>
+                <a:ea typeface="微软雅黑" panose="020B0503020204020204" pitchFamily="34" charset="-122"/>
               </a:rPr>
               <a:t>（质量管理）</a:t>
             </a:r>
+            <a:endParaRPr lang="zh-CN" altLang="en-US" sz="1800" b="1" dirty="0">
+              <a:solidFill>
+                <a:schemeClr val="tx1"/>
+              </a:solidFill>
+              <a:latin typeface="微软雅黑" panose="020B0503020204020204" pitchFamily="34" charset="-122"/>
+              <a:ea typeface="微软雅黑" panose="020B0503020204020204" pitchFamily="34" charset="-122"/>
+            </a:endParaRPr>
           </a:p>
         </p:txBody>
       </p:sp>
@@ -10604,7 +10461,7 @@
         </p:nvSpPr>
         <p:spPr>
           <a:xfrm>
-            <a:off x="4108939" y="2438401"/>
+            <a:off x="5632939" y="2438401"/>
             <a:ext cx="996461" cy="2895599"/>
           </a:xfrm>
           <a:prstGeom prst="flowChartDecision">
@@ -10638,28 +10495,18 @@
                 <a:solidFill>
                   <a:schemeClr val="tx1"/>
                 </a:solidFill>
-                <a:latin typeface="微软雅黑" pitchFamily="34" charset="-122"/>
-                <a:ea typeface="微软雅黑" pitchFamily="34" charset="-122"/>
+                <a:latin typeface="微软雅黑" panose="020B0503020204020204" pitchFamily="34" charset="-122"/>
+                <a:ea typeface="微软雅黑" panose="020B0503020204020204" pitchFamily="34" charset="-122"/>
               </a:rPr>
               <a:t>需要什么</a:t>
-            </a:r>
-            <a:r>
-              <a:rPr lang="en-US" altLang="zh-CN" sz="1800" b="1" dirty="0">
-                <a:solidFill>
-                  <a:schemeClr val="tx1"/>
-                </a:solidFill>
-                <a:latin typeface="微软雅黑" pitchFamily="34" charset="-122"/>
-                <a:ea typeface="微软雅黑" pitchFamily="34" charset="-122"/>
-              </a:rPr>
-              <a:t/>
             </a:r>
             <a:br>
               <a:rPr lang="en-US" altLang="zh-CN" sz="1800" b="1" dirty="0">
                 <a:solidFill>
                   <a:schemeClr val="tx1"/>
                 </a:solidFill>
-                <a:latin typeface="微软雅黑" pitchFamily="34" charset="-122"/>
-                <a:ea typeface="微软雅黑" pitchFamily="34" charset="-122"/>
+                <a:latin typeface="微软雅黑" panose="020B0503020204020204" pitchFamily="34" charset="-122"/>
+                <a:ea typeface="微软雅黑" panose="020B0503020204020204" pitchFamily="34" charset="-122"/>
               </a:rPr>
             </a:br>
             <a:r>
@@ -10667,11 +10514,18 @@
                 <a:solidFill>
                   <a:schemeClr val="tx1"/>
                 </a:solidFill>
-                <a:latin typeface="微软雅黑" pitchFamily="34" charset="-122"/>
-                <a:ea typeface="微软雅黑" pitchFamily="34" charset="-122"/>
+                <a:latin typeface="微软雅黑" panose="020B0503020204020204" pitchFamily="34" charset="-122"/>
+                <a:ea typeface="微软雅黑" panose="020B0503020204020204" pitchFamily="34" charset="-122"/>
               </a:rPr>
               <a:t>人力资源</a:t>
             </a:r>
+            <a:endParaRPr lang="zh-CN" altLang="en-US" sz="1800" b="1" dirty="0">
+              <a:solidFill>
+                <a:schemeClr val="tx1"/>
+              </a:solidFill>
+              <a:latin typeface="微软雅黑" panose="020B0503020204020204" pitchFamily="34" charset="-122"/>
+              <a:ea typeface="微软雅黑" panose="020B0503020204020204" pitchFamily="34" charset="-122"/>
+            </a:endParaRPr>
           </a:p>
         </p:txBody>
       </p:sp>
@@ -10683,7 +10537,7 @@
         </p:nvSpPr>
         <p:spPr>
           <a:xfrm>
-            <a:off x="5638799" y="2590799"/>
+            <a:off x="7162799" y="2590799"/>
             <a:ext cx="1676401" cy="609601"/>
           </a:xfrm>
           <a:prstGeom prst="rect">
@@ -10717,28 +10571,18 @@
                 <a:solidFill>
                   <a:schemeClr val="tx1"/>
                 </a:solidFill>
-                <a:latin typeface="微软雅黑" pitchFamily="34" charset="-122"/>
-                <a:ea typeface="微软雅黑" pitchFamily="34" charset="-122"/>
+                <a:latin typeface="微软雅黑" panose="020B0503020204020204" pitchFamily="34" charset="-122"/>
+                <a:ea typeface="微软雅黑" panose="020B0503020204020204" pitchFamily="34" charset="-122"/>
               </a:rPr>
               <a:t>内部</a:t>
-            </a:r>
-            <a:r>
-              <a:rPr lang="en-US" altLang="zh-CN" sz="1800" b="1" dirty="0">
-                <a:solidFill>
-                  <a:schemeClr val="tx1"/>
-                </a:solidFill>
-                <a:latin typeface="微软雅黑" pitchFamily="34" charset="-122"/>
-                <a:ea typeface="微软雅黑" pitchFamily="34" charset="-122"/>
-              </a:rPr>
-              <a:t/>
             </a:r>
             <a:br>
               <a:rPr lang="en-US" altLang="zh-CN" sz="1800" b="1" dirty="0">
                 <a:solidFill>
                   <a:schemeClr val="tx1"/>
                 </a:solidFill>
-                <a:latin typeface="微软雅黑" pitchFamily="34" charset="-122"/>
-                <a:ea typeface="微软雅黑" pitchFamily="34" charset="-122"/>
+                <a:latin typeface="微软雅黑" panose="020B0503020204020204" pitchFamily="34" charset="-122"/>
+                <a:ea typeface="微软雅黑" panose="020B0503020204020204" pitchFamily="34" charset="-122"/>
               </a:rPr>
             </a:br>
             <a:r>
@@ -10746,8 +10590,8 @@
                 <a:solidFill>
                   <a:schemeClr val="tx1"/>
                 </a:solidFill>
-                <a:latin typeface="微软雅黑" pitchFamily="34" charset="-122"/>
-                <a:ea typeface="微软雅黑" pitchFamily="34" charset="-122"/>
+                <a:latin typeface="微软雅黑" panose="020B0503020204020204" pitchFamily="34" charset="-122"/>
+                <a:ea typeface="微软雅黑" panose="020B0503020204020204" pitchFamily="34" charset="-122"/>
               </a:rPr>
               <a:t>(</a:t>
             </a:r>
@@ -10756,8 +10600,8 @@
                 <a:solidFill>
                   <a:schemeClr val="tx1"/>
                 </a:solidFill>
-                <a:latin typeface="微软雅黑" pitchFamily="34" charset="-122"/>
-                <a:ea typeface="微软雅黑" pitchFamily="34" charset="-122"/>
+                <a:latin typeface="微软雅黑" panose="020B0503020204020204" pitchFamily="34" charset="-122"/>
+                <a:ea typeface="微软雅黑" panose="020B0503020204020204" pitchFamily="34" charset="-122"/>
               </a:rPr>
               <a:t>人力资源管理</a:t>
             </a:r>
@@ -10766,8 +10610,8 @@
                 <a:solidFill>
                   <a:schemeClr val="tx1"/>
                 </a:solidFill>
-                <a:latin typeface="微软雅黑" pitchFamily="34" charset="-122"/>
-                <a:ea typeface="微软雅黑" pitchFamily="34" charset="-122"/>
+                <a:latin typeface="微软雅黑" panose="020B0503020204020204" pitchFamily="34" charset="-122"/>
+                <a:ea typeface="微软雅黑" panose="020B0503020204020204" pitchFamily="34" charset="-122"/>
               </a:rPr>
               <a:t>)</a:t>
             </a:r>
@@ -10775,8 +10619,8 @@
               <a:solidFill>
                 <a:schemeClr val="tx1"/>
               </a:solidFill>
-              <a:latin typeface="微软雅黑" pitchFamily="34" charset="-122"/>
-              <a:ea typeface="微软雅黑" pitchFamily="34" charset="-122"/>
+              <a:latin typeface="微软雅黑" panose="020B0503020204020204" pitchFamily="34" charset="-122"/>
+              <a:ea typeface="微软雅黑" panose="020B0503020204020204" pitchFamily="34" charset="-122"/>
             </a:endParaRPr>
           </a:p>
         </p:txBody>
@@ -10789,7 +10633,7 @@
         </p:nvSpPr>
         <p:spPr>
           <a:xfrm>
-            <a:off x="5638799" y="4495800"/>
+            <a:off x="7162799" y="4495800"/>
             <a:ext cx="1676401" cy="609601"/>
           </a:xfrm>
           <a:prstGeom prst="rect">
@@ -10823,28 +10667,18 @@
                 <a:solidFill>
                   <a:schemeClr val="tx1"/>
                 </a:solidFill>
-                <a:latin typeface="微软雅黑" pitchFamily="34" charset="-122"/>
-                <a:ea typeface="微软雅黑" pitchFamily="34" charset="-122"/>
+                <a:latin typeface="微软雅黑" panose="020B0503020204020204" pitchFamily="34" charset="-122"/>
+                <a:ea typeface="微软雅黑" panose="020B0503020204020204" pitchFamily="34" charset="-122"/>
               </a:rPr>
               <a:t>外部</a:t>
-            </a:r>
-            <a:r>
-              <a:rPr lang="en-US" altLang="zh-CN" sz="1800" b="1" dirty="0">
-                <a:solidFill>
-                  <a:schemeClr val="tx1"/>
-                </a:solidFill>
-                <a:latin typeface="微软雅黑" pitchFamily="34" charset="-122"/>
-                <a:ea typeface="微软雅黑" pitchFamily="34" charset="-122"/>
-              </a:rPr>
-              <a:t/>
             </a:r>
             <a:br>
               <a:rPr lang="en-US" altLang="zh-CN" sz="1800" b="1" dirty="0">
                 <a:solidFill>
                   <a:schemeClr val="tx1"/>
                 </a:solidFill>
-                <a:latin typeface="微软雅黑" pitchFamily="34" charset="-122"/>
-                <a:ea typeface="微软雅黑" pitchFamily="34" charset="-122"/>
+                <a:latin typeface="微软雅黑" panose="020B0503020204020204" pitchFamily="34" charset="-122"/>
+                <a:ea typeface="微软雅黑" panose="020B0503020204020204" pitchFamily="34" charset="-122"/>
               </a:rPr>
             </a:br>
             <a:r>
@@ -10852,8 +10686,8 @@
                 <a:solidFill>
                   <a:schemeClr val="tx1"/>
                 </a:solidFill>
-                <a:latin typeface="微软雅黑" pitchFamily="34" charset="-122"/>
-                <a:ea typeface="微软雅黑" pitchFamily="34" charset="-122"/>
+                <a:latin typeface="微软雅黑" panose="020B0503020204020204" pitchFamily="34" charset="-122"/>
+                <a:ea typeface="微软雅黑" panose="020B0503020204020204" pitchFamily="34" charset="-122"/>
               </a:rPr>
               <a:t>(</a:t>
             </a:r>
@@ -10862,8 +10696,8 @@
                 <a:solidFill>
                   <a:schemeClr val="tx1"/>
                 </a:solidFill>
-                <a:latin typeface="微软雅黑" pitchFamily="34" charset="-122"/>
-                <a:ea typeface="微软雅黑" pitchFamily="34" charset="-122"/>
+                <a:latin typeface="微软雅黑" panose="020B0503020204020204" pitchFamily="34" charset="-122"/>
+                <a:ea typeface="微软雅黑" panose="020B0503020204020204" pitchFamily="34" charset="-122"/>
               </a:rPr>
               <a:t>采购管理</a:t>
             </a:r>
@@ -10872,8 +10706,8 @@
                 <a:solidFill>
                   <a:schemeClr val="tx1"/>
                 </a:solidFill>
-                <a:latin typeface="微软雅黑" pitchFamily="34" charset="-122"/>
-                <a:ea typeface="微软雅黑" pitchFamily="34" charset="-122"/>
+                <a:latin typeface="微软雅黑" panose="020B0503020204020204" pitchFamily="34" charset="-122"/>
+                <a:ea typeface="微软雅黑" panose="020B0503020204020204" pitchFamily="34" charset="-122"/>
               </a:rPr>
               <a:t>)</a:t>
             </a:r>
@@ -10881,8 +10715,8 @@
               <a:solidFill>
                 <a:schemeClr val="tx1"/>
               </a:solidFill>
-              <a:latin typeface="微软雅黑" pitchFamily="34" charset="-122"/>
-              <a:ea typeface="微软雅黑" pitchFamily="34" charset="-122"/>
+              <a:latin typeface="微软雅黑" panose="020B0503020204020204" pitchFamily="34" charset="-122"/>
+              <a:ea typeface="微软雅黑" panose="020B0503020204020204" pitchFamily="34" charset="-122"/>
             </a:endParaRPr>
           </a:p>
         </p:txBody>
@@ -10895,7 +10729,7 @@
         </p:nvSpPr>
         <p:spPr>
           <a:xfrm>
-            <a:off x="7696200" y="3428999"/>
+            <a:off x="9220200" y="3428999"/>
             <a:ext cx="1295401" cy="609601"/>
           </a:xfrm>
           <a:prstGeom prst="rect">
@@ -10929,28 +10763,18 @@
                 <a:solidFill>
                   <a:schemeClr val="tx1"/>
                 </a:solidFill>
-                <a:latin typeface="微软雅黑" pitchFamily="34" charset="-122"/>
-                <a:ea typeface="微软雅黑" pitchFamily="34" charset="-122"/>
+                <a:latin typeface="微软雅黑" panose="020B0503020204020204" pitchFamily="34" charset="-122"/>
+                <a:ea typeface="微软雅黑" panose="020B0503020204020204" pitchFamily="34" charset="-122"/>
               </a:rPr>
               <a:t>如何沟通？</a:t>
-            </a:r>
-            <a:r>
-              <a:rPr lang="en-US" altLang="zh-CN" sz="1800" b="1" dirty="0">
-                <a:solidFill>
-                  <a:schemeClr val="tx1"/>
-                </a:solidFill>
-                <a:latin typeface="微软雅黑" pitchFamily="34" charset="-122"/>
-                <a:ea typeface="微软雅黑" pitchFamily="34" charset="-122"/>
-              </a:rPr>
-              <a:t/>
             </a:r>
             <a:br>
               <a:rPr lang="en-US" altLang="zh-CN" sz="1800" b="1" dirty="0">
                 <a:solidFill>
                   <a:schemeClr val="tx1"/>
                 </a:solidFill>
-                <a:latin typeface="微软雅黑" pitchFamily="34" charset="-122"/>
-                <a:ea typeface="微软雅黑" pitchFamily="34" charset="-122"/>
+                <a:latin typeface="微软雅黑" panose="020B0503020204020204" pitchFamily="34" charset="-122"/>
+                <a:ea typeface="微软雅黑" panose="020B0503020204020204" pitchFamily="34" charset="-122"/>
               </a:rPr>
             </a:br>
             <a:r>
@@ -10958,8 +10782,8 @@
                 <a:solidFill>
                   <a:schemeClr val="tx1"/>
                 </a:solidFill>
-                <a:latin typeface="微软雅黑" pitchFamily="34" charset="-122"/>
-                <a:ea typeface="微软雅黑" pitchFamily="34" charset="-122"/>
+                <a:latin typeface="微软雅黑" panose="020B0503020204020204" pitchFamily="34" charset="-122"/>
+                <a:ea typeface="微软雅黑" panose="020B0503020204020204" pitchFamily="34" charset="-122"/>
               </a:rPr>
               <a:t>(</a:t>
             </a:r>
@@ -10968,8 +10792,8 @@
                 <a:solidFill>
                   <a:schemeClr val="tx1"/>
                 </a:solidFill>
-                <a:latin typeface="微软雅黑" pitchFamily="34" charset="-122"/>
-                <a:ea typeface="微软雅黑" pitchFamily="34" charset="-122"/>
+                <a:latin typeface="微软雅黑" panose="020B0503020204020204" pitchFamily="34" charset="-122"/>
+                <a:ea typeface="微软雅黑" panose="020B0503020204020204" pitchFamily="34" charset="-122"/>
               </a:rPr>
               <a:t>沟通管理</a:t>
             </a:r>
@@ -10978,8 +10802,8 @@
                 <a:solidFill>
                   <a:schemeClr val="tx1"/>
                 </a:solidFill>
-                <a:latin typeface="微软雅黑" pitchFamily="34" charset="-122"/>
-                <a:ea typeface="微软雅黑" pitchFamily="34" charset="-122"/>
+                <a:latin typeface="微软雅黑" panose="020B0503020204020204" pitchFamily="34" charset="-122"/>
+                <a:ea typeface="微软雅黑" panose="020B0503020204020204" pitchFamily="34" charset="-122"/>
               </a:rPr>
               <a:t>)</a:t>
             </a:r>
@@ -10987,8 +10811,8 @@
               <a:solidFill>
                 <a:schemeClr val="tx1"/>
               </a:solidFill>
-              <a:latin typeface="微软雅黑" pitchFamily="34" charset="-122"/>
-              <a:ea typeface="微软雅黑" pitchFamily="34" charset="-122"/>
+              <a:latin typeface="微软雅黑" panose="020B0503020204020204" pitchFamily="34" charset="-122"/>
+              <a:ea typeface="微软雅黑" panose="020B0503020204020204" pitchFamily="34" charset="-122"/>
             </a:endParaRPr>
           </a:p>
         </p:txBody>
@@ -11001,7 +10825,7 @@
         </p:nvSpPr>
         <p:spPr>
           <a:xfrm>
-            <a:off x="228600" y="1295400"/>
+            <a:off x="1752600" y="1295400"/>
             <a:ext cx="8686800" cy="609600"/>
           </a:xfrm>
           <a:prstGeom prst="rect">
@@ -11035,11 +10859,18 @@
                 <a:solidFill>
                   <a:schemeClr val="tx1"/>
                 </a:solidFill>
-                <a:latin typeface="微软雅黑" pitchFamily="34" charset="-122"/>
-                <a:ea typeface="微软雅黑" pitchFamily="34" charset="-122"/>
+                <a:latin typeface="微软雅黑" panose="020B0503020204020204" pitchFamily="34" charset="-122"/>
+                <a:ea typeface="微软雅黑" panose="020B0503020204020204" pitchFamily="34" charset="-122"/>
               </a:rPr>
               <a:t>如何实现综合最优？（整合管理）</a:t>
             </a:r>
+            <a:endParaRPr lang="zh-CN" altLang="en-US" sz="1800" b="1" dirty="0">
+              <a:solidFill>
+                <a:schemeClr val="tx1"/>
+              </a:solidFill>
+              <a:latin typeface="微软雅黑" panose="020B0503020204020204" pitchFamily="34" charset="-122"/>
+              <a:ea typeface="微软雅黑" panose="020B0503020204020204" pitchFamily="34" charset="-122"/>
+            </a:endParaRPr>
           </a:p>
         </p:txBody>
       </p:sp>
@@ -11051,7 +10882,7 @@
         </p:nvSpPr>
         <p:spPr>
           <a:xfrm>
-            <a:off x="228600" y="5791200"/>
+            <a:off x="1752600" y="5791200"/>
             <a:ext cx="8686800" cy="609600"/>
           </a:xfrm>
           <a:prstGeom prst="rect">
@@ -11085,11 +10916,18 @@
                 <a:solidFill>
                   <a:schemeClr val="tx1"/>
                 </a:solidFill>
-                <a:latin typeface="微软雅黑" pitchFamily="34" charset="-122"/>
-                <a:ea typeface="微软雅黑" pitchFamily="34" charset="-122"/>
+                <a:latin typeface="微软雅黑" panose="020B0503020204020204" pitchFamily="34" charset="-122"/>
+                <a:ea typeface="微软雅黑" panose="020B0503020204020204" pitchFamily="34" charset="-122"/>
               </a:rPr>
               <a:t>有哪些风险？（风险管理）</a:t>
             </a:r>
+            <a:endParaRPr lang="zh-CN" altLang="en-US" sz="1800" b="1" dirty="0">
+              <a:solidFill>
+                <a:schemeClr val="tx1"/>
+              </a:solidFill>
+              <a:latin typeface="微软雅黑" panose="020B0503020204020204" pitchFamily="34" charset="-122"/>
+              <a:ea typeface="微软雅黑" panose="020B0503020204020204" pitchFamily="34" charset="-122"/>
+            </a:endParaRPr>
           </a:p>
         </p:txBody>
       </p:sp>
@@ -11104,7 +10942,7 @@
         </p:nvCxnSpPr>
         <p:spPr>
           <a:xfrm flipV="1">
-            <a:off x="1500554" y="2895600"/>
+            <a:off x="3024554" y="2895600"/>
             <a:ext cx="480646" cy="990600"/>
           </a:xfrm>
           <a:prstGeom prst="bentConnector3">
@@ -11142,7 +10980,7 @@
         </p:nvCxnSpPr>
         <p:spPr>
           <a:xfrm flipV="1">
-            <a:off x="1500554" y="3886199"/>
+            <a:off x="3024554" y="3886199"/>
             <a:ext cx="480646" cy="1"/>
           </a:xfrm>
           <a:prstGeom prst="bentConnector3">
@@ -11180,7 +11018,7 @@
         </p:nvCxnSpPr>
         <p:spPr>
           <a:xfrm>
-            <a:off x="1500554" y="3886200"/>
+            <a:off x="3024554" y="3886200"/>
             <a:ext cx="480646" cy="914400"/>
           </a:xfrm>
           <a:prstGeom prst="bentConnector3">
@@ -11218,7 +11056,7 @@
         </p:nvCxnSpPr>
         <p:spPr>
           <a:xfrm>
-            <a:off x="3581401" y="2895600"/>
+            <a:off x="5105401" y="2895600"/>
             <a:ext cx="527538" cy="990601"/>
           </a:xfrm>
           <a:prstGeom prst="bentConnector3">
@@ -11256,7 +11094,7 @@
         </p:nvCxnSpPr>
         <p:spPr>
           <a:xfrm>
-            <a:off x="3581401" y="3886199"/>
+            <a:off x="5105401" y="3886199"/>
             <a:ext cx="527538" cy="2"/>
           </a:xfrm>
           <a:prstGeom prst="bentConnector3">
@@ -11294,7 +11132,7 @@
         </p:nvCxnSpPr>
         <p:spPr>
           <a:xfrm flipV="1">
-            <a:off x="3657601" y="3886201"/>
+            <a:off x="5181601" y="3886201"/>
             <a:ext cx="451338" cy="914399"/>
           </a:xfrm>
           <a:prstGeom prst="bentConnector3">
@@ -11332,7 +11170,7 @@
         </p:nvCxnSpPr>
         <p:spPr>
           <a:xfrm flipV="1">
-            <a:off x="5105400" y="2895600"/>
+            <a:off x="6629400" y="2895600"/>
             <a:ext cx="533399" cy="990601"/>
           </a:xfrm>
           <a:prstGeom prst="bentConnector3">
@@ -11370,7 +11208,7 @@
         </p:nvCxnSpPr>
         <p:spPr>
           <a:xfrm>
-            <a:off x="5105400" y="3886201"/>
+            <a:off x="6629400" y="3886201"/>
             <a:ext cx="533399" cy="914400"/>
           </a:xfrm>
           <a:prstGeom prst="bentConnector3">
@@ -11408,7 +11246,7 @@
         </p:nvCxnSpPr>
         <p:spPr>
           <a:xfrm>
-            <a:off x="7315200" y="2895600"/>
+            <a:off x="8839200" y="2895600"/>
             <a:ext cx="1028701" cy="533399"/>
           </a:xfrm>
           <a:prstGeom prst="bentConnector2">
@@ -11444,7 +11282,7 @@
         </p:nvCxnSpPr>
         <p:spPr>
           <a:xfrm flipV="1">
-            <a:off x="7315200" y="4038600"/>
+            <a:off x="8839200" y="4038600"/>
             <a:ext cx="1028701" cy="762001"/>
           </a:xfrm>
           <a:prstGeom prst="bentConnector2">
@@ -11477,7 +11315,7 @@
         </p:nvSpPr>
         <p:spPr>
           <a:xfrm rot="5400000">
-            <a:off x="2514600" y="2133600"/>
+            <a:off x="4038600" y="2133600"/>
             <a:ext cx="533400" cy="228600"/>
           </a:xfrm>
           <a:prstGeom prst="leftRightArrow">
@@ -11523,7 +11361,7 @@
         </p:nvSpPr>
         <p:spPr>
           <a:xfrm rot="5400000">
-            <a:off x="533400" y="2133600"/>
+            <a:off x="2057400" y="2133600"/>
             <a:ext cx="533400" cy="228600"/>
           </a:xfrm>
           <a:prstGeom prst="leftRightArrow">
@@ -11569,7 +11407,7 @@
         </p:nvSpPr>
         <p:spPr>
           <a:xfrm rot="5400000">
-            <a:off x="6248400" y="2133600"/>
+            <a:off x="7772400" y="2133600"/>
             <a:ext cx="533400" cy="228600"/>
           </a:xfrm>
           <a:prstGeom prst="leftRightArrow">
@@ -11615,7 +11453,7 @@
         </p:nvSpPr>
         <p:spPr>
           <a:xfrm rot="5400000">
-            <a:off x="8153400" y="2133600"/>
+            <a:off x="9677400" y="2133600"/>
             <a:ext cx="533400" cy="228600"/>
           </a:xfrm>
           <a:prstGeom prst="leftRightArrow">
@@ -11661,7 +11499,7 @@
         </p:nvSpPr>
         <p:spPr>
           <a:xfrm rot="5400000">
-            <a:off x="2590800" y="5334000"/>
+            <a:off x="4114800" y="5334000"/>
             <a:ext cx="533400" cy="228600"/>
           </a:xfrm>
           <a:prstGeom prst="leftRightArrow">
@@ -11707,7 +11545,7 @@
         </p:nvSpPr>
         <p:spPr>
           <a:xfrm rot="5400000">
-            <a:off x="609600" y="5334000"/>
+            <a:off x="2133600" y="5334000"/>
             <a:ext cx="533400" cy="228600"/>
           </a:xfrm>
           <a:prstGeom prst="leftRightArrow">
@@ -11753,7 +11591,7 @@
         </p:nvSpPr>
         <p:spPr>
           <a:xfrm rot="5400000">
-            <a:off x="6324600" y="5334000"/>
+            <a:off x="7848600" y="5334000"/>
             <a:ext cx="533400" cy="228600"/>
           </a:xfrm>
           <a:prstGeom prst="leftRightArrow">
@@ -11799,7 +11637,7 @@
         </p:nvSpPr>
         <p:spPr>
           <a:xfrm rot="5400000">
-            <a:off x="8229600" y="5334000"/>
+            <a:off x="9753600" y="5334000"/>
             <a:ext cx="533400" cy="228600"/>
           </a:xfrm>
           <a:prstGeom prst="leftRightArrow">
@@ -13032,24 +12870,24 @@
       </p:par>
     </p:tnLst>
     <p:bldLst>
-      <p:bldP spid="6" grpId="0" animBg="1"/>
-      <p:bldP spid="7" grpId="0" animBg="1"/>
-      <p:bldP spid="8" grpId="0" animBg="1"/>
-      <p:bldP spid="9" grpId="0" animBg="1"/>
-      <p:bldP spid="10" grpId="0" animBg="1"/>
-      <p:bldP spid="12" grpId="0" animBg="1"/>
-      <p:bldP spid="13" grpId="0" animBg="1"/>
-      <p:bldP spid="14" grpId="0" animBg="1"/>
-      <p:bldP spid="15" grpId="0" animBg="1"/>
-      <p:bldP spid="16" grpId="0" animBg="1"/>
-      <p:bldP spid="40" grpId="0" animBg="1"/>
-      <p:bldP spid="42" grpId="0" animBg="1"/>
-      <p:bldP spid="43" grpId="0" animBg="1"/>
-      <p:bldP spid="44" grpId="0" animBg="1"/>
-      <p:bldP spid="45" grpId="0" animBg="1"/>
-      <p:bldP spid="46" grpId="0" animBg="1"/>
-      <p:bldP spid="47" grpId="0" animBg="1"/>
-      <p:bldP spid="48" grpId="0" animBg="1"/>
+      <p:bldP spid="6" grpId="0" bldLvl="0" animBg="1"/>
+      <p:bldP spid="7" grpId="0" bldLvl="0" animBg="1"/>
+      <p:bldP spid="8" grpId="0" bldLvl="0" animBg="1"/>
+      <p:bldP spid="9" grpId="0" bldLvl="0" animBg="1"/>
+      <p:bldP spid="10" grpId="0" bldLvl="0" animBg="1"/>
+      <p:bldP spid="12" grpId="0" bldLvl="0" animBg="1"/>
+      <p:bldP spid="13" grpId="0" bldLvl="0" animBg="1"/>
+      <p:bldP spid="14" grpId="0" bldLvl="0" animBg="1"/>
+      <p:bldP spid="15" grpId="0" bldLvl="0" animBg="1"/>
+      <p:bldP spid="16" grpId="0" bldLvl="0" animBg="1"/>
+      <p:bldP spid="40" grpId="0" bldLvl="0" animBg="1"/>
+      <p:bldP spid="42" grpId="0" bldLvl="0" animBg="1"/>
+      <p:bldP spid="43" grpId="0" bldLvl="0" animBg="1"/>
+      <p:bldP spid="44" grpId="0" bldLvl="0" animBg="1"/>
+      <p:bldP spid="45" grpId="0" bldLvl="0" animBg="1"/>
+      <p:bldP spid="46" grpId="0" bldLvl="0" animBg="1"/>
+      <p:bldP spid="47" grpId="0" bldLvl="0" animBg="1"/>
+      <p:bldP spid="48" grpId="0" bldLvl="0" animBg="1"/>
     </p:bldLst>
   </p:timing>
 </p:sld>
@@ -13091,6 +12929,7 @@
               <a:rPr lang="zh-CN" altLang="en-US" dirty="0"/>
               <a:t>规划时间</a:t>
             </a:r>
+            <a:endParaRPr lang="zh-CN" altLang="en-US" dirty="0"/>
           </a:p>
         </p:txBody>
       </p:sp>
@@ -13138,8 +12977,8 @@
               <a:t>主要负责，其它团队成员配合，经历如下四个步骤：</a:t>
             </a:r>
             <a:endParaRPr lang="en-US" altLang="zh-CN" sz="2400" dirty="0">
-              <a:latin typeface="微软雅黑" pitchFamily="34" charset="-122"/>
-              <a:ea typeface="微软雅黑" pitchFamily="34" charset="-122"/>
+              <a:latin typeface="微软雅黑" panose="020B0503020204020204" pitchFamily="34" charset="-122"/>
+              <a:ea typeface="微软雅黑" panose="020B0503020204020204" pitchFamily="34" charset="-122"/>
             </a:endParaRPr>
           </a:p>
           <a:p>
@@ -13151,26 +12990,19 @@
         <p:nvGraphicFramePr>
           <p:cNvPr id="4" name="图示 3"/>
           <p:cNvGraphicFramePr/>
-          <p:nvPr>
-            <p:extLst/>
-          </p:nvPr>
+          <p:nvPr/>
         </p:nvGraphicFramePr>
         <p:xfrm>
-          <a:off x="928662" y="2500306"/>
+          <a:off x="2076742" y="2417756"/>
           <a:ext cx="8001056" cy="4064000"/>
         </p:xfrm>
         <a:graphic>
           <a:graphicData uri="http://schemas.openxmlformats.org/drawingml/2006/diagram">
-            <dgm:relIds xmlns:dgm="http://schemas.openxmlformats.org/drawingml/2006/diagram" xmlns:r="http://schemas.openxmlformats.org/officeDocument/2006/relationships" r:dm="rId3" r:lo="rId4" r:qs="rId5" r:cs="rId6"/>
+            <dgm:relIds xmlns:dgm="http://schemas.openxmlformats.org/drawingml/2006/diagram" xmlns:r="http://schemas.openxmlformats.org/officeDocument/2006/relationships" r:dm="rId1" r:lo="rId2" r:qs="rId3" r:cs="rId4"/>
           </a:graphicData>
         </a:graphic>
       </p:graphicFrame>
     </p:spTree>
-    <p:extLst>
-      <p:ext uri="{BB962C8B-B14F-4D97-AF65-F5344CB8AC3E}">
-        <p14:creationId xmlns:p14="http://schemas.microsoft.com/office/powerpoint/2010/main" val="913078570"/>
-      </p:ext>
-    </p:extLst>
   </p:cSld>
   <p:clrMapOvr>
     <a:masterClrMapping/>
@@ -13225,6 +13057,7 @@
               <a:rPr lang="zh-CN" altLang="en-US" dirty="0"/>
               <a:t>排列工作包顺序</a:t>
             </a:r>
+            <a:endParaRPr lang="zh-CN" altLang="en-US" dirty="0"/>
           </a:p>
         </p:txBody>
       </p:sp>
@@ -13273,7 +13106,7 @@
         </p:nvGrpSpPr>
         <p:grpSpPr>
           <a:xfrm>
-            <a:off x="304800" y="3603168"/>
+            <a:off x="1828800" y="3016428"/>
             <a:ext cx="3581400" cy="1066800"/>
             <a:chOff x="304800" y="3733800"/>
             <a:chExt cx="3581400" cy="1066800"/>
@@ -13438,7 +13271,7 @@
           <p:spPr>
             <a:xfrm>
               <a:off x="304800" y="4343400"/>
-              <a:ext cx="1803699" cy="400110"/>
+              <a:ext cx="1783715" cy="398780"/>
             </a:xfrm>
             <a:prstGeom prst="rect">
               <a:avLst/>
@@ -13484,10 +13317,10 @@
         </p:nvGrpSpPr>
         <p:grpSpPr>
           <a:xfrm>
-            <a:off x="609600" y="4974768"/>
-            <a:ext cx="3352800" cy="1314510"/>
+            <a:off x="2133600" y="4388028"/>
+            <a:ext cx="3352800" cy="1313180"/>
             <a:chOff x="609600" y="5105400"/>
-            <a:chExt cx="3352800" cy="1314510"/>
+            <a:chExt cx="3352800" cy="1313180"/>
           </a:xfrm>
           <a:solidFill>
             <a:schemeClr val="accent6"/>
@@ -13649,7 +13482,7 @@
           <p:spPr>
             <a:xfrm>
               <a:off x="609600" y="6019800"/>
-              <a:ext cx="1810111" cy="400110"/>
+              <a:ext cx="1798320" cy="398780"/>
             </a:xfrm>
             <a:prstGeom prst="rect">
               <a:avLst/>
@@ -13683,7 +13516,7 @@
         </p:nvGrpSpPr>
         <p:grpSpPr>
           <a:xfrm>
-            <a:off x="5181600" y="3526968"/>
+            <a:off x="6705600" y="2940228"/>
             <a:ext cx="3352800" cy="1066800"/>
             <a:chOff x="5181600" y="3657600"/>
             <a:chExt cx="3352800" cy="1066800"/>
@@ -13848,7 +13681,7 @@
           <p:spPr>
             <a:xfrm>
               <a:off x="5181600" y="4267200"/>
-              <a:ext cx="1781257" cy="400110"/>
+              <a:ext cx="1769110" cy="398780"/>
             </a:xfrm>
             <a:prstGeom prst="rect">
               <a:avLst/>
@@ -13882,10 +13715,10 @@
         </p:nvGrpSpPr>
         <p:grpSpPr>
           <a:xfrm>
-            <a:off x="5206815" y="5001081"/>
-            <a:ext cx="3327585" cy="1162110"/>
+            <a:off x="6730815" y="4414341"/>
+            <a:ext cx="3327585" cy="1160780"/>
             <a:chOff x="5206815" y="5131713"/>
-            <a:chExt cx="3327585" cy="1162110"/>
+            <a:chExt cx="3327585" cy="1160780"/>
           </a:xfrm>
           <a:solidFill>
             <a:schemeClr val="accent6"/>
@@ -14049,7 +13882,7 @@
           <p:spPr>
             <a:xfrm>
               <a:off x="5206815" y="5893713"/>
-              <a:ext cx="1795684" cy="400110"/>
+              <a:ext cx="1783715" cy="398780"/>
             </a:xfrm>
             <a:prstGeom prst="rect">
               <a:avLst/>
@@ -14076,11 +13909,6 @@
         </p:sp>
       </p:grpSp>
     </p:spTree>
-    <p:extLst>
-      <p:ext uri="{BB962C8B-B14F-4D97-AF65-F5344CB8AC3E}">
-        <p14:creationId xmlns:p14="http://schemas.microsoft.com/office/powerpoint/2010/main" val="492578943"/>
-      </p:ext>
-    </p:extLst>
   </p:cSld>
   <p:clrMapOvr>
     <a:masterClrMapping/>
@@ -14518,6 +14346,7 @@
               <a:rPr lang="zh-CN" altLang="en-US" dirty="0"/>
               <a:t>示例（早餐）</a:t>
             </a:r>
+            <a:endParaRPr lang="zh-CN" altLang="en-US" dirty="0"/>
           </a:p>
         </p:txBody>
       </p:sp>
@@ -14529,7 +14358,7 @@
         </p:nvSpPr>
         <p:spPr>
           <a:xfrm>
-            <a:off x="838200" y="3276600"/>
+            <a:off x="2362200" y="3276600"/>
             <a:ext cx="1295400" cy="762000"/>
           </a:xfrm>
           <a:prstGeom prst="roundRect">
@@ -14566,6 +14395,11 @@
               </a:rPr>
               <a:t>开始</a:t>
             </a:r>
+            <a:endParaRPr lang="zh-CN" altLang="en-US" b="1" dirty="0">
+              <a:solidFill>
+                <a:schemeClr val="tx1"/>
+              </a:solidFill>
+            </a:endParaRPr>
           </a:p>
         </p:txBody>
       </p:sp>
@@ -14577,7 +14411,7 @@
         </p:nvSpPr>
         <p:spPr>
           <a:xfrm>
-            <a:off x="2819400" y="1447800"/>
+            <a:off x="4343400" y="1447800"/>
             <a:ext cx="1295400" cy="762000"/>
           </a:xfrm>
           <a:prstGeom prst="roundRect">
@@ -14614,14 +14448,6 @@
               </a:rPr>
               <a:t>烤面包</a:t>
             </a:r>
-            <a:r>
-              <a:rPr lang="en-US" altLang="zh-CN" b="1" dirty="0">
-                <a:solidFill>
-                  <a:schemeClr val="tx1"/>
-                </a:solidFill>
-              </a:rPr>
-              <a:t/>
-            </a:r>
             <a:br>
               <a:rPr lang="en-US" altLang="zh-CN" b="1" dirty="0">
                 <a:solidFill>
@@ -14653,7 +14479,7 @@
         </p:nvSpPr>
         <p:spPr>
           <a:xfrm>
-            <a:off x="2895600" y="2590800"/>
+            <a:off x="4419600" y="2590800"/>
             <a:ext cx="1295400" cy="762000"/>
           </a:xfrm>
           <a:prstGeom prst="roundRect">
@@ -14690,14 +14516,6 @@
               </a:rPr>
               <a:t>烧开水</a:t>
             </a:r>
-            <a:r>
-              <a:rPr lang="en-US" altLang="zh-CN" b="1" dirty="0">
-                <a:solidFill>
-                  <a:schemeClr val="tx1"/>
-                </a:solidFill>
-              </a:rPr>
-              <a:t/>
-            </a:r>
             <a:br>
               <a:rPr lang="en-US" altLang="zh-CN" b="1" dirty="0">
                 <a:solidFill>
@@ -14729,7 +14547,7 @@
         </p:nvSpPr>
         <p:spPr>
           <a:xfrm>
-            <a:off x="2895600" y="3657600"/>
+            <a:off x="4419600" y="3657600"/>
             <a:ext cx="1447800" cy="762000"/>
           </a:xfrm>
           <a:prstGeom prst="roundRect">
@@ -14766,14 +14584,6 @@
               </a:rPr>
               <a:t>准备咖啡</a:t>
             </a:r>
-            <a:r>
-              <a:rPr lang="en-US" altLang="zh-CN" b="1" dirty="0">
-                <a:solidFill>
-                  <a:schemeClr val="tx1"/>
-                </a:solidFill>
-              </a:rPr>
-              <a:t/>
-            </a:r>
             <a:br>
               <a:rPr lang="en-US" altLang="zh-CN" b="1" dirty="0">
                 <a:solidFill>
@@ -14805,7 +14615,7 @@
         </p:nvSpPr>
         <p:spPr>
           <a:xfrm>
-            <a:off x="2895600" y="4800600"/>
+            <a:off x="4419600" y="4800600"/>
             <a:ext cx="1295400" cy="762000"/>
           </a:xfrm>
           <a:prstGeom prst="roundRect">
@@ -14842,14 +14652,6 @@
               </a:rPr>
               <a:t>摆桌子</a:t>
             </a:r>
-            <a:r>
-              <a:rPr lang="en-US" altLang="zh-CN" b="1" dirty="0">
-                <a:solidFill>
-                  <a:schemeClr val="tx1"/>
-                </a:solidFill>
-              </a:rPr>
-              <a:t/>
-            </a:r>
             <a:br>
               <a:rPr lang="en-US" altLang="zh-CN" b="1" dirty="0">
                 <a:solidFill>
@@ -14881,7 +14683,7 @@
         </p:nvSpPr>
         <p:spPr>
           <a:xfrm>
-            <a:off x="5410200" y="1371600"/>
+            <a:off x="6934200" y="1371600"/>
             <a:ext cx="1447800" cy="914400"/>
           </a:xfrm>
           <a:prstGeom prst="roundRect">
@@ -14918,14 +14720,6 @@
               </a:rPr>
               <a:t>在面包上涂黄油</a:t>
             </a:r>
-            <a:r>
-              <a:rPr lang="en-US" altLang="zh-CN" b="1" dirty="0">
-                <a:solidFill>
-                  <a:schemeClr val="tx1"/>
-                </a:solidFill>
-              </a:rPr>
-              <a:t/>
-            </a:r>
             <a:br>
               <a:rPr lang="en-US" altLang="zh-CN" b="1" dirty="0">
                 <a:solidFill>
@@ -14957,7 +14751,7 @@
         </p:nvSpPr>
         <p:spPr>
           <a:xfrm>
-            <a:off x="5486400" y="2590800"/>
+            <a:off x="7010400" y="2590800"/>
             <a:ext cx="1295400" cy="762000"/>
           </a:xfrm>
           <a:prstGeom prst="roundRect">
@@ -14994,14 +14788,6 @@
               </a:rPr>
               <a:t>煮鸡蛋</a:t>
             </a:r>
-            <a:r>
-              <a:rPr lang="en-US" altLang="zh-CN" b="1" dirty="0">
-                <a:solidFill>
-                  <a:schemeClr val="tx1"/>
-                </a:solidFill>
-              </a:rPr>
-              <a:t/>
-            </a:r>
             <a:br>
               <a:rPr lang="en-US" altLang="zh-CN" b="1" dirty="0">
                 <a:solidFill>
@@ -15033,7 +14819,7 @@
         </p:nvSpPr>
         <p:spPr>
           <a:xfrm>
-            <a:off x="5486400" y="3657600"/>
+            <a:off x="7010400" y="3657600"/>
             <a:ext cx="1295400" cy="762000"/>
           </a:xfrm>
           <a:prstGeom prst="roundRect">
@@ -15070,14 +14856,6 @@
               </a:rPr>
               <a:t>倒咖啡</a:t>
             </a:r>
-            <a:r>
-              <a:rPr lang="en-US" altLang="zh-CN" b="1" dirty="0">
-                <a:solidFill>
-                  <a:schemeClr val="tx1"/>
-                </a:solidFill>
-              </a:rPr>
-              <a:t/>
-            </a:r>
             <a:br>
               <a:rPr lang="en-US" altLang="zh-CN" b="1" dirty="0">
                 <a:solidFill>
@@ -15109,7 +14887,7 @@
         </p:nvSpPr>
         <p:spPr>
           <a:xfrm>
-            <a:off x="5486400" y="4724400"/>
+            <a:off x="7010400" y="4724400"/>
             <a:ext cx="1295400" cy="914400"/>
           </a:xfrm>
           <a:prstGeom prst="roundRect">
@@ -15146,14 +14924,6 @@
               </a:rPr>
               <a:t>准备谷类食品</a:t>
             </a:r>
-            <a:r>
-              <a:rPr lang="en-US" altLang="zh-CN" b="1" dirty="0">
-                <a:solidFill>
-                  <a:schemeClr val="tx1"/>
-                </a:solidFill>
-              </a:rPr>
-              <a:t/>
-            </a:r>
             <a:br>
               <a:rPr lang="en-US" altLang="zh-CN" b="1" dirty="0">
                 <a:solidFill>
@@ -15185,7 +14955,7 @@
         </p:nvSpPr>
         <p:spPr>
           <a:xfrm>
-            <a:off x="7543800" y="3276600"/>
+            <a:off x="9067800" y="3276600"/>
             <a:ext cx="1295400" cy="762000"/>
           </a:xfrm>
           <a:prstGeom prst="roundRect">
@@ -15222,6 +14992,11 @@
               </a:rPr>
               <a:t>结束</a:t>
             </a:r>
+            <a:endParaRPr lang="zh-CN" altLang="en-US" b="1" dirty="0">
+              <a:solidFill>
+                <a:schemeClr val="tx1"/>
+              </a:solidFill>
+            </a:endParaRPr>
           </a:p>
         </p:txBody>
       </p:sp>
@@ -15236,7 +15011,7 @@
         </p:nvCxnSpPr>
         <p:spPr>
           <a:xfrm rot="5400000" flipH="1" flipV="1">
-            <a:off x="1428750" y="1885950"/>
+            <a:off x="2952750" y="1885950"/>
             <a:ext cx="1447800" cy="1333500"/>
           </a:xfrm>
           <a:prstGeom prst="line">
@@ -15274,7 +15049,7 @@
         </p:nvCxnSpPr>
         <p:spPr>
           <a:xfrm rot="16200000" flipH="1">
-            <a:off x="1619250" y="3905250"/>
+            <a:off x="3143250" y="3905250"/>
             <a:ext cx="1143000" cy="1409700"/>
           </a:xfrm>
           <a:prstGeom prst="line">
@@ -15312,7 +15087,7 @@
         </p:nvCxnSpPr>
         <p:spPr>
           <a:xfrm flipV="1">
-            <a:off x="2133600" y="2971800"/>
+            <a:off x="3657600" y="2971800"/>
             <a:ext cx="762000" cy="685800"/>
           </a:xfrm>
           <a:prstGeom prst="line">
@@ -15350,7 +15125,7 @@
         </p:nvCxnSpPr>
         <p:spPr>
           <a:xfrm>
-            <a:off x="2133600" y="3657600"/>
+            <a:off x="3657600" y="3657600"/>
             <a:ext cx="762000" cy="381000"/>
           </a:xfrm>
           <a:prstGeom prst="line">
@@ -15388,7 +15163,7 @@
         </p:nvCxnSpPr>
         <p:spPr>
           <a:xfrm>
-            <a:off x="4114800" y="1828800"/>
+            <a:off x="5638800" y="1828800"/>
             <a:ext cx="1295400" cy="1588"/>
           </a:xfrm>
           <a:prstGeom prst="line">
@@ -15426,7 +15201,7 @@
         </p:nvCxnSpPr>
         <p:spPr>
           <a:xfrm>
-            <a:off x="4191000" y="2971800"/>
+            <a:off x="5715000" y="2971800"/>
             <a:ext cx="1295400" cy="1588"/>
           </a:xfrm>
           <a:prstGeom prst="line">
@@ -15463,7 +15238,7 @@
         </p:nvCxnSpPr>
         <p:spPr>
           <a:xfrm>
-            <a:off x="4343400" y="4038600"/>
+            <a:off x="5867400" y="4038600"/>
             <a:ext cx="1219200" cy="1588"/>
           </a:xfrm>
           <a:prstGeom prst="line">
@@ -15501,7 +15276,7 @@
         </p:nvCxnSpPr>
         <p:spPr>
           <a:xfrm>
-            <a:off x="4191000" y="5181600"/>
+            <a:off x="5715000" y="5181600"/>
             <a:ext cx="1295400" cy="1588"/>
           </a:xfrm>
           <a:prstGeom prst="line">
@@ -15539,7 +15314,7 @@
         </p:nvCxnSpPr>
         <p:spPr>
           <a:xfrm>
-            <a:off x="6858000" y="1828800"/>
+            <a:off x="8382000" y="1828800"/>
             <a:ext cx="1333500" cy="1447800"/>
           </a:xfrm>
           <a:prstGeom prst="line">
@@ -15577,7 +15352,7 @@
         </p:nvCxnSpPr>
         <p:spPr>
           <a:xfrm flipV="1">
-            <a:off x="6781800" y="4038600"/>
+            <a:off x="8305800" y="4038600"/>
             <a:ext cx="1409700" cy="1143000"/>
           </a:xfrm>
           <a:prstGeom prst="line">
@@ -15615,7 +15390,7 @@
         </p:nvCxnSpPr>
         <p:spPr>
           <a:xfrm>
-            <a:off x="6781800" y="2971800"/>
+            <a:off x="8305800" y="2971800"/>
             <a:ext cx="762000" cy="685800"/>
           </a:xfrm>
           <a:prstGeom prst="line">
@@ -15653,7 +15428,7 @@
         </p:nvCxnSpPr>
         <p:spPr>
           <a:xfrm flipV="1">
-            <a:off x="6781800" y="3657600"/>
+            <a:off x="8305800" y="3657600"/>
             <a:ext cx="762000" cy="381000"/>
           </a:xfrm>
           <a:prstGeom prst="line">
@@ -15688,8 +15463,8 @@
         </p:nvSpPr>
         <p:spPr>
           <a:xfrm>
-            <a:off x="872063" y="5969913"/>
-            <a:ext cx="6391493" cy="430887"/>
+            <a:off x="2396063" y="5969913"/>
+            <a:ext cx="5770880" cy="398780"/>
           </a:xfrm>
           <a:prstGeom prst="rect">
             <a:avLst/>
@@ -15704,20 +15479,19 @@
           <a:p>
             <a:r>
               <a:rPr lang="zh-CN" altLang="en-US" dirty="0">
-                <a:latin typeface="微软雅黑" pitchFamily="34" charset="-122"/>
-                <a:ea typeface="微软雅黑" pitchFamily="34" charset="-122"/>
+                <a:latin typeface="微软雅黑" panose="020B0503020204020204" pitchFamily="34" charset="-122"/>
+                <a:ea typeface="微软雅黑" panose="020B0503020204020204" pitchFamily="34" charset="-122"/>
               </a:rPr>
               <a:t>节点表示活动，箭线表示关系（本例是简略画法）</a:t>
             </a:r>
+            <a:endParaRPr lang="zh-CN" altLang="en-US" dirty="0">
+              <a:latin typeface="微软雅黑" panose="020B0503020204020204" pitchFamily="34" charset="-122"/>
+              <a:ea typeface="微软雅黑" panose="020B0503020204020204" pitchFamily="34" charset="-122"/>
+            </a:endParaRPr>
           </a:p>
         </p:txBody>
       </p:sp>
     </p:spTree>
-    <p:extLst>
-      <p:ext uri="{BB962C8B-B14F-4D97-AF65-F5344CB8AC3E}">
-        <p14:creationId xmlns:p14="http://schemas.microsoft.com/office/powerpoint/2010/main" val="4228593547"/>
-      </p:ext>
-    </p:extLst>
   </p:cSld>
   <p:clrMapOvr>
     <a:masterClrMapping/>
@@ -15768,6 +15542,7 @@
               <a:rPr lang="zh-CN" altLang="en-US" dirty="0"/>
               <a:t>绘图练习</a:t>
             </a:r>
+            <a:endParaRPr lang="zh-CN" altLang="en-US" dirty="0"/>
           </a:p>
         </p:txBody>
       </p:sp>
@@ -15902,6 +15677,7 @@
               <a:rPr lang="zh-CN" altLang="en-US" sz="2400" dirty="0"/>
               <a:t>结束时，项目完成。</a:t>
             </a:r>
+            <a:endParaRPr lang="zh-CN" altLang="en-US" sz="2400" dirty="0"/>
           </a:p>
         </p:txBody>
       </p:sp>
@@ -15913,7 +15689,7 @@
         </p:nvSpPr>
         <p:spPr>
           <a:xfrm>
-            <a:off x="609600" y="4343400"/>
+            <a:off x="2133600" y="4343400"/>
             <a:ext cx="1295400" cy="762000"/>
           </a:xfrm>
           <a:prstGeom prst="roundRect">
@@ -15950,6 +15726,11 @@
               </a:rPr>
               <a:t>开始</a:t>
             </a:r>
+            <a:endParaRPr lang="zh-CN" altLang="en-US" sz="2800" b="1" dirty="0">
+              <a:solidFill>
+                <a:schemeClr val="tx1"/>
+              </a:solidFill>
+            </a:endParaRPr>
           </a:p>
         </p:txBody>
       </p:sp>
@@ -15961,7 +15742,7 @@
         </p:nvSpPr>
         <p:spPr>
           <a:xfrm>
-            <a:off x="2590800" y="3581400"/>
+            <a:off x="4114800" y="3581400"/>
             <a:ext cx="906780" cy="533400"/>
           </a:xfrm>
           <a:prstGeom prst="roundRect">
@@ -16014,7 +15795,7 @@
         </p:nvSpPr>
         <p:spPr>
           <a:xfrm>
-            <a:off x="2667000" y="5257800"/>
+            <a:off x="4191000" y="5257800"/>
             <a:ext cx="906780" cy="533400"/>
           </a:xfrm>
           <a:prstGeom prst="roundRect">
@@ -16070,7 +15851,7 @@
         </p:nvCxnSpPr>
         <p:spPr>
           <a:xfrm flipV="1">
-            <a:off x="1905000" y="3848100"/>
+            <a:off x="3429000" y="3848100"/>
             <a:ext cx="685800" cy="876300"/>
           </a:xfrm>
           <a:prstGeom prst="line">
@@ -16108,7 +15889,7 @@
         </p:nvCxnSpPr>
         <p:spPr>
           <a:xfrm>
-            <a:off x="1905000" y="4724400"/>
+            <a:off x="3429000" y="4724400"/>
             <a:ext cx="762000" cy="800100"/>
           </a:xfrm>
           <a:prstGeom prst="line">
@@ -16143,7 +15924,7 @@
         </p:nvSpPr>
         <p:spPr>
           <a:xfrm>
-            <a:off x="4343400" y="3048000"/>
+            <a:off x="5867400" y="3048000"/>
             <a:ext cx="906780" cy="533400"/>
           </a:xfrm>
           <a:prstGeom prst="roundRect">
@@ -16196,7 +15977,7 @@
         </p:nvSpPr>
         <p:spPr>
           <a:xfrm>
-            <a:off x="4343400" y="3962400"/>
+            <a:off x="5867400" y="3962400"/>
             <a:ext cx="906780" cy="533400"/>
           </a:xfrm>
           <a:prstGeom prst="roundRect">
@@ -16252,7 +16033,7 @@
         </p:nvCxnSpPr>
         <p:spPr>
           <a:xfrm flipV="1">
-            <a:off x="3497580" y="3314700"/>
+            <a:off x="5021580" y="3314700"/>
             <a:ext cx="845820" cy="533400"/>
           </a:xfrm>
           <a:prstGeom prst="line">
@@ -16290,7 +16071,7 @@
         </p:nvCxnSpPr>
         <p:spPr>
           <a:xfrm>
-            <a:off x="3497580" y="3848100"/>
+            <a:off x="5021580" y="3848100"/>
             <a:ext cx="845820" cy="381000"/>
           </a:xfrm>
           <a:prstGeom prst="line">
@@ -16325,7 +16106,7 @@
         </p:nvSpPr>
         <p:spPr>
           <a:xfrm>
-            <a:off x="4419600" y="5029200"/>
+            <a:off x="5943600" y="5029200"/>
             <a:ext cx="906780" cy="533400"/>
           </a:xfrm>
           <a:prstGeom prst="roundRect">
@@ -16378,7 +16159,7 @@
         </p:nvSpPr>
         <p:spPr>
           <a:xfrm>
-            <a:off x="4419600" y="5943600"/>
+            <a:off x="5943600" y="5943600"/>
             <a:ext cx="906780" cy="533400"/>
           </a:xfrm>
           <a:prstGeom prst="roundRect">
@@ -16434,7 +16215,7 @@
         </p:nvCxnSpPr>
         <p:spPr>
           <a:xfrm flipV="1">
-            <a:off x="3573780" y="5295900"/>
+            <a:off x="5097780" y="5295900"/>
             <a:ext cx="845820" cy="228600"/>
           </a:xfrm>
           <a:prstGeom prst="line">
@@ -16472,7 +16253,7 @@
         </p:nvCxnSpPr>
         <p:spPr>
           <a:xfrm>
-            <a:off x="3573780" y="5524500"/>
+            <a:off x="5097780" y="5524500"/>
             <a:ext cx="845820" cy="685800"/>
           </a:xfrm>
           <a:prstGeom prst="line">
@@ -16507,7 +16288,7 @@
         </p:nvSpPr>
         <p:spPr>
           <a:xfrm>
-            <a:off x="6019800" y="4419600"/>
+            <a:off x="7543800" y="4419600"/>
             <a:ext cx="906780" cy="533400"/>
           </a:xfrm>
           <a:prstGeom prst="roundRect">
@@ -16563,7 +16344,7 @@
         </p:nvCxnSpPr>
         <p:spPr>
           <a:xfrm>
-            <a:off x="5250180" y="4229100"/>
+            <a:off x="6774180" y="4229100"/>
             <a:ext cx="769620" cy="457200"/>
           </a:xfrm>
           <a:prstGeom prst="line">
@@ -16601,7 +16382,7 @@
         </p:nvCxnSpPr>
         <p:spPr>
           <a:xfrm flipV="1">
-            <a:off x="5326380" y="4686300"/>
+            <a:off x="6850380" y="4686300"/>
             <a:ext cx="693420" cy="609600"/>
           </a:xfrm>
           <a:prstGeom prst="line">
@@ -16636,7 +16417,7 @@
         </p:nvSpPr>
         <p:spPr>
           <a:xfrm>
-            <a:off x="7467600" y="4343400"/>
+            <a:off x="8991600" y="4343400"/>
             <a:ext cx="1295400" cy="762000"/>
           </a:xfrm>
           <a:prstGeom prst="roundRect">
@@ -16673,6 +16454,11 @@
               </a:rPr>
               <a:t>结束</a:t>
             </a:r>
+            <a:endParaRPr lang="zh-CN" altLang="en-US" sz="2800" b="1" dirty="0">
+              <a:solidFill>
+                <a:schemeClr val="tx1"/>
+              </a:solidFill>
+            </a:endParaRPr>
           </a:p>
         </p:txBody>
       </p:sp>
@@ -16687,7 +16473,7 @@
         </p:nvCxnSpPr>
         <p:spPr>
           <a:xfrm>
-            <a:off x="5250180" y="3314700"/>
+            <a:off x="6774180" y="3314700"/>
             <a:ext cx="2865120" cy="1028700"/>
           </a:xfrm>
           <a:prstGeom prst="line">
@@ -16725,7 +16511,7 @@
         </p:nvCxnSpPr>
         <p:spPr>
           <a:xfrm flipV="1">
-            <a:off x="5326380" y="5105400"/>
+            <a:off x="6850380" y="5105400"/>
             <a:ext cx="2788920" cy="1104900"/>
           </a:xfrm>
           <a:prstGeom prst="line">
@@ -16763,7 +16549,7 @@
         </p:nvCxnSpPr>
         <p:spPr>
           <a:xfrm>
-            <a:off x="6926580" y="4686300"/>
+            <a:off x="8450580" y="4686300"/>
             <a:ext cx="541020" cy="38100"/>
           </a:xfrm>
           <a:prstGeom prst="line">
@@ -16791,11 +16577,6 @@
         </p:style>
       </p:cxnSp>
     </p:spTree>
-    <p:extLst>
-      <p:ext uri="{BB962C8B-B14F-4D97-AF65-F5344CB8AC3E}">
-        <p14:creationId xmlns:p14="http://schemas.microsoft.com/office/powerpoint/2010/main" val="3447883841"/>
-      </p:ext>
-    </p:extLst>
   </p:cSld>
   <p:clrMapOvr>
     <a:masterClrMapping/>
@@ -17620,15 +17401,15 @@
       </p:par>
     </p:tnLst>
     <p:bldLst>
-      <p:bldP spid="6" grpId="0" animBg="1"/>
-      <p:bldP spid="8" grpId="0" animBg="1"/>
-      <p:bldP spid="9" grpId="0" animBg="1"/>
-      <p:bldP spid="16" grpId="0" animBg="1"/>
-      <p:bldP spid="17" grpId="0" animBg="1"/>
-      <p:bldP spid="26" grpId="0" animBg="1"/>
-      <p:bldP spid="27" grpId="0" animBg="1"/>
-      <p:bldP spid="34" grpId="0" animBg="1"/>
-      <p:bldP spid="57" grpId="0" animBg="1"/>
+      <p:bldP spid="6" grpId="0" bldLvl="0" animBg="1"/>
+      <p:bldP spid="8" grpId="0" bldLvl="0" animBg="1"/>
+      <p:bldP spid="9" grpId="0" bldLvl="0" animBg="1"/>
+      <p:bldP spid="16" grpId="0" bldLvl="0" animBg="1"/>
+      <p:bldP spid="17" grpId="0" bldLvl="0" animBg="1"/>
+      <p:bldP spid="26" grpId="0" bldLvl="0" animBg="1"/>
+      <p:bldP spid="27" grpId="0" bldLvl="0" animBg="1"/>
+      <p:bldP spid="34" grpId="0" bldLvl="0" animBg="1"/>
+      <p:bldP spid="57" grpId="0" bldLvl="0" animBg="1"/>
     </p:bldLst>
   </p:timing>
 </p:sld>
@@ -17670,6 +17451,7 @@
               <a:rPr lang="zh-CN" altLang="en-US" dirty="0"/>
               <a:t>其它重要技术</a:t>
             </a:r>
+            <a:endParaRPr lang="zh-CN" altLang="en-US" dirty="0"/>
           </a:p>
         </p:txBody>
       </p:sp>
@@ -17759,7 +17541,7 @@
         </p:nvSpPr>
         <p:spPr>
           <a:xfrm>
-            <a:off x="4343400" y="4147458"/>
+            <a:off x="5867400" y="4147458"/>
             <a:ext cx="2438400" cy="1143000"/>
           </a:xfrm>
           <a:prstGeom prst="wedgeEllipseCallout">
@@ -17796,28 +17578,18 @@
                 <a:solidFill>
                   <a:schemeClr val="tx1"/>
                 </a:solidFill>
-                <a:latin typeface="微软雅黑" pitchFamily="34" charset="-122"/>
-                <a:ea typeface="微软雅黑" pitchFamily="34" charset="-122"/>
+                <a:latin typeface="微软雅黑" panose="020B0503020204020204" pitchFamily="34" charset="-122"/>
+                <a:ea typeface="微软雅黑" panose="020B0503020204020204" pitchFamily="34" charset="-122"/>
               </a:rPr>
               <a:t>压缩进度时</a:t>
-            </a:r>
-            <a:r>
-              <a:rPr lang="en-US" altLang="zh-CN" sz="2400" b="1" dirty="0">
-                <a:solidFill>
-                  <a:schemeClr val="tx1"/>
-                </a:solidFill>
-                <a:latin typeface="微软雅黑" pitchFamily="34" charset="-122"/>
-                <a:ea typeface="微软雅黑" pitchFamily="34" charset="-122"/>
-              </a:rPr>
-              <a:t/>
             </a:r>
             <a:br>
               <a:rPr lang="en-US" altLang="zh-CN" sz="2400" b="1" dirty="0">
                 <a:solidFill>
                   <a:schemeClr val="tx1"/>
                 </a:solidFill>
-                <a:latin typeface="微软雅黑" pitchFamily="34" charset="-122"/>
-                <a:ea typeface="微软雅黑" pitchFamily="34" charset="-122"/>
+                <a:latin typeface="微软雅黑" panose="020B0503020204020204" pitchFamily="34" charset="-122"/>
+                <a:ea typeface="微软雅黑" panose="020B0503020204020204" pitchFamily="34" charset="-122"/>
               </a:rPr>
             </a:br>
             <a:r>
@@ -17825,20 +17597,22 @@
                 <a:solidFill>
                   <a:schemeClr val="tx1"/>
                 </a:solidFill>
-                <a:latin typeface="微软雅黑" pitchFamily="34" charset="-122"/>
-                <a:ea typeface="微软雅黑" pitchFamily="34" charset="-122"/>
+                <a:latin typeface="微软雅黑" panose="020B0503020204020204" pitchFamily="34" charset="-122"/>
+                <a:ea typeface="微软雅黑" panose="020B0503020204020204" pitchFamily="34" charset="-122"/>
               </a:rPr>
               <a:t>重点考虑</a:t>
             </a:r>
+            <a:endParaRPr lang="zh-CN" altLang="en-US" sz="2400" b="1" dirty="0">
+              <a:solidFill>
+                <a:schemeClr val="tx1"/>
+              </a:solidFill>
+              <a:latin typeface="微软雅黑" panose="020B0503020204020204" pitchFamily="34" charset="-122"/>
+              <a:ea typeface="微软雅黑" panose="020B0503020204020204" pitchFamily="34" charset="-122"/>
+            </a:endParaRPr>
           </a:p>
         </p:txBody>
       </p:sp>
     </p:spTree>
-    <p:extLst>
-      <p:ext uri="{BB962C8B-B14F-4D97-AF65-F5344CB8AC3E}">
-        <p14:creationId xmlns:p14="http://schemas.microsoft.com/office/powerpoint/2010/main" val="17271562"/>
-      </p:ext>
-    </p:extLst>
   </p:cSld>
   <p:clrMapOvr>
     <a:masterClrMapping/>
@@ -18307,8 +18081,8 @@
     </p:tnLst>
     <p:bldLst>
       <p:bldP spid="3" grpId="0" build="p"/>
-      <p:bldP spid="6" grpId="0" animBg="1"/>
-      <p:bldP spid="6" grpId="1" animBg="1"/>
+      <p:bldP spid="6" grpId="0" bldLvl="0" animBg="1"/>
+      <p:bldP spid="6" grpId="1" bldLvl="0" animBg="1"/>
     </p:bldLst>
   </p:timing>
 </p:sld>
@@ -18340,7 +18114,7 @@
           <p:nvPr/>
         </p:nvPicPr>
         <p:blipFill rotWithShape="1">
-          <a:blip r:embed="rId2" cstate="print">
+          <a:blip r:embed="rId1" cstate="print">
             <a:extLst>
               <a:ext uri="{28A0092B-C50C-407E-A947-70E740481C1C}">
                 <a14:useLocalDpi xmlns:a14="http://schemas.microsoft.com/office/drawing/2010/main" val="0"/>
@@ -18348,11 +18122,13 @@
             </a:extLst>
           </a:blip>
           <a:srcRect/>
-          <a:stretch/>
+          <a:stretch>
+            <a:fillRect/>
+          </a:stretch>
         </p:blipFill>
         <p:spPr bwMode="auto">
           <a:xfrm>
-            <a:off x="4999703" y="-2719"/>
+            <a:off x="6523703" y="-2719"/>
             <a:ext cx="4144297" cy="6777145"/>
           </a:xfrm>
           <a:prstGeom prst="rect">
@@ -18405,8 +18181,8 @@
         </p:nvSpPr>
         <p:spPr>
           <a:xfrm>
-            <a:off x="306797" y="226875"/>
-            <a:ext cx="4235706" cy="952996"/>
+            <a:off x="263525" y="226695"/>
+            <a:ext cx="5802630" cy="953135"/>
           </a:xfrm>
         </p:spPr>
         <p:txBody>
@@ -18429,6 +18205,7 @@
               <a:rPr lang="zh-CN" altLang="en-US" dirty="0"/>
               <a:t>文件中排列工作包顺序</a:t>
             </a:r>
+            <a:endParaRPr lang="zh-CN" altLang="en-US" dirty="0"/>
           </a:p>
         </p:txBody>
       </p:sp>
@@ -18440,7 +18217,7 @@
         </p:nvSpPr>
         <p:spPr bwMode="auto">
           <a:xfrm>
-            <a:off x="8170606" y="0"/>
+            <a:off x="9694606" y="0"/>
             <a:ext cx="973394" cy="6858000"/>
           </a:xfrm>
           <a:prstGeom prst="rect">
@@ -18459,11 +18236,7 @@
           <a:effectLst/>
         </p:spPr>
         <p:txBody>
-          <a:bodyPr vert="horz" wrap="none" lIns="90000" tIns="46800" rIns="90000" bIns="46800" numCol="1" rtlCol="0" anchor="ctr" anchorCtr="0" compatLnSpc="1">
-            <a:prstTxWarp prst="textNoShape">
-              <a:avLst/>
-            </a:prstTxWarp>
-          </a:bodyPr>
+          <a:bodyPr vert="horz" wrap="none" lIns="90000" tIns="46800" rIns="90000" bIns="46800" numCol="1" rtlCol="0" anchor="ctr" anchorCtr="0" compatLnSpc="1"/>
           <a:lstStyle/>
           <a:p>
             <a:pPr marL="0" marR="0" indent="0" algn="l" defTabSz="914400" rtl="0" eaLnBrk="1" fontAlgn="base" latinLnBrk="0" hangingPunct="1">
@@ -18480,7 +18253,6 @@
               <a:buSzTx/>
               <a:buFontTx/>
               <a:buNone/>
-              <a:tabLst/>
             </a:pPr>
             <a:endParaRPr kumimoji="0" lang="zh-CN" altLang="en-US" sz="2000" b="0" i="0" u="none" strike="noStrike" cap="none" normalizeH="0" baseline="0">
               <a:ln>
@@ -18490,22 +18262,27 @@
                 <a:schemeClr val="tx1"/>
               </a:solidFill>
               <a:effectLst/>
-              <a:latin typeface="Arial" charset="0"/>
+              <a:latin typeface="Arial" panose="020B0604020202020204" pitchFamily="34" charset="0"/>
             </a:endParaRPr>
           </a:p>
         </p:txBody>
       </p:sp>
     </p:spTree>
-    <p:extLst>
-      <p:ext uri="{BB962C8B-B14F-4D97-AF65-F5344CB8AC3E}">
-        <p14:creationId xmlns:p14="http://schemas.microsoft.com/office/powerpoint/2010/main" val="4055377122"/>
-      </p:ext>
-    </p:extLst>
   </p:cSld>
   <p:clrMapOvr>
     <a:masterClrMapping/>
   </p:clrMapOvr>
 </p:sld>
+</file>
+
+<file path=ppt/tags/tag1.xml><?xml version="1.0" encoding="utf-8"?>
+<p:tagLst xmlns:p="http://schemas.openxmlformats.org/presentationml/2006/main">
+  <p:tag name="KSO_WM_TEMPLATE_TOPIC_ID" val="2869567"/>
+  <p:tag name="KSO_WM_TEMPLATE_OUTLINE_ID" val="14"/>
+  <p:tag name="KSO_WM_TEMPLATE_SCENE_ID" val="1"/>
+  <p:tag name="KSO_WM_TEMPLATE_JOB_ID" val="14"/>
+  <p:tag name="KSO_WM_TEMPLATE_TOPIC_DEFAULT" val="0"/>
+</p:tagLst>
 </file>
 
 <file path=ppt/theme/theme1.xml><?xml version="1.0" encoding="utf-8"?>
@@ -18755,13 +18532,8 @@
           <a:headEnd type="none" w="med" len="med"/>
           <a:tailEnd type="none" w="med" len="med"/>
         </a:ln>
-        <a:effectLst/>
       </a:spPr>
-      <a:bodyPr vert="horz" wrap="none" lIns="90000" tIns="46800" rIns="90000" bIns="46800" numCol="1" anchor="ctr" anchorCtr="0" compatLnSpc="1">
-        <a:prstTxWarp prst="textNoShape">
-          <a:avLst/>
-        </a:prstTxWarp>
-      </a:bodyPr>
+      <a:bodyPr vert="horz" wrap="none" lIns="90000" tIns="46800" rIns="90000" bIns="46800" numCol="1" anchor="ctr" anchorCtr="0" compatLnSpc="1"/>
       <a:lstStyle>
         <a:defPPr marL="0" marR="0" indent="0" algn="l" defTabSz="914400" rtl="0" eaLnBrk="1" fontAlgn="base" latinLnBrk="0" hangingPunct="1">
           <a:lnSpc>
@@ -18777,7 +18549,6 @@
           <a:buSzTx/>
           <a:buFontTx/>
           <a:buNone/>
-          <a:tabLst/>
           <a:defRPr kumimoji="0" lang="en-US" sz="2000" b="0" i="0" u="none" strike="noStrike" cap="none" normalizeH="0" baseline="0" smtClean="0">
             <a:ln>
               <a:noFill/>
@@ -18786,7 +18557,7 @@
               <a:schemeClr val="tx1"/>
             </a:solidFill>
             <a:effectLst/>
-            <a:latin typeface="Arial" charset="0"/>
+            <a:latin typeface="Arial" panose="020B0604020202020204" pitchFamily="34" charset="0"/>
           </a:defRPr>
         </a:defPPr>
       </a:lstStyle>
@@ -18805,7 +18576,6 @@
           <a:headEnd type="none" w="med" len="med"/>
           <a:tailEnd type="none" w="med" len="med"/>
         </a:ln>
-        <a:effectLst/>
       </a:spPr>
       <a:bodyPr/>
       <a:lstStyle/>
@@ -18854,6 +18624,11 @@
       <a:clrMap bg1="lt1" tx1="dk1" bg2="lt2" tx2="dk2" accent1="accent1" accent2="accent2" accent3="accent3" accent4="accent4" accent5="accent5" accent6="accent6" hlink="hlink" folHlink="folHlink"/>
     </a:extraClrScheme>
   </a:extraClrSchemeLst>
+  <a:extLst>
+    <a:ext uri="{05A4C25C-085E-4340-85A3-A5531E510DB2}">
+      <thm15:themeFamily xmlns:thm15="http://schemas.microsoft.com/office/thememl/2012/main" name="Office Theme" id="{62F939B6-93AF-4DB8-9C6B-D6C7DFDC589F}" vid="{4A3C46E8-61CC-4603-A589-7422A47A8E4A}"/>
+    </a:ext>
+  </a:extLst>
 </a:theme>
 </file>
 
@@ -19135,8 +18910,11 @@
       </a:bgFillStyleLst>
     </a:fmtScheme>
   </a:themeElements>
-  <a:objectDefaults/>
-  <a:extraClrSchemeLst/>
+  <a:extLst>
+    <a:ext uri="{05A4C25C-085E-4340-85A3-A5531E510DB2}">
+      <thm15:themeFamily xmlns:thm15="http://schemas.microsoft.com/office/thememl/2012/main" name="Office Theme" id="{62F939B6-93AF-4DB8-9C6B-D6C7DFDC589F}" vid="{4A3C46E8-61CC-4603-A589-7422A47A8E4A}"/>
+    </a:ext>
+  </a:extLst>
 </a:theme>
 </file>
 
@@ -19418,7 +19196,10 @@
       </a:bgFillStyleLst>
     </a:fmtScheme>
   </a:themeElements>
-  <a:objectDefaults/>
-  <a:extraClrSchemeLst/>
+  <a:extLst>
+    <a:ext uri="{05A4C25C-085E-4340-85A3-A5531E510DB2}">
+      <thm15:themeFamily xmlns:thm15="http://schemas.microsoft.com/office/thememl/2012/main" name="Office Theme" id="{62F939B6-93AF-4DB8-9C6B-D6C7DFDC589F}" vid="{4A3C46E8-61CC-4603-A589-7422A47A8E4A}"/>
+    </a:ext>
+  </a:extLst>
 </a:theme>
 </file>
--- a/materials/slides/ch03-2.pptx
+++ b/materials/slides/ch03-2.pptx
@@ -8,7 +8,7 @@
     <p:notesMasterId r:id="rId6"/>
   </p:notesMasterIdLst>
   <p:handoutMasterIdLst>
-    <p:handoutMasterId r:id="rId23"/>
+    <p:handoutMasterId r:id="rId22"/>
   </p:handoutMasterIdLst>
   <p:sldIdLst>
     <p:sldId id="256" r:id="rId3"/>
@@ -17,19 +17,18 @@
     <p:sldId id="402" r:id="rId7"/>
     <p:sldId id="403" r:id="rId8"/>
     <p:sldId id="404" r:id="rId9"/>
-    <p:sldId id="405" r:id="rId10"/>
-    <p:sldId id="406" r:id="rId11"/>
+    <p:sldId id="419" r:id="rId10"/>
+    <p:sldId id="420" r:id="rId11"/>
     <p:sldId id="407" r:id="rId12"/>
     <p:sldId id="408" r:id="rId13"/>
     <p:sldId id="409" r:id="rId14"/>
-    <p:sldId id="410" r:id="rId15"/>
+    <p:sldId id="421" r:id="rId15"/>
     <p:sldId id="411" r:id="rId16"/>
     <p:sldId id="412" r:id="rId17"/>
-    <p:sldId id="413" r:id="rId18"/>
-    <p:sldId id="414" r:id="rId19"/>
-    <p:sldId id="415" r:id="rId20"/>
-    <p:sldId id="416" r:id="rId21"/>
-    <p:sldId id="353" r:id="rId22"/>
+    <p:sldId id="422" r:id="rId18"/>
+    <p:sldId id="423" r:id="rId19"/>
+    <p:sldId id="416" r:id="rId20"/>
+    <p:sldId id="353" r:id="rId21"/>
   </p:sldIdLst>
   <p:sldSz cx="12192000" cy="6858000"/>
   <p:notesSz cx="6858000" cy="9144000"/>
@@ -3902,6 +3901,10 @@
           </a:bodyPr>
           <a:lstStyle/>
           <a:p>
+            <a:r>
+              <a:rPr lang="zh-CN" altLang="en-US" dirty="0"/>
+              <a:t>实际项目中的情况远比此复杂</a:t>
+            </a:r>
             <a:endParaRPr lang="zh-CN" altLang="en-US" dirty="0"/>
           </a:p>
         </p:txBody>
@@ -7027,14 +7030,46 @@
           <a:p>
             <a:r>
               <a:rPr lang="zh-CN" altLang="en-US" sz="2400" dirty="0"/>
-              <a:t>估算每项工作所需材料、人员、设备或用品的种类和数量。常用的方法是集体讨论结合自下而上估算。</a:t>
+              <a:t>估算每项工作所需材料、人员、设备或用品的种类和数量。常用的方法是集体讨论结合</a:t>
+            </a:r>
+            <a:r>
+              <a:rPr lang="zh-CN" altLang="en-US" sz="2400" dirty="0">
+                <a:solidFill>
+                  <a:srgbClr val="FF0000"/>
+                </a:solidFill>
+              </a:rPr>
+              <a:t>自下而上</a:t>
+            </a:r>
+            <a:r>
+              <a:rPr lang="zh-CN" altLang="en-US" sz="2400" dirty="0"/>
+              <a:t>估算。</a:t>
             </a:r>
             <a:endParaRPr lang="en-US" altLang="zh-CN" sz="2400" dirty="0"/>
           </a:p>
           <a:p>
             <a:r>
               <a:rPr lang="zh-CN" altLang="en-US" sz="2400" dirty="0"/>
-              <a:t>估算资源的成果：资源需求。工作包所需的资源类型和数量</a:t>
+              <a:t>估算资源的成果：</a:t>
+            </a:r>
+            <a:r>
+              <a:rPr lang="zh-CN" altLang="en-US" sz="2400" dirty="0">
+                <a:solidFill>
+                  <a:srgbClr val="FF0000"/>
+                </a:solidFill>
+              </a:rPr>
+              <a:t>资源需求</a:t>
+            </a:r>
+            <a:r>
+              <a:rPr lang="zh-CN" altLang="en-US" sz="2400" dirty="0"/>
+              <a:t>。工作包所需的</a:t>
+            </a:r>
+            <a:r>
+              <a:rPr lang="zh-CN" altLang="en-US" sz="2400" dirty="0">
+                <a:solidFill>
+                  <a:srgbClr val="FF0000"/>
+                </a:solidFill>
+              </a:rPr>
+              <a:t>资源类型和数量</a:t>
             </a:r>
             <a:endParaRPr lang="en-US" altLang="zh-CN" sz="2400" dirty="0"/>
           </a:p>
@@ -7268,7 +7303,31 @@
           <a:p>
             <a:r>
               <a:rPr lang="zh-CN" altLang="en-US" sz="2400" dirty="0"/>
-              <a:t>注意：此时只有核心团队成员确定了，可以在进度文件中明确分工。而具体执行人员（例如程序员、测试员等）还没明确到具体的人，则在分配人力资源时应该用角色编号代替（如程序员</a:t>
+              <a:t>注意：此时只有</a:t>
+            </a:r>
+            <a:r>
+              <a:rPr lang="zh-CN" altLang="en-US" sz="2400" dirty="0">
+                <a:solidFill>
+                  <a:srgbClr val="FF0000"/>
+                </a:solidFill>
+              </a:rPr>
+              <a:t>核心团队成员</a:t>
+            </a:r>
+            <a:r>
+              <a:rPr lang="zh-CN" altLang="en-US" sz="2400" dirty="0"/>
+              <a:t>确定了，可以在进度文件中明确分工。而具体执行人员（例如程序员、测试员等）还没明确到具体的人，则在分配人力资源时应该用</a:t>
+            </a:r>
+            <a:r>
+              <a:rPr lang="zh-CN" altLang="en-US" sz="2400" dirty="0">
+                <a:solidFill>
+                  <a:srgbClr val="FF0000"/>
+                </a:solidFill>
+              </a:rPr>
+              <a:t>角色编号</a:t>
+            </a:r>
+            <a:r>
+              <a:rPr lang="zh-CN" altLang="en-US" sz="2400" dirty="0"/>
+              <a:t>代替（如程序员</a:t>
             </a:r>
             <a:r>
               <a:rPr lang="en-US" altLang="zh-CN" sz="2400" dirty="0"/>
@@ -7352,7 +7411,12 @@
             <p:ph idx="1"/>
           </p:nvPr>
         </p:nvSpPr>
-        <p:spPr/>
+        <p:spPr>
+          <a:xfrm>
+            <a:off x="393700" y="1489075"/>
+            <a:ext cx="10749280" cy="4313555"/>
+          </a:xfrm>
+        </p:spPr>
         <p:txBody>
           <a:bodyPr/>
           <a:lstStyle/>
@@ -7434,15 +7498,17 @@
             </a:r>
             <a:r>
               <a:rPr lang="zh-CN" altLang="en-US" sz="2000" dirty="0"/>
-              <a:t>保险公司做同样项目时，就可以较快速地估算出新项目的成本</a:t>
-            </a:r>
-            <a:endParaRPr lang="en-US" altLang="zh-CN" sz="2000" dirty="0"/>
-          </a:p>
-          <a:p>
-            <a:pPr lvl="2"/>
+              <a:t>保险公司做同样项目时，就可以较快速地估算出新项目的成本（</a:t>
+            </a:r>
+            <a:r>
+              <a:rPr lang="zh-CN" altLang="en-US" sz="2000" dirty="0">
+                <a:sym typeface="+mn-ea"/>
+              </a:rPr>
+              <a:t>成本较低、耗时较少，但准确性较低，用于项目早期</a:t>
+            </a:r>
             <a:r>
               <a:rPr lang="zh-CN" altLang="en-US" sz="2000" dirty="0"/>
-              <a:t>成本较低、耗时较少，但准确性较低，用于项目早期</a:t>
+              <a:t>）</a:t>
             </a:r>
             <a:endParaRPr lang="en-US" altLang="zh-CN" sz="2000" dirty="0"/>
           </a:p>
@@ -7474,15 +7540,7 @@
             </a:r>
             <a:r>
               <a:rPr lang="zh-CN" altLang="en-US" sz="2000" dirty="0"/>
-              <a:t>小时</a:t>
-            </a:r>
-            <a:endParaRPr lang="en-US" altLang="zh-CN" sz="2000" dirty="0"/>
-          </a:p>
-          <a:p>
-            <a:pPr lvl="2"/>
-            <a:r>
-              <a:rPr lang="zh-CN" altLang="en-US" sz="2000" dirty="0"/>
-              <a:t>准确性取决于参数模型的成熟和基础数据的可靠性</a:t>
+              <a:t>小时（准确性取决于参数模型的成熟和基础数据的可靠性）</a:t>
             </a:r>
             <a:endParaRPr lang="en-US" altLang="zh-CN" sz="2000" dirty="0"/>
           </a:p>
@@ -7857,176 +7915,6 @@
                                   </p:childTnLst>
                                 </p:cTn>
                               </p:par>
-                              <p:par>
-                                <p:cTn id="21" presetID="2" presetClass="entr" presetSubtype="4" fill="hold" nodeType="withEffect">
-                                  <p:stCondLst>
-                                    <p:cond delay="0"/>
-                                  </p:stCondLst>
-                                  <p:childTnLst>
-                                    <p:set>
-                                      <p:cBhvr>
-                                        <p:cTn id="22" dur="1" fill="hold">
-                                          <p:stCondLst>
-                                            <p:cond delay="0"/>
-                                          </p:stCondLst>
-                                        </p:cTn>
-                                        <p:tgtEl>
-                                          <p:spTgt spid="3">
-                                            <p:txEl>
-                                              <p:pRg st="6" end="6"/>
-                                            </p:txEl>
-                                          </p:spTgt>
-                                        </p:tgtEl>
-                                        <p:attrNameLst>
-                                          <p:attrName>style.visibility</p:attrName>
-                                        </p:attrNameLst>
-                                      </p:cBhvr>
-                                      <p:to>
-                                        <p:strVal val="visible"/>
-                                      </p:to>
-                                    </p:set>
-                                    <p:anim calcmode="lin" valueType="num">
-                                      <p:cBhvr additive="base">
-                                        <p:cTn id="23" dur="500" fill="hold"/>
-                                        <p:tgtEl>
-                                          <p:spTgt spid="3">
-                                            <p:txEl>
-                                              <p:pRg st="6" end="6"/>
-                                            </p:txEl>
-                                          </p:spTgt>
-                                        </p:tgtEl>
-                                        <p:attrNameLst>
-                                          <p:attrName>ppt_x</p:attrName>
-                                        </p:attrNameLst>
-                                      </p:cBhvr>
-                                      <p:tavLst>
-                                        <p:tav tm="0">
-                                          <p:val>
-                                            <p:strVal val="#ppt_x"/>
-                                          </p:val>
-                                        </p:tav>
-                                        <p:tav tm="100000">
-                                          <p:val>
-                                            <p:strVal val="#ppt_x"/>
-                                          </p:val>
-                                        </p:tav>
-                                      </p:tavLst>
-                                    </p:anim>
-                                    <p:anim calcmode="lin" valueType="num">
-                                      <p:cBhvr additive="base">
-                                        <p:cTn id="24" dur="500" fill="hold"/>
-                                        <p:tgtEl>
-                                          <p:spTgt spid="3">
-                                            <p:txEl>
-                                              <p:pRg st="6" end="6"/>
-                                            </p:txEl>
-                                          </p:spTgt>
-                                        </p:tgtEl>
-                                        <p:attrNameLst>
-                                          <p:attrName>ppt_y</p:attrName>
-                                        </p:attrNameLst>
-                                      </p:cBhvr>
-                                      <p:tavLst>
-                                        <p:tav tm="0">
-                                          <p:val>
-                                            <p:strVal val="1+#ppt_h/2"/>
-                                          </p:val>
-                                        </p:tav>
-                                        <p:tav tm="100000">
-                                          <p:val>
-                                            <p:strVal val="#ppt_y"/>
-                                          </p:val>
-                                        </p:tav>
-                                      </p:tavLst>
-                                    </p:anim>
-                                  </p:childTnLst>
-                                </p:cTn>
-                              </p:par>
-                              <p:par>
-                                <p:cTn id="25" presetID="2" presetClass="entr" presetSubtype="4" fill="hold" nodeType="withEffect">
-                                  <p:stCondLst>
-                                    <p:cond delay="0"/>
-                                  </p:stCondLst>
-                                  <p:childTnLst>
-                                    <p:set>
-                                      <p:cBhvr>
-                                        <p:cTn id="26" dur="1" fill="hold">
-                                          <p:stCondLst>
-                                            <p:cond delay="0"/>
-                                          </p:stCondLst>
-                                        </p:cTn>
-                                        <p:tgtEl>
-                                          <p:spTgt spid="3">
-                                            <p:txEl>
-                                              <p:pRg st="7" end="7"/>
-                                            </p:txEl>
-                                          </p:spTgt>
-                                        </p:tgtEl>
-                                        <p:attrNameLst>
-                                          <p:attrName>style.visibility</p:attrName>
-                                        </p:attrNameLst>
-                                      </p:cBhvr>
-                                      <p:to>
-                                        <p:strVal val="visible"/>
-                                      </p:to>
-                                    </p:set>
-                                    <p:anim calcmode="lin" valueType="num">
-                                      <p:cBhvr additive="base">
-                                        <p:cTn id="27" dur="500" fill="hold"/>
-                                        <p:tgtEl>
-                                          <p:spTgt spid="3">
-                                            <p:txEl>
-                                              <p:pRg st="7" end="7"/>
-                                            </p:txEl>
-                                          </p:spTgt>
-                                        </p:tgtEl>
-                                        <p:attrNameLst>
-                                          <p:attrName>ppt_x</p:attrName>
-                                        </p:attrNameLst>
-                                      </p:cBhvr>
-                                      <p:tavLst>
-                                        <p:tav tm="0">
-                                          <p:val>
-                                            <p:strVal val="#ppt_x"/>
-                                          </p:val>
-                                        </p:tav>
-                                        <p:tav tm="100000">
-                                          <p:val>
-                                            <p:strVal val="#ppt_x"/>
-                                          </p:val>
-                                        </p:tav>
-                                      </p:tavLst>
-                                    </p:anim>
-                                    <p:anim calcmode="lin" valueType="num">
-                                      <p:cBhvr additive="base">
-                                        <p:cTn id="28" dur="500" fill="hold"/>
-                                        <p:tgtEl>
-                                          <p:spTgt spid="3">
-                                            <p:txEl>
-                                              <p:pRg st="7" end="7"/>
-                                            </p:txEl>
-                                          </p:spTgt>
-                                        </p:tgtEl>
-                                        <p:attrNameLst>
-                                          <p:attrName>ppt_y</p:attrName>
-                                        </p:attrNameLst>
-                                      </p:cBhvr>
-                                      <p:tavLst>
-                                        <p:tav tm="0">
-                                          <p:val>
-                                            <p:strVal val="1+#ppt_h/2"/>
-                                          </p:val>
-                                        </p:tav>
-                                        <p:tav tm="100000">
-                                          <p:val>
-                                            <p:strVal val="#ppt_y"/>
-                                          </p:val>
-                                        </p:tav>
-                                      </p:tavLst>
-                                    </p:anim>
-                                  </p:childTnLst>
-                                </p:cTn>
-                              </p:par>
                             </p:childTnLst>
                           </p:cTn>
                         </p:par>
@@ -8789,7 +8677,12 @@
             <p:ph idx="1"/>
           </p:nvPr>
         </p:nvSpPr>
-        <p:spPr/>
+        <p:spPr>
+          <a:xfrm>
+            <a:off x="393700" y="1489075"/>
+            <a:ext cx="11196320" cy="4313555"/>
+          </a:xfrm>
+        </p:spPr>
         <p:txBody>
           <a:bodyPr/>
           <a:lstStyle/>
@@ -8804,7 +8697,15 @@
             <a:pPr lvl="1"/>
             <a:r>
               <a:rPr lang="zh-CN" altLang="en-US" sz="2000" dirty="0"/>
-              <a:t>确定项目活动计划开始日期与计划完成日期，并确定相应的里程碑</a:t>
+              <a:t>确定项目活动计划开始日期与计划完成日期，并确定相应的</a:t>
+            </a:r>
+            <a:r>
+              <a:rPr lang="zh-CN" altLang="en-US" sz="2000" dirty="0">
+                <a:solidFill>
+                  <a:srgbClr val="FF0000"/>
+                </a:solidFill>
+              </a:rPr>
+              <a:t>里程碑</a:t>
             </a:r>
             <a:endParaRPr lang="en-US" altLang="zh-CN" sz="2000" dirty="0"/>
           </a:p>
@@ -8831,20 +8732,76 @@
           <a:p>
             <a:pPr lvl="1"/>
             <a:r>
-              <a:rPr lang="zh-CN" altLang="en-US" sz="2000" dirty="0"/>
-              <a:t>关键路径是指网络中活动序列，该序列具有最长的</a:t>
-            </a:r>
-            <a:r>
               <a:rPr lang="zh-CN" altLang="en-US" sz="2000" dirty="0">
                 <a:solidFill>
                   <a:srgbClr val="FF0000"/>
                 </a:solidFill>
               </a:rPr>
-              <a:t>总工期</a:t>
+              <a:t>关键路径</a:t>
             </a:r>
             <a:r>
               <a:rPr lang="zh-CN" altLang="en-US" sz="2000" dirty="0"/>
-              <a:t>并决定了整个项目的最短完成时间；任何关键路径上活动的延迟将直接影响项目的预期完成时间；一个项目可以有多个，并行的关键路径；</a:t>
+              <a:t>是指网络中活动序列，该序列具有</a:t>
+            </a:r>
+            <a:r>
+              <a:rPr lang="zh-CN" altLang="en-US" sz="2000" dirty="0">
+                <a:solidFill>
+                  <a:srgbClr val="FF0000"/>
+                </a:solidFill>
+              </a:rPr>
+              <a:t>最长的总工期</a:t>
+            </a:r>
+            <a:r>
+              <a:rPr lang="zh-CN" altLang="en-US" sz="2000" dirty="0">
+                <a:solidFill>
+                  <a:schemeClr val="tx1"/>
+                </a:solidFill>
+              </a:rPr>
+              <a:t>，它</a:t>
+            </a:r>
+            <a:r>
+              <a:rPr lang="zh-CN" altLang="en-US" sz="2000" dirty="0"/>
+              <a:t>决定了整个项目的</a:t>
+            </a:r>
+            <a:r>
+              <a:rPr lang="zh-CN" altLang="en-US" sz="2000" dirty="0">
+                <a:solidFill>
+                  <a:srgbClr val="FF0000"/>
+                </a:solidFill>
+              </a:rPr>
+              <a:t>最短完成时间</a:t>
+            </a:r>
+            <a:r>
+              <a:rPr lang="zh-CN" altLang="en-US" sz="2000" dirty="0"/>
+              <a:t>；任何关键路径上活动的延迟将直接影响项目的预期完成时间；一个项目可以有多个，并行的关键路径；需要综合考虑</a:t>
+            </a:r>
+            <a:r>
+              <a:rPr lang="zh-CN" altLang="en-US" sz="2000" dirty="0">
+                <a:solidFill>
+                  <a:srgbClr val="FF0000"/>
+                </a:solidFill>
+              </a:rPr>
+              <a:t>工作包依赖</a:t>
+            </a:r>
+            <a:r>
+              <a:rPr lang="zh-CN" altLang="en-US" sz="2000" dirty="0"/>
+              <a:t>关系来</a:t>
+            </a:r>
+            <a:r>
+              <a:rPr lang="zh-CN" altLang="en-US" sz="2000" dirty="0">
+                <a:solidFill>
+                  <a:srgbClr val="FF0000"/>
+                </a:solidFill>
+              </a:rPr>
+              <a:t>优化关键路径</a:t>
+            </a:r>
+            <a:r>
+              <a:rPr lang="zh-CN" altLang="en-US" sz="2000" dirty="0">
+                <a:solidFill>
+                  <a:schemeClr val="tx1"/>
+                </a:solidFill>
+              </a:rPr>
+              <a:t>（缩短工期）</a:t>
             </a:r>
             <a:endParaRPr lang="zh-CN" altLang="en-US" sz="2000" dirty="0"/>
           </a:p>
@@ -8866,7 +8823,7 @@
         </p:nvSpPr>
         <p:spPr>
           <a:xfrm>
-            <a:off x="2652380" y="4876873"/>
+            <a:off x="2652380" y="5090233"/>
             <a:ext cx="1295400" cy="762000"/>
           </a:xfrm>
           <a:prstGeom prst="roundRect">
@@ -8935,7 +8892,7 @@
         </p:nvSpPr>
         <p:spPr>
           <a:xfrm>
-            <a:off x="4497510" y="4441444"/>
+            <a:off x="4497510" y="4654804"/>
             <a:ext cx="1211580" cy="712694"/>
           </a:xfrm>
           <a:prstGeom prst="roundRect">
@@ -9007,7 +8964,7 @@
         </p:nvCxnSpPr>
         <p:spPr>
           <a:xfrm flipV="1">
-            <a:off x="3933175" y="4797498"/>
+            <a:off x="3947780" y="5026098"/>
             <a:ext cx="549910" cy="460375"/>
           </a:xfrm>
           <a:prstGeom prst="line">
@@ -9042,7 +8999,7 @@
         </p:nvSpPr>
         <p:spPr>
           <a:xfrm>
-            <a:off x="6495038" y="4876873"/>
+            <a:off x="6495038" y="5090233"/>
             <a:ext cx="1211580" cy="712694"/>
           </a:xfrm>
           <a:prstGeom prst="roundRect">
@@ -9111,7 +9068,7 @@
         </p:nvSpPr>
         <p:spPr>
           <a:xfrm>
-            <a:off x="4541053" y="5366730"/>
+            <a:off x="4541053" y="5580090"/>
             <a:ext cx="1211580" cy="712694"/>
           </a:xfrm>
           <a:prstGeom prst="roundRect">
@@ -9183,7 +9140,7 @@
         </p:nvCxnSpPr>
         <p:spPr>
           <a:xfrm>
-            <a:off x="5694485" y="4797156"/>
+            <a:off x="5709090" y="5025756"/>
             <a:ext cx="785495" cy="435610"/>
           </a:xfrm>
           <a:prstGeom prst="line">
@@ -9221,7 +9178,7 @@
         </p:nvCxnSpPr>
         <p:spPr>
           <a:xfrm>
-            <a:off x="3933175" y="5257873"/>
+            <a:off x="3947780" y="5486473"/>
             <a:ext cx="593090" cy="465455"/>
           </a:xfrm>
           <a:prstGeom prst="line">
@@ -9256,7 +9213,7 @@
         </p:nvSpPr>
         <p:spPr>
           <a:xfrm>
-            <a:off x="8247638" y="4844215"/>
+            <a:off x="8247638" y="5057575"/>
             <a:ext cx="1295400" cy="762000"/>
           </a:xfrm>
           <a:prstGeom prst="roundRect">
@@ -9328,7 +9285,7 @@
         </p:nvCxnSpPr>
         <p:spPr>
           <a:xfrm flipV="1">
-            <a:off x="7692013" y="5225600"/>
+            <a:off x="7706618" y="5454200"/>
             <a:ext cx="541020" cy="7620"/>
           </a:xfrm>
           <a:prstGeom prst="line">
@@ -9366,7 +9323,7 @@
         </p:nvCxnSpPr>
         <p:spPr>
           <a:xfrm flipV="1">
-            <a:off x="5738028" y="5232857"/>
+            <a:off x="5752633" y="5461457"/>
             <a:ext cx="742315" cy="490220"/>
           </a:xfrm>
           <a:prstGeom prst="line">
@@ -9434,20 +9391,8 @@
           <a:lstStyle/>
           <a:p>
             <a:r>
-              <a:rPr lang="en-US" altLang="zh-CN" dirty="0"/>
-              <a:t>DEMO</a:t>
-            </a:r>
-            <a:r>
               <a:rPr lang="zh-CN" altLang="en-US" dirty="0"/>
-              <a:t>：在</a:t>
-            </a:r>
-            <a:r>
-              <a:rPr lang="en-US" altLang="zh-CN" dirty="0"/>
-              <a:t>MS Project</a:t>
-            </a:r>
-            <a:r>
-              <a:rPr lang="zh-CN" altLang="en-US" dirty="0"/>
-              <a:t>中进行资源平衡</a:t>
+              <a:t>制定进度计划的成果</a:t>
             </a:r>
             <a:endParaRPr lang="zh-CN" altLang="en-US" dirty="0"/>
           </a:p>
@@ -9468,7 +9413,91 @@
           <a:bodyPr/>
           <a:lstStyle/>
           <a:p>
-            <a:endParaRPr lang="zh-CN" altLang="en-US"/>
+            <a:r>
+              <a:rPr lang="en-US" altLang="zh-CN" sz="2400" dirty="0"/>
+              <a:t>《</a:t>
+            </a:r>
+            <a:r>
+              <a:rPr lang="zh-CN" altLang="en-US" sz="2400" dirty="0"/>
+              <a:t>项目进度计划</a:t>
+            </a:r>
+            <a:r>
+              <a:rPr lang="en-US" altLang="zh-CN" sz="2400" dirty="0"/>
+              <a:t>》</a:t>
+            </a:r>
+            <a:r>
+              <a:rPr lang="zh-CN" altLang="en-US" sz="2400" dirty="0"/>
+              <a:t>，包括每项活动的计划开始日期与计划完成日期</a:t>
+            </a:r>
+            <a:endParaRPr lang="en-US" altLang="zh-CN" sz="2400" dirty="0"/>
+          </a:p>
+          <a:p>
+            <a:pPr lvl="1"/>
+            <a:r>
+              <a:rPr lang="zh-CN" altLang="en-US" sz="2000" dirty="0"/>
+              <a:t>里程碑图</a:t>
+            </a:r>
+            <a:endParaRPr lang="en-US" altLang="zh-CN" sz="2000" dirty="0"/>
+          </a:p>
+          <a:p>
+            <a:pPr lvl="1"/>
+            <a:r>
+              <a:rPr lang="zh-CN" altLang="en-US" sz="2000" dirty="0"/>
+              <a:t>甘特图</a:t>
+            </a:r>
+            <a:endParaRPr lang="en-US" altLang="zh-CN" sz="2000" dirty="0"/>
+          </a:p>
+          <a:p>
+            <a:pPr lvl="1"/>
+            <a:r>
+              <a:rPr lang="zh-CN" altLang="en-US" sz="2000" dirty="0"/>
+              <a:t>项目进度网络图</a:t>
+            </a:r>
+            <a:endParaRPr lang="en-US" altLang="zh-CN" sz="2000" dirty="0"/>
+          </a:p>
+          <a:p>
+            <a:r>
+              <a:rPr lang="zh-CN" altLang="en-US" sz="2400" dirty="0">
+                <a:solidFill>
+                  <a:srgbClr val="FF0000"/>
+                </a:solidFill>
+              </a:rPr>
+              <a:t> 进度基准</a:t>
+            </a:r>
+            <a:r>
+              <a:rPr lang="zh-CN" altLang="en-US" sz="2400" dirty="0">
+                <a:solidFill>
+                  <a:schemeClr val="tx1"/>
+                </a:solidFill>
+              </a:rPr>
+              <a:t>，</a:t>
+            </a:r>
+            <a:r>
+              <a:rPr lang="zh-CN" altLang="en-US" sz="2400" dirty="0"/>
+              <a:t>经项目管理团队认可与批准的进度计划，</a:t>
+            </a:r>
+            <a:r>
+              <a:rPr lang="zh-CN" altLang="en-US" sz="2400" dirty="0">
+                <a:sym typeface="+mn-ea"/>
+              </a:rPr>
+              <a:t>为后续执行的</a:t>
+            </a:r>
+            <a:r>
+              <a:rPr lang="zh-CN" altLang="en-US" sz="2400" dirty="0">
+                <a:solidFill>
+                  <a:srgbClr val="FF0000"/>
+                </a:solidFill>
+                <a:sym typeface="+mn-ea"/>
+              </a:rPr>
+              <a:t>监测、绩效评审</a:t>
+            </a:r>
+            <a:r>
+              <a:rPr lang="zh-CN" altLang="en-US" sz="2400" dirty="0">
+                <a:sym typeface="+mn-ea"/>
+              </a:rPr>
+              <a:t>提供参考依据</a:t>
+            </a:r>
+            <a:endParaRPr lang="en-US" altLang="zh-CN" sz="2400" dirty="0"/>
           </a:p>
         </p:txBody>
       </p:sp>
@@ -9514,7 +9543,7 @@
           <a:p>
             <a:r>
               <a:rPr lang="zh-CN" altLang="en-US" dirty="0"/>
-              <a:t>制定进度计划的成果</a:t>
+              <a:t>试练、作业</a:t>
             </a:r>
             <a:endParaRPr lang="zh-CN" altLang="en-US" dirty="0"/>
           </a:p>
@@ -9536,69 +9565,78 @@
           <a:lstStyle/>
           <a:p>
             <a:r>
-              <a:rPr lang="en-US" altLang="zh-CN" sz="2400" dirty="0"/>
-              <a:t>《</a:t>
-            </a:r>
-            <a:r>
-              <a:rPr lang="zh-CN" altLang="en-US" sz="2400" dirty="0"/>
-              <a:t>项目进度计划</a:t>
-            </a:r>
-            <a:r>
-              <a:rPr lang="en-US" altLang="zh-CN" sz="2400" dirty="0"/>
-              <a:t>》</a:t>
-            </a:r>
-            <a:r>
-              <a:rPr lang="zh-CN" altLang="en-US" sz="2400" dirty="0"/>
-              <a:t>，包括每项活动的计划开始日期与计划完成日期</a:t>
-            </a:r>
-            <a:endParaRPr lang="en-US" altLang="zh-CN" sz="2400" dirty="0"/>
-          </a:p>
-          <a:p>
-            <a:pPr lvl="1"/>
-            <a:r>
-              <a:rPr lang="zh-CN" altLang="en-US" sz="2000" dirty="0"/>
-              <a:t>里程碑图</a:t>
-            </a:r>
-            <a:endParaRPr lang="en-US" altLang="zh-CN" sz="2000" dirty="0"/>
-          </a:p>
-          <a:p>
-            <a:pPr lvl="1"/>
-            <a:r>
-              <a:rPr lang="zh-CN" altLang="en-US" sz="2000" dirty="0"/>
-              <a:t>甘特图</a:t>
-            </a:r>
-            <a:endParaRPr lang="en-US" altLang="zh-CN" sz="2000" dirty="0"/>
-          </a:p>
-          <a:p>
-            <a:pPr lvl="1"/>
-            <a:r>
-              <a:rPr lang="zh-CN" altLang="en-US" sz="2000" dirty="0"/>
-              <a:t>项目进度网络图</a:t>
-            </a:r>
-            <a:endParaRPr lang="en-US" altLang="zh-CN" sz="2000" dirty="0"/>
-          </a:p>
-          <a:p>
-            <a:r>
-              <a:rPr lang="zh-CN" altLang="en-US" sz="2400" dirty="0">
+              <a:rPr lang="zh-CN" altLang="en-US" sz="2600" dirty="0"/>
+              <a:t>小组讨论完成：</a:t>
+            </a:r>
+            <a:endParaRPr lang="en-US" altLang="zh-CN" sz="2600" dirty="0"/>
+          </a:p>
+          <a:p>
+            <a:pPr lvl="2"/>
+            <a:r>
+              <a:rPr lang="zh-CN" altLang="en-US" sz="2200" dirty="0">
                 <a:solidFill>
                   <a:srgbClr val="FF0000"/>
                 </a:solidFill>
               </a:rPr>
-              <a:t> 进度基准</a:t>
-            </a:r>
-            <a:r>
-              <a:rPr lang="zh-CN" altLang="en-US" sz="2400" dirty="0">
+              <a:t>在大学生电子商务网站</a:t>
+            </a:r>
+            <a:r>
+              <a:rPr lang="en-US" altLang="zh-CN" sz="2200" dirty="0">
                 <a:solidFill>
-                  <a:schemeClr val="tx1"/>
+                  <a:srgbClr val="FF0000"/>
                 </a:solidFill>
               </a:rPr>
-              <a:t>，</a:t>
-            </a:r>
-            <a:r>
-              <a:rPr lang="zh-CN" altLang="en-US" sz="2400" dirty="0"/>
-              <a:t>经项目管理团队认可与批准的进度计划</a:t>
-            </a:r>
-            <a:endParaRPr lang="en-US" altLang="zh-CN" sz="2400" dirty="0"/>
+              <a:t>WBS</a:t>
+            </a:r>
+            <a:r>
+              <a:rPr lang="zh-CN" altLang="en-US" sz="2200" dirty="0">
+                <a:solidFill>
+                  <a:srgbClr val="FF0000"/>
+                </a:solidFill>
+              </a:rPr>
+              <a:t>练习的成果基础上，完成工作包排列、估算资源、估算时间、制作进度计划工作，课上选几个小组分享</a:t>
+            </a:r>
+            <a:endParaRPr lang="en-US" altLang="zh-CN" sz="2200" dirty="0">
+              <a:solidFill>
+                <a:srgbClr val="FF0000"/>
+              </a:solidFill>
+            </a:endParaRPr>
+          </a:p>
+          <a:p>
+            <a:pPr lvl="2"/>
+            <a:r>
+              <a:rPr lang="zh-CN" altLang="en-US" sz="2200" dirty="0">
+                <a:solidFill>
+                  <a:srgbClr val="FF0000"/>
+                </a:solidFill>
+              </a:rPr>
+              <a:t>课后小组共同</a:t>
+            </a:r>
+            <a:r>
+              <a:rPr lang="zh-CN" altLang="en-US" sz="2200" dirty="0">
+                <a:solidFill>
+                  <a:srgbClr val="FF0000"/>
+                </a:solidFill>
+                <a:sym typeface="Wingdings" panose="05000000000000000000" pitchFamily="2" charset="2"/>
+              </a:rPr>
+              <a:t>参考教材附件中MS Project关于时间部分的实验，完成大学生电子商务项目的规划时间工作，形成进度计划</a:t>
+            </a:r>
+            <a:r>
+              <a:rPr lang="zh-CN" altLang="en-US" sz="2200" dirty="0">
+                <a:solidFill>
+                  <a:srgbClr val="FF0000"/>
+                </a:solidFill>
+              </a:rPr>
+              <a:t>，成果保留，后续的所有练习依此扩展</a:t>
+            </a:r>
+            <a:endParaRPr lang="zh-CN" altLang="en-US" sz="2400" dirty="0">
+              <a:solidFill>
+                <a:srgbClr val="FF0000"/>
+              </a:solidFill>
+            </a:endParaRPr>
+          </a:p>
+          <a:p>
+            <a:endParaRPr lang="zh-CN" altLang="en-US" sz="2200" dirty="0"/>
           </a:p>
         </p:txBody>
       </p:sp>
@@ -9611,145 +9649,6 @@
 </file>
 
 <file path=ppt/slides/slide18.xml><?xml version="1.0" encoding="utf-8"?>
-<p:sld xmlns:a="http://schemas.openxmlformats.org/drawingml/2006/main" xmlns:r="http://schemas.openxmlformats.org/officeDocument/2006/relationships" xmlns:p="http://schemas.openxmlformats.org/presentationml/2006/main">
-  <p:cSld>
-    <p:spTree>
-      <p:nvGrpSpPr>
-        <p:cNvPr id="1" name=""/>
-        <p:cNvGrpSpPr/>
-        <p:nvPr/>
-      </p:nvGrpSpPr>
-      <p:grpSpPr>
-        <a:xfrm>
-          <a:off x="0" y="0"/>
-          <a:ext cx="0" cy="0"/>
-          <a:chOff x="0" y="0"/>
-          <a:chExt cx="0" cy="0"/>
-        </a:xfrm>
-      </p:grpSpPr>
-      <p:sp>
-        <p:nvSpPr>
-          <p:cNvPr id="2" name="标题 1"/>
-          <p:cNvSpPr>
-            <a:spLocks noGrp="1"/>
-          </p:cNvSpPr>
-          <p:nvPr>
-            <p:ph type="title"/>
-          </p:nvPr>
-        </p:nvSpPr>
-        <p:spPr/>
-        <p:txBody>
-          <a:bodyPr/>
-          <a:lstStyle/>
-          <a:p>
-            <a:r>
-              <a:rPr lang="zh-CN" altLang="en-US" dirty="0"/>
-              <a:t>试练、作业</a:t>
-            </a:r>
-            <a:endParaRPr lang="zh-CN" altLang="en-US" dirty="0"/>
-          </a:p>
-        </p:txBody>
-      </p:sp>
-      <p:sp>
-        <p:nvSpPr>
-          <p:cNvPr id="3" name="内容占位符 2"/>
-          <p:cNvSpPr>
-            <a:spLocks noGrp="1"/>
-          </p:cNvSpPr>
-          <p:nvPr>
-            <p:ph idx="1"/>
-          </p:nvPr>
-        </p:nvSpPr>
-        <p:spPr/>
-        <p:txBody>
-          <a:bodyPr/>
-          <a:lstStyle/>
-          <a:p>
-            <a:r>
-              <a:rPr lang="zh-CN" altLang="en-US" sz="2600" dirty="0"/>
-              <a:t>小组讨论完成：</a:t>
-            </a:r>
-            <a:endParaRPr lang="en-US" altLang="zh-CN" sz="2600" dirty="0"/>
-          </a:p>
-          <a:p>
-            <a:pPr lvl="2"/>
-            <a:r>
-              <a:rPr lang="zh-CN" altLang="en-US" sz="2200" dirty="0">
-                <a:solidFill>
-                  <a:srgbClr val="FF0000"/>
-                </a:solidFill>
-              </a:rPr>
-              <a:t>在大学生电子商务网站</a:t>
-            </a:r>
-            <a:r>
-              <a:rPr lang="en-US" altLang="zh-CN" sz="2200" dirty="0">
-                <a:solidFill>
-                  <a:srgbClr val="FF0000"/>
-                </a:solidFill>
-              </a:rPr>
-              <a:t>WBS</a:t>
-            </a:r>
-            <a:r>
-              <a:rPr lang="zh-CN" altLang="en-US" sz="2200" dirty="0">
-                <a:solidFill>
-                  <a:srgbClr val="FF0000"/>
-                </a:solidFill>
-              </a:rPr>
-              <a:t>练习的成果基础上，完成工作包排列、估算资源、估算时间、制作进度计划工作，课上选几个小组分享</a:t>
-            </a:r>
-            <a:endParaRPr lang="en-US" altLang="zh-CN" sz="2200" dirty="0">
-              <a:solidFill>
-                <a:srgbClr val="FF0000"/>
-              </a:solidFill>
-            </a:endParaRPr>
-          </a:p>
-          <a:p>
-            <a:pPr lvl="2"/>
-            <a:r>
-              <a:rPr lang="zh-CN" altLang="en-US" sz="2200" dirty="0">
-                <a:solidFill>
-                  <a:srgbClr val="FF0000"/>
-                </a:solidFill>
-              </a:rPr>
-              <a:t>课后小组共同</a:t>
-            </a:r>
-            <a:r>
-              <a:rPr lang="zh-CN" altLang="en-US" sz="2200" dirty="0">
-                <a:solidFill>
-                  <a:srgbClr val="FF0000"/>
-                </a:solidFill>
-                <a:sym typeface="Wingdings" panose="05000000000000000000" pitchFamily="2" charset="2"/>
-              </a:rPr>
-              <a:t>参考教材附件中MS Project关于时间部分的实验，完成大学生电子商务项目的规划时间工作，形成进度计划</a:t>
-            </a:r>
-            <a:r>
-              <a:rPr lang="zh-CN" altLang="en-US" sz="2200" dirty="0">
-                <a:solidFill>
-                  <a:srgbClr val="FF0000"/>
-                </a:solidFill>
-              </a:rPr>
-              <a:t>，成果保留，后续的所有练习依此扩展</a:t>
-            </a:r>
-            <a:endParaRPr lang="zh-CN" altLang="en-US" sz="2400" dirty="0">
-              <a:solidFill>
-                <a:srgbClr val="FF0000"/>
-              </a:solidFill>
-            </a:endParaRPr>
-          </a:p>
-          <a:p>
-            <a:endParaRPr lang="zh-CN" altLang="en-US" sz="2200" dirty="0"/>
-          </a:p>
-        </p:txBody>
-      </p:sp>
-    </p:spTree>
-  </p:cSld>
-  <p:clrMapOvr>
-    <a:masterClrMapping/>
-  </p:clrMapOvr>
-</p:sld>
-</file>
-
-<file path=ppt/slides/slide19.xml><?xml version="1.0" encoding="utf-8"?>
 <p:sld xmlns:a="http://schemas.openxmlformats.org/drawingml/2006/main" xmlns:r="http://schemas.openxmlformats.org/officeDocument/2006/relationships" xmlns:p="http://schemas.openxmlformats.org/presentationml/2006/main">
   <p:cSld>
     <p:spTree>
@@ -10058,6 +9957,24 @@
               <a:rPr lang="zh-CN" altLang="en-US" sz="2400" dirty="0" smtClean="0"/>
               <a:t>范围规划</a:t>
             </a:r>
+            <a:r>
+              <a:rPr lang="zh-CN" altLang="en-US" sz="2400" dirty="0" smtClean="0">
+                <a:sym typeface="+mn-ea"/>
+              </a:rPr>
+              <a:t>（</a:t>
+            </a:r>
+            <a:r>
+              <a:rPr lang="en-US" altLang="zh-CN" sz="2400" dirty="0" smtClean="0">
+                <a:sym typeface="+mn-ea"/>
+              </a:rPr>
+              <a:t>4</a:t>
+            </a:r>
+            <a:r>
+              <a:rPr lang="zh-CN" altLang="en-US" sz="2400" dirty="0" smtClean="0">
+                <a:sym typeface="+mn-ea"/>
+              </a:rPr>
+              <a:t>步）</a:t>
+            </a:r>
             <a:endParaRPr lang="en-US" altLang="zh-CN" sz="2400" dirty="0" smtClean="0"/>
           </a:p>
           <a:p>
@@ -10088,7 +10005,15 @@
             <a:pPr lvl="1"/>
             <a:r>
               <a:rPr lang="zh-CN" altLang="en-US" sz="2200" dirty="0" smtClean="0"/>
-              <a:t>创建工作分解结构</a:t>
+              <a:t>创建工作分解结构（</a:t>
+            </a:r>
+            <a:r>
+              <a:rPr lang="en-US" altLang="zh-CN" sz="2200" dirty="0" smtClean="0"/>
+              <a:t>WBS</a:t>
+            </a:r>
+            <a:r>
+              <a:rPr lang="zh-CN" altLang="en-US" sz="2200" dirty="0" smtClean="0"/>
+              <a:t>）</a:t>
             </a:r>
             <a:endParaRPr lang="en-US" altLang="zh-CN" sz="2200" dirty="0"/>
           </a:p>
@@ -13078,7 +13003,19 @@
           <a:p>
             <a:r>
               <a:rPr lang="zh-CN" altLang="en-US" sz="2400" dirty="0"/>
-              <a:t>识别和记录工作包间逻辑关系。例如编码活动应该位于单元测试活动前面；</a:t>
+              <a:t>识别和记录</a:t>
+            </a:r>
+            <a:r>
+              <a:rPr lang="zh-CN" altLang="en-US" sz="2400" dirty="0">
+                <a:solidFill>
+                  <a:srgbClr val="FF0000"/>
+                </a:solidFill>
+              </a:rPr>
+              <a:t>工作包</a:t>
+            </a:r>
+            <a:r>
+              <a:rPr lang="zh-CN" altLang="en-US" sz="2400" dirty="0"/>
+              <a:t>间逻辑顺序关系。例如编码活动应该位于单元测试活动前面；</a:t>
             </a:r>
             <a:endParaRPr lang="en-US" altLang="zh-CN" sz="2400" dirty="0"/>
           </a:p>
@@ -13088,8 +13025,14 @@
               <a:t>4</a:t>
             </a:r>
             <a:r>
+              <a:rPr lang="zh-CN" altLang="en-US" sz="2400" dirty="0">
+                <a:sym typeface="+mn-ea"/>
+              </a:rPr>
+              <a:t>种逻辑顺序关系</a:t>
+            </a:r>
+            <a:r>
               <a:rPr lang="zh-CN" altLang="en-US" sz="2400" dirty="0"/>
-              <a:t>种逻辑关系：</a:t>
+              <a:t>：</a:t>
             </a:r>
             <a:endParaRPr lang="en-US" altLang="zh-CN" sz="2400" dirty="0"/>
           </a:p>
@@ -15540,7 +15483,17 @@
           <a:p>
             <a:r>
               <a:rPr lang="zh-CN" altLang="en-US" dirty="0"/>
-              <a:t>绘图练习</a:t>
+              <a:t>绘图练习（在项目实践过程中，提高</a:t>
+            </a:r>
+            <a:r>
+              <a:rPr lang="zh-CN" altLang="en-US" dirty="0">
+                <a:sym typeface="+mn-ea"/>
+              </a:rPr>
+              <a:t>排列工作包顺序的能力</a:t>
+            </a:r>
+            <a:r>
+              <a:rPr lang="zh-CN" altLang="en-US" dirty="0"/>
+              <a:t>）</a:t>
             </a:r>
             <a:endParaRPr lang="zh-CN" altLang="en-US" dirty="0"/>
           </a:p>
@@ -15689,7 +15642,7 @@
         </p:nvSpPr>
         <p:spPr>
           <a:xfrm>
-            <a:off x="2133600" y="4343400"/>
+            <a:off x="2087880" y="4014470"/>
             <a:ext cx="1295400" cy="762000"/>
           </a:xfrm>
           <a:prstGeom prst="roundRect">
@@ -15742,7 +15695,7 @@
         </p:nvSpPr>
         <p:spPr>
           <a:xfrm>
-            <a:off x="4114800" y="3581400"/>
+            <a:off x="4069080" y="3252470"/>
             <a:ext cx="906780" cy="533400"/>
           </a:xfrm>
           <a:prstGeom prst="roundRect">
@@ -15795,7 +15748,7 @@
         </p:nvSpPr>
         <p:spPr>
           <a:xfrm>
-            <a:off x="4191000" y="5257800"/>
+            <a:off x="4145280" y="4928870"/>
             <a:ext cx="906780" cy="533400"/>
           </a:xfrm>
           <a:prstGeom prst="roundRect">
@@ -15851,7 +15804,7 @@
         </p:nvCxnSpPr>
         <p:spPr>
           <a:xfrm flipV="1">
-            <a:off x="3429000" y="3848100"/>
+            <a:off x="3383280" y="3504565"/>
             <a:ext cx="685800" cy="876300"/>
           </a:xfrm>
           <a:prstGeom prst="line">
@@ -15889,7 +15842,7 @@
         </p:nvCxnSpPr>
         <p:spPr>
           <a:xfrm>
-            <a:off x="3429000" y="4724400"/>
+            <a:off x="3383280" y="4380865"/>
             <a:ext cx="762000" cy="800100"/>
           </a:xfrm>
           <a:prstGeom prst="line">
@@ -15924,7 +15877,7 @@
         </p:nvSpPr>
         <p:spPr>
           <a:xfrm>
-            <a:off x="5867400" y="3048000"/>
+            <a:off x="5821680" y="2719070"/>
             <a:ext cx="906780" cy="533400"/>
           </a:xfrm>
           <a:prstGeom prst="roundRect">
@@ -15977,7 +15930,7 @@
         </p:nvSpPr>
         <p:spPr>
           <a:xfrm>
-            <a:off x="5867400" y="3962400"/>
+            <a:off x="5821680" y="3633470"/>
             <a:ext cx="906780" cy="533400"/>
           </a:xfrm>
           <a:prstGeom prst="roundRect">
@@ -16033,7 +15986,7 @@
         </p:nvCxnSpPr>
         <p:spPr>
           <a:xfrm flipV="1">
-            <a:off x="5021580" y="3314700"/>
+            <a:off x="4975860" y="2971165"/>
             <a:ext cx="845820" cy="533400"/>
           </a:xfrm>
           <a:prstGeom prst="line">
@@ -16071,7 +16024,7 @@
         </p:nvCxnSpPr>
         <p:spPr>
           <a:xfrm>
-            <a:off x="5021580" y="3848100"/>
+            <a:off x="4975860" y="3504565"/>
             <a:ext cx="845820" cy="381000"/>
           </a:xfrm>
           <a:prstGeom prst="line">
@@ -16106,7 +16059,7 @@
         </p:nvSpPr>
         <p:spPr>
           <a:xfrm>
-            <a:off x="5943600" y="5029200"/>
+            <a:off x="5897880" y="4700270"/>
             <a:ext cx="906780" cy="533400"/>
           </a:xfrm>
           <a:prstGeom prst="roundRect">
@@ -16159,7 +16112,7 @@
         </p:nvSpPr>
         <p:spPr>
           <a:xfrm>
-            <a:off x="5943600" y="5943600"/>
+            <a:off x="5897880" y="5614670"/>
             <a:ext cx="906780" cy="533400"/>
           </a:xfrm>
           <a:prstGeom prst="roundRect">
@@ -16215,7 +16168,7 @@
         </p:nvCxnSpPr>
         <p:spPr>
           <a:xfrm flipV="1">
-            <a:off x="5097780" y="5295900"/>
+            <a:off x="5052060" y="4952365"/>
             <a:ext cx="845820" cy="228600"/>
           </a:xfrm>
           <a:prstGeom prst="line">
@@ -16253,7 +16206,7 @@
         </p:nvCxnSpPr>
         <p:spPr>
           <a:xfrm>
-            <a:off x="5097780" y="5524500"/>
+            <a:off x="5052060" y="5180965"/>
             <a:ext cx="845820" cy="685800"/>
           </a:xfrm>
           <a:prstGeom prst="line">
@@ -16288,7 +16241,7 @@
         </p:nvSpPr>
         <p:spPr>
           <a:xfrm>
-            <a:off x="7543800" y="4419600"/>
+            <a:off x="7498080" y="4090670"/>
             <a:ext cx="906780" cy="533400"/>
           </a:xfrm>
           <a:prstGeom prst="roundRect">
@@ -16344,7 +16297,7 @@
         </p:nvCxnSpPr>
         <p:spPr>
           <a:xfrm>
-            <a:off x="6774180" y="4229100"/>
+            <a:off x="6728460" y="3885565"/>
             <a:ext cx="769620" cy="457200"/>
           </a:xfrm>
           <a:prstGeom prst="line">
@@ -16382,7 +16335,7 @@
         </p:nvCxnSpPr>
         <p:spPr>
           <a:xfrm flipV="1">
-            <a:off x="6850380" y="4686300"/>
+            <a:off x="6804660" y="4342765"/>
             <a:ext cx="693420" cy="609600"/>
           </a:xfrm>
           <a:prstGeom prst="line">
@@ -16417,7 +16370,7 @@
         </p:nvSpPr>
         <p:spPr>
           <a:xfrm>
-            <a:off x="8991600" y="4343400"/>
+            <a:off x="8945880" y="4014470"/>
             <a:ext cx="1295400" cy="762000"/>
           </a:xfrm>
           <a:prstGeom prst="roundRect">
@@ -16473,7 +16426,7 @@
         </p:nvCxnSpPr>
         <p:spPr>
           <a:xfrm>
-            <a:off x="6774180" y="3314700"/>
+            <a:off x="6728460" y="2971165"/>
             <a:ext cx="2865120" cy="1028700"/>
           </a:xfrm>
           <a:prstGeom prst="line">
@@ -16511,7 +16464,7 @@
         </p:nvCxnSpPr>
         <p:spPr>
           <a:xfrm flipV="1">
-            <a:off x="6850380" y="5105400"/>
+            <a:off x="6804660" y="4761865"/>
             <a:ext cx="2788920" cy="1104900"/>
           </a:xfrm>
           <a:prstGeom prst="line">
@@ -16549,7 +16502,7 @@
         </p:nvCxnSpPr>
         <p:spPr>
           <a:xfrm>
-            <a:off x="8450580" y="4686300"/>
+            <a:off x="8404860" y="4342765"/>
             <a:ext cx="541020" cy="38100"/>
           </a:xfrm>
           <a:prstGeom prst="line">
@@ -17449,7 +17402,7 @@
           <a:p>
             <a:r>
               <a:rPr lang="zh-CN" altLang="en-US" dirty="0"/>
-              <a:t>其它重要技术</a:t>
+              <a:t>其它注意事项</a:t>
             </a:r>
             <a:endParaRPr lang="zh-CN" altLang="en-US" dirty="0"/>
           </a:p>
@@ -17473,10 +17426,18 @@
             <a:r>
               <a:rPr lang="zh-CN" altLang="en-US" sz="2400" dirty="0">
                 <a:solidFill>
+                  <a:schemeClr val="tx1"/>
+                </a:solidFill>
+              </a:rPr>
+              <a:t>确定工作包</a:t>
+            </a:r>
+            <a:r>
+              <a:rPr lang="zh-CN" altLang="en-US" sz="2400" dirty="0">
+                <a:solidFill>
                   <a:srgbClr val="FF0000"/>
                 </a:solidFill>
               </a:rPr>
-              <a:t>确定依赖关系</a:t>
+              <a:t>依赖关系分类</a:t>
             </a:r>
             <a:endParaRPr lang="en-US" altLang="zh-CN" sz="2400" dirty="0">
               <a:solidFill>
@@ -17994,30 +17955,21 @@
                             </p:childTnLst>
                           </p:cTn>
                         </p:par>
-                      </p:childTnLst>
-                    </p:cTn>
-                  </p:par>
-                  <p:par>
-                    <p:cTn id="29" fill="hold">
-                      <p:stCondLst>
-                        <p:cond delay="indefinite"/>
-                      </p:stCondLst>
-                      <p:childTnLst>
                         <p:par>
-                          <p:cTn id="30" fill="hold">
+                          <p:cTn id="29" fill="hold">
                             <p:stCondLst>
-                              <p:cond delay="0"/>
+                              <p:cond delay="500"/>
                             </p:stCondLst>
                             <p:childTnLst>
                               <p:par>
-                                <p:cTn id="31" presetID="3" presetClass="entr" presetSubtype="10" fill="hold" grpId="0" nodeType="clickEffect">
+                                <p:cTn id="30" presetID="3" presetClass="entr" presetSubtype="10" fill="hold" grpId="0" nodeType="afterEffect">
                                   <p:stCondLst>
                                     <p:cond delay="0"/>
                                   </p:stCondLst>
                                   <p:childTnLst>
                                     <p:set>
                                       <p:cBhvr>
-                                        <p:cTn id="32" dur="1" fill="hold">
+                                        <p:cTn id="31" dur="1" fill="hold">
                                           <p:stCondLst>
                                             <p:cond delay="0"/>
                                           </p:stCondLst>
@@ -18039,7 +17991,7 @@
                                     </p:set>
                                     <p:animEffect transition="in" filter="blinds(horizontal)">
                                       <p:cBhvr>
-                                        <p:cTn id="33" dur="500"/>
+                                        <p:cTn id="32" dur="500"/>
                                         <p:tgtEl>
                                           <p:spTgt spid="3">
                                             <p:txEl>
@@ -18080,7 +18032,7 @@
       </p:par>
     </p:tnLst>
     <p:bldLst>
-      <p:bldP spid="3" grpId="0" build="p"/>
+      <p:bldP spid="3" grpId="0" uiExpand="1" build="p"/>
       <p:bldP spid="6" grpId="0" bldLvl="0" animBg="1"/>
       <p:bldP spid="6" grpId="1" bldLvl="0" animBg="1"/>
     </p:bldLst>

--- a/materials/slides/ch03-2.pptx
+++ b/materials/slides/ch03-2.pptx
@@ -17418,7 +17418,12 @@
             <p:ph sz="quarter" idx="1"/>
           </p:nvPr>
         </p:nvSpPr>
-        <p:spPr/>
+        <p:spPr>
+          <a:xfrm>
+            <a:off x="393700" y="1489075"/>
+            <a:ext cx="10714355" cy="4313555"/>
+          </a:xfrm>
+        </p:spPr>
         <p:txBody>
           <a:bodyPr/>
           <a:lstStyle/>
@@ -17480,7 +17485,17 @@
             </a:r>
             <a:r>
               <a:rPr lang="zh-CN" altLang="en-US" sz="2400" dirty="0"/>
-              <a:t>，例如编码结束前</a:t>
+              <a:t>，</a:t>
+            </a:r>
+            <a:r>
+              <a:rPr lang="zh-CN" altLang="en-US" sz="2400" dirty="0">
+                <a:sym typeface="+mn-ea"/>
+              </a:rPr>
+              <a:t>可在依赖关系中加入时间提前量或滞后量，来更准确地表示活动间的逻辑关系。</a:t>
+            </a:r>
+            <a:r>
+              <a:rPr lang="zh-CN" altLang="en-US" sz="2400" dirty="0"/>
+              <a:t>例如编码结束前</a:t>
             </a:r>
             <a:r>
               <a:rPr lang="en-US" altLang="zh-CN" sz="2400" dirty="0"/>
@@ -17488,7 +17503,16 @@
             </a:r>
             <a:r>
               <a:rPr lang="zh-CN" altLang="en-US" sz="2400" dirty="0"/>
-              <a:t>天就开始测试；</a:t>
+              <a:t>天就开始发布前的测试</a:t>
+            </a:r>
+            <a:endParaRPr lang="zh-CN" altLang="en-US" sz="2400" dirty="0"/>
+          </a:p>
+          <a:p>
+            <a:r>
+              <a:rPr lang="zh-CN" altLang="en-US" sz="2400" dirty="0">
+                <a:sym typeface="+mn-ea"/>
+              </a:rPr>
+              <a:t>进度网络模板。可以使用企业标准的网络图模板，来加快项目活动网络图的编制速度</a:t>
             </a:r>
             <a:endParaRPr lang="en-US" altLang="zh-CN" sz="2400" dirty="0"/>
           </a:p>
@@ -17996,6 +18020,67 @@
                                           <p:spTgt spid="3">
                                             <p:txEl>
                                               <p:pRg st="4" end="4"/>
+                                            </p:txEl>
+                                          </p:spTgt>
+                                        </p:tgtEl>
+                                      </p:cBhvr>
+                                    </p:animEffect>
+                                  </p:childTnLst>
+                                </p:cTn>
+                              </p:par>
+                            </p:childTnLst>
+                          </p:cTn>
+                        </p:par>
+                      </p:childTnLst>
+                    </p:cTn>
+                  </p:par>
+                  <p:par>
+                    <p:cTn id="33" fill="hold">
+                      <p:stCondLst>
+                        <p:cond delay="indefinite"/>
+                      </p:stCondLst>
+                      <p:childTnLst>
+                        <p:par>
+                          <p:cTn id="34" fill="hold">
+                            <p:stCondLst>
+                              <p:cond delay="0"/>
+                            </p:stCondLst>
+                            <p:childTnLst>
+                              <p:par>
+                                <p:cTn id="35" presetID="3" presetClass="entr" presetSubtype="10" fill="hold" grpId="0" nodeType="clickEffect">
+                                  <p:stCondLst>
+                                    <p:cond delay="0"/>
+                                  </p:stCondLst>
+                                  <p:childTnLst>
+                                    <p:set>
+                                      <p:cBhvr>
+                                        <p:cTn id="36" dur="1" fill="hold">
+                                          <p:stCondLst>
+                                            <p:cond delay="0"/>
+                                          </p:stCondLst>
+                                        </p:cTn>
+                                        <p:tgtEl>
+                                          <p:spTgt spid="3">
+                                            <p:txEl>
+                                              <p:pRg st="5" end="5"/>
+                                            </p:txEl>
+                                          </p:spTgt>
+                                        </p:tgtEl>
+                                        <p:attrNameLst>
+                                          <p:attrName>style.visibility</p:attrName>
+                                        </p:attrNameLst>
+                                      </p:cBhvr>
+                                      <p:to>
+                                        <p:strVal val="visible"/>
+                                      </p:to>
+                                    </p:set>
+                                    <p:animEffect transition="in" filter="blinds(horizontal)">
+                                      <p:cBhvr>
+                                        <p:cTn id="37" dur="500"/>
+                                        <p:tgtEl>
+                                          <p:spTgt spid="3">
+                                            <p:txEl>
+                                              <p:pRg st="5" end="5"/>
                                             </p:txEl>
                                           </p:spTgt>
                                         </p:tgtEl>

--- a/materials/slides/ch03-2.pptx
+++ b/materials/slides/ch03-2.pptx
@@ -12980,7 +12980,7 @@
             </a:r>
             <a:r>
               <a:rPr lang="zh-CN" altLang="en-US" dirty="0"/>
-              <a:t>排列工作包顺序</a:t>
+              <a:t>排列工作包顺序（前导图法）</a:t>
             </a:r>
             <a:endParaRPr lang="zh-CN" altLang="en-US" dirty="0"/>
           </a:p>

--- a/materials/slides/ch03-2.pptx
+++ b/materials/slides/ch03-2.pptx
@@ -8689,7 +8689,7 @@
           <a:p>
             <a:r>
               <a:rPr lang="zh-CN" altLang="en-US" sz="2400" dirty="0"/>
-              <a:t>由项目经理整合前三项工作的成果，编制统一的项目进度计划</a:t>
+              <a:t>由项目经理整合前三项工作的成果，编制统一的项目进度计划，具体包括：</a:t>
             </a:r>
             <a:endParaRPr lang="en-US" altLang="zh-CN" sz="2400" dirty="0"/>
           </a:p>
@@ -11608,1212 +11608,9 @@
   <p:timing>
     <p:tnLst>
       <p:par>
-        <p:cTn id="1" dur="indefinite" restart="never" nodeType="tmRoot">
-          <p:childTnLst>
-            <p:seq concurrent="1" nextAc="seek">
-              <p:cTn id="2" dur="indefinite" nodeType="mainSeq">
-                <p:childTnLst>
-                  <p:par>
-                    <p:cTn id="3" fill="hold">
-                      <p:stCondLst>
-                        <p:cond delay="indefinite"/>
-                      </p:stCondLst>
-                      <p:childTnLst>
-                        <p:par>
-                          <p:cTn id="4" fill="hold">
-                            <p:stCondLst>
-                              <p:cond delay="0"/>
-                            </p:stCondLst>
-                            <p:childTnLst>
-                              <p:par>
-                                <p:cTn id="5" presetID="3" presetClass="entr" presetSubtype="10" fill="hold" grpId="0" nodeType="clickEffect">
-                                  <p:stCondLst>
-                                    <p:cond delay="0"/>
-                                  </p:stCondLst>
-                                  <p:childTnLst>
-                                    <p:set>
-                                      <p:cBhvr>
-                                        <p:cTn id="6" dur="1" fill="hold">
-                                          <p:stCondLst>
-                                            <p:cond delay="0"/>
-                                          </p:stCondLst>
-                                        </p:cTn>
-                                        <p:tgtEl>
-                                          <p:spTgt spid="6"/>
-                                        </p:tgtEl>
-                                        <p:attrNameLst>
-                                          <p:attrName>style.visibility</p:attrName>
-                                        </p:attrNameLst>
-                                      </p:cBhvr>
-                                      <p:to>
-                                        <p:strVal val="visible"/>
-                                      </p:to>
-                                    </p:set>
-                                    <p:animEffect transition="in" filter="blinds(horizontal)">
-                                      <p:cBhvr>
-                                        <p:cTn id="7" dur="500"/>
-                                        <p:tgtEl>
-                                          <p:spTgt spid="6"/>
-                                        </p:tgtEl>
-                                      </p:cBhvr>
-                                    </p:animEffect>
-                                  </p:childTnLst>
-                                </p:cTn>
-                              </p:par>
-                            </p:childTnLst>
-                          </p:cTn>
-                        </p:par>
-                      </p:childTnLst>
-                    </p:cTn>
-                  </p:par>
-                  <p:par>
-                    <p:cTn id="8" fill="hold">
-                      <p:stCondLst>
-                        <p:cond delay="indefinite"/>
-                      </p:stCondLst>
-                      <p:childTnLst>
-                        <p:par>
-                          <p:cTn id="9" fill="hold">
-                            <p:stCondLst>
-                              <p:cond delay="0"/>
-                            </p:stCondLst>
-                            <p:childTnLst>
-                              <p:par>
-                                <p:cTn id="10" presetID="3" presetClass="entr" presetSubtype="10" fill="hold" nodeType="clickEffect">
-                                  <p:stCondLst>
-                                    <p:cond delay="0"/>
-                                  </p:stCondLst>
-                                  <p:childTnLst>
-                                    <p:set>
-                                      <p:cBhvr>
-                                        <p:cTn id="11" dur="1" fill="hold">
-                                          <p:stCondLst>
-                                            <p:cond delay="0"/>
-                                          </p:stCondLst>
-                                        </p:cTn>
-                                        <p:tgtEl>
-                                          <p:spTgt spid="18"/>
-                                        </p:tgtEl>
-                                        <p:attrNameLst>
-                                          <p:attrName>style.visibility</p:attrName>
-                                        </p:attrNameLst>
-                                      </p:cBhvr>
-                                      <p:to>
-                                        <p:strVal val="visible"/>
-                                      </p:to>
-                                    </p:set>
-                                    <p:animEffect transition="in" filter="blinds(horizontal)">
-                                      <p:cBhvr>
-                                        <p:cTn id="12" dur="500"/>
-                                        <p:tgtEl>
-                                          <p:spTgt spid="18"/>
-                                        </p:tgtEl>
-                                      </p:cBhvr>
-                                    </p:animEffect>
-                                  </p:childTnLst>
-                                </p:cTn>
-                              </p:par>
-                              <p:par>
-                                <p:cTn id="13" presetID="3" presetClass="entr" presetSubtype="10" fill="hold" grpId="0" nodeType="withEffect">
-                                  <p:stCondLst>
-                                    <p:cond delay="0"/>
-                                  </p:stCondLst>
-                                  <p:childTnLst>
-                                    <p:set>
-                                      <p:cBhvr>
-                                        <p:cTn id="14" dur="1" fill="hold">
-                                          <p:stCondLst>
-                                            <p:cond delay="0"/>
-                                          </p:stCondLst>
-                                        </p:cTn>
-                                        <p:tgtEl>
-                                          <p:spTgt spid="7"/>
-                                        </p:tgtEl>
-                                        <p:attrNameLst>
-                                          <p:attrName>style.visibility</p:attrName>
-                                        </p:attrNameLst>
-                                      </p:cBhvr>
-                                      <p:to>
-                                        <p:strVal val="visible"/>
-                                      </p:to>
-                                    </p:set>
-                                    <p:animEffect transition="in" filter="blinds(horizontal)">
-                                      <p:cBhvr>
-                                        <p:cTn id="15" dur="500"/>
-                                        <p:tgtEl>
-                                          <p:spTgt spid="7"/>
-                                        </p:tgtEl>
-                                      </p:cBhvr>
-                                    </p:animEffect>
-                                  </p:childTnLst>
-                                </p:cTn>
-                              </p:par>
-                            </p:childTnLst>
-                          </p:cTn>
-                        </p:par>
-                      </p:childTnLst>
-                    </p:cTn>
-                  </p:par>
-                  <p:par>
-                    <p:cTn id="16" fill="hold">
-                      <p:stCondLst>
-                        <p:cond delay="indefinite"/>
-                      </p:stCondLst>
-                      <p:childTnLst>
-                        <p:par>
-                          <p:cTn id="17" fill="hold">
-                            <p:stCondLst>
-                              <p:cond delay="0"/>
-                            </p:stCondLst>
-                            <p:childTnLst>
-                              <p:par>
-                                <p:cTn id="18" presetID="3" presetClass="entr" presetSubtype="10" fill="hold" nodeType="clickEffect">
-                                  <p:stCondLst>
-                                    <p:cond delay="0"/>
-                                  </p:stCondLst>
-                                  <p:childTnLst>
-                                    <p:set>
-                                      <p:cBhvr>
-                                        <p:cTn id="19" dur="1" fill="hold">
-                                          <p:stCondLst>
-                                            <p:cond delay="0"/>
-                                          </p:stCondLst>
-                                        </p:cTn>
-                                        <p:tgtEl>
-                                          <p:spTgt spid="20"/>
-                                        </p:tgtEl>
-                                        <p:attrNameLst>
-                                          <p:attrName>style.visibility</p:attrName>
-                                        </p:attrNameLst>
-                                      </p:cBhvr>
-                                      <p:to>
-                                        <p:strVal val="visible"/>
-                                      </p:to>
-                                    </p:set>
-                                    <p:animEffect transition="in" filter="blinds(horizontal)">
-                                      <p:cBhvr>
-                                        <p:cTn id="20" dur="500"/>
-                                        <p:tgtEl>
-                                          <p:spTgt spid="20"/>
-                                        </p:tgtEl>
-                                      </p:cBhvr>
-                                    </p:animEffect>
-                                  </p:childTnLst>
-                                </p:cTn>
-                              </p:par>
-                              <p:par>
-                                <p:cTn id="21" presetID="3" presetClass="entr" presetSubtype="10" fill="hold" grpId="0" nodeType="withEffect">
-                                  <p:stCondLst>
-                                    <p:cond delay="0"/>
-                                  </p:stCondLst>
-                                  <p:childTnLst>
-                                    <p:set>
-                                      <p:cBhvr>
-                                        <p:cTn id="22" dur="1" fill="hold">
-                                          <p:stCondLst>
-                                            <p:cond delay="0"/>
-                                          </p:stCondLst>
-                                        </p:cTn>
-                                        <p:tgtEl>
-                                          <p:spTgt spid="8"/>
-                                        </p:tgtEl>
-                                        <p:attrNameLst>
-                                          <p:attrName>style.visibility</p:attrName>
-                                        </p:attrNameLst>
-                                      </p:cBhvr>
-                                      <p:to>
-                                        <p:strVal val="visible"/>
-                                      </p:to>
-                                    </p:set>
-                                    <p:animEffect transition="in" filter="blinds(horizontal)">
-                                      <p:cBhvr>
-                                        <p:cTn id="23" dur="500"/>
-                                        <p:tgtEl>
-                                          <p:spTgt spid="8"/>
-                                        </p:tgtEl>
-                                      </p:cBhvr>
-                                    </p:animEffect>
-                                  </p:childTnLst>
-                                </p:cTn>
-                              </p:par>
-                            </p:childTnLst>
-                          </p:cTn>
-                        </p:par>
-                      </p:childTnLst>
-                    </p:cTn>
-                  </p:par>
-                  <p:par>
-                    <p:cTn id="24" fill="hold">
-                      <p:stCondLst>
-                        <p:cond delay="indefinite"/>
-                      </p:stCondLst>
-                      <p:childTnLst>
-                        <p:par>
-                          <p:cTn id="25" fill="hold">
-                            <p:stCondLst>
-                              <p:cond delay="0"/>
-                            </p:stCondLst>
-                            <p:childTnLst>
-                              <p:par>
-                                <p:cTn id="26" presetID="3" presetClass="entr" presetSubtype="10" fill="hold" nodeType="clickEffect">
-                                  <p:stCondLst>
-                                    <p:cond delay="0"/>
-                                  </p:stCondLst>
-                                  <p:childTnLst>
-                                    <p:set>
-                                      <p:cBhvr>
-                                        <p:cTn id="27" dur="1" fill="hold">
-                                          <p:stCondLst>
-                                            <p:cond delay="0"/>
-                                          </p:stCondLst>
-                                        </p:cTn>
-                                        <p:tgtEl>
-                                          <p:spTgt spid="22"/>
-                                        </p:tgtEl>
-                                        <p:attrNameLst>
-                                          <p:attrName>style.visibility</p:attrName>
-                                        </p:attrNameLst>
-                                      </p:cBhvr>
-                                      <p:to>
-                                        <p:strVal val="visible"/>
-                                      </p:to>
-                                    </p:set>
-                                    <p:animEffect transition="in" filter="blinds(horizontal)">
-                                      <p:cBhvr>
-                                        <p:cTn id="28" dur="500"/>
-                                        <p:tgtEl>
-                                          <p:spTgt spid="22"/>
-                                        </p:tgtEl>
-                                      </p:cBhvr>
-                                    </p:animEffect>
-                                  </p:childTnLst>
-                                </p:cTn>
-                              </p:par>
-                              <p:par>
-                                <p:cTn id="29" presetID="3" presetClass="entr" presetSubtype="10" fill="hold" grpId="0" nodeType="withEffect">
-                                  <p:stCondLst>
-                                    <p:cond delay="0"/>
-                                  </p:stCondLst>
-                                  <p:childTnLst>
-                                    <p:set>
-                                      <p:cBhvr>
-                                        <p:cTn id="30" dur="1" fill="hold">
-                                          <p:stCondLst>
-                                            <p:cond delay="0"/>
-                                          </p:stCondLst>
-                                        </p:cTn>
-                                        <p:tgtEl>
-                                          <p:spTgt spid="9"/>
-                                        </p:tgtEl>
-                                        <p:attrNameLst>
-                                          <p:attrName>style.visibility</p:attrName>
-                                        </p:attrNameLst>
-                                      </p:cBhvr>
-                                      <p:to>
-                                        <p:strVal val="visible"/>
-                                      </p:to>
-                                    </p:set>
-                                    <p:animEffect transition="in" filter="blinds(horizontal)">
-                                      <p:cBhvr>
-                                        <p:cTn id="31" dur="500"/>
-                                        <p:tgtEl>
-                                          <p:spTgt spid="9"/>
-                                        </p:tgtEl>
-                                      </p:cBhvr>
-                                    </p:animEffect>
-                                  </p:childTnLst>
-                                </p:cTn>
-                              </p:par>
-                            </p:childTnLst>
-                          </p:cTn>
-                        </p:par>
-                      </p:childTnLst>
-                    </p:cTn>
-                  </p:par>
-                  <p:par>
-                    <p:cTn id="32" fill="hold">
-                      <p:stCondLst>
-                        <p:cond delay="indefinite"/>
-                      </p:stCondLst>
-                      <p:childTnLst>
-                        <p:par>
-                          <p:cTn id="33" fill="hold">
-                            <p:stCondLst>
-                              <p:cond delay="0"/>
-                            </p:stCondLst>
-                            <p:childTnLst>
-                              <p:par>
-                                <p:cTn id="34" presetID="3" presetClass="entr" presetSubtype="10" fill="hold" nodeType="clickEffect">
-                                  <p:stCondLst>
-                                    <p:cond delay="0"/>
-                                  </p:stCondLst>
-                                  <p:childTnLst>
-                                    <p:set>
-                                      <p:cBhvr>
-                                        <p:cTn id="35" dur="1" fill="hold">
-                                          <p:stCondLst>
-                                            <p:cond delay="0"/>
-                                          </p:stCondLst>
-                                        </p:cTn>
-                                        <p:tgtEl>
-                                          <p:spTgt spid="24"/>
-                                        </p:tgtEl>
-                                        <p:attrNameLst>
-                                          <p:attrName>style.visibility</p:attrName>
-                                        </p:attrNameLst>
-                                      </p:cBhvr>
-                                      <p:to>
-                                        <p:strVal val="visible"/>
-                                      </p:to>
-                                    </p:set>
-                                    <p:animEffect transition="in" filter="blinds(horizontal)">
-                                      <p:cBhvr>
-                                        <p:cTn id="36" dur="500"/>
-                                        <p:tgtEl>
-                                          <p:spTgt spid="24"/>
-                                        </p:tgtEl>
-                                      </p:cBhvr>
-                                    </p:animEffect>
-                                  </p:childTnLst>
-                                </p:cTn>
-                              </p:par>
-                              <p:par>
-                                <p:cTn id="37" presetID="3" presetClass="entr" presetSubtype="10" fill="hold" nodeType="withEffect">
-                                  <p:stCondLst>
-                                    <p:cond delay="0"/>
-                                  </p:stCondLst>
-                                  <p:childTnLst>
-                                    <p:set>
-                                      <p:cBhvr>
-                                        <p:cTn id="38" dur="1" fill="hold">
-                                          <p:stCondLst>
-                                            <p:cond delay="0"/>
-                                          </p:stCondLst>
-                                        </p:cTn>
-                                        <p:tgtEl>
-                                          <p:spTgt spid="26"/>
-                                        </p:tgtEl>
-                                        <p:attrNameLst>
-                                          <p:attrName>style.visibility</p:attrName>
-                                        </p:attrNameLst>
-                                      </p:cBhvr>
-                                      <p:to>
-                                        <p:strVal val="visible"/>
-                                      </p:to>
-                                    </p:set>
-                                    <p:animEffect transition="in" filter="blinds(horizontal)">
-                                      <p:cBhvr>
-                                        <p:cTn id="39" dur="500"/>
-                                        <p:tgtEl>
-                                          <p:spTgt spid="26"/>
-                                        </p:tgtEl>
-                                      </p:cBhvr>
-                                    </p:animEffect>
-                                  </p:childTnLst>
-                                </p:cTn>
-                              </p:par>
-                              <p:par>
-                                <p:cTn id="40" presetID="3" presetClass="entr" presetSubtype="10" fill="hold" nodeType="withEffect">
-                                  <p:stCondLst>
-                                    <p:cond delay="0"/>
-                                  </p:stCondLst>
-                                  <p:childTnLst>
-                                    <p:set>
-                                      <p:cBhvr>
-                                        <p:cTn id="41" dur="1" fill="hold">
-                                          <p:stCondLst>
-                                            <p:cond delay="0"/>
-                                          </p:stCondLst>
-                                        </p:cTn>
-                                        <p:tgtEl>
-                                          <p:spTgt spid="30"/>
-                                        </p:tgtEl>
-                                        <p:attrNameLst>
-                                          <p:attrName>style.visibility</p:attrName>
-                                        </p:attrNameLst>
-                                      </p:cBhvr>
-                                      <p:to>
-                                        <p:strVal val="visible"/>
-                                      </p:to>
-                                    </p:set>
-                                    <p:animEffect transition="in" filter="blinds(horizontal)">
-                                      <p:cBhvr>
-                                        <p:cTn id="42" dur="500"/>
-                                        <p:tgtEl>
-                                          <p:spTgt spid="30"/>
-                                        </p:tgtEl>
-                                      </p:cBhvr>
-                                    </p:animEffect>
-                                  </p:childTnLst>
-                                </p:cTn>
-                              </p:par>
-                              <p:par>
-                                <p:cTn id="43" presetID="3" presetClass="entr" presetSubtype="10" fill="hold" grpId="0" nodeType="withEffect">
-                                  <p:stCondLst>
-                                    <p:cond delay="0"/>
-                                  </p:stCondLst>
-                                  <p:childTnLst>
-                                    <p:set>
-                                      <p:cBhvr>
-                                        <p:cTn id="44" dur="1" fill="hold">
-                                          <p:stCondLst>
-                                            <p:cond delay="0"/>
-                                          </p:stCondLst>
-                                        </p:cTn>
-                                        <p:tgtEl>
-                                          <p:spTgt spid="10"/>
-                                        </p:tgtEl>
-                                        <p:attrNameLst>
-                                          <p:attrName>style.visibility</p:attrName>
-                                        </p:attrNameLst>
-                                      </p:cBhvr>
-                                      <p:to>
-                                        <p:strVal val="visible"/>
-                                      </p:to>
-                                    </p:set>
-                                    <p:animEffect transition="in" filter="blinds(horizontal)">
-                                      <p:cBhvr>
-                                        <p:cTn id="45" dur="500"/>
-                                        <p:tgtEl>
-                                          <p:spTgt spid="10"/>
-                                        </p:tgtEl>
-                                      </p:cBhvr>
-                                    </p:animEffect>
-                                  </p:childTnLst>
-                                </p:cTn>
-                              </p:par>
-                            </p:childTnLst>
-                          </p:cTn>
-                        </p:par>
-                      </p:childTnLst>
-                    </p:cTn>
-                  </p:par>
-                  <p:par>
-                    <p:cTn id="46" fill="hold">
-                      <p:stCondLst>
-                        <p:cond delay="indefinite"/>
-                      </p:stCondLst>
-                      <p:childTnLst>
-                        <p:par>
-                          <p:cTn id="47" fill="hold">
-                            <p:stCondLst>
-                              <p:cond delay="0"/>
-                            </p:stCondLst>
-                            <p:childTnLst>
-                              <p:par>
-                                <p:cTn id="48" presetID="3" presetClass="entr" presetSubtype="10" fill="hold" nodeType="clickEffect">
-                                  <p:stCondLst>
-                                    <p:cond delay="0"/>
-                                  </p:stCondLst>
-                                  <p:childTnLst>
-                                    <p:set>
-                                      <p:cBhvr>
-                                        <p:cTn id="49" dur="1" fill="hold">
-                                          <p:stCondLst>
-                                            <p:cond delay="0"/>
-                                          </p:stCondLst>
-                                        </p:cTn>
-                                        <p:tgtEl>
-                                          <p:spTgt spid="32"/>
-                                        </p:tgtEl>
-                                        <p:attrNameLst>
-                                          <p:attrName>style.visibility</p:attrName>
-                                        </p:attrNameLst>
-                                      </p:cBhvr>
-                                      <p:to>
-                                        <p:strVal val="visible"/>
-                                      </p:to>
-                                    </p:set>
-                                    <p:animEffect transition="in" filter="blinds(horizontal)">
-                                      <p:cBhvr>
-                                        <p:cTn id="50" dur="500"/>
-                                        <p:tgtEl>
-                                          <p:spTgt spid="32"/>
-                                        </p:tgtEl>
-                                      </p:cBhvr>
-                                    </p:animEffect>
-                                  </p:childTnLst>
-                                </p:cTn>
-                              </p:par>
-                              <p:par>
-                                <p:cTn id="51" presetID="3" presetClass="entr" presetSubtype="10" fill="hold" grpId="0" nodeType="withEffect">
-                                  <p:stCondLst>
-                                    <p:cond delay="0"/>
-                                  </p:stCondLst>
-                                  <p:childTnLst>
-                                    <p:set>
-                                      <p:cBhvr>
-                                        <p:cTn id="52" dur="1" fill="hold">
-                                          <p:stCondLst>
-                                            <p:cond delay="0"/>
-                                          </p:stCondLst>
-                                        </p:cTn>
-                                        <p:tgtEl>
-                                          <p:spTgt spid="12"/>
-                                        </p:tgtEl>
-                                        <p:attrNameLst>
-                                          <p:attrName>style.visibility</p:attrName>
-                                        </p:attrNameLst>
-                                      </p:cBhvr>
-                                      <p:to>
-                                        <p:strVal val="visible"/>
-                                      </p:to>
-                                    </p:set>
-                                    <p:animEffect transition="in" filter="blinds(horizontal)">
-                                      <p:cBhvr>
-                                        <p:cTn id="53" dur="500"/>
-                                        <p:tgtEl>
-                                          <p:spTgt spid="12"/>
-                                        </p:tgtEl>
-                                      </p:cBhvr>
-                                    </p:animEffect>
-                                  </p:childTnLst>
-                                </p:cTn>
-                              </p:par>
-                            </p:childTnLst>
-                          </p:cTn>
-                        </p:par>
-                      </p:childTnLst>
-                    </p:cTn>
-                  </p:par>
-                  <p:par>
-                    <p:cTn id="54" fill="hold">
-                      <p:stCondLst>
-                        <p:cond delay="indefinite"/>
-                      </p:stCondLst>
-                      <p:childTnLst>
-                        <p:par>
-                          <p:cTn id="55" fill="hold">
-                            <p:stCondLst>
-                              <p:cond delay="0"/>
-                            </p:stCondLst>
-                            <p:childTnLst>
-                              <p:par>
-                                <p:cTn id="56" presetID="3" presetClass="entr" presetSubtype="10" fill="hold" nodeType="clickEffect">
-                                  <p:stCondLst>
-                                    <p:cond delay="0"/>
-                                  </p:stCondLst>
-                                  <p:childTnLst>
-                                    <p:set>
-                                      <p:cBhvr>
-                                        <p:cTn id="57" dur="1" fill="hold">
-                                          <p:stCondLst>
-                                            <p:cond delay="0"/>
-                                          </p:stCondLst>
-                                        </p:cTn>
-                                        <p:tgtEl>
-                                          <p:spTgt spid="34"/>
-                                        </p:tgtEl>
-                                        <p:attrNameLst>
-                                          <p:attrName>style.visibility</p:attrName>
-                                        </p:attrNameLst>
-                                      </p:cBhvr>
-                                      <p:to>
-                                        <p:strVal val="visible"/>
-                                      </p:to>
-                                    </p:set>
-                                    <p:animEffect transition="in" filter="blinds(horizontal)">
-                                      <p:cBhvr>
-                                        <p:cTn id="58" dur="500"/>
-                                        <p:tgtEl>
-                                          <p:spTgt spid="34"/>
-                                        </p:tgtEl>
-                                      </p:cBhvr>
-                                    </p:animEffect>
-                                  </p:childTnLst>
-                                </p:cTn>
-                              </p:par>
-                              <p:par>
-                                <p:cTn id="59" presetID="3" presetClass="entr" presetSubtype="10" fill="hold" grpId="0" nodeType="withEffect">
-                                  <p:stCondLst>
-                                    <p:cond delay="0"/>
-                                  </p:stCondLst>
-                                  <p:childTnLst>
-                                    <p:set>
-                                      <p:cBhvr>
-                                        <p:cTn id="60" dur="1" fill="hold">
-                                          <p:stCondLst>
-                                            <p:cond delay="0"/>
-                                          </p:stCondLst>
-                                        </p:cTn>
-                                        <p:tgtEl>
-                                          <p:spTgt spid="13"/>
-                                        </p:tgtEl>
-                                        <p:attrNameLst>
-                                          <p:attrName>style.visibility</p:attrName>
-                                        </p:attrNameLst>
-                                      </p:cBhvr>
-                                      <p:to>
-                                        <p:strVal val="visible"/>
-                                      </p:to>
-                                    </p:set>
-                                    <p:animEffect transition="in" filter="blinds(horizontal)">
-                                      <p:cBhvr>
-                                        <p:cTn id="61" dur="500"/>
-                                        <p:tgtEl>
-                                          <p:spTgt spid="13"/>
-                                        </p:tgtEl>
-                                      </p:cBhvr>
-                                    </p:animEffect>
-                                  </p:childTnLst>
-                                </p:cTn>
-                              </p:par>
-                            </p:childTnLst>
-                          </p:cTn>
-                        </p:par>
-                      </p:childTnLst>
-                    </p:cTn>
-                  </p:par>
-                  <p:par>
-                    <p:cTn id="62" fill="hold">
-                      <p:stCondLst>
-                        <p:cond delay="indefinite"/>
-                      </p:stCondLst>
-                      <p:childTnLst>
-                        <p:par>
-                          <p:cTn id="63" fill="hold">
-                            <p:stCondLst>
-                              <p:cond delay="0"/>
-                            </p:stCondLst>
-                            <p:childTnLst>
-                              <p:par>
-                                <p:cTn id="64" presetID="3" presetClass="entr" presetSubtype="10" fill="hold" nodeType="clickEffect">
-                                  <p:stCondLst>
-                                    <p:cond delay="0"/>
-                                  </p:stCondLst>
-                                  <p:childTnLst>
-                                    <p:set>
-                                      <p:cBhvr>
-                                        <p:cTn id="65" dur="1" fill="hold">
-                                          <p:stCondLst>
-                                            <p:cond delay="0"/>
-                                          </p:stCondLst>
-                                        </p:cTn>
-                                        <p:tgtEl>
-                                          <p:spTgt spid="36"/>
-                                        </p:tgtEl>
-                                        <p:attrNameLst>
-                                          <p:attrName>style.visibility</p:attrName>
-                                        </p:attrNameLst>
-                                      </p:cBhvr>
-                                      <p:to>
-                                        <p:strVal val="visible"/>
-                                      </p:to>
-                                    </p:set>
-                                    <p:animEffect transition="in" filter="blinds(horizontal)">
-                                      <p:cBhvr>
-                                        <p:cTn id="66" dur="500"/>
-                                        <p:tgtEl>
-                                          <p:spTgt spid="36"/>
-                                        </p:tgtEl>
-                                      </p:cBhvr>
-                                    </p:animEffect>
-                                  </p:childTnLst>
-                                </p:cTn>
-                              </p:par>
-                              <p:par>
-                                <p:cTn id="67" presetID="3" presetClass="entr" presetSubtype="10" fill="hold" nodeType="withEffect">
-                                  <p:stCondLst>
-                                    <p:cond delay="0"/>
-                                  </p:stCondLst>
-                                  <p:childTnLst>
-                                    <p:set>
-                                      <p:cBhvr>
-                                        <p:cTn id="68" dur="1" fill="hold">
-                                          <p:stCondLst>
-                                            <p:cond delay="0"/>
-                                          </p:stCondLst>
-                                        </p:cTn>
-                                        <p:tgtEl>
-                                          <p:spTgt spid="38"/>
-                                        </p:tgtEl>
-                                        <p:attrNameLst>
-                                          <p:attrName>style.visibility</p:attrName>
-                                        </p:attrNameLst>
-                                      </p:cBhvr>
-                                      <p:to>
-                                        <p:strVal val="visible"/>
-                                      </p:to>
-                                    </p:set>
-                                    <p:animEffect transition="in" filter="blinds(horizontal)">
-                                      <p:cBhvr>
-                                        <p:cTn id="69" dur="500"/>
-                                        <p:tgtEl>
-                                          <p:spTgt spid="38"/>
-                                        </p:tgtEl>
-                                      </p:cBhvr>
-                                    </p:animEffect>
-                                  </p:childTnLst>
-                                </p:cTn>
-                              </p:par>
-                              <p:par>
-                                <p:cTn id="70" presetID="3" presetClass="entr" presetSubtype="10" fill="hold" grpId="0" nodeType="withEffect">
-                                  <p:stCondLst>
-                                    <p:cond delay="0"/>
-                                  </p:stCondLst>
-                                  <p:childTnLst>
-                                    <p:set>
-                                      <p:cBhvr>
-                                        <p:cTn id="71" dur="1" fill="hold">
-                                          <p:stCondLst>
-                                            <p:cond delay="0"/>
-                                          </p:stCondLst>
-                                        </p:cTn>
-                                        <p:tgtEl>
-                                          <p:spTgt spid="14"/>
-                                        </p:tgtEl>
-                                        <p:attrNameLst>
-                                          <p:attrName>style.visibility</p:attrName>
-                                        </p:attrNameLst>
-                                      </p:cBhvr>
-                                      <p:to>
-                                        <p:strVal val="visible"/>
-                                      </p:to>
-                                    </p:set>
-                                    <p:animEffect transition="in" filter="blinds(horizontal)">
-                                      <p:cBhvr>
-                                        <p:cTn id="72" dur="500"/>
-                                        <p:tgtEl>
-                                          <p:spTgt spid="14"/>
-                                        </p:tgtEl>
-                                      </p:cBhvr>
-                                    </p:animEffect>
-                                  </p:childTnLst>
-                                </p:cTn>
-                              </p:par>
-                            </p:childTnLst>
-                          </p:cTn>
-                        </p:par>
-                      </p:childTnLst>
-                    </p:cTn>
-                  </p:par>
-                  <p:par>
-                    <p:cTn id="73" fill="hold">
-                      <p:stCondLst>
-                        <p:cond delay="indefinite"/>
-                      </p:stCondLst>
-                      <p:childTnLst>
-                        <p:par>
-                          <p:cTn id="74" fill="hold">
-                            <p:stCondLst>
-                              <p:cond delay="0"/>
-                            </p:stCondLst>
-                            <p:childTnLst>
-                              <p:par>
-                                <p:cTn id="75" presetID="3" presetClass="entr" presetSubtype="10" fill="hold" grpId="0" nodeType="clickEffect">
-                                  <p:stCondLst>
-                                    <p:cond delay="0"/>
-                                  </p:stCondLst>
-                                  <p:childTnLst>
-                                    <p:set>
-                                      <p:cBhvr>
-                                        <p:cTn id="76" dur="1" fill="hold">
-                                          <p:stCondLst>
-                                            <p:cond delay="0"/>
-                                          </p:stCondLst>
-                                        </p:cTn>
-                                        <p:tgtEl>
-                                          <p:spTgt spid="46"/>
-                                        </p:tgtEl>
-                                        <p:attrNameLst>
-                                          <p:attrName>style.visibility</p:attrName>
-                                        </p:attrNameLst>
-                                      </p:cBhvr>
-                                      <p:to>
-                                        <p:strVal val="visible"/>
-                                      </p:to>
-                                    </p:set>
-                                    <p:animEffect transition="in" filter="blinds(horizontal)">
-                                      <p:cBhvr>
-                                        <p:cTn id="77" dur="500"/>
-                                        <p:tgtEl>
-                                          <p:spTgt spid="46"/>
-                                        </p:tgtEl>
-                                      </p:cBhvr>
-                                    </p:animEffect>
-                                  </p:childTnLst>
-                                </p:cTn>
-                              </p:par>
-                              <p:par>
-                                <p:cTn id="78" presetID="3" presetClass="entr" presetSubtype="10" fill="hold" grpId="0" nodeType="withEffect">
-                                  <p:stCondLst>
-                                    <p:cond delay="0"/>
-                                  </p:stCondLst>
-                                  <p:childTnLst>
-                                    <p:set>
-                                      <p:cBhvr>
-                                        <p:cTn id="79" dur="1" fill="hold">
-                                          <p:stCondLst>
-                                            <p:cond delay="0"/>
-                                          </p:stCondLst>
-                                        </p:cTn>
-                                        <p:tgtEl>
-                                          <p:spTgt spid="45"/>
-                                        </p:tgtEl>
-                                        <p:attrNameLst>
-                                          <p:attrName>style.visibility</p:attrName>
-                                        </p:attrNameLst>
-                                      </p:cBhvr>
-                                      <p:to>
-                                        <p:strVal val="visible"/>
-                                      </p:to>
-                                    </p:set>
-                                    <p:animEffect transition="in" filter="blinds(horizontal)">
-                                      <p:cBhvr>
-                                        <p:cTn id="80" dur="500"/>
-                                        <p:tgtEl>
-                                          <p:spTgt spid="45"/>
-                                        </p:tgtEl>
-                                      </p:cBhvr>
-                                    </p:animEffect>
-                                  </p:childTnLst>
-                                </p:cTn>
-                              </p:par>
-                              <p:par>
-                                <p:cTn id="81" presetID="3" presetClass="entr" presetSubtype="10" fill="hold" grpId="0" nodeType="withEffect">
-                                  <p:stCondLst>
-                                    <p:cond delay="0"/>
-                                  </p:stCondLst>
-                                  <p:childTnLst>
-                                    <p:set>
-                                      <p:cBhvr>
-                                        <p:cTn id="82" dur="1" fill="hold">
-                                          <p:stCondLst>
-                                            <p:cond delay="0"/>
-                                          </p:stCondLst>
-                                        </p:cTn>
-                                        <p:tgtEl>
-                                          <p:spTgt spid="47"/>
-                                        </p:tgtEl>
-                                        <p:attrNameLst>
-                                          <p:attrName>style.visibility</p:attrName>
-                                        </p:attrNameLst>
-                                      </p:cBhvr>
-                                      <p:to>
-                                        <p:strVal val="visible"/>
-                                      </p:to>
-                                    </p:set>
-                                    <p:animEffect transition="in" filter="blinds(horizontal)">
-                                      <p:cBhvr>
-                                        <p:cTn id="83" dur="500"/>
-                                        <p:tgtEl>
-                                          <p:spTgt spid="47"/>
-                                        </p:tgtEl>
-                                      </p:cBhvr>
-                                    </p:animEffect>
-                                  </p:childTnLst>
-                                </p:cTn>
-                              </p:par>
-                              <p:par>
-                                <p:cTn id="84" presetID="3" presetClass="entr" presetSubtype="10" fill="hold" grpId="0" nodeType="withEffect">
-                                  <p:stCondLst>
-                                    <p:cond delay="0"/>
-                                  </p:stCondLst>
-                                  <p:childTnLst>
-                                    <p:set>
-                                      <p:cBhvr>
-                                        <p:cTn id="85" dur="1" fill="hold">
-                                          <p:stCondLst>
-                                            <p:cond delay="0"/>
-                                          </p:stCondLst>
-                                        </p:cTn>
-                                        <p:tgtEl>
-                                          <p:spTgt spid="48"/>
-                                        </p:tgtEl>
-                                        <p:attrNameLst>
-                                          <p:attrName>style.visibility</p:attrName>
-                                        </p:attrNameLst>
-                                      </p:cBhvr>
-                                      <p:to>
-                                        <p:strVal val="visible"/>
-                                      </p:to>
-                                    </p:set>
-                                    <p:animEffect transition="in" filter="blinds(horizontal)">
-                                      <p:cBhvr>
-                                        <p:cTn id="86" dur="500"/>
-                                        <p:tgtEl>
-                                          <p:spTgt spid="48"/>
-                                        </p:tgtEl>
-                                      </p:cBhvr>
-                                    </p:animEffect>
-                                  </p:childTnLst>
-                                </p:cTn>
-                              </p:par>
-                              <p:par>
-                                <p:cTn id="87" presetID="3" presetClass="entr" presetSubtype="10" fill="hold" grpId="0" nodeType="withEffect">
-                                  <p:stCondLst>
-                                    <p:cond delay="0"/>
-                                  </p:stCondLst>
-                                  <p:childTnLst>
-                                    <p:set>
-                                      <p:cBhvr>
-                                        <p:cTn id="88" dur="1" fill="hold">
-                                          <p:stCondLst>
-                                            <p:cond delay="0"/>
-                                          </p:stCondLst>
-                                        </p:cTn>
-                                        <p:tgtEl>
-                                          <p:spTgt spid="16"/>
-                                        </p:tgtEl>
-                                        <p:attrNameLst>
-                                          <p:attrName>style.visibility</p:attrName>
-                                        </p:attrNameLst>
-                                      </p:cBhvr>
-                                      <p:to>
-                                        <p:strVal val="visible"/>
-                                      </p:to>
-                                    </p:set>
-                                    <p:animEffect transition="in" filter="blinds(horizontal)">
-                                      <p:cBhvr>
-                                        <p:cTn id="89" dur="500"/>
-                                        <p:tgtEl>
-                                          <p:spTgt spid="16"/>
-                                        </p:tgtEl>
-                                      </p:cBhvr>
-                                    </p:animEffect>
-                                  </p:childTnLst>
-                                </p:cTn>
-                              </p:par>
-                            </p:childTnLst>
-                          </p:cTn>
-                        </p:par>
-                      </p:childTnLst>
-                    </p:cTn>
-                  </p:par>
-                  <p:par>
-                    <p:cTn id="90" fill="hold">
-                      <p:stCondLst>
-                        <p:cond delay="indefinite"/>
-                      </p:stCondLst>
-                      <p:childTnLst>
-                        <p:par>
-                          <p:cTn id="91" fill="hold">
-                            <p:stCondLst>
-                              <p:cond delay="0"/>
-                            </p:stCondLst>
-                            <p:childTnLst>
-                              <p:par>
-                                <p:cTn id="92" presetID="3" presetClass="entr" presetSubtype="10" fill="hold" grpId="0" nodeType="clickEffect">
-                                  <p:stCondLst>
-                                    <p:cond delay="0"/>
-                                  </p:stCondLst>
-                                  <p:childTnLst>
-                                    <p:set>
-                                      <p:cBhvr>
-                                        <p:cTn id="93" dur="1" fill="hold">
-                                          <p:stCondLst>
-                                            <p:cond delay="0"/>
-                                          </p:stCondLst>
-                                        </p:cTn>
-                                        <p:tgtEl>
-                                          <p:spTgt spid="42"/>
-                                        </p:tgtEl>
-                                        <p:attrNameLst>
-                                          <p:attrName>style.visibility</p:attrName>
-                                        </p:attrNameLst>
-                                      </p:cBhvr>
-                                      <p:to>
-                                        <p:strVal val="visible"/>
-                                      </p:to>
-                                    </p:set>
-                                    <p:animEffect transition="in" filter="blinds(horizontal)">
-                                      <p:cBhvr>
-                                        <p:cTn id="94" dur="500"/>
-                                        <p:tgtEl>
-                                          <p:spTgt spid="42"/>
-                                        </p:tgtEl>
-                                      </p:cBhvr>
-                                    </p:animEffect>
-                                  </p:childTnLst>
-                                </p:cTn>
-                              </p:par>
-                              <p:par>
-                                <p:cTn id="95" presetID="3" presetClass="entr" presetSubtype="10" fill="hold" grpId="0" nodeType="withEffect">
-                                  <p:stCondLst>
-                                    <p:cond delay="0"/>
-                                  </p:stCondLst>
-                                  <p:childTnLst>
-                                    <p:set>
-                                      <p:cBhvr>
-                                        <p:cTn id="96" dur="1" fill="hold">
-                                          <p:stCondLst>
-                                            <p:cond delay="0"/>
-                                          </p:stCondLst>
-                                        </p:cTn>
-                                        <p:tgtEl>
-                                          <p:spTgt spid="40"/>
-                                        </p:tgtEl>
-                                        <p:attrNameLst>
-                                          <p:attrName>style.visibility</p:attrName>
-                                        </p:attrNameLst>
-                                      </p:cBhvr>
-                                      <p:to>
-                                        <p:strVal val="visible"/>
-                                      </p:to>
-                                    </p:set>
-                                    <p:animEffect transition="in" filter="blinds(horizontal)">
-                                      <p:cBhvr>
-                                        <p:cTn id="97" dur="500"/>
-                                        <p:tgtEl>
-                                          <p:spTgt spid="40"/>
-                                        </p:tgtEl>
-                                      </p:cBhvr>
-                                    </p:animEffect>
-                                  </p:childTnLst>
-                                </p:cTn>
-                              </p:par>
-                              <p:par>
-                                <p:cTn id="98" presetID="3" presetClass="entr" presetSubtype="10" fill="hold" grpId="0" nodeType="withEffect">
-                                  <p:stCondLst>
-                                    <p:cond delay="0"/>
-                                  </p:stCondLst>
-                                  <p:childTnLst>
-                                    <p:set>
-                                      <p:cBhvr>
-                                        <p:cTn id="99" dur="1" fill="hold">
-                                          <p:stCondLst>
-                                            <p:cond delay="0"/>
-                                          </p:stCondLst>
-                                        </p:cTn>
-                                        <p:tgtEl>
-                                          <p:spTgt spid="43"/>
-                                        </p:tgtEl>
-                                        <p:attrNameLst>
-                                          <p:attrName>style.visibility</p:attrName>
-                                        </p:attrNameLst>
-                                      </p:cBhvr>
-                                      <p:to>
-                                        <p:strVal val="visible"/>
-                                      </p:to>
-                                    </p:set>
-                                    <p:animEffect transition="in" filter="blinds(horizontal)">
-                                      <p:cBhvr>
-                                        <p:cTn id="100" dur="500"/>
-                                        <p:tgtEl>
-                                          <p:spTgt spid="43"/>
-                                        </p:tgtEl>
-                                      </p:cBhvr>
-                                    </p:animEffect>
-                                  </p:childTnLst>
-                                </p:cTn>
-                              </p:par>
-                              <p:par>
-                                <p:cTn id="101" presetID="3" presetClass="entr" presetSubtype="10" fill="hold" grpId="0" nodeType="withEffect">
-                                  <p:stCondLst>
-                                    <p:cond delay="0"/>
-                                  </p:stCondLst>
-                                  <p:childTnLst>
-                                    <p:set>
-                                      <p:cBhvr>
-                                        <p:cTn id="102" dur="1" fill="hold">
-                                          <p:stCondLst>
-                                            <p:cond delay="0"/>
-                                          </p:stCondLst>
-                                        </p:cTn>
-                                        <p:tgtEl>
-                                          <p:spTgt spid="44"/>
-                                        </p:tgtEl>
-                                        <p:attrNameLst>
-                                          <p:attrName>style.visibility</p:attrName>
-                                        </p:attrNameLst>
-                                      </p:cBhvr>
-                                      <p:to>
-                                        <p:strVal val="visible"/>
-                                      </p:to>
-                                    </p:set>
-                                    <p:animEffect transition="in" filter="blinds(horizontal)">
-                                      <p:cBhvr>
-                                        <p:cTn id="103" dur="500"/>
-                                        <p:tgtEl>
-                                          <p:spTgt spid="44"/>
-                                        </p:tgtEl>
-                                      </p:cBhvr>
-                                    </p:animEffect>
-                                  </p:childTnLst>
-                                </p:cTn>
-                              </p:par>
-                              <p:par>
-                                <p:cTn id="104" presetID="3" presetClass="entr" presetSubtype="10" fill="hold" grpId="0" nodeType="withEffect">
-                                  <p:stCondLst>
-                                    <p:cond delay="0"/>
-                                  </p:stCondLst>
-                                  <p:childTnLst>
-                                    <p:set>
-                                      <p:cBhvr>
-                                        <p:cTn id="105" dur="1" fill="hold">
-                                          <p:stCondLst>
-                                            <p:cond delay="0"/>
-                                          </p:stCondLst>
-                                        </p:cTn>
-                                        <p:tgtEl>
-                                          <p:spTgt spid="15"/>
-                                        </p:tgtEl>
-                                        <p:attrNameLst>
-                                          <p:attrName>style.visibility</p:attrName>
-                                        </p:attrNameLst>
-                                      </p:cBhvr>
-                                      <p:to>
-                                        <p:strVal val="visible"/>
-                                      </p:to>
-                                    </p:set>
-                                    <p:animEffect transition="in" filter="blinds(horizontal)">
-                                      <p:cBhvr>
-                                        <p:cTn id="106" dur="500"/>
-                                        <p:tgtEl>
-                                          <p:spTgt spid="15"/>
-                                        </p:tgtEl>
-                                      </p:cBhvr>
-                                    </p:animEffect>
-                                  </p:childTnLst>
-                                </p:cTn>
-                              </p:par>
-                            </p:childTnLst>
-                          </p:cTn>
-                        </p:par>
-                      </p:childTnLst>
-                    </p:cTn>
-                  </p:par>
-                </p:childTnLst>
-              </p:cTn>
-              <p:prevCondLst>
-                <p:cond evt="onPrev" delay="0">
-                  <p:tgtEl>
-                    <p:sldTgt/>
-                  </p:tgtEl>
-                </p:cond>
-              </p:prevCondLst>
-              <p:nextCondLst>
-                <p:cond evt="onNext" delay="0">
-                  <p:tgtEl>
-                    <p:sldTgt/>
-                  </p:tgtEl>
-                </p:cond>
-              </p:nextCondLst>
-            </p:seq>
-          </p:childTnLst>
-        </p:cTn>
+        <p:cTn id="1" dur="indefinite" restart="never" nodeType="tmRoot"/>
       </p:par>
     </p:tnLst>
-    <p:bldLst>
-      <p:bldP spid="6" grpId="0" bldLvl="0" animBg="1"/>
-      <p:bldP spid="7" grpId="0" bldLvl="0" animBg="1"/>
-      <p:bldP spid="8" grpId="0" bldLvl="0" animBg="1"/>
-      <p:bldP spid="9" grpId="0" bldLvl="0" animBg="1"/>
-      <p:bldP spid="10" grpId="0" bldLvl="0" animBg="1"/>
-      <p:bldP spid="12" grpId="0" bldLvl="0" animBg="1"/>
-      <p:bldP spid="13" grpId="0" bldLvl="0" animBg="1"/>
-      <p:bldP spid="14" grpId="0" bldLvl="0" animBg="1"/>
-      <p:bldP spid="15" grpId="0" bldLvl="0" animBg="1"/>
-      <p:bldP spid="16" grpId="0" bldLvl="0" animBg="1"/>
-      <p:bldP spid="40" grpId="0" bldLvl="0" animBg="1"/>
-      <p:bldP spid="42" grpId="0" bldLvl="0" animBg="1"/>
-      <p:bldP spid="43" grpId="0" bldLvl="0" animBg="1"/>
-      <p:bldP spid="44" grpId="0" bldLvl="0" animBg="1"/>
-      <p:bldP spid="45" grpId="0" bldLvl="0" animBg="1"/>
-      <p:bldP spid="46" grpId="0" bldLvl="0" animBg="1"/>
-      <p:bldP spid="47" grpId="0" bldLvl="0" animBg="1"/>
-      <p:bldP spid="48" grpId="0" bldLvl="0" animBg="1"/>
-    </p:bldLst>
   </p:timing>
 </p:sld>
 </file>
